--- a/Bright Sparks Documentation.pptx
+++ b/Bright Sparks Documentation.pptx
@@ -7,6 +7,14 @@
   <p:sldIdLst>
     <p:sldId id="256" r:id="rId2"/>
     <p:sldId id="257" r:id="rId3"/>
+    <p:sldId id="258" r:id="rId4"/>
+    <p:sldId id="260" r:id="rId5"/>
+    <p:sldId id="261" r:id="rId6"/>
+    <p:sldId id="262" r:id="rId7"/>
+    <p:sldId id="263" r:id="rId8"/>
+    <p:sldId id="264" r:id="rId9"/>
+    <p:sldId id="265" r:id="rId10"/>
+    <p:sldId id="266" r:id="rId11"/>
   </p:sldIdLst>
   <p:sldSz cx="12192000" cy="6858000"/>
   <p:notesSz cx="6858000" cy="9144000"/>
@@ -106,6 +114,2649 @@
     </a:lvl9pPr>
   </p:defaultTextStyle>
 </p:presentation>
+</file>
+
+<file path=ppt/diagrams/colors1.xml><?xml version="1.0" encoding="utf-8"?>
+<dgm:colorsDef xmlns:dgm="http://schemas.openxmlformats.org/drawingml/2006/diagram" xmlns:a="http://schemas.openxmlformats.org/drawingml/2006/main" uniqueId="urn:microsoft.com/office/officeart/2005/8/colors/colorful5">
+  <dgm:title val=""/>
+  <dgm:desc val=""/>
+  <dgm:catLst>
+    <dgm:cat type="colorful" pri="10500"/>
+  </dgm:catLst>
+  <dgm:styleLbl name="node0">
+    <dgm:fillClrLst meth="repeat">
+      <a:schemeClr val="accent4"/>
+    </dgm:fillClrLst>
+    <dgm:linClrLst meth="repeat">
+      <a:schemeClr val="lt1"/>
+    </dgm:linClrLst>
+    <dgm:effectClrLst/>
+    <dgm:txLinClrLst/>
+    <dgm:txFillClrLst/>
+    <dgm:txEffectClrLst/>
+  </dgm:styleLbl>
+  <dgm:styleLbl name="node1">
+    <dgm:fillClrLst>
+      <a:schemeClr val="accent5"/>
+      <a:schemeClr val="accent6"/>
+    </dgm:fillClrLst>
+    <dgm:linClrLst meth="repeat">
+      <a:schemeClr val="lt1"/>
+    </dgm:linClrLst>
+    <dgm:effectClrLst/>
+    <dgm:txLinClrLst/>
+    <dgm:txFillClrLst/>
+    <dgm:txEffectClrLst/>
+  </dgm:styleLbl>
+  <dgm:styleLbl name="alignNode1">
+    <dgm:fillClrLst>
+      <a:schemeClr val="accent5"/>
+      <a:schemeClr val="accent6"/>
+    </dgm:fillClrLst>
+    <dgm:linClrLst>
+      <a:schemeClr val="accent5"/>
+      <a:schemeClr val="accent6"/>
+    </dgm:linClrLst>
+    <dgm:effectClrLst/>
+    <dgm:txLinClrLst/>
+    <dgm:txFillClrLst/>
+    <dgm:txEffectClrLst/>
+  </dgm:styleLbl>
+  <dgm:styleLbl name="lnNode1">
+    <dgm:fillClrLst>
+      <a:schemeClr val="accent5"/>
+      <a:schemeClr val="accent6"/>
+    </dgm:fillClrLst>
+    <dgm:linClrLst meth="repeat">
+      <a:schemeClr val="lt1"/>
+    </dgm:linClrLst>
+    <dgm:effectClrLst/>
+    <dgm:txLinClrLst/>
+    <dgm:txFillClrLst/>
+    <dgm:txEffectClrLst/>
+  </dgm:styleLbl>
+  <dgm:styleLbl name="vennNode1">
+    <dgm:fillClrLst>
+      <a:schemeClr val="accent5">
+        <a:alpha val="50000"/>
+      </a:schemeClr>
+      <a:schemeClr val="accent6">
+        <a:alpha val="50000"/>
+      </a:schemeClr>
+    </dgm:fillClrLst>
+    <dgm:linClrLst meth="repeat">
+      <a:schemeClr val="lt1"/>
+    </dgm:linClrLst>
+    <dgm:effectClrLst/>
+    <dgm:txLinClrLst/>
+    <dgm:txFillClrLst/>
+    <dgm:txEffectClrLst/>
+  </dgm:styleLbl>
+  <dgm:styleLbl name="node2">
+    <dgm:fillClrLst>
+      <a:schemeClr val="accent6"/>
+    </dgm:fillClrLst>
+    <dgm:linClrLst meth="repeat">
+      <a:schemeClr val="lt1"/>
+    </dgm:linClrLst>
+    <dgm:effectClrLst/>
+    <dgm:txLinClrLst/>
+    <dgm:txFillClrLst/>
+    <dgm:txEffectClrLst/>
+  </dgm:styleLbl>
+  <dgm:styleLbl name="node3">
+    <dgm:fillClrLst>
+      <a:schemeClr val="accent1"/>
+    </dgm:fillClrLst>
+    <dgm:linClrLst meth="repeat">
+      <a:schemeClr val="lt1"/>
+    </dgm:linClrLst>
+    <dgm:effectClrLst/>
+    <dgm:txLinClrLst/>
+    <dgm:txFillClrLst/>
+    <dgm:txEffectClrLst/>
+  </dgm:styleLbl>
+  <dgm:styleLbl name="node4">
+    <dgm:fillClrLst>
+      <a:schemeClr val="accent2"/>
+    </dgm:fillClrLst>
+    <dgm:linClrLst meth="repeat">
+      <a:schemeClr val="lt1"/>
+    </dgm:linClrLst>
+    <dgm:effectClrLst/>
+    <dgm:txLinClrLst/>
+    <dgm:txFillClrLst/>
+    <dgm:txEffectClrLst/>
+  </dgm:styleLbl>
+  <dgm:styleLbl name="fgImgPlace1">
+    <dgm:fillClrLst>
+      <a:schemeClr val="accent5">
+        <a:tint val="50000"/>
+      </a:schemeClr>
+      <a:schemeClr val="accent6">
+        <a:tint val="50000"/>
+      </a:schemeClr>
+    </dgm:fillClrLst>
+    <dgm:linClrLst meth="repeat">
+      <a:schemeClr val="lt1"/>
+    </dgm:linClrLst>
+    <dgm:effectClrLst/>
+    <dgm:txLinClrLst/>
+    <dgm:txFillClrLst meth="repeat">
+      <a:schemeClr val="lt1"/>
+    </dgm:txFillClrLst>
+    <dgm:txEffectClrLst/>
+  </dgm:styleLbl>
+  <dgm:styleLbl name="alignImgPlace1">
+    <dgm:fillClrLst>
+      <a:schemeClr val="accent5">
+        <a:tint val="50000"/>
+      </a:schemeClr>
+      <a:schemeClr val="accent6">
+        <a:tint val="20000"/>
+      </a:schemeClr>
+    </dgm:fillClrLst>
+    <dgm:linClrLst meth="repeat">
+      <a:schemeClr val="lt1"/>
+    </dgm:linClrLst>
+    <dgm:effectClrLst/>
+    <dgm:txLinClrLst/>
+    <dgm:txFillClrLst meth="repeat">
+      <a:schemeClr val="lt1"/>
+    </dgm:txFillClrLst>
+    <dgm:txEffectClrLst/>
+  </dgm:styleLbl>
+  <dgm:styleLbl name="bgImgPlace1">
+    <dgm:fillClrLst>
+      <a:schemeClr val="accent5">
+        <a:tint val="50000"/>
+      </a:schemeClr>
+      <a:schemeClr val="accent6">
+        <a:tint val="20000"/>
+      </a:schemeClr>
+    </dgm:fillClrLst>
+    <dgm:linClrLst meth="repeat">
+      <a:schemeClr val="lt1"/>
+    </dgm:linClrLst>
+    <dgm:effectClrLst/>
+    <dgm:txLinClrLst/>
+    <dgm:txFillClrLst meth="repeat">
+      <a:schemeClr val="lt1"/>
+    </dgm:txFillClrLst>
+    <dgm:txEffectClrLst/>
+  </dgm:styleLbl>
+  <dgm:styleLbl name="sibTrans2D1">
+    <dgm:fillClrLst>
+      <a:schemeClr val="accent5"/>
+      <a:schemeClr val="accent6"/>
+    </dgm:fillClrLst>
+    <dgm:linClrLst meth="repeat">
+      <a:schemeClr val="lt1"/>
+    </dgm:linClrLst>
+    <dgm:effectClrLst/>
+    <dgm:txLinClrLst/>
+    <dgm:txFillClrLst/>
+    <dgm:txEffectClrLst/>
+  </dgm:styleLbl>
+  <dgm:styleLbl name="fgSibTrans2D1">
+    <dgm:fillClrLst>
+      <a:schemeClr val="accent5"/>
+      <a:schemeClr val="accent6"/>
+    </dgm:fillClrLst>
+    <dgm:linClrLst meth="repeat">
+      <a:schemeClr val="lt1"/>
+    </dgm:linClrLst>
+    <dgm:effectClrLst/>
+    <dgm:txLinClrLst/>
+    <dgm:txFillClrLst meth="repeat">
+      <a:schemeClr val="lt1"/>
+    </dgm:txFillClrLst>
+    <dgm:txEffectClrLst/>
+  </dgm:styleLbl>
+  <dgm:styleLbl name="bgSibTrans2D1">
+    <dgm:fillClrLst>
+      <a:schemeClr val="accent5"/>
+      <a:schemeClr val="accent6"/>
+    </dgm:fillClrLst>
+    <dgm:linClrLst meth="repeat">
+      <a:schemeClr val="lt1"/>
+    </dgm:linClrLst>
+    <dgm:effectClrLst/>
+    <dgm:txLinClrLst/>
+    <dgm:txFillClrLst meth="repeat">
+      <a:schemeClr val="lt1"/>
+    </dgm:txFillClrLst>
+    <dgm:txEffectClrLst/>
+  </dgm:styleLbl>
+  <dgm:styleLbl name="sibTrans1D1">
+    <dgm:fillClrLst/>
+    <dgm:linClrLst>
+      <a:schemeClr val="accent5"/>
+      <a:schemeClr val="accent6"/>
+    </dgm:linClrLst>
+    <dgm:effectClrLst/>
+    <dgm:txLinClrLst/>
+    <dgm:txFillClrLst meth="repeat">
+      <a:schemeClr val="tx1"/>
+    </dgm:txFillClrLst>
+    <dgm:txEffectClrLst/>
+  </dgm:styleLbl>
+  <dgm:styleLbl name="callout">
+    <dgm:fillClrLst meth="repeat">
+      <a:schemeClr val="accent5"/>
+    </dgm:fillClrLst>
+    <dgm:linClrLst meth="repeat">
+      <a:schemeClr val="accent5">
+        <a:tint val="50000"/>
+      </a:schemeClr>
+    </dgm:linClrLst>
+    <dgm:effectClrLst/>
+    <dgm:txLinClrLst/>
+    <dgm:txFillClrLst meth="repeat">
+      <a:schemeClr val="tx1"/>
+    </dgm:txFillClrLst>
+    <dgm:txEffectClrLst/>
+  </dgm:styleLbl>
+  <dgm:styleLbl name="asst0">
+    <dgm:fillClrLst meth="repeat">
+      <a:schemeClr val="accent5"/>
+    </dgm:fillClrLst>
+    <dgm:linClrLst meth="repeat">
+      <a:schemeClr val="lt1">
+        <a:shade val="80000"/>
+      </a:schemeClr>
+    </dgm:linClrLst>
+    <dgm:effectClrLst/>
+    <dgm:txLinClrLst/>
+    <dgm:txFillClrLst/>
+    <dgm:txEffectClrLst/>
+  </dgm:styleLbl>
+  <dgm:styleLbl name="asst1">
+    <dgm:fillClrLst meth="repeat">
+      <a:schemeClr val="accent6"/>
+    </dgm:fillClrLst>
+    <dgm:linClrLst meth="repeat">
+      <a:schemeClr val="lt1">
+        <a:shade val="80000"/>
+      </a:schemeClr>
+    </dgm:linClrLst>
+    <dgm:effectClrLst/>
+    <dgm:txLinClrLst/>
+    <dgm:txFillClrLst/>
+    <dgm:txEffectClrLst/>
+  </dgm:styleLbl>
+  <dgm:styleLbl name="asst2">
+    <dgm:fillClrLst>
+      <a:schemeClr val="accent1"/>
+    </dgm:fillClrLst>
+    <dgm:linClrLst meth="repeat">
+      <a:schemeClr val="lt1"/>
+    </dgm:linClrLst>
+    <dgm:effectClrLst/>
+    <dgm:txLinClrLst/>
+    <dgm:txFillClrLst/>
+    <dgm:txEffectClrLst/>
+  </dgm:styleLbl>
+  <dgm:styleLbl name="asst3">
+    <dgm:fillClrLst>
+      <a:schemeClr val="accent2"/>
+    </dgm:fillClrLst>
+    <dgm:linClrLst meth="repeat">
+      <a:schemeClr val="lt1"/>
+    </dgm:linClrLst>
+    <dgm:effectClrLst/>
+    <dgm:txLinClrLst/>
+    <dgm:txFillClrLst/>
+    <dgm:txEffectClrLst/>
+  </dgm:styleLbl>
+  <dgm:styleLbl name="asst4">
+    <dgm:fillClrLst>
+      <a:schemeClr val="accent3"/>
+    </dgm:fillClrLst>
+    <dgm:linClrLst meth="repeat">
+      <a:schemeClr val="lt1"/>
+    </dgm:linClrLst>
+    <dgm:effectClrLst/>
+    <dgm:txLinClrLst/>
+    <dgm:txFillClrLst/>
+    <dgm:txEffectClrLst/>
+  </dgm:styleLbl>
+  <dgm:styleLbl name="parChTrans2D1">
+    <dgm:fillClrLst meth="repeat">
+      <a:schemeClr val="accent5"/>
+    </dgm:fillClrLst>
+    <dgm:linClrLst meth="repeat">
+      <a:schemeClr val="lt1"/>
+    </dgm:linClrLst>
+    <dgm:effectClrLst/>
+    <dgm:txLinClrLst/>
+    <dgm:txFillClrLst meth="repeat">
+      <a:schemeClr val="lt1"/>
+    </dgm:txFillClrLst>
+    <dgm:txEffectClrLst/>
+  </dgm:styleLbl>
+  <dgm:styleLbl name="parChTrans2D2">
+    <dgm:fillClrLst meth="repeat">
+      <a:schemeClr val="accent6"/>
+    </dgm:fillClrLst>
+    <dgm:linClrLst meth="repeat">
+      <a:schemeClr val="lt1"/>
+    </dgm:linClrLst>
+    <dgm:effectClrLst/>
+    <dgm:txLinClrLst/>
+    <dgm:txFillClrLst/>
+    <dgm:txEffectClrLst/>
+  </dgm:styleLbl>
+  <dgm:styleLbl name="parChTrans2D3">
+    <dgm:fillClrLst meth="repeat">
+      <a:schemeClr val="accent6"/>
+    </dgm:fillClrLst>
+    <dgm:linClrLst meth="repeat">
+      <a:schemeClr val="lt1"/>
+    </dgm:linClrLst>
+    <dgm:effectClrLst/>
+    <dgm:txLinClrLst/>
+    <dgm:txFillClrLst/>
+    <dgm:txEffectClrLst/>
+  </dgm:styleLbl>
+  <dgm:styleLbl name="parChTrans2D4">
+    <dgm:fillClrLst meth="repeat">
+      <a:schemeClr val="accent1"/>
+    </dgm:fillClrLst>
+    <dgm:linClrLst meth="repeat">
+      <a:schemeClr val="lt1"/>
+    </dgm:linClrLst>
+    <dgm:effectClrLst/>
+    <dgm:txLinClrLst/>
+    <dgm:txFillClrLst meth="repeat">
+      <a:schemeClr val="lt1"/>
+    </dgm:txFillClrLst>
+    <dgm:txEffectClrLst/>
+  </dgm:styleLbl>
+  <dgm:styleLbl name="parChTrans1D1">
+    <dgm:fillClrLst meth="repeat">
+      <a:schemeClr val="accent5"/>
+    </dgm:fillClrLst>
+    <dgm:linClrLst meth="repeat">
+      <a:schemeClr val="accent5"/>
+    </dgm:linClrLst>
+    <dgm:effectClrLst/>
+    <dgm:txLinClrLst/>
+    <dgm:txFillClrLst meth="repeat">
+      <a:schemeClr val="tx1"/>
+    </dgm:txFillClrLst>
+    <dgm:txEffectClrLst/>
+  </dgm:styleLbl>
+  <dgm:styleLbl name="parChTrans1D2">
+    <dgm:fillClrLst meth="repeat">
+      <a:schemeClr val="accent6">
+        <a:tint val="90000"/>
+      </a:schemeClr>
+    </dgm:fillClrLst>
+    <dgm:linClrLst meth="repeat">
+      <a:schemeClr val="accent6"/>
+    </dgm:linClrLst>
+    <dgm:effectClrLst/>
+    <dgm:txLinClrLst/>
+    <dgm:txFillClrLst meth="repeat">
+      <a:schemeClr val="tx1"/>
+    </dgm:txFillClrLst>
+    <dgm:txEffectClrLst/>
+  </dgm:styleLbl>
+  <dgm:styleLbl name="parChTrans1D3">
+    <dgm:fillClrLst meth="repeat">
+      <a:schemeClr val="accent6">
+        <a:tint val="70000"/>
+      </a:schemeClr>
+    </dgm:fillClrLst>
+    <dgm:linClrLst meth="repeat">
+      <a:schemeClr val="accent1"/>
+    </dgm:linClrLst>
+    <dgm:effectClrLst/>
+    <dgm:txLinClrLst/>
+    <dgm:txFillClrLst meth="repeat">
+      <a:schemeClr val="tx1"/>
+    </dgm:txFillClrLst>
+    <dgm:txEffectClrLst/>
+  </dgm:styleLbl>
+  <dgm:styleLbl name="parChTrans1D4">
+    <dgm:fillClrLst meth="repeat">
+      <a:schemeClr val="accent6">
+        <a:tint val="50000"/>
+      </a:schemeClr>
+    </dgm:fillClrLst>
+    <dgm:linClrLst meth="repeat">
+      <a:schemeClr val="accent2"/>
+    </dgm:linClrLst>
+    <dgm:effectClrLst/>
+    <dgm:txLinClrLst/>
+    <dgm:txFillClrLst meth="repeat">
+      <a:schemeClr val="tx1"/>
+    </dgm:txFillClrLst>
+    <dgm:txEffectClrLst/>
+  </dgm:styleLbl>
+  <dgm:styleLbl name="fgAcc1">
+    <dgm:fillClrLst meth="repeat">
+      <a:schemeClr val="lt1">
+        <a:alpha val="90000"/>
+      </a:schemeClr>
+    </dgm:fillClrLst>
+    <dgm:linClrLst>
+      <a:schemeClr val="accent5"/>
+      <a:schemeClr val="accent6"/>
+    </dgm:linClrLst>
+    <dgm:effectClrLst/>
+    <dgm:txLinClrLst/>
+    <dgm:txFillClrLst meth="repeat">
+      <a:schemeClr val="dk1"/>
+    </dgm:txFillClrLst>
+    <dgm:txEffectClrLst/>
+  </dgm:styleLbl>
+  <dgm:styleLbl name="conFgAcc1">
+    <dgm:fillClrLst meth="repeat">
+      <a:schemeClr val="lt1">
+        <a:alpha val="90000"/>
+      </a:schemeClr>
+    </dgm:fillClrLst>
+    <dgm:linClrLst>
+      <a:schemeClr val="accent5"/>
+      <a:schemeClr val="accent6"/>
+    </dgm:linClrLst>
+    <dgm:effectClrLst/>
+    <dgm:txLinClrLst/>
+    <dgm:txFillClrLst meth="repeat">
+      <a:schemeClr val="dk1"/>
+    </dgm:txFillClrLst>
+    <dgm:txEffectClrLst/>
+  </dgm:styleLbl>
+  <dgm:styleLbl name="alignAcc1">
+    <dgm:fillClrLst meth="repeat">
+      <a:schemeClr val="lt1">
+        <a:alpha val="90000"/>
+      </a:schemeClr>
+    </dgm:fillClrLst>
+    <dgm:linClrLst>
+      <a:schemeClr val="accent5"/>
+      <a:schemeClr val="accent6"/>
+    </dgm:linClrLst>
+    <dgm:effectClrLst/>
+    <dgm:txLinClrLst/>
+    <dgm:txFillClrLst meth="repeat">
+      <a:schemeClr val="dk1"/>
+    </dgm:txFillClrLst>
+    <dgm:txEffectClrLst/>
+  </dgm:styleLbl>
+  <dgm:styleLbl name="trAlignAcc1">
+    <dgm:fillClrLst meth="repeat">
+      <a:schemeClr val="lt1">
+        <a:alpha val="40000"/>
+      </a:schemeClr>
+    </dgm:fillClrLst>
+    <dgm:linClrLst meth="repeat">
+      <a:schemeClr val="accent5"/>
+    </dgm:linClrLst>
+    <dgm:effectClrLst/>
+    <dgm:txLinClrLst/>
+    <dgm:txFillClrLst meth="repeat">
+      <a:schemeClr val="dk1"/>
+    </dgm:txFillClrLst>
+    <dgm:txEffectClrLst/>
+  </dgm:styleLbl>
+  <dgm:styleLbl name="bgAcc1">
+    <dgm:fillClrLst meth="repeat">
+      <a:schemeClr val="lt1">
+        <a:alpha val="90000"/>
+      </a:schemeClr>
+    </dgm:fillClrLst>
+    <dgm:linClrLst>
+      <a:schemeClr val="accent5"/>
+      <a:schemeClr val="accent6"/>
+    </dgm:linClrLst>
+    <dgm:effectClrLst/>
+    <dgm:txLinClrLst/>
+    <dgm:txFillClrLst meth="repeat">
+      <a:schemeClr val="dk1"/>
+    </dgm:txFillClrLst>
+    <dgm:txEffectClrLst/>
+  </dgm:styleLbl>
+  <dgm:styleLbl name="solidFgAcc1">
+    <dgm:fillClrLst meth="repeat">
+      <a:schemeClr val="lt1"/>
+    </dgm:fillClrLst>
+    <dgm:linClrLst>
+      <a:schemeClr val="accent5"/>
+      <a:schemeClr val="accent6"/>
+    </dgm:linClrLst>
+    <dgm:effectClrLst/>
+    <dgm:txLinClrLst/>
+    <dgm:txFillClrLst meth="repeat">
+      <a:schemeClr val="dk1"/>
+    </dgm:txFillClrLst>
+    <dgm:txEffectClrLst/>
+  </dgm:styleLbl>
+  <dgm:styleLbl name="solidAlignAcc1">
+    <dgm:fillClrLst meth="repeat">
+      <a:schemeClr val="lt1"/>
+    </dgm:fillClrLst>
+    <dgm:linClrLst>
+      <a:schemeClr val="accent5"/>
+      <a:schemeClr val="accent6"/>
+    </dgm:linClrLst>
+    <dgm:effectClrLst/>
+    <dgm:txLinClrLst/>
+    <dgm:txFillClrLst meth="repeat">
+      <a:schemeClr val="dk1"/>
+    </dgm:txFillClrLst>
+    <dgm:txEffectClrLst/>
+  </dgm:styleLbl>
+  <dgm:styleLbl name="solidBgAcc1">
+    <dgm:fillClrLst meth="repeat">
+      <a:schemeClr val="lt1"/>
+    </dgm:fillClrLst>
+    <dgm:linClrLst>
+      <a:schemeClr val="accent5"/>
+      <a:schemeClr val="accent6"/>
+    </dgm:linClrLst>
+    <dgm:effectClrLst/>
+    <dgm:txLinClrLst/>
+    <dgm:txFillClrLst meth="repeat">
+      <a:schemeClr val="dk1"/>
+    </dgm:txFillClrLst>
+    <dgm:txEffectClrLst/>
+  </dgm:styleLbl>
+  <dgm:styleLbl name="fgAccFollowNode1">
+    <dgm:fillClrLst>
+      <a:schemeClr val="accent5">
+        <a:tint val="40000"/>
+        <a:alpha val="90000"/>
+      </a:schemeClr>
+      <a:schemeClr val="accent6">
+        <a:tint val="40000"/>
+        <a:alpha val="90000"/>
+      </a:schemeClr>
+    </dgm:fillClrLst>
+    <dgm:linClrLst>
+      <a:schemeClr val="accent5">
+        <a:tint val="40000"/>
+        <a:alpha val="90000"/>
+      </a:schemeClr>
+      <a:schemeClr val="accent5">
+        <a:tint val="40000"/>
+        <a:alpha val="90000"/>
+      </a:schemeClr>
+    </dgm:linClrLst>
+    <dgm:effectClrLst/>
+    <dgm:txLinClrLst/>
+    <dgm:txFillClrLst meth="repeat">
+      <a:schemeClr val="dk1"/>
+    </dgm:txFillClrLst>
+    <dgm:txEffectClrLst/>
+  </dgm:styleLbl>
+  <dgm:styleLbl name="alignAccFollowNode1">
+    <dgm:fillClrLst>
+      <a:schemeClr val="accent5">
+        <a:tint val="40000"/>
+        <a:alpha val="90000"/>
+      </a:schemeClr>
+      <a:schemeClr val="accent6">
+        <a:tint val="40000"/>
+        <a:alpha val="90000"/>
+      </a:schemeClr>
+    </dgm:fillClrLst>
+    <dgm:linClrLst>
+      <a:schemeClr val="accent5">
+        <a:tint val="40000"/>
+        <a:alpha val="90000"/>
+      </a:schemeClr>
+      <a:schemeClr val="accent6">
+        <a:tint val="40000"/>
+        <a:alpha val="90000"/>
+      </a:schemeClr>
+    </dgm:linClrLst>
+    <dgm:effectClrLst/>
+    <dgm:txLinClrLst/>
+    <dgm:txFillClrLst meth="repeat">
+      <a:schemeClr val="dk1"/>
+    </dgm:txFillClrLst>
+    <dgm:txEffectClrLst/>
+  </dgm:styleLbl>
+  <dgm:styleLbl name="bgAccFollowNode1">
+    <dgm:fillClrLst>
+      <a:schemeClr val="accent5">
+        <a:tint val="40000"/>
+        <a:alpha val="90000"/>
+      </a:schemeClr>
+      <a:schemeClr val="accent6">
+        <a:tint val="40000"/>
+        <a:alpha val="90000"/>
+      </a:schemeClr>
+    </dgm:fillClrLst>
+    <dgm:linClrLst>
+      <a:schemeClr val="accent5">
+        <a:tint val="40000"/>
+        <a:alpha val="90000"/>
+      </a:schemeClr>
+      <a:schemeClr val="accent6">
+        <a:tint val="40000"/>
+        <a:alpha val="90000"/>
+      </a:schemeClr>
+    </dgm:linClrLst>
+    <dgm:effectClrLst/>
+    <dgm:txLinClrLst/>
+    <dgm:txFillClrLst meth="repeat">
+      <a:schemeClr val="dk1"/>
+    </dgm:txFillClrLst>
+    <dgm:txEffectClrLst/>
+  </dgm:styleLbl>
+  <dgm:styleLbl name="fgAcc0">
+    <dgm:fillClrLst meth="repeat">
+      <a:schemeClr val="lt1">
+        <a:alpha val="90000"/>
+      </a:schemeClr>
+    </dgm:fillClrLst>
+    <dgm:linClrLst>
+      <a:schemeClr val="accent4"/>
+    </dgm:linClrLst>
+    <dgm:effectClrLst/>
+    <dgm:txLinClrLst/>
+    <dgm:txFillClrLst meth="repeat">
+      <a:schemeClr val="dk1"/>
+    </dgm:txFillClrLst>
+    <dgm:txEffectClrLst/>
+  </dgm:styleLbl>
+  <dgm:styleLbl name="fgAcc2">
+    <dgm:fillClrLst meth="repeat">
+      <a:schemeClr val="lt1">
+        <a:alpha val="90000"/>
+      </a:schemeClr>
+    </dgm:fillClrLst>
+    <dgm:linClrLst>
+      <a:schemeClr val="accent6"/>
+    </dgm:linClrLst>
+    <dgm:effectClrLst/>
+    <dgm:txLinClrLst/>
+    <dgm:txFillClrLst meth="repeat">
+      <a:schemeClr val="dk1"/>
+    </dgm:txFillClrLst>
+    <dgm:txEffectClrLst/>
+  </dgm:styleLbl>
+  <dgm:styleLbl name="fgAcc3">
+    <dgm:fillClrLst meth="repeat">
+      <a:schemeClr val="lt1">
+        <a:alpha val="90000"/>
+      </a:schemeClr>
+    </dgm:fillClrLst>
+    <dgm:linClrLst>
+      <a:schemeClr val="accent1"/>
+    </dgm:linClrLst>
+    <dgm:effectClrLst/>
+    <dgm:txLinClrLst/>
+    <dgm:txFillClrLst meth="repeat">
+      <a:schemeClr val="dk1"/>
+    </dgm:txFillClrLst>
+    <dgm:txEffectClrLst/>
+  </dgm:styleLbl>
+  <dgm:styleLbl name="fgAcc4">
+    <dgm:fillClrLst meth="repeat">
+      <a:schemeClr val="lt1">
+        <a:alpha val="90000"/>
+      </a:schemeClr>
+    </dgm:fillClrLst>
+    <dgm:linClrLst>
+      <a:schemeClr val="accent2"/>
+    </dgm:linClrLst>
+    <dgm:effectClrLst/>
+    <dgm:txLinClrLst/>
+    <dgm:txFillClrLst meth="repeat">
+      <a:schemeClr val="dk1"/>
+    </dgm:txFillClrLst>
+    <dgm:txEffectClrLst/>
+  </dgm:styleLbl>
+  <dgm:styleLbl name="bgShp">
+    <dgm:fillClrLst meth="repeat">
+      <a:schemeClr val="accent5">
+        <a:tint val="40000"/>
+      </a:schemeClr>
+    </dgm:fillClrLst>
+    <dgm:linClrLst meth="repeat">
+      <a:schemeClr val="dk1"/>
+    </dgm:linClrLst>
+    <dgm:effectClrLst/>
+    <dgm:txLinClrLst/>
+    <dgm:txFillClrLst meth="repeat">
+      <a:schemeClr val="dk1"/>
+    </dgm:txFillClrLst>
+    <dgm:txEffectClrLst/>
+  </dgm:styleLbl>
+  <dgm:styleLbl name="dkBgShp">
+    <dgm:fillClrLst meth="repeat">
+      <a:schemeClr val="accent5">
+        <a:shade val="90000"/>
+      </a:schemeClr>
+    </dgm:fillClrLst>
+    <dgm:linClrLst meth="repeat">
+      <a:schemeClr val="dk1"/>
+    </dgm:linClrLst>
+    <dgm:effectClrLst/>
+    <dgm:txLinClrLst/>
+    <dgm:txFillClrLst meth="repeat">
+      <a:schemeClr val="lt1"/>
+    </dgm:txFillClrLst>
+    <dgm:txEffectClrLst/>
+  </dgm:styleLbl>
+  <dgm:styleLbl name="trBgShp">
+    <dgm:fillClrLst meth="repeat">
+      <a:schemeClr val="accent5">
+        <a:tint val="50000"/>
+        <a:alpha val="40000"/>
+      </a:schemeClr>
+    </dgm:fillClrLst>
+    <dgm:linClrLst meth="repeat">
+      <a:schemeClr val="accent5"/>
+    </dgm:linClrLst>
+    <dgm:effectClrLst/>
+    <dgm:txLinClrLst/>
+    <dgm:txFillClrLst meth="repeat">
+      <a:schemeClr val="lt1"/>
+    </dgm:txFillClrLst>
+    <dgm:txEffectClrLst/>
+  </dgm:styleLbl>
+  <dgm:styleLbl name="fgShp">
+    <dgm:fillClrLst meth="repeat">
+      <a:schemeClr val="accent5">
+        <a:tint val="40000"/>
+      </a:schemeClr>
+    </dgm:fillClrLst>
+    <dgm:linClrLst meth="repeat">
+      <a:schemeClr val="lt1"/>
+    </dgm:linClrLst>
+    <dgm:effectClrLst/>
+    <dgm:txLinClrLst/>
+    <dgm:txFillClrLst meth="repeat">
+      <a:schemeClr val="dk1"/>
+    </dgm:txFillClrLst>
+    <dgm:txEffectClrLst/>
+  </dgm:styleLbl>
+  <dgm:styleLbl name="revTx">
+    <dgm:fillClrLst meth="repeat">
+      <a:schemeClr val="lt1">
+        <a:alpha val="0"/>
+      </a:schemeClr>
+    </dgm:fillClrLst>
+    <dgm:linClrLst meth="repeat">
+      <a:schemeClr val="dk1">
+        <a:alpha val="0"/>
+      </a:schemeClr>
+    </dgm:linClrLst>
+    <dgm:effectClrLst/>
+    <dgm:txLinClrLst/>
+    <dgm:txFillClrLst meth="repeat">
+      <a:schemeClr val="tx1"/>
+    </dgm:txFillClrLst>
+    <dgm:txEffectClrLst/>
+  </dgm:styleLbl>
+</dgm:colorsDef>
+</file>
+
+<file path=ppt/diagrams/data1.xml><?xml version="1.0" encoding="utf-8"?>
+<dgm:dataModel xmlns:dgm="http://schemas.openxmlformats.org/drawingml/2006/diagram" xmlns:a="http://schemas.openxmlformats.org/drawingml/2006/main">
+  <dgm:ptLst>
+    <dgm:pt modelId="{95CA0690-275A-4805-9C57-C9DCB5415A6B}" type="doc">
+      <dgm:prSet loTypeId="urn:microsoft.com/office/officeart/2005/8/layout/vList2" loCatId="list" qsTypeId="urn:microsoft.com/office/officeart/2005/8/quickstyle/simple4" qsCatId="simple" csTypeId="urn:microsoft.com/office/officeart/2005/8/colors/colorful5" csCatId="colorful"/>
+      <dgm:spPr/>
+      <dgm:t>
+        <a:bodyPr/>
+        <a:lstStyle/>
+        <a:p>
+          <a:endParaRPr lang="en-US"/>
+        </a:p>
+      </dgm:t>
+    </dgm:pt>
+    <dgm:pt modelId="{0D45351E-D134-43A3-8B81-C386C900BBD9}">
+      <dgm:prSet/>
+      <dgm:spPr/>
+      <dgm:t>
+        <a:bodyPr/>
+        <a:lstStyle/>
+        <a:p>
+          <a:r>
+            <a:rPr lang="en-GB"/>
+            <a:t>5 functions with each menu option in</a:t>
+          </a:r>
+          <a:endParaRPr lang="en-US"/>
+        </a:p>
+      </dgm:t>
+    </dgm:pt>
+    <dgm:pt modelId="{9705CFBA-35EF-4841-A773-AED701A2ED5F}" type="parTrans" cxnId="{87F5C607-F3F6-4EA3-9DD7-3AD48F299250}">
+      <dgm:prSet/>
+      <dgm:spPr/>
+      <dgm:t>
+        <a:bodyPr/>
+        <a:lstStyle/>
+        <a:p>
+          <a:endParaRPr lang="en-US"/>
+        </a:p>
+      </dgm:t>
+    </dgm:pt>
+    <dgm:pt modelId="{3A59FDED-C697-4485-94FB-A26F15D7B0D6}" type="sibTrans" cxnId="{87F5C607-F3F6-4EA3-9DD7-3AD48F299250}">
+      <dgm:prSet/>
+      <dgm:spPr/>
+      <dgm:t>
+        <a:bodyPr/>
+        <a:lstStyle/>
+        <a:p>
+          <a:endParaRPr lang="en-US"/>
+        </a:p>
+      </dgm:t>
+    </dgm:pt>
+    <dgm:pt modelId="{7B01D85F-0264-4503-9D01-133454788769}">
+      <dgm:prSet/>
+      <dgm:spPr/>
+      <dgm:t>
+        <a:bodyPr/>
+        <a:lstStyle/>
+        <a:p>
+          <a:r>
+            <a:rPr lang="en-GB"/>
+            <a:t>Ability to restart program within the program</a:t>
+          </a:r>
+          <a:endParaRPr lang="en-US"/>
+        </a:p>
+      </dgm:t>
+    </dgm:pt>
+    <dgm:pt modelId="{92FC5D2C-9C8A-4204-8CEF-C18D2B801AA9}" type="parTrans" cxnId="{FC078AB3-878B-480B-96D1-7FD3DF9A1424}">
+      <dgm:prSet/>
+      <dgm:spPr/>
+      <dgm:t>
+        <a:bodyPr/>
+        <a:lstStyle/>
+        <a:p>
+          <a:endParaRPr lang="en-US"/>
+        </a:p>
+      </dgm:t>
+    </dgm:pt>
+    <dgm:pt modelId="{074C0379-3940-44B9-8E3F-1757F89F39D8}" type="sibTrans" cxnId="{FC078AB3-878B-480B-96D1-7FD3DF9A1424}">
+      <dgm:prSet/>
+      <dgm:spPr/>
+      <dgm:t>
+        <a:bodyPr/>
+        <a:lstStyle/>
+        <a:p>
+          <a:endParaRPr lang="en-US"/>
+        </a:p>
+      </dgm:t>
+    </dgm:pt>
+    <dgm:pt modelId="{E3599FC3-B28F-47DE-981A-AFDCFEFC9D4F}">
+      <dgm:prSet/>
+      <dgm:spPr/>
+      <dgm:t>
+        <a:bodyPr/>
+        <a:lstStyle/>
+        <a:p>
+          <a:r>
+            <a:rPr lang="en-GB"/>
+            <a:t>Store all data in txt files</a:t>
+          </a:r>
+          <a:endParaRPr lang="en-US"/>
+        </a:p>
+      </dgm:t>
+    </dgm:pt>
+    <dgm:pt modelId="{B2EFB63E-59AC-4D55-8BA3-CCB8686B41A5}" type="parTrans" cxnId="{8B5555DB-8F7E-4024-90D8-054B4F8CF2AA}">
+      <dgm:prSet/>
+      <dgm:spPr/>
+      <dgm:t>
+        <a:bodyPr/>
+        <a:lstStyle/>
+        <a:p>
+          <a:endParaRPr lang="en-US"/>
+        </a:p>
+      </dgm:t>
+    </dgm:pt>
+    <dgm:pt modelId="{5EC807C7-E821-406B-B465-2440CE6E3E85}" type="sibTrans" cxnId="{8B5555DB-8F7E-4024-90D8-054B4F8CF2AA}">
+      <dgm:prSet/>
+      <dgm:spPr/>
+      <dgm:t>
+        <a:bodyPr/>
+        <a:lstStyle/>
+        <a:p>
+          <a:endParaRPr lang="en-US"/>
+        </a:p>
+      </dgm:t>
+    </dgm:pt>
+    <dgm:pt modelId="{525B3127-9A47-47CF-B559-A807096550A8}">
+      <dgm:prSet/>
+      <dgm:spPr/>
+      <dgm:t>
+        <a:bodyPr/>
+        <a:lstStyle/>
+        <a:p>
+          <a:r>
+            <a:rPr lang="en-GB"/>
+            <a:t>A home menu to pick from the 5 functions</a:t>
+          </a:r>
+          <a:endParaRPr lang="en-US"/>
+        </a:p>
+      </dgm:t>
+    </dgm:pt>
+    <dgm:pt modelId="{F4950AFD-AC10-468C-9583-71D3ACA22556}" type="parTrans" cxnId="{45942C02-0A3E-42BC-BF34-4D46316D0778}">
+      <dgm:prSet/>
+      <dgm:spPr/>
+      <dgm:t>
+        <a:bodyPr/>
+        <a:lstStyle/>
+        <a:p>
+          <a:endParaRPr lang="en-US"/>
+        </a:p>
+      </dgm:t>
+    </dgm:pt>
+    <dgm:pt modelId="{CFB4A96E-5FE0-426E-BACD-E7131987892E}" type="sibTrans" cxnId="{45942C02-0A3E-42BC-BF34-4D46316D0778}">
+      <dgm:prSet/>
+      <dgm:spPr/>
+      <dgm:t>
+        <a:bodyPr/>
+        <a:lstStyle/>
+        <a:p>
+          <a:endParaRPr lang="en-US"/>
+        </a:p>
+      </dgm:t>
+    </dgm:pt>
+    <dgm:pt modelId="{B60DAB14-A3EF-42E3-82A0-C034004A19A7}" type="pres">
+      <dgm:prSet presAssocID="{95CA0690-275A-4805-9C57-C9DCB5415A6B}" presName="linear" presStyleCnt="0">
+        <dgm:presLayoutVars>
+          <dgm:animLvl val="lvl"/>
+          <dgm:resizeHandles val="exact"/>
+        </dgm:presLayoutVars>
+      </dgm:prSet>
+      <dgm:spPr/>
+    </dgm:pt>
+    <dgm:pt modelId="{90864C2D-FD86-407C-928B-A4A0557AA324}" type="pres">
+      <dgm:prSet presAssocID="{0D45351E-D134-43A3-8B81-C386C900BBD9}" presName="parentText" presStyleLbl="node1" presStyleIdx="0" presStyleCnt="4">
+        <dgm:presLayoutVars>
+          <dgm:chMax val="0"/>
+          <dgm:bulletEnabled val="1"/>
+        </dgm:presLayoutVars>
+      </dgm:prSet>
+      <dgm:spPr/>
+    </dgm:pt>
+    <dgm:pt modelId="{34360A0F-F427-49ED-BCAE-D6316002AAF8}" type="pres">
+      <dgm:prSet presAssocID="{3A59FDED-C697-4485-94FB-A26F15D7B0D6}" presName="spacer" presStyleCnt="0"/>
+      <dgm:spPr/>
+    </dgm:pt>
+    <dgm:pt modelId="{B09599B0-65CF-4A4F-8654-F5A8F282D06C}" type="pres">
+      <dgm:prSet presAssocID="{7B01D85F-0264-4503-9D01-133454788769}" presName="parentText" presStyleLbl="node1" presStyleIdx="1" presStyleCnt="4">
+        <dgm:presLayoutVars>
+          <dgm:chMax val="0"/>
+          <dgm:bulletEnabled val="1"/>
+        </dgm:presLayoutVars>
+      </dgm:prSet>
+      <dgm:spPr/>
+    </dgm:pt>
+    <dgm:pt modelId="{BCADC008-AA8E-495B-9245-D87D47296B95}" type="pres">
+      <dgm:prSet presAssocID="{074C0379-3940-44B9-8E3F-1757F89F39D8}" presName="spacer" presStyleCnt="0"/>
+      <dgm:spPr/>
+    </dgm:pt>
+    <dgm:pt modelId="{71991BAE-5E04-485E-BB59-6B95E82C6511}" type="pres">
+      <dgm:prSet presAssocID="{E3599FC3-B28F-47DE-981A-AFDCFEFC9D4F}" presName="parentText" presStyleLbl="node1" presStyleIdx="2" presStyleCnt="4">
+        <dgm:presLayoutVars>
+          <dgm:chMax val="0"/>
+          <dgm:bulletEnabled val="1"/>
+        </dgm:presLayoutVars>
+      </dgm:prSet>
+      <dgm:spPr/>
+    </dgm:pt>
+    <dgm:pt modelId="{D86B01BB-9761-48CA-BABD-E8FBA1558D49}" type="pres">
+      <dgm:prSet presAssocID="{5EC807C7-E821-406B-B465-2440CE6E3E85}" presName="spacer" presStyleCnt="0"/>
+      <dgm:spPr/>
+    </dgm:pt>
+    <dgm:pt modelId="{7C3698D4-C10C-44F0-B60F-B9A877A9F96B}" type="pres">
+      <dgm:prSet presAssocID="{525B3127-9A47-47CF-B559-A807096550A8}" presName="parentText" presStyleLbl="node1" presStyleIdx="3" presStyleCnt="4">
+        <dgm:presLayoutVars>
+          <dgm:chMax val="0"/>
+          <dgm:bulletEnabled val="1"/>
+        </dgm:presLayoutVars>
+      </dgm:prSet>
+      <dgm:spPr/>
+    </dgm:pt>
+  </dgm:ptLst>
+  <dgm:cxnLst>
+    <dgm:cxn modelId="{45942C02-0A3E-42BC-BF34-4D46316D0778}" srcId="{95CA0690-275A-4805-9C57-C9DCB5415A6B}" destId="{525B3127-9A47-47CF-B559-A807096550A8}" srcOrd="3" destOrd="0" parTransId="{F4950AFD-AC10-468C-9583-71D3ACA22556}" sibTransId="{CFB4A96E-5FE0-426E-BACD-E7131987892E}"/>
+    <dgm:cxn modelId="{DBE18603-8159-49B0-98B1-33970512B3E5}" type="presOf" srcId="{E3599FC3-B28F-47DE-981A-AFDCFEFC9D4F}" destId="{71991BAE-5E04-485E-BB59-6B95E82C6511}" srcOrd="0" destOrd="0" presId="urn:microsoft.com/office/officeart/2005/8/layout/vList2"/>
+    <dgm:cxn modelId="{87F5C607-F3F6-4EA3-9DD7-3AD48F299250}" srcId="{95CA0690-275A-4805-9C57-C9DCB5415A6B}" destId="{0D45351E-D134-43A3-8B81-C386C900BBD9}" srcOrd="0" destOrd="0" parTransId="{9705CFBA-35EF-4841-A773-AED701A2ED5F}" sibTransId="{3A59FDED-C697-4485-94FB-A26F15D7B0D6}"/>
+    <dgm:cxn modelId="{07FF1C42-6FBB-4B3D-B8C6-59124AD6648F}" type="presOf" srcId="{95CA0690-275A-4805-9C57-C9DCB5415A6B}" destId="{B60DAB14-A3EF-42E3-82A0-C034004A19A7}" srcOrd="0" destOrd="0" presId="urn:microsoft.com/office/officeart/2005/8/layout/vList2"/>
+    <dgm:cxn modelId="{409DC288-EED9-4CBF-B76D-5CED7B46FA8A}" type="presOf" srcId="{7B01D85F-0264-4503-9D01-133454788769}" destId="{B09599B0-65CF-4A4F-8654-F5A8F282D06C}" srcOrd="0" destOrd="0" presId="urn:microsoft.com/office/officeart/2005/8/layout/vList2"/>
+    <dgm:cxn modelId="{1BA3B2A3-EB92-40E1-A9DA-5DD5ABC5C677}" type="presOf" srcId="{0D45351E-D134-43A3-8B81-C386C900BBD9}" destId="{90864C2D-FD86-407C-928B-A4A0557AA324}" srcOrd="0" destOrd="0" presId="urn:microsoft.com/office/officeart/2005/8/layout/vList2"/>
+    <dgm:cxn modelId="{FC078AB3-878B-480B-96D1-7FD3DF9A1424}" srcId="{95CA0690-275A-4805-9C57-C9DCB5415A6B}" destId="{7B01D85F-0264-4503-9D01-133454788769}" srcOrd="1" destOrd="0" parTransId="{92FC5D2C-9C8A-4204-8CEF-C18D2B801AA9}" sibTransId="{074C0379-3940-44B9-8E3F-1757F89F39D8}"/>
+    <dgm:cxn modelId="{E75BE7CA-7EEB-4BC7-8FBD-342B8A458295}" type="presOf" srcId="{525B3127-9A47-47CF-B559-A807096550A8}" destId="{7C3698D4-C10C-44F0-B60F-B9A877A9F96B}" srcOrd="0" destOrd="0" presId="urn:microsoft.com/office/officeart/2005/8/layout/vList2"/>
+    <dgm:cxn modelId="{8B5555DB-8F7E-4024-90D8-054B4F8CF2AA}" srcId="{95CA0690-275A-4805-9C57-C9DCB5415A6B}" destId="{E3599FC3-B28F-47DE-981A-AFDCFEFC9D4F}" srcOrd="2" destOrd="0" parTransId="{B2EFB63E-59AC-4D55-8BA3-CCB8686B41A5}" sibTransId="{5EC807C7-E821-406B-B465-2440CE6E3E85}"/>
+    <dgm:cxn modelId="{EE960944-A8E3-4626-8313-1FF3567A67D8}" type="presParOf" srcId="{B60DAB14-A3EF-42E3-82A0-C034004A19A7}" destId="{90864C2D-FD86-407C-928B-A4A0557AA324}" srcOrd="0" destOrd="0" presId="urn:microsoft.com/office/officeart/2005/8/layout/vList2"/>
+    <dgm:cxn modelId="{EF766629-978B-4647-B34A-1BF6604F8D11}" type="presParOf" srcId="{B60DAB14-A3EF-42E3-82A0-C034004A19A7}" destId="{34360A0F-F427-49ED-BCAE-D6316002AAF8}" srcOrd="1" destOrd="0" presId="urn:microsoft.com/office/officeart/2005/8/layout/vList2"/>
+    <dgm:cxn modelId="{D2FA474D-05DE-44E2-A9BC-AE8DC4BD2D4B}" type="presParOf" srcId="{B60DAB14-A3EF-42E3-82A0-C034004A19A7}" destId="{B09599B0-65CF-4A4F-8654-F5A8F282D06C}" srcOrd="2" destOrd="0" presId="urn:microsoft.com/office/officeart/2005/8/layout/vList2"/>
+    <dgm:cxn modelId="{F1B0779A-E759-452B-A515-05DBF323FC67}" type="presParOf" srcId="{B60DAB14-A3EF-42E3-82A0-C034004A19A7}" destId="{BCADC008-AA8E-495B-9245-D87D47296B95}" srcOrd="3" destOrd="0" presId="urn:microsoft.com/office/officeart/2005/8/layout/vList2"/>
+    <dgm:cxn modelId="{7056D411-5BA4-4E50-BB39-13ADCFC4E09F}" type="presParOf" srcId="{B60DAB14-A3EF-42E3-82A0-C034004A19A7}" destId="{71991BAE-5E04-485E-BB59-6B95E82C6511}" srcOrd="4" destOrd="0" presId="urn:microsoft.com/office/officeart/2005/8/layout/vList2"/>
+    <dgm:cxn modelId="{638B7243-DEE9-4A5C-B772-4A005699DC39}" type="presParOf" srcId="{B60DAB14-A3EF-42E3-82A0-C034004A19A7}" destId="{D86B01BB-9761-48CA-BABD-E8FBA1558D49}" srcOrd="5" destOrd="0" presId="urn:microsoft.com/office/officeart/2005/8/layout/vList2"/>
+    <dgm:cxn modelId="{ADF5A431-A1D6-4A3A-B6E3-9FAB0CBAEA89}" type="presParOf" srcId="{B60DAB14-A3EF-42E3-82A0-C034004A19A7}" destId="{7C3698D4-C10C-44F0-B60F-B9A877A9F96B}" srcOrd="6" destOrd="0" presId="urn:microsoft.com/office/officeart/2005/8/layout/vList2"/>
+  </dgm:cxnLst>
+  <dgm:bg/>
+  <dgm:whole/>
+  <dgm:extLst>
+    <a:ext uri="http://schemas.microsoft.com/office/drawing/2008/diagram">
+      <dsp:dataModelExt xmlns:dsp="http://schemas.microsoft.com/office/drawing/2008/diagram" relId="rId6" minVer="http://schemas.openxmlformats.org/drawingml/2006/diagram"/>
+    </a:ext>
+  </dgm:extLst>
+</dgm:dataModel>
+</file>
+
+<file path=ppt/diagrams/drawing1.xml><?xml version="1.0" encoding="utf-8"?>
+<dsp:drawing xmlns:dgm="http://schemas.openxmlformats.org/drawingml/2006/diagram" xmlns:dsp="http://schemas.microsoft.com/office/drawing/2008/diagram" xmlns:a="http://schemas.openxmlformats.org/drawingml/2006/main">
+  <dsp:spTree>
+    <dsp:nvGrpSpPr>
+      <dsp:cNvPr id="0" name=""/>
+      <dsp:cNvGrpSpPr/>
+    </dsp:nvGrpSpPr>
+    <dsp:grpSpPr/>
+    <dsp:sp modelId="{90864C2D-FD86-407C-928B-A4A0557AA324}">
+      <dsp:nvSpPr>
+        <dsp:cNvPr id="0" name=""/>
+        <dsp:cNvSpPr/>
+      </dsp:nvSpPr>
+      <dsp:spPr>
+        <a:xfrm>
+          <a:off x="0" y="46309"/>
+          <a:ext cx="6666833" cy="1271205"/>
+        </a:xfrm>
+        <a:prstGeom prst="roundRect">
+          <a:avLst/>
+        </a:prstGeom>
+        <a:gradFill rotWithShape="0">
+          <a:gsLst>
+            <a:gs pos="0">
+              <a:schemeClr val="accent5">
+                <a:hueOff val="0"/>
+                <a:satOff val="0"/>
+                <a:lumOff val="0"/>
+                <a:alphaOff val="0"/>
+                <a:satMod val="103000"/>
+                <a:lumMod val="102000"/>
+                <a:tint val="94000"/>
+              </a:schemeClr>
+            </a:gs>
+            <a:gs pos="50000">
+              <a:schemeClr val="accent5">
+                <a:hueOff val="0"/>
+                <a:satOff val="0"/>
+                <a:lumOff val="0"/>
+                <a:alphaOff val="0"/>
+                <a:satMod val="110000"/>
+                <a:lumMod val="100000"/>
+                <a:shade val="100000"/>
+              </a:schemeClr>
+            </a:gs>
+            <a:gs pos="100000">
+              <a:schemeClr val="accent5">
+                <a:hueOff val="0"/>
+                <a:satOff val="0"/>
+                <a:lumOff val="0"/>
+                <a:alphaOff val="0"/>
+                <a:lumMod val="99000"/>
+                <a:satMod val="120000"/>
+                <a:shade val="78000"/>
+              </a:schemeClr>
+            </a:gs>
+          </a:gsLst>
+          <a:lin ang="5400000" scaled="0"/>
+        </a:gradFill>
+        <a:ln>
+          <a:noFill/>
+        </a:ln>
+        <a:effectLst/>
+      </dsp:spPr>
+      <dsp:style>
+        <a:lnRef idx="0">
+          <a:scrgbClr r="0" g="0" b="0"/>
+        </a:lnRef>
+        <a:fillRef idx="3">
+          <a:scrgbClr r="0" g="0" b="0"/>
+        </a:fillRef>
+        <a:effectRef idx="2">
+          <a:scrgbClr r="0" g="0" b="0"/>
+        </a:effectRef>
+        <a:fontRef idx="minor">
+          <a:schemeClr val="lt1"/>
+        </a:fontRef>
+      </dsp:style>
+      <dsp:txBody>
+        <a:bodyPr spcFirstLastPara="0" vert="horz" wrap="square" lIns="121920" tIns="121920" rIns="121920" bIns="121920" numCol="1" spcCol="1270" anchor="ctr" anchorCtr="0">
+          <a:noAutofit/>
+        </a:bodyPr>
+        <a:lstStyle/>
+        <a:p>
+          <a:pPr marL="0" lvl="0" indent="0" algn="l" defTabSz="1422400">
+            <a:lnSpc>
+              <a:spcPct val="90000"/>
+            </a:lnSpc>
+            <a:spcBef>
+              <a:spcPct val="0"/>
+            </a:spcBef>
+            <a:spcAft>
+              <a:spcPct val="35000"/>
+            </a:spcAft>
+            <a:buNone/>
+          </a:pPr>
+          <a:r>
+            <a:rPr lang="en-GB" sz="3200" kern="1200"/>
+            <a:t>5 functions with each menu option in</a:t>
+          </a:r>
+          <a:endParaRPr lang="en-US" sz="3200" kern="1200"/>
+        </a:p>
+      </dsp:txBody>
+      <dsp:txXfrm>
+        <a:off x="62055" y="108364"/>
+        <a:ext cx="6542723" cy="1147095"/>
+      </dsp:txXfrm>
+    </dsp:sp>
+    <dsp:sp modelId="{B09599B0-65CF-4A4F-8654-F5A8F282D06C}">
+      <dsp:nvSpPr>
+        <dsp:cNvPr id="0" name=""/>
+        <dsp:cNvSpPr/>
+      </dsp:nvSpPr>
+      <dsp:spPr>
+        <a:xfrm>
+          <a:off x="0" y="1409674"/>
+          <a:ext cx="6666833" cy="1271205"/>
+        </a:xfrm>
+        <a:prstGeom prst="roundRect">
+          <a:avLst/>
+        </a:prstGeom>
+        <a:gradFill rotWithShape="0">
+          <a:gsLst>
+            <a:gs pos="0">
+              <a:schemeClr val="accent5">
+                <a:hueOff val="-2252848"/>
+                <a:satOff val="-5806"/>
+                <a:lumOff val="-3922"/>
+                <a:alphaOff val="0"/>
+                <a:satMod val="103000"/>
+                <a:lumMod val="102000"/>
+                <a:tint val="94000"/>
+              </a:schemeClr>
+            </a:gs>
+            <a:gs pos="50000">
+              <a:schemeClr val="accent5">
+                <a:hueOff val="-2252848"/>
+                <a:satOff val="-5806"/>
+                <a:lumOff val="-3922"/>
+                <a:alphaOff val="0"/>
+                <a:satMod val="110000"/>
+                <a:lumMod val="100000"/>
+                <a:shade val="100000"/>
+              </a:schemeClr>
+            </a:gs>
+            <a:gs pos="100000">
+              <a:schemeClr val="accent5">
+                <a:hueOff val="-2252848"/>
+                <a:satOff val="-5806"/>
+                <a:lumOff val="-3922"/>
+                <a:alphaOff val="0"/>
+                <a:lumMod val="99000"/>
+                <a:satMod val="120000"/>
+                <a:shade val="78000"/>
+              </a:schemeClr>
+            </a:gs>
+          </a:gsLst>
+          <a:lin ang="5400000" scaled="0"/>
+        </a:gradFill>
+        <a:ln>
+          <a:noFill/>
+        </a:ln>
+        <a:effectLst/>
+      </dsp:spPr>
+      <dsp:style>
+        <a:lnRef idx="0">
+          <a:scrgbClr r="0" g="0" b="0"/>
+        </a:lnRef>
+        <a:fillRef idx="3">
+          <a:scrgbClr r="0" g="0" b="0"/>
+        </a:fillRef>
+        <a:effectRef idx="2">
+          <a:scrgbClr r="0" g="0" b="0"/>
+        </a:effectRef>
+        <a:fontRef idx="minor">
+          <a:schemeClr val="lt1"/>
+        </a:fontRef>
+      </dsp:style>
+      <dsp:txBody>
+        <a:bodyPr spcFirstLastPara="0" vert="horz" wrap="square" lIns="121920" tIns="121920" rIns="121920" bIns="121920" numCol="1" spcCol="1270" anchor="ctr" anchorCtr="0">
+          <a:noAutofit/>
+        </a:bodyPr>
+        <a:lstStyle/>
+        <a:p>
+          <a:pPr marL="0" lvl="0" indent="0" algn="l" defTabSz="1422400">
+            <a:lnSpc>
+              <a:spcPct val="90000"/>
+            </a:lnSpc>
+            <a:spcBef>
+              <a:spcPct val="0"/>
+            </a:spcBef>
+            <a:spcAft>
+              <a:spcPct val="35000"/>
+            </a:spcAft>
+            <a:buNone/>
+          </a:pPr>
+          <a:r>
+            <a:rPr lang="en-GB" sz="3200" kern="1200"/>
+            <a:t>Ability to restart program within the program</a:t>
+          </a:r>
+          <a:endParaRPr lang="en-US" sz="3200" kern="1200"/>
+        </a:p>
+      </dsp:txBody>
+      <dsp:txXfrm>
+        <a:off x="62055" y="1471729"/>
+        <a:ext cx="6542723" cy="1147095"/>
+      </dsp:txXfrm>
+    </dsp:sp>
+    <dsp:sp modelId="{71991BAE-5E04-485E-BB59-6B95E82C6511}">
+      <dsp:nvSpPr>
+        <dsp:cNvPr id="0" name=""/>
+        <dsp:cNvSpPr/>
+      </dsp:nvSpPr>
+      <dsp:spPr>
+        <a:xfrm>
+          <a:off x="0" y="2773040"/>
+          <a:ext cx="6666833" cy="1271205"/>
+        </a:xfrm>
+        <a:prstGeom prst="roundRect">
+          <a:avLst/>
+        </a:prstGeom>
+        <a:gradFill rotWithShape="0">
+          <a:gsLst>
+            <a:gs pos="0">
+              <a:schemeClr val="accent5">
+                <a:hueOff val="-4505695"/>
+                <a:satOff val="-11613"/>
+                <a:lumOff val="-7843"/>
+                <a:alphaOff val="0"/>
+                <a:satMod val="103000"/>
+                <a:lumMod val="102000"/>
+                <a:tint val="94000"/>
+              </a:schemeClr>
+            </a:gs>
+            <a:gs pos="50000">
+              <a:schemeClr val="accent5">
+                <a:hueOff val="-4505695"/>
+                <a:satOff val="-11613"/>
+                <a:lumOff val="-7843"/>
+                <a:alphaOff val="0"/>
+                <a:satMod val="110000"/>
+                <a:lumMod val="100000"/>
+                <a:shade val="100000"/>
+              </a:schemeClr>
+            </a:gs>
+            <a:gs pos="100000">
+              <a:schemeClr val="accent5">
+                <a:hueOff val="-4505695"/>
+                <a:satOff val="-11613"/>
+                <a:lumOff val="-7843"/>
+                <a:alphaOff val="0"/>
+                <a:lumMod val="99000"/>
+                <a:satMod val="120000"/>
+                <a:shade val="78000"/>
+              </a:schemeClr>
+            </a:gs>
+          </a:gsLst>
+          <a:lin ang="5400000" scaled="0"/>
+        </a:gradFill>
+        <a:ln>
+          <a:noFill/>
+        </a:ln>
+        <a:effectLst/>
+      </dsp:spPr>
+      <dsp:style>
+        <a:lnRef idx="0">
+          <a:scrgbClr r="0" g="0" b="0"/>
+        </a:lnRef>
+        <a:fillRef idx="3">
+          <a:scrgbClr r="0" g="0" b="0"/>
+        </a:fillRef>
+        <a:effectRef idx="2">
+          <a:scrgbClr r="0" g="0" b="0"/>
+        </a:effectRef>
+        <a:fontRef idx="minor">
+          <a:schemeClr val="lt1"/>
+        </a:fontRef>
+      </dsp:style>
+      <dsp:txBody>
+        <a:bodyPr spcFirstLastPara="0" vert="horz" wrap="square" lIns="121920" tIns="121920" rIns="121920" bIns="121920" numCol="1" spcCol="1270" anchor="ctr" anchorCtr="0">
+          <a:noAutofit/>
+        </a:bodyPr>
+        <a:lstStyle/>
+        <a:p>
+          <a:pPr marL="0" lvl="0" indent="0" algn="l" defTabSz="1422400">
+            <a:lnSpc>
+              <a:spcPct val="90000"/>
+            </a:lnSpc>
+            <a:spcBef>
+              <a:spcPct val="0"/>
+            </a:spcBef>
+            <a:spcAft>
+              <a:spcPct val="35000"/>
+            </a:spcAft>
+            <a:buNone/>
+          </a:pPr>
+          <a:r>
+            <a:rPr lang="en-GB" sz="3200" kern="1200"/>
+            <a:t>Store all data in txt files</a:t>
+          </a:r>
+          <a:endParaRPr lang="en-US" sz="3200" kern="1200"/>
+        </a:p>
+      </dsp:txBody>
+      <dsp:txXfrm>
+        <a:off x="62055" y="2835095"/>
+        <a:ext cx="6542723" cy="1147095"/>
+      </dsp:txXfrm>
+    </dsp:sp>
+    <dsp:sp modelId="{7C3698D4-C10C-44F0-B60F-B9A877A9F96B}">
+      <dsp:nvSpPr>
+        <dsp:cNvPr id="0" name=""/>
+        <dsp:cNvSpPr/>
+      </dsp:nvSpPr>
+      <dsp:spPr>
+        <a:xfrm>
+          <a:off x="0" y="4136405"/>
+          <a:ext cx="6666833" cy="1271205"/>
+        </a:xfrm>
+        <a:prstGeom prst="roundRect">
+          <a:avLst/>
+        </a:prstGeom>
+        <a:gradFill rotWithShape="0">
+          <a:gsLst>
+            <a:gs pos="0">
+              <a:schemeClr val="accent5">
+                <a:hueOff val="-6758543"/>
+                <a:satOff val="-17419"/>
+                <a:lumOff val="-11765"/>
+                <a:alphaOff val="0"/>
+                <a:satMod val="103000"/>
+                <a:lumMod val="102000"/>
+                <a:tint val="94000"/>
+              </a:schemeClr>
+            </a:gs>
+            <a:gs pos="50000">
+              <a:schemeClr val="accent5">
+                <a:hueOff val="-6758543"/>
+                <a:satOff val="-17419"/>
+                <a:lumOff val="-11765"/>
+                <a:alphaOff val="0"/>
+                <a:satMod val="110000"/>
+                <a:lumMod val="100000"/>
+                <a:shade val="100000"/>
+              </a:schemeClr>
+            </a:gs>
+            <a:gs pos="100000">
+              <a:schemeClr val="accent5">
+                <a:hueOff val="-6758543"/>
+                <a:satOff val="-17419"/>
+                <a:lumOff val="-11765"/>
+                <a:alphaOff val="0"/>
+                <a:lumMod val="99000"/>
+                <a:satMod val="120000"/>
+                <a:shade val="78000"/>
+              </a:schemeClr>
+            </a:gs>
+          </a:gsLst>
+          <a:lin ang="5400000" scaled="0"/>
+        </a:gradFill>
+        <a:ln>
+          <a:noFill/>
+        </a:ln>
+        <a:effectLst/>
+      </dsp:spPr>
+      <dsp:style>
+        <a:lnRef idx="0">
+          <a:scrgbClr r="0" g="0" b="0"/>
+        </a:lnRef>
+        <a:fillRef idx="3">
+          <a:scrgbClr r="0" g="0" b="0"/>
+        </a:fillRef>
+        <a:effectRef idx="2">
+          <a:scrgbClr r="0" g="0" b="0"/>
+        </a:effectRef>
+        <a:fontRef idx="minor">
+          <a:schemeClr val="lt1"/>
+        </a:fontRef>
+      </dsp:style>
+      <dsp:txBody>
+        <a:bodyPr spcFirstLastPara="0" vert="horz" wrap="square" lIns="121920" tIns="121920" rIns="121920" bIns="121920" numCol="1" spcCol="1270" anchor="ctr" anchorCtr="0">
+          <a:noAutofit/>
+        </a:bodyPr>
+        <a:lstStyle/>
+        <a:p>
+          <a:pPr marL="0" lvl="0" indent="0" algn="l" defTabSz="1422400">
+            <a:lnSpc>
+              <a:spcPct val="90000"/>
+            </a:lnSpc>
+            <a:spcBef>
+              <a:spcPct val="0"/>
+            </a:spcBef>
+            <a:spcAft>
+              <a:spcPct val="35000"/>
+            </a:spcAft>
+            <a:buNone/>
+          </a:pPr>
+          <a:r>
+            <a:rPr lang="en-GB" sz="3200" kern="1200"/>
+            <a:t>A home menu to pick from the 5 functions</a:t>
+          </a:r>
+          <a:endParaRPr lang="en-US" sz="3200" kern="1200"/>
+        </a:p>
+      </dsp:txBody>
+      <dsp:txXfrm>
+        <a:off x="62055" y="4198460"/>
+        <a:ext cx="6542723" cy="1147095"/>
+      </dsp:txXfrm>
+    </dsp:sp>
+  </dsp:spTree>
+</dsp:drawing>
+</file>
+
+<file path=ppt/diagrams/layout1.xml><?xml version="1.0" encoding="utf-8"?>
+<dgm:layoutDef xmlns:dgm="http://schemas.openxmlformats.org/drawingml/2006/diagram" xmlns:a="http://schemas.openxmlformats.org/drawingml/2006/main" uniqueId="urn:microsoft.com/office/officeart/2005/8/layout/vList2">
+  <dgm:title val=""/>
+  <dgm:desc val=""/>
+  <dgm:catLst>
+    <dgm:cat type="list" pri="3000"/>
+    <dgm:cat type="convert" pri="1000"/>
+  </dgm:catLst>
+  <dgm:sampData>
+    <dgm:dataModel>
+      <dgm:ptLst>
+        <dgm:pt modelId="0" type="doc"/>
+        <dgm:pt modelId="1">
+          <dgm:prSet phldr="1"/>
+        </dgm:pt>
+        <dgm:pt modelId="11">
+          <dgm:prSet phldr="1"/>
+        </dgm:pt>
+        <dgm:pt modelId="2">
+          <dgm:prSet phldr="1"/>
+        </dgm:pt>
+        <dgm:pt modelId="21">
+          <dgm:prSet phldr="1"/>
+        </dgm:pt>
+      </dgm:ptLst>
+      <dgm:cxnLst>
+        <dgm:cxn modelId="4" srcId="0" destId="1" srcOrd="0" destOrd="0"/>
+        <dgm:cxn modelId="5" srcId="0" destId="2" srcOrd="1" destOrd="0"/>
+        <dgm:cxn modelId="12" srcId="1" destId="11" srcOrd="0" destOrd="0"/>
+        <dgm:cxn modelId="23" srcId="2" destId="21" srcOrd="0" destOrd="0"/>
+      </dgm:cxnLst>
+      <dgm:bg/>
+      <dgm:whole/>
+    </dgm:dataModel>
+  </dgm:sampData>
+  <dgm:styleData>
+    <dgm:dataModel>
+      <dgm:ptLst>
+        <dgm:pt modelId="0" type="doc"/>
+        <dgm:pt modelId="1"/>
+        <dgm:pt modelId="2"/>
+      </dgm:ptLst>
+      <dgm:cxnLst>
+        <dgm:cxn modelId="3" srcId="0" destId="1" srcOrd="0" destOrd="0"/>
+        <dgm:cxn modelId="4" srcId="0" destId="2" srcOrd="1" destOrd="0"/>
+      </dgm:cxnLst>
+      <dgm:bg/>
+      <dgm:whole/>
+    </dgm:dataModel>
+  </dgm:styleData>
+  <dgm:clrData>
+    <dgm:dataModel>
+      <dgm:ptLst>
+        <dgm:pt modelId="0" type="doc"/>
+        <dgm:pt modelId="1"/>
+        <dgm:pt modelId="2"/>
+        <dgm:pt modelId="3"/>
+        <dgm:pt modelId="4"/>
+      </dgm:ptLst>
+      <dgm:cxnLst>
+        <dgm:cxn modelId="5" srcId="0" destId="1" srcOrd="0" destOrd="0"/>
+        <dgm:cxn modelId="6" srcId="0" destId="2" srcOrd="1" destOrd="0"/>
+        <dgm:cxn modelId="7" srcId="0" destId="3" srcOrd="2" destOrd="0"/>
+        <dgm:cxn modelId="8" srcId="0" destId="4" srcOrd="3" destOrd="0"/>
+      </dgm:cxnLst>
+      <dgm:bg/>
+      <dgm:whole/>
+    </dgm:dataModel>
+  </dgm:clrData>
+  <dgm:layoutNode name="linear">
+    <dgm:varLst>
+      <dgm:animLvl val="lvl"/>
+      <dgm:resizeHandles val="exact"/>
+    </dgm:varLst>
+    <dgm:alg type="lin">
+      <dgm:param type="linDir" val="fromT"/>
+      <dgm:param type="vertAlign" val="mid"/>
+    </dgm:alg>
+    <dgm:shape xmlns:r="http://schemas.openxmlformats.org/officeDocument/2006/relationships" r:blip="">
+      <dgm:adjLst/>
+    </dgm:shape>
+    <dgm:presOf/>
+    <dgm:constrLst>
+      <dgm:constr type="w" for="ch" forName="parentText" refType="w"/>
+      <dgm:constr type="h" for="ch" forName="parentText" refType="primFontSz" refFor="ch" refForName="parentText" fact="0.52"/>
+      <dgm:constr type="w" for="ch" forName="childText" refType="w"/>
+      <dgm:constr type="h" for="ch" forName="childText" refType="primFontSz" refFor="ch" refForName="parentText" fact="0.46"/>
+      <dgm:constr type="h" for="ch" forName="parentText" op="equ"/>
+      <dgm:constr type="primFontSz" for="ch" forName="parentText" op="equ" val="65"/>
+      <dgm:constr type="primFontSz" for="ch" forName="childText" refType="primFontSz" refFor="ch" refForName="parentText" op="equ"/>
+      <dgm:constr type="h" for="ch" forName="spacer" refType="primFontSz" refFor="ch" refForName="parentText" fact="0.08"/>
+    </dgm:constrLst>
+    <dgm:ruleLst>
+      <dgm:rule type="primFontSz" for="ch" forName="parentText" val="5" fact="NaN" max="NaN"/>
+    </dgm:ruleLst>
+    <dgm:forEach name="Name0" axis="ch" ptType="node">
+      <dgm:layoutNode name="parentText" styleLbl="node1">
+        <dgm:varLst>
+          <dgm:chMax val="0"/>
+          <dgm:bulletEnabled val="1"/>
+        </dgm:varLst>
+        <dgm:alg type="tx">
+          <dgm:param type="parTxLTRAlign" val="l"/>
+          <dgm:param type="parTxRTLAlign" val="r"/>
+        </dgm:alg>
+        <dgm:shape xmlns:r="http://schemas.openxmlformats.org/officeDocument/2006/relationships" type="roundRect" r:blip="">
+          <dgm:adjLst/>
+        </dgm:shape>
+        <dgm:presOf axis="self"/>
+        <dgm:constrLst>
+          <dgm:constr type="tMarg" refType="primFontSz" fact="0.3"/>
+          <dgm:constr type="bMarg" refType="primFontSz" fact="0.3"/>
+          <dgm:constr type="lMarg" refType="primFontSz" fact="0.3"/>
+          <dgm:constr type="rMarg" refType="primFontSz" fact="0.3"/>
+        </dgm:constrLst>
+        <dgm:ruleLst>
+          <dgm:rule type="h" val="INF" fact="NaN" max="NaN"/>
+        </dgm:ruleLst>
+      </dgm:layoutNode>
+      <dgm:choose name="Name1">
+        <dgm:if name="Name2" axis="ch" ptType="node" func="cnt" op="gte" val="1">
+          <dgm:layoutNode name="childText" styleLbl="revTx">
+            <dgm:varLst>
+              <dgm:bulletEnabled val="1"/>
+            </dgm:varLst>
+            <dgm:alg type="tx">
+              <dgm:param type="stBulletLvl" val="1"/>
+              <dgm:param type="lnSpAfChP" val="20"/>
+            </dgm:alg>
+            <dgm:shape xmlns:r="http://schemas.openxmlformats.org/officeDocument/2006/relationships" type="rect" r:blip="">
+              <dgm:adjLst/>
+            </dgm:shape>
+            <dgm:presOf axis="des" ptType="node"/>
+            <dgm:constrLst>
+              <dgm:constr type="tMarg" refType="primFontSz" fact="0.1"/>
+              <dgm:constr type="bMarg" refType="primFontSz" fact="0.1"/>
+              <dgm:constr type="lMarg" refType="w" fact="0.09"/>
+            </dgm:constrLst>
+            <dgm:ruleLst>
+              <dgm:rule type="h" val="INF" fact="NaN" max="NaN"/>
+            </dgm:ruleLst>
+          </dgm:layoutNode>
+        </dgm:if>
+        <dgm:else name="Name3">
+          <dgm:choose name="Name4">
+            <dgm:if name="Name5" axis="par ch" ptType="doc node" func="cnt" op="gte" val="2">
+              <dgm:forEach name="Name6" axis="followSib" ptType="sibTrans" cnt="1">
+                <dgm:layoutNode name="spacer">
+                  <dgm:alg type="sp"/>
+                  <dgm:shape xmlns:r="http://schemas.openxmlformats.org/officeDocument/2006/relationships" r:blip="">
+                    <dgm:adjLst/>
+                  </dgm:shape>
+                  <dgm:presOf/>
+                  <dgm:constrLst/>
+                  <dgm:ruleLst/>
+                </dgm:layoutNode>
+              </dgm:forEach>
+            </dgm:if>
+            <dgm:else name="Name7"/>
+          </dgm:choose>
+        </dgm:else>
+      </dgm:choose>
+    </dgm:forEach>
+  </dgm:layoutNode>
+</dgm:layoutDef>
+</file>
+
+<file path=ppt/diagrams/quickStyle1.xml><?xml version="1.0" encoding="utf-8"?>
+<dgm:styleDef xmlns:dgm="http://schemas.openxmlformats.org/drawingml/2006/diagram" xmlns:a="http://schemas.openxmlformats.org/drawingml/2006/main" uniqueId="urn:microsoft.com/office/officeart/2005/8/quickstyle/simple4">
+  <dgm:title val=""/>
+  <dgm:desc val=""/>
+  <dgm:catLst>
+    <dgm:cat type="simple" pri="10400"/>
+  </dgm:catLst>
+  <dgm:scene3d>
+    <a:camera prst="orthographicFront"/>
+    <a:lightRig rig="threePt" dir="t"/>
+  </dgm:scene3d>
+  <dgm:styleLbl name="node0">
+    <dgm:scene3d>
+      <a:camera prst="orthographicFront"/>
+      <a:lightRig rig="threePt" dir="t"/>
+    </dgm:scene3d>
+    <dgm:sp3d/>
+    <dgm:txPr/>
+    <dgm:style>
+      <a:lnRef idx="0">
+        <a:scrgbClr r="0" g="0" b="0"/>
+      </a:lnRef>
+      <a:fillRef idx="3">
+        <a:scrgbClr r="0" g="0" b="0"/>
+      </a:fillRef>
+      <a:effectRef idx="2">
+        <a:scrgbClr r="0" g="0" b="0"/>
+      </a:effectRef>
+      <a:fontRef idx="minor">
+        <a:schemeClr val="lt1"/>
+      </a:fontRef>
+    </dgm:style>
+  </dgm:styleLbl>
+  <dgm:styleLbl name="lnNode1">
+    <dgm:scene3d>
+      <a:camera prst="orthographicFront"/>
+      <a:lightRig rig="threePt" dir="t"/>
+    </dgm:scene3d>
+    <dgm:sp3d/>
+    <dgm:txPr/>
+    <dgm:style>
+      <a:lnRef idx="1">
+        <a:scrgbClr r="0" g="0" b="0"/>
+      </a:lnRef>
+      <a:fillRef idx="3">
+        <a:scrgbClr r="0" g="0" b="0"/>
+      </a:fillRef>
+      <a:effectRef idx="2">
+        <a:scrgbClr r="0" g="0" b="0"/>
+      </a:effectRef>
+      <a:fontRef idx="minor">
+        <a:schemeClr val="lt1"/>
+      </a:fontRef>
+    </dgm:style>
+  </dgm:styleLbl>
+  <dgm:styleLbl name="vennNode1">
+    <dgm:scene3d>
+      <a:camera prst="orthographicFront"/>
+      <a:lightRig rig="threePt" dir="t"/>
+    </dgm:scene3d>
+    <dgm:sp3d/>
+    <dgm:txPr/>
+    <dgm:style>
+      <a:lnRef idx="0">
+        <a:scrgbClr r="0" g="0" b="0"/>
+      </a:lnRef>
+      <a:fillRef idx="3">
+        <a:scrgbClr r="0" g="0" b="0"/>
+      </a:fillRef>
+      <a:effectRef idx="0">
+        <a:scrgbClr r="0" g="0" b="0"/>
+      </a:effectRef>
+      <a:fontRef idx="minor">
+        <a:schemeClr val="tx1"/>
+      </a:fontRef>
+    </dgm:style>
+  </dgm:styleLbl>
+  <dgm:styleLbl name="alignNode1">
+    <dgm:scene3d>
+      <a:camera prst="orthographicFront"/>
+      <a:lightRig rig="threePt" dir="t"/>
+    </dgm:scene3d>
+    <dgm:sp3d/>
+    <dgm:txPr/>
+    <dgm:style>
+      <a:lnRef idx="1">
+        <a:scrgbClr r="0" g="0" b="0"/>
+      </a:lnRef>
+      <a:fillRef idx="3">
+        <a:scrgbClr r="0" g="0" b="0"/>
+      </a:fillRef>
+      <a:effectRef idx="2">
+        <a:scrgbClr r="0" g="0" b="0"/>
+      </a:effectRef>
+      <a:fontRef idx="minor">
+        <a:schemeClr val="lt1"/>
+      </a:fontRef>
+    </dgm:style>
+  </dgm:styleLbl>
+  <dgm:styleLbl name="node1">
+    <dgm:scene3d>
+      <a:camera prst="orthographicFront"/>
+      <a:lightRig rig="threePt" dir="t"/>
+    </dgm:scene3d>
+    <dgm:sp3d/>
+    <dgm:txPr/>
+    <dgm:style>
+      <a:lnRef idx="0">
+        <a:scrgbClr r="0" g="0" b="0"/>
+      </a:lnRef>
+      <a:fillRef idx="3">
+        <a:scrgbClr r="0" g="0" b="0"/>
+      </a:fillRef>
+      <a:effectRef idx="2">
+        <a:scrgbClr r="0" g="0" b="0"/>
+      </a:effectRef>
+      <a:fontRef idx="minor">
+        <a:schemeClr val="lt1"/>
+      </a:fontRef>
+    </dgm:style>
+  </dgm:styleLbl>
+  <dgm:styleLbl name="node2">
+    <dgm:scene3d>
+      <a:camera prst="orthographicFront"/>
+      <a:lightRig rig="threePt" dir="t"/>
+    </dgm:scene3d>
+    <dgm:sp3d/>
+    <dgm:txPr/>
+    <dgm:style>
+      <a:lnRef idx="0">
+        <a:scrgbClr r="0" g="0" b="0"/>
+      </a:lnRef>
+      <a:fillRef idx="3">
+        <a:scrgbClr r="0" g="0" b="0"/>
+      </a:fillRef>
+      <a:effectRef idx="2">
+        <a:scrgbClr r="0" g="0" b="0"/>
+      </a:effectRef>
+      <a:fontRef idx="minor">
+        <a:schemeClr val="lt1"/>
+      </a:fontRef>
+    </dgm:style>
+  </dgm:styleLbl>
+  <dgm:styleLbl name="node3">
+    <dgm:scene3d>
+      <a:camera prst="orthographicFront"/>
+      <a:lightRig rig="threePt" dir="t"/>
+    </dgm:scene3d>
+    <dgm:sp3d/>
+    <dgm:txPr/>
+    <dgm:style>
+      <a:lnRef idx="0">
+        <a:scrgbClr r="0" g="0" b="0"/>
+      </a:lnRef>
+      <a:fillRef idx="3">
+        <a:scrgbClr r="0" g="0" b="0"/>
+      </a:fillRef>
+      <a:effectRef idx="2">
+        <a:scrgbClr r="0" g="0" b="0"/>
+      </a:effectRef>
+      <a:fontRef idx="minor">
+        <a:schemeClr val="lt1"/>
+      </a:fontRef>
+    </dgm:style>
+  </dgm:styleLbl>
+  <dgm:styleLbl name="node4">
+    <dgm:scene3d>
+      <a:camera prst="orthographicFront"/>
+      <a:lightRig rig="threePt" dir="t"/>
+    </dgm:scene3d>
+    <dgm:sp3d/>
+    <dgm:txPr/>
+    <dgm:style>
+      <a:lnRef idx="0">
+        <a:scrgbClr r="0" g="0" b="0"/>
+      </a:lnRef>
+      <a:fillRef idx="3">
+        <a:scrgbClr r="0" g="0" b="0"/>
+      </a:fillRef>
+      <a:effectRef idx="2">
+        <a:scrgbClr r="0" g="0" b="0"/>
+      </a:effectRef>
+      <a:fontRef idx="minor">
+        <a:schemeClr val="lt1"/>
+      </a:fontRef>
+    </dgm:style>
+  </dgm:styleLbl>
+  <dgm:styleLbl name="fgImgPlace1">
+    <dgm:scene3d>
+      <a:camera prst="orthographicFront"/>
+      <a:lightRig rig="threePt" dir="t"/>
+    </dgm:scene3d>
+    <dgm:sp3d/>
+    <dgm:txPr/>
+    <dgm:style>
+      <a:lnRef idx="0">
+        <a:scrgbClr r="0" g="0" b="0"/>
+      </a:lnRef>
+      <a:fillRef idx="1">
+        <a:scrgbClr r="0" g="0" b="0"/>
+      </a:fillRef>
+      <a:effectRef idx="2">
+        <a:scrgbClr r="0" g="0" b="0"/>
+      </a:effectRef>
+      <a:fontRef idx="minor"/>
+    </dgm:style>
+  </dgm:styleLbl>
+  <dgm:styleLbl name="alignImgPlace1">
+    <dgm:scene3d>
+      <a:camera prst="orthographicFront"/>
+      <a:lightRig rig="threePt" dir="t"/>
+    </dgm:scene3d>
+    <dgm:sp3d/>
+    <dgm:txPr/>
+    <dgm:style>
+      <a:lnRef idx="0">
+        <a:scrgbClr r="0" g="0" b="0"/>
+      </a:lnRef>
+      <a:fillRef idx="1">
+        <a:scrgbClr r="0" g="0" b="0"/>
+      </a:fillRef>
+      <a:effectRef idx="2">
+        <a:scrgbClr r="0" g="0" b="0"/>
+      </a:effectRef>
+      <a:fontRef idx="minor"/>
+    </dgm:style>
+  </dgm:styleLbl>
+  <dgm:styleLbl name="bgImgPlace1">
+    <dgm:scene3d>
+      <a:camera prst="orthographicFront"/>
+      <a:lightRig rig="threePt" dir="t"/>
+    </dgm:scene3d>
+    <dgm:sp3d/>
+    <dgm:txPr/>
+    <dgm:style>
+      <a:lnRef idx="0">
+        <a:scrgbClr r="0" g="0" b="0"/>
+      </a:lnRef>
+      <a:fillRef idx="1">
+        <a:scrgbClr r="0" g="0" b="0"/>
+      </a:fillRef>
+      <a:effectRef idx="2">
+        <a:scrgbClr r="0" g="0" b="0"/>
+      </a:effectRef>
+      <a:fontRef idx="minor"/>
+    </dgm:style>
+  </dgm:styleLbl>
+  <dgm:styleLbl name="sibTrans2D1">
+    <dgm:scene3d>
+      <a:camera prst="orthographicFront"/>
+      <a:lightRig rig="threePt" dir="t"/>
+    </dgm:scene3d>
+    <dgm:sp3d/>
+    <dgm:txPr/>
+    <dgm:style>
+      <a:lnRef idx="0">
+        <a:scrgbClr r="0" g="0" b="0"/>
+      </a:lnRef>
+      <a:fillRef idx="3">
+        <a:scrgbClr r="0" g="0" b="0"/>
+      </a:fillRef>
+      <a:effectRef idx="2">
+        <a:scrgbClr r="0" g="0" b="0"/>
+      </a:effectRef>
+      <a:fontRef idx="minor">
+        <a:schemeClr val="lt1"/>
+      </a:fontRef>
+    </dgm:style>
+  </dgm:styleLbl>
+  <dgm:styleLbl name="fgSibTrans2D1">
+    <dgm:scene3d>
+      <a:camera prst="orthographicFront"/>
+      <a:lightRig rig="threePt" dir="t"/>
+    </dgm:scene3d>
+    <dgm:sp3d/>
+    <dgm:txPr/>
+    <dgm:style>
+      <a:lnRef idx="0">
+        <a:scrgbClr r="0" g="0" b="0"/>
+      </a:lnRef>
+      <a:fillRef idx="3">
+        <a:scrgbClr r="0" g="0" b="0"/>
+      </a:fillRef>
+      <a:effectRef idx="2">
+        <a:scrgbClr r="0" g="0" b="0"/>
+      </a:effectRef>
+      <a:fontRef idx="minor">
+        <a:schemeClr val="lt1"/>
+      </a:fontRef>
+    </dgm:style>
+  </dgm:styleLbl>
+  <dgm:styleLbl name="bgSibTrans2D1">
+    <dgm:scene3d>
+      <a:camera prst="orthographicFront"/>
+      <a:lightRig rig="threePt" dir="t"/>
+    </dgm:scene3d>
+    <dgm:sp3d/>
+    <dgm:txPr/>
+    <dgm:style>
+      <a:lnRef idx="0">
+        <a:scrgbClr r="0" g="0" b="0"/>
+      </a:lnRef>
+      <a:fillRef idx="3">
+        <a:scrgbClr r="0" g="0" b="0"/>
+      </a:fillRef>
+      <a:effectRef idx="2">
+        <a:scrgbClr r="0" g="0" b="0"/>
+      </a:effectRef>
+      <a:fontRef idx="minor">
+        <a:schemeClr val="lt1"/>
+      </a:fontRef>
+    </dgm:style>
+  </dgm:styleLbl>
+  <dgm:styleLbl name="sibTrans1D1">
+    <dgm:scene3d>
+      <a:camera prst="orthographicFront"/>
+      <a:lightRig rig="threePt" dir="t"/>
+    </dgm:scene3d>
+    <dgm:sp3d/>
+    <dgm:txPr/>
+    <dgm:style>
+      <a:lnRef idx="1">
+        <a:scrgbClr r="0" g="0" b="0"/>
+      </a:lnRef>
+      <a:fillRef idx="0">
+        <a:scrgbClr r="0" g="0" b="0"/>
+      </a:fillRef>
+      <a:effectRef idx="0">
+        <a:scrgbClr r="0" g="0" b="0"/>
+      </a:effectRef>
+      <a:fontRef idx="minor"/>
+    </dgm:style>
+  </dgm:styleLbl>
+  <dgm:styleLbl name="callout">
+    <dgm:scene3d>
+      <a:camera prst="orthographicFront"/>
+      <a:lightRig rig="threePt" dir="t"/>
+    </dgm:scene3d>
+    <dgm:sp3d/>
+    <dgm:txPr/>
+    <dgm:style>
+      <a:lnRef idx="2">
+        <a:scrgbClr r="0" g="0" b="0"/>
+      </a:lnRef>
+      <a:fillRef idx="1">
+        <a:scrgbClr r="0" g="0" b="0"/>
+      </a:fillRef>
+      <a:effectRef idx="1">
+        <a:scrgbClr r="0" g="0" b="0"/>
+      </a:effectRef>
+      <a:fontRef idx="minor"/>
+    </dgm:style>
+  </dgm:styleLbl>
+  <dgm:styleLbl name="asst0">
+    <dgm:scene3d>
+      <a:camera prst="orthographicFront"/>
+      <a:lightRig rig="threePt" dir="t"/>
+    </dgm:scene3d>
+    <dgm:sp3d/>
+    <dgm:txPr/>
+    <dgm:style>
+      <a:lnRef idx="0">
+        <a:scrgbClr r="0" g="0" b="0"/>
+      </a:lnRef>
+      <a:fillRef idx="3">
+        <a:scrgbClr r="0" g="0" b="0"/>
+      </a:fillRef>
+      <a:effectRef idx="2">
+        <a:scrgbClr r="0" g="0" b="0"/>
+      </a:effectRef>
+      <a:fontRef idx="minor">
+        <a:schemeClr val="lt1"/>
+      </a:fontRef>
+    </dgm:style>
+  </dgm:styleLbl>
+  <dgm:styleLbl name="asst1">
+    <dgm:scene3d>
+      <a:camera prst="orthographicFront"/>
+      <a:lightRig rig="threePt" dir="t"/>
+    </dgm:scene3d>
+    <dgm:sp3d/>
+    <dgm:txPr/>
+    <dgm:style>
+      <a:lnRef idx="0">
+        <a:scrgbClr r="0" g="0" b="0"/>
+      </a:lnRef>
+      <a:fillRef idx="3">
+        <a:scrgbClr r="0" g="0" b="0"/>
+      </a:fillRef>
+      <a:effectRef idx="2">
+        <a:scrgbClr r="0" g="0" b="0"/>
+      </a:effectRef>
+      <a:fontRef idx="minor">
+        <a:schemeClr val="lt1"/>
+      </a:fontRef>
+    </dgm:style>
+  </dgm:styleLbl>
+  <dgm:styleLbl name="asst2">
+    <dgm:scene3d>
+      <a:camera prst="orthographicFront"/>
+      <a:lightRig rig="threePt" dir="t"/>
+    </dgm:scene3d>
+    <dgm:sp3d/>
+    <dgm:txPr/>
+    <dgm:style>
+      <a:lnRef idx="0">
+        <a:scrgbClr r="0" g="0" b="0"/>
+      </a:lnRef>
+      <a:fillRef idx="3">
+        <a:scrgbClr r="0" g="0" b="0"/>
+      </a:fillRef>
+      <a:effectRef idx="2">
+        <a:scrgbClr r="0" g="0" b="0"/>
+      </a:effectRef>
+      <a:fontRef idx="minor">
+        <a:schemeClr val="lt1"/>
+      </a:fontRef>
+    </dgm:style>
+  </dgm:styleLbl>
+  <dgm:styleLbl name="asst3">
+    <dgm:scene3d>
+      <a:camera prst="orthographicFront"/>
+      <a:lightRig rig="threePt" dir="t"/>
+    </dgm:scene3d>
+    <dgm:sp3d/>
+    <dgm:txPr/>
+    <dgm:style>
+      <a:lnRef idx="0">
+        <a:scrgbClr r="0" g="0" b="0"/>
+      </a:lnRef>
+      <a:fillRef idx="3">
+        <a:scrgbClr r="0" g="0" b="0"/>
+      </a:fillRef>
+      <a:effectRef idx="2">
+        <a:scrgbClr r="0" g="0" b="0"/>
+      </a:effectRef>
+      <a:fontRef idx="minor">
+        <a:schemeClr val="lt1"/>
+      </a:fontRef>
+    </dgm:style>
+  </dgm:styleLbl>
+  <dgm:styleLbl name="asst4">
+    <dgm:scene3d>
+      <a:camera prst="orthographicFront"/>
+      <a:lightRig rig="threePt" dir="t"/>
+    </dgm:scene3d>
+    <dgm:sp3d/>
+    <dgm:txPr/>
+    <dgm:style>
+      <a:lnRef idx="0">
+        <a:scrgbClr r="0" g="0" b="0"/>
+      </a:lnRef>
+      <a:fillRef idx="3">
+        <a:scrgbClr r="0" g="0" b="0"/>
+      </a:fillRef>
+      <a:effectRef idx="2">
+        <a:scrgbClr r="0" g="0" b="0"/>
+      </a:effectRef>
+      <a:fontRef idx="minor">
+        <a:schemeClr val="lt1"/>
+      </a:fontRef>
+    </dgm:style>
+  </dgm:styleLbl>
+  <dgm:styleLbl name="parChTrans2D1">
+    <dgm:scene3d>
+      <a:camera prst="orthographicFront"/>
+      <a:lightRig rig="threePt" dir="t"/>
+    </dgm:scene3d>
+    <dgm:sp3d/>
+    <dgm:txPr/>
+    <dgm:style>
+      <a:lnRef idx="0">
+        <a:scrgbClr r="0" g="0" b="0"/>
+      </a:lnRef>
+      <a:fillRef idx="3">
+        <a:scrgbClr r="0" g="0" b="0"/>
+      </a:fillRef>
+      <a:effectRef idx="2">
+        <a:scrgbClr r="0" g="0" b="0"/>
+      </a:effectRef>
+      <a:fontRef idx="minor">
+        <a:schemeClr val="lt1"/>
+      </a:fontRef>
+    </dgm:style>
+  </dgm:styleLbl>
+  <dgm:styleLbl name="parChTrans2D2">
+    <dgm:scene3d>
+      <a:camera prst="orthographicFront"/>
+      <a:lightRig rig="threePt" dir="t"/>
+    </dgm:scene3d>
+    <dgm:sp3d/>
+    <dgm:txPr/>
+    <dgm:style>
+      <a:lnRef idx="0">
+        <a:scrgbClr r="0" g="0" b="0"/>
+      </a:lnRef>
+      <a:fillRef idx="3">
+        <a:scrgbClr r="0" g="0" b="0"/>
+      </a:fillRef>
+      <a:effectRef idx="2">
+        <a:scrgbClr r="0" g="0" b="0"/>
+      </a:effectRef>
+      <a:fontRef idx="minor">
+        <a:schemeClr val="lt1"/>
+      </a:fontRef>
+    </dgm:style>
+  </dgm:styleLbl>
+  <dgm:styleLbl name="parChTrans2D3">
+    <dgm:scene3d>
+      <a:camera prst="orthographicFront"/>
+      <a:lightRig rig="threePt" dir="t"/>
+    </dgm:scene3d>
+    <dgm:sp3d/>
+    <dgm:txPr/>
+    <dgm:style>
+      <a:lnRef idx="1">
+        <a:scrgbClr r="0" g="0" b="0"/>
+      </a:lnRef>
+      <a:fillRef idx="3">
+        <a:scrgbClr r="0" g="0" b="0"/>
+      </a:fillRef>
+      <a:effectRef idx="2">
+        <a:scrgbClr r="0" g="0" b="0"/>
+      </a:effectRef>
+      <a:fontRef idx="minor">
+        <a:schemeClr val="lt1"/>
+      </a:fontRef>
+    </dgm:style>
+  </dgm:styleLbl>
+  <dgm:styleLbl name="parChTrans2D4">
+    <dgm:scene3d>
+      <a:camera prst="orthographicFront"/>
+      <a:lightRig rig="threePt" dir="t"/>
+    </dgm:scene3d>
+    <dgm:sp3d/>
+    <dgm:txPr/>
+    <dgm:style>
+      <a:lnRef idx="1">
+        <a:scrgbClr r="0" g="0" b="0"/>
+      </a:lnRef>
+      <a:fillRef idx="3">
+        <a:scrgbClr r="0" g="0" b="0"/>
+      </a:fillRef>
+      <a:effectRef idx="2">
+        <a:scrgbClr r="0" g="0" b="0"/>
+      </a:effectRef>
+      <a:fontRef idx="minor">
+        <a:schemeClr val="lt1"/>
+      </a:fontRef>
+    </dgm:style>
+  </dgm:styleLbl>
+  <dgm:styleLbl name="parChTrans1D1">
+    <dgm:scene3d>
+      <a:camera prst="orthographicFront"/>
+      <a:lightRig rig="threePt" dir="t"/>
+    </dgm:scene3d>
+    <dgm:sp3d/>
+    <dgm:txPr/>
+    <dgm:style>
+      <a:lnRef idx="1">
+        <a:scrgbClr r="0" g="0" b="0"/>
+      </a:lnRef>
+      <a:fillRef idx="0">
+        <a:scrgbClr r="0" g="0" b="0"/>
+      </a:fillRef>
+      <a:effectRef idx="0">
+        <a:scrgbClr r="0" g="0" b="0"/>
+      </a:effectRef>
+      <a:fontRef idx="minor"/>
+    </dgm:style>
+  </dgm:styleLbl>
+  <dgm:styleLbl name="parChTrans1D2">
+    <dgm:scene3d>
+      <a:camera prst="orthographicFront"/>
+      <a:lightRig rig="threePt" dir="t"/>
+    </dgm:scene3d>
+    <dgm:sp3d/>
+    <dgm:txPr/>
+    <dgm:style>
+      <a:lnRef idx="1">
+        <a:scrgbClr r="0" g="0" b="0"/>
+      </a:lnRef>
+      <a:fillRef idx="0">
+        <a:scrgbClr r="0" g="0" b="0"/>
+      </a:fillRef>
+      <a:effectRef idx="0">
+        <a:scrgbClr r="0" g="0" b="0"/>
+      </a:effectRef>
+      <a:fontRef idx="minor"/>
+    </dgm:style>
+  </dgm:styleLbl>
+  <dgm:styleLbl name="parChTrans1D3">
+    <dgm:scene3d>
+      <a:camera prst="orthographicFront"/>
+      <a:lightRig rig="threePt" dir="t"/>
+    </dgm:scene3d>
+    <dgm:sp3d/>
+    <dgm:txPr/>
+    <dgm:style>
+      <a:lnRef idx="1">
+        <a:scrgbClr r="0" g="0" b="0"/>
+      </a:lnRef>
+      <a:fillRef idx="0">
+        <a:scrgbClr r="0" g="0" b="0"/>
+      </a:fillRef>
+      <a:effectRef idx="0">
+        <a:scrgbClr r="0" g="0" b="0"/>
+      </a:effectRef>
+      <a:fontRef idx="minor"/>
+    </dgm:style>
+  </dgm:styleLbl>
+  <dgm:styleLbl name="parChTrans1D4">
+    <dgm:scene3d>
+      <a:camera prst="orthographicFront"/>
+      <a:lightRig rig="threePt" dir="t"/>
+    </dgm:scene3d>
+    <dgm:sp3d/>
+    <dgm:txPr/>
+    <dgm:style>
+      <a:lnRef idx="1">
+        <a:scrgbClr r="0" g="0" b="0"/>
+      </a:lnRef>
+      <a:fillRef idx="0">
+        <a:scrgbClr r="0" g="0" b="0"/>
+      </a:fillRef>
+      <a:effectRef idx="0">
+        <a:scrgbClr r="0" g="0" b="0"/>
+      </a:effectRef>
+      <a:fontRef idx="minor"/>
+    </dgm:style>
+  </dgm:styleLbl>
+  <dgm:styleLbl name="fgAcc1">
+    <dgm:scene3d>
+      <a:camera prst="orthographicFront"/>
+      <a:lightRig rig="threePt" dir="t"/>
+    </dgm:scene3d>
+    <dgm:sp3d/>
+    <dgm:txPr/>
+    <dgm:style>
+      <a:lnRef idx="1">
+        <a:scrgbClr r="0" g="0" b="0"/>
+      </a:lnRef>
+      <a:fillRef idx="1">
+        <a:scrgbClr r="0" g="0" b="0"/>
+      </a:fillRef>
+      <a:effectRef idx="0">
+        <a:scrgbClr r="0" g="0" b="0"/>
+      </a:effectRef>
+      <a:fontRef idx="minor"/>
+    </dgm:style>
+  </dgm:styleLbl>
+  <dgm:styleLbl name="conFgAcc1">
+    <dgm:scene3d>
+      <a:camera prst="orthographicFront"/>
+      <a:lightRig rig="threePt" dir="t"/>
+    </dgm:scene3d>
+    <dgm:sp3d/>
+    <dgm:txPr/>
+    <dgm:style>
+      <a:lnRef idx="1">
+        <a:scrgbClr r="0" g="0" b="0"/>
+      </a:lnRef>
+      <a:fillRef idx="1">
+        <a:scrgbClr r="0" g="0" b="0"/>
+      </a:fillRef>
+      <a:effectRef idx="0">
+        <a:scrgbClr r="0" g="0" b="0"/>
+      </a:effectRef>
+      <a:fontRef idx="minor"/>
+    </dgm:style>
+  </dgm:styleLbl>
+  <dgm:styleLbl name="alignAcc1">
+    <dgm:scene3d>
+      <a:camera prst="orthographicFront"/>
+      <a:lightRig rig="threePt" dir="t"/>
+    </dgm:scene3d>
+    <dgm:sp3d/>
+    <dgm:txPr/>
+    <dgm:style>
+      <a:lnRef idx="1">
+        <a:scrgbClr r="0" g="0" b="0"/>
+      </a:lnRef>
+      <a:fillRef idx="1">
+        <a:scrgbClr r="0" g="0" b="0"/>
+      </a:fillRef>
+      <a:effectRef idx="0">
+        <a:scrgbClr r="0" g="0" b="0"/>
+      </a:effectRef>
+      <a:fontRef idx="minor"/>
+    </dgm:style>
+  </dgm:styleLbl>
+  <dgm:styleLbl name="trAlignAcc1">
+    <dgm:scene3d>
+      <a:camera prst="orthographicFront"/>
+      <a:lightRig rig="threePt" dir="t"/>
+    </dgm:scene3d>
+    <dgm:sp3d/>
+    <dgm:txPr/>
+    <dgm:style>
+      <a:lnRef idx="1">
+        <a:scrgbClr r="0" g="0" b="0"/>
+      </a:lnRef>
+      <a:fillRef idx="1">
+        <a:scrgbClr r="0" g="0" b="0"/>
+      </a:fillRef>
+      <a:effectRef idx="0">
+        <a:scrgbClr r="0" g="0" b="0"/>
+      </a:effectRef>
+      <a:fontRef idx="minor"/>
+    </dgm:style>
+  </dgm:styleLbl>
+  <dgm:styleLbl name="bgAcc1">
+    <dgm:scene3d>
+      <a:camera prst="orthographicFront"/>
+      <a:lightRig rig="threePt" dir="t"/>
+    </dgm:scene3d>
+    <dgm:sp3d/>
+    <dgm:txPr/>
+    <dgm:style>
+      <a:lnRef idx="1">
+        <a:scrgbClr r="0" g="0" b="0"/>
+      </a:lnRef>
+      <a:fillRef idx="1">
+        <a:scrgbClr r="0" g="0" b="0"/>
+      </a:fillRef>
+      <a:effectRef idx="0">
+        <a:scrgbClr r="0" g="0" b="0"/>
+      </a:effectRef>
+      <a:fontRef idx="minor"/>
+    </dgm:style>
+  </dgm:styleLbl>
+  <dgm:styleLbl name="solidFgAcc1">
+    <dgm:scene3d>
+      <a:camera prst="orthographicFront"/>
+      <a:lightRig rig="threePt" dir="t"/>
+    </dgm:scene3d>
+    <dgm:sp3d/>
+    <dgm:txPr/>
+    <dgm:style>
+      <a:lnRef idx="1">
+        <a:scrgbClr r="0" g="0" b="0"/>
+      </a:lnRef>
+      <a:fillRef idx="1">
+        <a:scrgbClr r="0" g="0" b="0"/>
+      </a:fillRef>
+      <a:effectRef idx="0">
+        <a:scrgbClr r="0" g="0" b="0"/>
+      </a:effectRef>
+      <a:fontRef idx="minor"/>
+    </dgm:style>
+  </dgm:styleLbl>
+  <dgm:styleLbl name="solidAlignAcc1">
+    <dgm:scene3d>
+      <a:camera prst="orthographicFront"/>
+      <a:lightRig rig="threePt" dir="t"/>
+    </dgm:scene3d>
+    <dgm:sp3d/>
+    <dgm:txPr/>
+    <dgm:style>
+      <a:lnRef idx="1">
+        <a:scrgbClr r="0" g="0" b="0"/>
+      </a:lnRef>
+      <a:fillRef idx="1">
+        <a:scrgbClr r="0" g="0" b="0"/>
+      </a:fillRef>
+      <a:effectRef idx="0">
+        <a:scrgbClr r="0" g="0" b="0"/>
+      </a:effectRef>
+      <a:fontRef idx="minor"/>
+    </dgm:style>
+  </dgm:styleLbl>
+  <dgm:styleLbl name="solidBgAcc1">
+    <dgm:scene3d>
+      <a:camera prst="orthographicFront"/>
+      <a:lightRig rig="threePt" dir="t"/>
+    </dgm:scene3d>
+    <dgm:sp3d/>
+    <dgm:txPr/>
+    <dgm:style>
+      <a:lnRef idx="1">
+        <a:scrgbClr r="0" g="0" b="0"/>
+      </a:lnRef>
+      <a:fillRef idx="1">
+        <a:scrgbClr r="0" g="0" b="0"/>
+      </a:fillRef>
+      <a:effectRef idx="0">
+        <a:scrgbClr r="0" g="0" b="0"/>
+      </a:effectRef>
+      <a:fontRef idx="minor"/>
+    </dgm:style>
+  </dgm:styleLbl>
+  <dgm:styleLbl name="fgAccFollowNode1">
+    <dgm:scene3d>
+      <a:camera prst="orthographicFront"/>
+      <a:lightRig rig="threePt" dir="t"/>
+    </dgm:scene3d>
+    <dgm:sp3d/>
+    <dgm:txPr/>
+    <dgm:style>
+      <a:lnRef idx="1">
+        <a:scrgbClr r="0" g="0" b="0"/>
+      </a:lnRef>
+      <a:fillRef idx="1">
+        <a:scrgbClr r="0" g="0" b="0"/>
+      </a:fillRef>
+      <a:effectRef idx="0">
+        <a:scrgbClr r="0" g="0" b="0"/>
+      </a:effectRef>
+      <a:fontRef idx="minor"/>
+    </dgm:style>
+  </dgm:styleLbl>
+  <dgm:styleLbl name="alignAccFollowNode1">
+    <dgm:scene3d>
+      <a:camera prst="orthographicFront"/>
+      <a:lightRig rig="threePt" dir="t"/>
+    </dgm:scene3d>
+    <dgm:sp3d/>
+    <dgm:txPr/>
+    <dgm:style>
+      <a:lnRef idx="1">
+        <a:scrgbClr r="0" g="0" b="0"/>
+      </a:lnRef>
+      <a:fillRef idx="1">
+        <a:scrgbClr r="0" g="0" b="0"/>
+      </a:fillRef>
+      <a:effectRef idx="0">
+        <a:scrgbClr r="0" g="0" b="0"/>
+      </a:effectRef>
+      <a:fontRef idx="minor"/>
+    </dgm:style>
+  </dgm:styleLbl>
+  <dgm:styleLbl name="bgAccFollowNode1">
+    <dgm:scene3d>
+      <a:camera prst="orthographicFront"/>
+      <a:lightRig rig="threePt" dir="t"/>
+    </dgm:scene3d>
+    <dgm:sp3d/>
+    <dgm:txPr/>
+    <dgm:style>
+      <a:lnRef idx="1">
+        <a:scrgbClr r="0" g="0" b="0"/>
+      </a:lnRef>
+      <a:fillRef idx="1">
+        <a:scrgbClr r="0" g="0" b="0"/>
+      </a:fillRef>
+      <a:effectRef idx="0">
+        <a:scrgbClr r="0" g="0" b="0"/>
+      </a:effectRef>
+      <a:fontRef idx="minor"/>
+    </dgm:style>
+  </dgm:styleLbl>
+  <dgm:styleLbl name="fgAcc0">
+    <dgm:scene3d>
+      <a:camera prst="orthographicFront"/>
+      <a:lightRig rig="threePt" dir="t"/>
+    </dgm:scene3d>
+    <dgm:sp3d/>
+    <dgm:txPr/>
+    <dgm:style>
+      <a:lnRef idx="1">
+        <a:scrgbClr r="0" g="0" b="0"/>
+      </a:lnRef>
+      <a:fillRef idx="1">
+        <a:scrgbClr r="0" g="0" b="0"/>
+      </a:fillRef>
+      <a:effectRef idx="0">
+        <a:scrgbClr r="0" g="0" b="0"/>
+      </a:effectRef>
+      <a:fontRef idx="minor"/>
+    </dgm:style>
+  </dgm:styleLbl>
+  <dgm:styleLbl name="fgAcc2">
+    <dgm:scene3d>
+      <a:camera prst="orthographicFront"/>
+      <a:lightRig rig="threePt" dir="t"/>
+    </dgm:scene3d>
+    <dgm:sp3d/>
+    <dgm:txPr/>
+    <dgm:style>
+      <a:lnRef idx="1">
+        <a:scrgbClr r="0" g="0" b="0"/>
+      </a:lnRef>
+      <a:fillRef idx="1">
+        <a:scrgbClr r="0" g="0" b="0"/>
+      </a:fillRef>
+      <a:effectRef idx="0">
+        <a:scrgbClr r="0" g="0" b="0"/>
+      </a:effectRef>
+      <a:fontRef idx="minor"/>
+    </dgm:style>
+  </dgm:styleLbl>
+  <dgm:styleLbl name="fgAcc3">
+    <dgm:scene3d>
+      <a:camera prst="orthographicFront"/>
+      <a:lightRig rig="threePt" dir="t"/>
+    </dgm:scene3d>
+    <dgm:sp3d/>
+    <dgm:txPr/>
+    <dgm:style>
+      <a:lnRef idx="1">
+        <a:scrgbClr r="0" g="0" b="0"/>
+      </a:lnRef>
+      <a:fillRef idx="1">
+        <a:scrgbClr r="0" g="0" b="0"/>
+      </a:fillRef>
+      <a:effectRef idx="0">
+        <a:scrgbClr r="0" g="0" b="0"/>
+      </a:effectRef>
+      <a:fontRef idx="minor"/>
+    </dgm:style>
+  </dgm:styleLbl>
+  <dgm:styleLbl name="fgAcc4">
+    <dgm:scene3d>
+      <a:camera prst="orthographicFront"/>
+      <a:lightRig rig="threePt" dir="t"/>
+    </dgm:scene3d>
+    <dgm:sp3d/>
+    <dgm:txPr/>
+    <dgm:style>
+      <a:lnRef idx="1">
+        <a:scrgbClr r="0" g="0" b="0"/>
+      </a:lnRef>
+      <a:fillRef idx="1">
+        <a:scrgbClr r="0" g="0" b="0"/>
+      </a:fillRef>
+      <a:effectRef idx="0">
+        <a:scrgbClr r="0" g="0" b="0"/>
+      </a:effectRef>
+      <a:fontRef idx="minor"/>
+    </dgm:style>
+  </dgm:styleLbl>
+  <dgm:styleLbl name="bgShp">
+    <dgm:scene3d>
+      <a:camera prst="orthographicFront"/>
+      <a:lightRig rig="threePt" dir="t"/>
+    </dgm:scene3d>
+    <dgm:sp3d/>
+    <dgm:txPr/>
+    <dgm:style>
+      <a:lnRef idx="0">
+        <a:scrgbClr r="0" g="0" b="0"/>
+      </a:lnRef>
+      <a:fillRef idx="1">
+        <a:scrgbClr r="0" g="0" b="0"/>
+      </a:fillRef>
+      <a:effectRef idx="2">
+        <a:scrgbClr r="0" g="0" b="0"/>
+      </a:effectRef>
+      <a:fontRef idx="minor"/>
+    </dgm:style>
+  </dgm:styleLbl>
+  <dgm:styleLbl name="dkBgShp">
+    <dgm:scene3d>
+      <a:camera prst="orthographicFront"/>
+      <a:lightRig rig="threePt" dir="t"/>
+    </dgm:scene3d>
+    <dgm:sp3d/>
+    <dgm:txPr/>
+    <dgm:style>
+      <a:lnRef idx="0">
+        <a:scrgbClr r="0" g="0" b="0"/>
+      </a:lnRef>
+      <a:fillRef idx="1">
+        <a:scrgbClr r="0" g="0" b="0"/>
+      </a:fillRef>
+      <a:effectRef idx="2">
+        <a:scrgbClr r="0" g="0" b="0"/>
+      </a:effectRef>
+      <a:fontRef idx="minor"/>
+    </dgm:style>
+  </dgm:styleLbl>
+  <dgm:styleLbl name="trBgShp">
+    <dgm:scene3d>
+      <a:camera prst="orthographicFront"/>
+      <a:lightRig rig="threePt" dir="t"/>
+    </dgm:scene3d>
+    <dgm:sp3d/>
+    <dgm:txPr/>
+    <dgm:style>
+      <a:lnRef idx="0">
+        <a:scrgbClr r="0" g="0" b="0"/>
+      </a:lnRef>
+      <a:fillRef idx="1">
+        <a:scrgbClr r="0" g="0" b="0"/>
+      </a:fillRef>
+      <a:effectRef idx="0">
+        <a:scrgbClr r="0" g="0" b="0"/>
+      </a:effectRef>
+      <a:fontRef idx="minor"/>
+    </dgm:style>
+  </dgm:styleLbl>
+  <dgm:styleLbl name="fgShp">
+    <dgm:scene3d>
+      <a:camera prst="orthographicFront"/>
+      <a:lightRig rig="threePt" dir="t"/>
+    </dgm:scene3d>
+    <dgm:sp3d/>
+    <dgm:txPr/>
+    <dgm:style>
+      <a:lnRef idx="0">
+        <a:scrgbClr r="0" g="0" b="0"/>
+      </a:lnRef>
+      <a:fillRef idx="3">
+        <a:scrgbClr r="0" g="0" b="0"/>
+      </a:fillRef>
+      <a:effectRef idx="2">
+        <a:scrgbClr r="0" g="0" b="0"/>
+      </a:effectRef>
+      <a:fontRef idx="minor"/>
+    </dgm:style>
+  </dgm:styleLbl>
+  <dgm:styleLbl name="revTx">
+    <dgm:scene3d>
+      <a:camera prst="orthographicFront"/>
+      <a:lightRig rig="threePt" dir="t"/>
+    </dgm:scene3d>
+    <dgm:sp3d/>
+    <dgm:txPr/>
+    <dgm:style>
+      <a:lnRef idx="0">
+        <a:scrgbClr r="0" g="0" b="0"/>
+      </a:lnRef>
+      <a:fillRef idx="0">
+        <a:scrgbClr r="0" g="0" b="0"/>
+      </a:fillRef>
+      <a:effectRef idx="0">
+        <a:scrgbClr r="0" g="0" b="0"/>
+      </a:effectRef>
+      <a:fontRef idx="minor"/>
+    </dgm:style>
+  </dgm:styleLbl>
+</dgm:styleDef>
 </file>
 
 <file path=ppt/slideLayouts/slideLayout1.xml><?xml version="1.0" encoding="utf-8"?>
@@ -3329,6 +5980,878 @@
 <file path=ppt/slides/slide1.xml><?xml version="1.0" encoding="utf-8"?>
 <p:sld xmlns:a="http://schemas.openxmlformats.org/drawingml/2006/main" xmlns:r="http://schemas.openxmlformats.org/officeDocument/2006/relationships" xmlns:p="http://schemas.openxmlformats.org/presentationml/2006/main">
   <p:cSld>
+    <p:bg>
+      <p:bgPr>
+        <a:solidFill>
+          <a:schemeClr val="bg1"/>
+        </a:solidFill>
+        <a:effectLst/>
+      </p:bgPr>
+    </p:bg>
+    <p:spTree>
+      <p:nvGrpSpPr>
+        <p:cNvPr id="1" name=""/>
+        <p:cNvGrpSpPr/>
+        <p:nvPr/>
+      </p:nvGrpSpPr>
+      <p:grpSpPr>
+        <a:xfrm>
+          <a:off x="0" y="0"/>
+          <a:ext cx="0" cy="0"/>
+          <a:chOff x="0" y="0"/>
+          <a:chExt cx="0" cy="0"/>
+        </a:xfrm>
+      </p:grpSpPr>
+      <p:sp useBgFill="1">
+        <p:nvSpPr>
+          <p:cNvPr id="16" name="Rectangle 15">
+            <a:extLst>
+              <a:ext uri="{FF2B5EF4-FFF2-40B4-BE49-F238E27FC236}">
+                <a16:creationId xmlns:a16="http://schemas.microsoft.com/office/drawing/2014/main" id="{0671A8AE-40A1-4631-A6B8-581AFF065482}"/>
+              </a:ext>
+              <a:ext uri="{C183D7F6-B498-43B3-948B-1728B52AA6E4}">
+                <adec:decorative xmlns:adec="http://schemas.microsoft.com/office/drawing/2017/decorative" val="1"/>
+              </a:ext>
+            </a:extLst>
+          </p:cNvPr>
+          <p:cNvSpPr>
+            <a:spLocks noGrp="1" noRot="1" noChangeAspect="1" noMove="1" noResize="1" noEditPoints="1" noAdjustHandles="1" noChangeArrowheads="1" noChangeShapeType="1" noTextEdit="1"/>
+          </p:cNvSpPr>
+          <p:nvPr>
+            <p:extLst>
+              <p:ext uri="{386F3935-93C4-4BCD-93E2-E3B085C9AB24}">
+                <p16:designElem xmlns:p16="http://schemas.microsoft.com/office/powerpoint/2015/main" val="1"/>
+              </p:ext>
+            </p:extLst>
+          </p:nvPr>
+        </p:nvSpPr>
+        <p:spPr>
+          <a:xfrm>
+            <a:off x="0" y="0"/>
+            <a:ext cx="12192000" cy="6858000"/>
+          </a:xfrm>
+          <a:prstGeom prst="rect">
+            <a:avLst/>
+          </a:prstGeom>
+          <a:ln>
+            <a:noFill/>
+          </a:ln>
+        </p:spPr>
+        <p:style>
+          <a:lnRef idx="2">
+            <a:schemeClr val="accent1">
+              <a:shade val="50000"/>
+            </a:schemeClr>
+          </a:lnRef>
+          <a:fillRef idx="1">
+            <a:schemeClr val="accent1"/>
+          </a:fillRef>
+          <a:effectRef idx="0">
+            <a:schemeClr val="accent1"/>
+          </a:effectRef>
+          <a:fontRef idx="minor">
+            <a:schemeClr val="lt1"/>
+          </a:fontRef>
+        </p:style>
+        <p:txBody>
+          <a:bodyPr rtlCol="0" anchor="ctr"/>
+          <a:lstStyle/>
+          <a:p>
+            <a:pPr algn="ctr"/>
+            <a:endParaRPr lang="en-US"/>
+          </a:p>
+        </p:txBody>
+      </p:sp>
+      <p:pic>
+        <p:nvPicPr>
+          <p:cNvPr id="5" name="Picture 4" descr="Light bulb on yellow background with sketched light beams and cord">
+            <a:extLst>
+              <a:ext uri="{FF2B5EF4-FFF2-40B4-BE49-F238E27FC236}">
+                <a16:creationId xmlns:a16="http://schemas.microsoft.com/office/drawing/2014/main" id="{33DA3602-2DDC-4DA2-BCFB-D12CE63523F6}"/>
+              </a:ext>
+            </a:extLst>
+          </p:cNvPr>
+          <p:cNvPicPr>
+            <a:picLocks noChangeAspect="1"/>
+          </p:cNvPicPr>
+          <p:nvPr/>
+        </p:nvPicPr>
+        <p:blipFill rotWithShape="1">
+          <a:blip r:embed="rId2"/>
+          <a:srcRect l="26530" t="9091" r="2801" b="1"/>
+          <a:stretch/>
+        </p:blipFill>
+        <p:spPr>
+          <a:xfrm>
+            <a:off x="3523488" y="10"/>
+            <a:ext cx="8668512" cy="6857990"/>
+          </a:xfrm>
+          <a:prstGeom prst="rect">
+            <a:avLst/>
+          </a:prstGeom>
+        </p:spPr>
+      </p:pic>
+      <p:sp>
+        <p:nvSpPr>
+          <p:cNvPr id="18" name="Rectangle 17">
+            <a:extLst>
+              <a:ext uri="{FF2B5EF4-FFF2-40B4-BE49-F238E27FC236}">
+                <a16:creationId xmlns:a16="http://schemas.microsoft.com/office/drawing/2014/main" id="{AB58EF07-17C2-48CF-ABB0-EEF1F17CB8F0}"/>
+              </a:ext>
+              <a:ext uri="{C183D7F6-B498-43B3-948B-1728B52AA6E4}">
+                <adec:decorative xmlns:adec="http://schemas.microsoft.com/office/drawing/2017/decorative" val="1"/>
+              </a:ext>
+            </a:extLst>
+          </p:cNvPr>
+          <p:cNvSpPr>
+            <a:spLocks noGrp="1" noRot="1" noChangeAspect="1" noMove="1" noResize="1" noEditPoints="1" noAdjustHandles="1" noChangeArrowheads="1" noChangeShapeType="1" noTextEdit="1"/>
+          </p:cNvSpPr>
+          <p:nvPr>
+            <p:extLst>
+              <p:ext uri="{386F3935-93C4-4BCD-93E2-E3B085C9AB24}">
+                <p16:designElem xmlns:p16="http://schemas.microsoft.com/office/powerpoint/2015/main" val="1"/>
+              </p:ext>
+            </p:extLst>
+          </p:nvPr>
+        </p:nvSpPr>
+        <p:spPr>
+          <a:xfrm>
+            <a:off x="3" y="0"/>
+            <a:ext cx="9339206" cy="6858000"/>
+          </a:xfrm>
+          <a:prstGeom prst="rect">
+            <a:avLst/>
+          </a:prstGeom>
+          <a:gradFill>
+            <a:gsLst>
+              <a:gs pos="58000">
+                <a:schemeClr val="bg1"/>
+              </a:gs>
+              <a:gs pos="33000">
+                <a:schemeClr val="bg1">
+                  <a:alpha val="64000"/>
+                </a:schemeClr>
+              </a:gs>
+              <a:gs pos="0">
+                <a:schemeClr val="bg1">
+                  <a:alpha val="0"/>
+                </a:schemeClr>
+              </a:gs>
+              <a:gs pos="100000">
+                <a:schemeClr val="bg1"/>
+              </a:gs>
+            </a:gsLst>
+            <a:lin ang="10800000" scaled="0"/>
+          </a:gradFill>
+          <a:ln>
+            <a:noFill/>
+          </a:ln>
+        </p:spPr>
+        <p:style>
+          <a:lnRef idx="2">
+            <a:schemeClr val="accent1">
+              <a:shade val="50000"/>
+            </a:schemeClr>
+          </a:lnRef>
+          <a:fillRef idx="1">
+            <a:schemeClr val="accent1"/>
+          </a:fillRef>
+          <a:effectRef idx="0">
+            <a:schemeClr val="accent1"/>
+          </a:effectRef>
+          <a:fontRef idx="minor">
+            <a:schemeClr val="lt1"/>
+          </a:fontRef>
+        </p:style>
+        <p:txBody>
+          <a:bodyPr rtlCol="0" anchor="ctr"/>
+          <a:lstStyle/>
+          <a:p>
+            <a:pPr algn="ctr"/>
+            <a:endParaRPr lang="en-US" dirty="0"/>
+          </a:p>
+        </p:txBody>
+      </p:sp>
+      <p:sp>
+        <p:nvSpPr>
+          <p:cNvPr id="2" name="Title 1">
+            <a:extLst>
+              <a:ext uri="{FF2B5EF4-FFF2-40B4-BE49-F238E27FC236}">
+                <a16:creationId xmlns:a16="http://schemas.microsoft.com/office/drawing/2014/main" id="{2AC010CD-848F-43B5-B7B4-243634AF739E}"/>
+              </a:ext>
+            </a:extLst>
+          </p:cNvPr>
+          <p:cNvSpPr>
+            <a:spLocks noGrp="1"/>
+          </p:cNvSpPr>
+          <p:nvPr>
+            <p:ph type="ctrTitle"/>
+          </p:nvPr>
+        </p:nvSpPr>
+        <p:spPr>
+          <a:xfrm>
+            <a:off x="477981" y="1122363"/>
+            <a:ext cx="4023360" cy="3204134"/>
+          </a:xfrm>
+        </p:spPr>
+        <p:txBody>
+          <a:bodyPr anchor="b">
+            <a:normAutofit/>
+          </a:bodyPr>
+          <a:lstStyle/>
+          <a:p>
+            <a:pPr algn="l"/>
+            <a:r>
+              <a:rPr lang="en-GB" sz="4800"/>
+              <a:t>Bright Sparks Documentation</a:t>
+            </a:r>
+          </a:p>
+        </p:txBody>
+      </p:sp>
+      <p:sp>
+        <p:nvSpPr>
+          <p:cNvPr id="20" name="Rectangle 19">
+            <a:extLst>
+              <a:ext uri="{FF2B5EF4-FFF2-40B4-BE49-F238E27FC236}">
+                <a16:creationId xmlns:a16="http://schemas.microsoft.com/office/drawing/2014/main" id="{AF2F604E-43BE-4DC3-B983-E071523364F8}"/>
+              </a:ext>
+              <a:ext uri="{C183D7F6-B498-43B3-948B-1728B52AA6E4}">
+                <adec:decorative xmlns:adec="http://schemas.microsoft.com/office/drawing/2017/decorative" val="1"/>
+              </a:ext>
+            </a:extLst>
+          </p:cNvPr>
+          <p:cNvSpPr>
+            <a:spLocks noGrp="1" noRot="1" noChangeAspect="1" noMove="1" noResize="1" noEditPoints="1" noAdjustHandles="1" noChangeArrowheads="1" noChangeShapeType="1" noTextEdit="1"/>
+          </p:cNvSpPr>
+          <p:nvPr>
+            <p:extLst>
+              <p:ext uri="{386F3935-93C4-4BCD-93E2-E3B085C9AB24}">
+                <p16:designElem xmlns:p16="http://schemas.microsoft.com/office/powerpoint/2015/main" val="1"/>
+              </p:ext>
+            </p:extLst>
+          </p:nvPr>
+        </p:nvSpPr>
+        <p:spPr>
+          <a:xfrm rot="5400000">
+            <a:off x="759921" y="346791"/>
+            <a:ext cx="146304" cy="704088"/>
+          </a:xfrm>
+          <a:prstGeom prst="rect">
+            <a:avLst/>
+          </a:prstGeom>
+          <a:solidFill>
+            <a:schemeClr val="accent2"/>
+          </a:solidFill>
+          <a:ln>
+            <a:noFill/>
+          </a:ln>
+        </p:spPr>
+        <p:style>
+          <a:lnRef idx="2">
+            <a:schemeClr val="accent1">
+              <a:shade val="50000"/>
+            </a:schemeClr>
+          </a:lnRef>
+          <a:fillRef idx="1">
+            <a:schemeClr val="accent1"/>
+          </a:fillRef>
+          <a:effectRef idx="0">
+            <a:schemeClr val="accent1"/>
+          </a:effectRef>
+          <a:fontRef idx="minor">
+            <a:schemeClr val="lt1"/>
+          </a:fontRef>
+        </p:style>
+        <p:txBody>
+          <a:bodyPr rtlCol="0" anchor="ctr"/>
+          <a:lstStyle/>
+          <a:p>
+            <a:pPr algn="ctr"/>
+            <a:endParaRPr lang="en-US">
+              <a:solidFill>
+                <a:prstClr val="white"/>
+              </a:solidFill>
+              <a:latin typeface="Calibri" panose="020F0502020204030204"/>
+            </a:endParaRPr>
+          </a:p>
+        </p:txBody>
+      </p:sp>
+      <p:sp>
+        <p:nvSpPr>
+          <p:cNvPr id="22" name="Rectangle 21">
+            <a:extLst>
+              <a:ext uri="{FF2B5EF4-FFF2-40B4-BE49-F238E27FC236}">
+                <a16:creationId xmlns:a16="http://schemas.microsoft.com/office/drawing/2014/main" id="{08C9B587-E65E-4B52-B37C-ABEBB6E87928}"/>
+              </a:ext>
+              <a:ext uri="{C183D7F6-B498-43B3-948B-1728B52AA6E4}">
+                <adec:decorative xmlns:adec="http://schemas.microsoft.com/office/drawing/2017/decorative" val="1"/>
+              </a:ext>
+            </a:extLst>
+          </p:cNvPr>
+          <p:cNvSpPr>
+            <a:spLocks noGrp="1" noRot="1" noChangeAspect="1" noMove="1" noResize="1" noEditPoints="1" noAdjustHandles="1" noChangeArrowheads="1" noChangeShapeType="1" noTextEdit="1"/>
+          </p:cNvSpPr>
+          <p:nvPr>
+            <p:extLst>
+              <p:ext uri="{386F3935-93C4-4BCD-93E2-E3B085C9AB24}">
+                <p16:designElem xmlns:p16="http://schemas.microsoft.com/office/powerpoint/2015/main" val="1"/>
+              </p:ext>
+            </p:extLst>
+          </p:nvPr>
+        </p:nvSpPr>
+        <p:spPr>
+          <a:xfrm>
+            <a:off x="481029" y="4546920"/>
+            <a:ext cx="3977640" cy="18288"/>
+          </a:xfrm>
+          <a:prstGeom prst="rect">
+            <a:avLst/>
+          </a:prstGeom>
+          <a:solidFill>
+            <a:schemeClr val="tx1"/>
+          </a:solidFill>
+          <a:ln w="3175">
+            <a:noFill/>
+          </a:ln>
+          <a:effectLst/>
+        </p:spPr>
+        <p:style>
+          <a:lnRef idx="2">
+            <a:schemeClr val="accent1">
+              <a:shade val="50000"/>
+            </a:schemeClr>
+          </a:lnRef>
+          <a:fillRef idx="1">
+            <a:schemeClr val="accent1"/>
+          </a:fillRef>
+          <a:effectRef idx="0">
+            <a:schemeClr val="accent1"/>
+          </a:effectRef>
+          <a:fontRef idx="minor">
+            <a:schemeClr val="lt1"/>
+          </a:fontRef>
+        </p:style>
+        <p:txBody>
+          <a:bodyPr rtlCol="0" anchor="ctr"/>
+          <a:lstStyle/>
+          <a:p>
+            <a:pPr marL="0" marR="0" lvl="0" indent="0" algn="ctr" defTabSz="914400" rtl="0" eaLnBrk="1" fontAlgn="auto" latinLnBrk="0" hangingPunct="1">
+              <a:lnSpc>
+                <a:spcPct val="100000"/>
+              </a:lnSpc>
+              <a:spcBef>
+                <a:spcPts val="0"/>
+              </a:spcBef>
+              <a:spcAft>
+                <a:spcPts val="0"/>
+              </a:spcAft>
+              <a:buClrTx/>
+              <a:buSzTx/>
+              <a:buFontTx/>
+              <a:buNone/>
+              <a:tabLst/>
+              <a:defRPr/>
+            </a:pPr>
+            <a:endParaRPr kumimoji="0" lang="en-US" sz="1800" b="0" i="0" u="none" strike="noStrike" kern="1200" cap="none" spc="0" normalizeH="0" baseline="0" noProof="0">
+              <a:ln>
+                <a:noFill/>
+              </a:ln>
+              <a:solidFill>
+                <a:prstClr val="white"/>
+              </a:solidFill>
+              <a:effectLst/>
+              <a:uLnTx/>
+              <a:uFillTx/>
+              <a:latin typeface="Calibri" panose="020F0502020204030204"/>
+              <a:ea typeface="+mn-ea"/>
+              <a:cs typeface="+mn-cs"/>
+            </a:endParaRPr>
+          </a:p>
+        </p:txBody>
+      </p:sp>
+    </p:spTree>
+    <p:extLst>
+      <p:ext uri="{BB962C8B-B14F-4D97-AF65-F5344CB8AC3E}">
+        <p14:creationId xmlns:p14="http://schemas.microsoft.com/office/powerpoint/2010/main" val="2486022024"/>
+      </p:ext>
+    </p:extLst>
+  </p:cSld>
+  <p:clrMapOvr>
+    <a:overrideClrMapping bg1="dk1" tx1="lt1" bg2="dk2" tx2="lt2" accent1="accent1" accent2="accent2" accent3="accent3" accent4="accent4" accent5="accent5" accent6="accent6" hlink="hlink" folHlink="folHlink"/>
+  </p:clrMapOvr>
+  <p:timing>
+    <p:tnLst>
+      <p:par>
+        <p:cTn id="1" dur="indefinite" restart="never" nodeType="tmRoot">
+          <p:childTnLst>
+            <p:seq concurrent="1" nextAc="seek">
+              <p:cTn id="2" dur="indefinite" nodeType="mainSeq">
+                <p:childTnLst>
+                  <p:par>
+                    <p:cTn id="3" fill="hold">
+                      <p:stCondLst>
+                        <p:cond delay="indefinite"/>
+                        <p:cond evt="onBegin" delay="0">
+                          <p:tn val="2"/>
+                        </p:cond>
+                      </p:stCondLst>
+                      <p:childTnLst>
+                        <p:par>
+                          <p:cTn id="4" fill="hold">
+                            <p:stCondLst>
+                              <p:cond delay="0"/>
+                            </p:stCondLst>
+                            <p:childTnLst>
+                              <p:par>
+                                <p:cTn id="5" presetID="10" presetClass="entr" presetSubtype="0" fill="hold" grpId="0" nodeType="withEffect">
+                                  <p:stCondLst>
+                                    <p:cond delay="1000"/>
+                                  </p:stCondLst>
+                                  <p:iterate>
+                                    <p:tmPct val="10000"/>
+                                  </p:iterate>
+                                  <p:childTnLst>
+                                    <p:set>
+                                      <p:cBhvr>
+                                        <p:cTn id="6" dur="1" fill="hold">
+                                          <p:stCondLst>
+                                            <p:cond delay="0"/>
+                                          </p:stCondLst>
+                                        </p:cTn>
+                                        <p:tgtEl>
+                                          <p:spTgt spid="2"/>
+                                        </p:tgtEl>
+                                        <p:attrNameLst>
+                                          <p:attrName>style.visibility</p:attrName>
+                                        </p:attrNameLst>
+                                      </p:cBhvr>
+                                      <p:to>
+                                        <p:strVal val="visible"/>
+                                      </p:to>
+                                    </p:set>
+                                    <p:animEffect transition="in" filter="fade">
+                                      <p:cBhvr>
+                                        <p:cTn id="7" dur="700"/>
+                                        <p:tgtEl>
+                                          <p:spTgt spid="2"/>
+                                        </p:tgtEl>
+                                      </p:cBhvr>
+                                    </p:animEffect>
+                                  </p:childTnLst>
+                                </p:cTn>
+                              </p:par>
+                            </p:childTnLst>
+                          </p:cTn>
+                        </p:par>
+                      </p:childTnLst>
+                    </p:cTn>
+                  </p:par>
+                </p:childTnLst>
+              </p:cTn>
+              <p:prevCondLst>
+                <p:cond evt="onPrev" delay="0">
+                  <p:tgtEl>
+                    <p:sldTgt/>
+                  </p:tgtEl>
+                </p:cond>
+              </p:prevCondLst>
+              <p:nextCondLst>
+                <p:cond evt="onNext" delay="0">
+                  <p:tgtEl>
+                    <p:sldTgt/>
+                  </p:tgtEl>
+                </p:cond>
+              </p:nextCondLst>
+            </p:seq>
+          </p:childTnLst>
+        </p:cTn>
+      </p:par>
+    </p:tnLst>
+    <p:bldLst>
+      <p:bldP spid="2" grpId="0"/>
+    </p:bldLst>
+  </p:timing>
+</p:sld>
+</file>
+
+<file path=ppt/slides/slide10.xml><?xml version="1.0" encoding="utf-8"?>
+<p:sld xmlns:a="http://schemas.openxmlformats.org/drawingml/2006/main" xmlns:r="http://schemas.openxmlformats.org/officeDocument/2006/relationships" xmlns:p="http://schemas.openxmlformats.org/presentationml/2006/main">
+  <p:cSld>
+    <p:bg>
+      <p:bgPr>
+        <a:solidFill>
+          <a:schemeClr val="bg1"/>
+        </a:solidFill>
+        <a:effectLst/>
+      </p:bgPr>
+    </p:bg>
+    <p:spTree>
+      <p:nvGrpSpPr>
+        <p:cNvPr id="1" name=""/>
+        <p:cNvGrpSpPr/>
+        <p:nvPr/>
+      </p:nvGrpSpPr>
+      <p:grpSpPr>
+        <a:xfrm>
+          <a:off x="0" y="0"/>
+          <a:ext cx="0" cy="0"/>
+          <a:chOff x="0" y="0"/>
+          <a:chExt cx="0" cy="0"/>
+        </a:xfrm>
+      </p:grpSpPr>
+      <p:sp useBgFill="1">
+        <p:nvSpPr>
+          <p:cNvPr id="8" name="Rectangle 7">
+            <a:extLst>
+              <a:ext uri="{FF2B5EF4-FFF2-40B4-BE49-F238E27FC236}">
+                <a16:creationId xmlns:a16="http://schemas.microsoft.com/office/drawing/2014/main" id="{907EF6B7-1338-4443-8C46-6A318D952DFD}"/>
+              </a:ext>
+              <a:ext uri="{C183D7F6-B498-43B3-948B-1728B52AA6E4}">
+                <adec:decorative xmlns:adec="http://schemas.microsoft.com/office/drawing/2017/decorative" val="1"/>
+              </a:ext>
+            </a:extLst>
+          </p:cNvPr>
+          <p:cNvSpPr>
+            <a:spLocks noGrp="1" noRot="1" noChangeAspect="1" noMove="1" noResize="1" noEditPoints="1" noAdjustHandles="1" noChangeArrowheads="1" noChangeShapeType="1" noTextEdit="1"/>
+          </p:cNvSpPr>
+          <p:nvPr>
+            <p:extLst>
+              <p:ext uri="{386F3935-93C4-4BCD-93E2-E3B085C9AB24}">
+                <p16:designElem xmlns:p16="http://schemas.microsoft.com/office/powerpoint/2015/main" val="1"/>
+              </p:ext>
+            </p:extLst>
+          </p:nvPr>
+        </p:nvSpPr>
+        <p:spPr>
+          <a:xfrm>
+            <a:off x="3048" y="0"/>
+            <a:ext cx="12188952" cy="6858000"/>
+          </a:xfrm>
+          <a:prstGeom prst="rect">
+            <a:avLst/>
+          </a:prstGeom>
+          <a:ln>
+            <a:noFill/>
+          </a:ln>
+        </p:spPr>
+        <p:style>
+          <a:lnRef idx="2">
+            <a:schemeClr val="accent1">
+              <a:shade val="50000"/>
+            </a:schemeClr>
+          </a:lnRef>
+          <a:fillRef idx="1">
+            <a:schemeClr val="accent1"/>
+          </a:fillRef>
+          <a:effectRef idx="0">
+            <a:schemeClr val="accent1"/>
+          </a:effectRef>
+          <a:fontRef idx="minor">
+            <a:schemeClr val="lt1"/>
+          </a:fontRef>
+        </p:style>
+        <p:txBody>
+          <a:bodyPr rtlCol="0" anchor="ctr"/>
+          <a:lstStyle/>
+          <a:p>
+            <a:pPr algn="ctr"/>
+            <a:endParaRPr lang="en-US"/>
+          </a:p>
+        </p:txBody>
+      </p:sp>
+      <p:sp>
+        <p:nvSpPr>
+          <p:cNvPr id="10" name="Freeform: Shape 9">
+            <a:extLst>
+              <a:ext uri="{FF2B5EF4-FFF2-40B4-BE49-F238E27FC236}">
+                <a16:creationId xmlns:a16="http://schemas.microsoft.com/office/drawing/2014/main" id="{DAAE4CDD-124C-4DCF-9584-B6033B545DD5}"/>
+              </a:ext>
+              <a:ext uri="{C183D7F6-B498-43B3-948B-1728B52AA6E4}">
+                <adec:decorative xmlns:adec="http://schemas.microsoft.com/office/drawing/2017/decorative" val="1"/>
+              </a:ext>
+            </a:extLst>
+          </p:cNvPr>
+          <p:cNvSpPr>
+            <a:spLocks noGrp="1" noRot="1" noChangeAspect="1" noMove="1" noResize="1" noEditPoints="1" noAdjustHandles="1" noChangeArrowheads="1" noChangeShapeType="1" noTextEdit="1"/>
+          </p:cNvSpPr>
+          <p:nvPr>
+            <p:extLst>
+              <p:ext uri="{386F3935-93C4-4BCD-93E2-E3B085C9AB24}">
+                <p16:designElem xmlns:p16="http://schemas.microsoft.com/office/powerpoint/2015/main" val="1"/>
+              </p:ext>
+            </p:extLst>
+          </p:nvPr>
+        </p:nvSpPr>
+        <p:spPr>
+          <a:xfrm>
+            <a:off x="1" y="0"/>
+            <a:ext cx="4167271" cy="6858000"/>
+          </a:xfrm>
+          <a:custGeom>
+            <a:avLst/>
+            <a:gdLst>
+              <a:gd name="connsiteX0" fmla="*/ 0 w 4167271"/>
+              <a:gd name="connsiteY0" fmla="*/ 0 h 6858000"/>
+              <a:gd name="connsiteX1" fmla="*/ 2259550 w 4167271"/>
+              <a:gd name="connsiteY1" fmla="*/ 0 h 6858000"/>
+              <a:gd name="connsiteX2" fmla="*/ 2387803 w 4167271"/>
+              <a:gd name="connsiteY2" fmla="*/ 82222 h 6858000"/>
+              <a:gd name="connsiteX3" fmla="*/ 4167271 w 4167271"/>
+              <a:gd name="connsiteY3" fmla="*/ 3429000 h 6858000"/>
+              <a:gd name="connsiteX4" fmla="*/ 2387803 w 4167271"/>
+              <a:gd name="connsiteY4" fmla="*/ 6775779 h 6858000"/>
+              <a:gd name="connsiteX5" fmla="*/ 2259550 w 4167271"/>
+              <a:gd name="connsiteY5" fmla="*/ 6858000 h 6858000"/>
+              <a:gd name="connsiteX6" fmla="*/ 0 w 4167271"/>
+              <a:gd name="connsiteY6" fmla="*/ 6858000 h 6858000"/>
+            </a:gdLst>
+            <a:ahLst/>
+            <a:cxnLst>
+              <a:cxn ang="0">
+                <a:pos x="connsiteX0" y="connsiteY0"/>
+              </a:cxn>
+              <a:cxn ang="0">
+                <a:pos x="connsiteX1" y="connsiteY1"/>
+              </a:cxn>
+              <a:cxn ang="0">
+                <a:pos x="connsiteX2" y="connsiteY2"/>
+              </a:cxn>
+              <a:cxn ang="0">
+                <a:pos x="connsiteX3" y="connsiteY3"/>
+              </a:cxn>
+              <a:cxn ang="0">
+                <a:pos x="connsiteX4" y="connsiteY4"/>
+              </a:cxn>
+              <a:cxn ang="0">
+                <a:pos x="connsiteX5" y="connsiteY5"/>
+              </a:cxn>
+              <a:cxn ang="0">
+                <a:pos x="connsiteX6" y="connsiteY6"/>
+              </a:cxn>
+            </a:cxnLst>
+            <a:rect l="l" t="t" r="r" b="b"/>
+            <a:pathLst>
+              <a:path w="4167271" h="6858000">
+                <a:moveTo>
+                  <a:pt x="0" y="0"/>
+                </a:moveTo>
+                <a:lnTo>
+                  <a:pt x="2259550" y="0"/>
+                </a:lnTo>
+                <a:lnTo>
+                  <a:pt x="2387803" y="82222"/>
+                </a:lnTo>
+                <a:cubicBezTo>
+                  <a:pt x="3461407" y="807534"/>
+                  <a:pt x="4167271" y="2035835"/>
+                  <a:pt x="4167271" y="3429000"/>
+                </a:cubicBezTo>
+                <a:cubicBezTo>
+                  <a:pt x="4167271" y="4822165"/>
+                  <a:pt x="3461407" y="6050467"/>
+                  <a:pt x="2387803" y="6775779"/>
+                </a:cubicBezTo>
+                <a:lnTo>
+                  <a:pt x="2259550" y="6858000"/>
+                </a:lnTo>
+                <a:lnTo>
+                  <a:pt x="0" y="6858000"/>
+                </a:lnTo>
+                <a:close/>
+              </a:path>
+            </a:pathLst>
+          </a:custGeom>
+          <a:solidFill>
+            <a:schemeClr val="accent2"/>
+          </a:solidFill>
+          <a:ln>
+            <a:noFill/>
+          </a:ln>
+        </p:spPr>
+        <p:style>
+          <a:lnRef idx="2">
+            <a:schemeClr val="accent1">
+              <a:shade val="50000"/>
+            </a:schemeClr>
+          </a:lnRef>
+          <a:fillRef idx="1">
+            <a:schemeClr val="accent1"/>
+          </a:fillRef>
+          <a:effectRef idx="0">
+            <a:schemeClr val="accent1"/>
+          </a:effectRef>
+          <a:fontRef idx="minor">
+            <a:schemeClr val="lt1"/>
+          </a:fontRef>
+        </p:style>
+        <p:txBody>
+          <a:bodyPr rtlCol="0" anchor="ctr"/>
+          <a:lstStyle/>
+          <a:p>
+            <a:pPr algn="ctr"/>
+            <a:endParaRPr lang="en-US"/>
+          </a:p>
+        </p:txBody>
+      </p:sp>
+      <p:sp>
+        <p:nvSpPr>
+          <p:cNvPr id="2" name="Title 1">
+            <a:extLst>
+              <a:ext uri="{FF2B5EF4-FFF2-40B4-BE49-F238E27FC236}">
+                <a16:creationId xmlns:a16="http://schemas.microsoft.com/office/drawing/2014/main" id="{0F3203EA-FB53-41D1-AB6D-45E924817C7C}"/>
+              </a:ext>
+            </a:extLst>
+          </p:cNvPr>
+          <p:cNvSpPr>
+            <a:spLocks noGrp="1"/>
+          </p:cNvSpPr>
+          <p:nvPr>
+            <p:ph type="title"/>
+          </p:nvPr>
+        </p:nvSpPr>
+        <p:spPr>
+          <a:xfrm>
+            <a:off x="686834" y="1153572"/>
+            <a:ext cx="3200400" cy="4461163"/>
+          </a:xfrm>
+        </p:spPr>
+        <p:txBody>
+          <a:bodyPr>
+            <a:normAutofit/>
+          </a:bodyPr>
+          <a:lstStyle/>
+          <a:p>
+            <a:r>
+              <a:rPr lang="en-GB">
+                <a:solidFill>
+                  <a:srgbClr val="FFFFFF"/>
+                </a:solidFill>
+              </a:rPr>
+              <a:t>Flowchart</a:t>
+            </a:r>
+          </a:p>
+        </p:txBody>
+      </p:sp>
+      <p:sp>
+        <p:nvSpPr>
+          <p:cNvPr id="12" name="Arc 11">
+            <a:extLst>
+              <a:ext uri="{FF2B5EF4-FFF2-40B4-BE49-F238E27FC236}">
+                <a16:creationId xmlns:a16="http://schemas.microsoft.com/office/drawing/2014/main" id="{081E4A58-353D-44AE-B2FC-2A74E2E400F7}"/>
+              </a:ext>
+              <a:ext uri="{C183D7F6-B498-43B3-948B-1728B52AA6E4}">
+                <adec:decorative xmlns:adec="http://schemas.microsoft.com/office/drawing/2017/decorative" val="1"/>
+              </a:ext>
+            </a:extLst>
+          </p:cNvPr>
+          <p:cNvSpPr>
+            <a:spLocks noGrp="1" noRot="1" noChangeAspect="1" noMove="1" noResize="1" noEditPoints="1" noAdjustHandles="1" noChangeArrowheads="1" noChangeShapeType="1" noTextEdit="1"/>
+          </p:cNvSpPr>
+          <p:nvPr>
+            <p:extLst>
+              <p:ext uri="{386F3935-93C4-4BCD-93E2-E3B085C9AB24}">
+                <p16:designElem xmlns:p16="http://schemas.microsoft.com/office/powerpoint/2015/main" val="1"/>
+              </p:ext>
+            </p:extLst>
+          </p:nvPr>
+        </p:nvSpPr>
+        <p:spPr>
+          <a:xfrm flipV="1">
+            <a:off x="7550402" y="2455479"/>
+            <a:ext cx="4083433" cy="4083433"/>
+          </a:xfrm>
+          <a:prstGeom prst="arc">
+            <a:avLst/>
+          </a:prstGeom>
+          <a:ln w="127000" cap="rnd">
+            <a:solidFill>
+              <a:schemeClr val="accent4"/>
+            </a:solidFill>
+            <a:prstDash val="dash"/>
+          </a:ln>
+        </p:spPr>
+        <p:style>
+          <a:lnRef idx="1">
+            <a:schemeClr val="accent1"/>
+          </a:lnRef>
+          <a:fillRef idx="0">
+            <a:schemeClr val="accent1"/>
+          </a:fillRef>
+          <a:effectRef idx="0">
+            <a:schemeClr val="accent1"/>
+          </a:effectRef>
+          <a:fontRef idx="minor">
+            <a:schemeClr val="tx1"/>
+          </a:fontRef>
+        </p:style>
+        <p:txBody>
+          <a:bodyPr rtlCol="0" anchor="ctr"/>
+          <a:lstStyle/>
+          <a:p>
+            <a:pPr algn="ctr"/>
+            <a:endParaRPr lang="en-US" dirty="0"/>
+          </a:p>
+        </p:txBody>
+      </p:sp>
+      <p:sp>
+        <p:nvSpPr>
+          <p:cNvPr id="3" name="Content Placeholder 2">
+            <a:extLst>
+              <a:ext uri="{FF2B5EF4-FFF2-40B4-BE49-F238E27FC236}">
+                <a16:creationId xmlns:a16="http://schemas.microsoft.com/office/drawing/2014/main" id="{3F51BD2F-986A-4163-BF63-64B3E33C1CB5}"/>
+              </a:ext>
+            </a:extLst>
+          </p:cNvPr>
+          <p:cNvSpPr>
+            <a:spLocks noGrp="1"/>
+          </p:cNvSpPr>
+          <p:nvPr>
+            <p:ph idx="1"/>
+          </p:nvPr>
+        </p:nvSpPr>
+        <p:spPr>
+          <a:xfrm>
+            <a:off x="4447308" y="591344"/>
+            <a:ext cx="6906491" cy="5585619"/>
+          </a:xfrm>
+        </p:spPr>
+        <p:txBody>
+          <a:bodyPr anchor="ctr">
+            <a:normAutofit/>
+          </a:bodyPr>
+          <a:lstStyle/>
+          <a:p>
+            <a:pPr marL="0" indent="0">
+              <a:buNone/>
+            </a:pPr>
+            <a:endParaRPr lang="en-GB" dirty="0"/>
+          </a:p>
+        </p:txBody>
+      </p:sp>
+    </p:spTree>
+    <p:extLst>
+      <p:ext uri="{BB962C8B-B14F-4D97-AF65-F5344CB8AC3E}">
+        <p14:creationId xmlns:p14="http://schemas.microsoft.com/office/powerpoint/2010/main" val="1719059441"/>
+      </p:ext>
+    </p:extLst>
+  </p:cSld>
+  <p:clrMapOvr>
+    <a:masterClrMapping/>
+  </p:clrMapOvr>
+</p:sld>
+</file>
+
+<file path=ppt/slides/slide2.xml><?xml version="1.0" encoding="utf-8"?>
+<p:sld xmlns:a="http://schemas.openxmlformats.org/drawingml/2006/main" xmlns:r="http://schemas.openxmlformats.org/officeDocument/2006/relationships" xmlns:p="http://schemas.openxmlformats.org/presentationml/2006/main">
+  <p:cSld>
+    <p:bg>
+      <p:bgPr>
+        <a:solidFill>
+          <a:schemeClr val="bg1"/>
+        </a:solidFill>
+        <a:effectLst/>
+      </p:bgPr>
+    </p:bg>
     <p:spTree>
       <p:nvGrpSpPr>
         <p:cNvPr id="1" name=""/>
@@ -3345,10 +6868,73 @@
       </p:grpSpPr>
       <p:sp>
         <p:nvSpPr>
+          <p:cNvPr id="10" name="Rectangle 9">
+            <a:extLst>
+              <a:ext uri="{FF2B5EF4-FFF2-40B4-BE49-F238E27FC236}">
+                <a16:creationId xmlns:a16="http://schemas.microsoft.com/office/drawing/2014/main" id="{A4AC5506-6312-4701-8D3C-40187889A947}"/>
+              </a:ext>
+              <a:ext uri="{C183D7F6-B498-43B3-948B-1728B52AA6E4}">
+                <adec:decorative xmlns:adec="http://schemas.microsoft.com/office/drawing/2017/decorative" val="1"/>
+              </a:ext>
+            </a:extLst>
+          </p:cNvPr>
+          <p:cNvSpPr>
+            <a:spLocks noGrp="1" noRot="1" noChangeAspect="1" noMove="1" noResize="1" noEditPoints="1" noAdjustHandles="1" noChangeArrowheads="1" noChangeShapeType="1" noTextEdit="1"/>
+          </p:cNvSpPr>
+          <p:nvPr>
+            <p:extLst>
+              <p:ext uri="{386F3935-93C4-4BCD-93E2-E3B085C9AB24}">
+                <p16:designElem xmlns:p16="http://schemas.microsoft.com/office/powerpoint/2015/main" val="1"/>
+              </p:ext>
+            </p:extLst>
+          </p:nvPr>
+        </p:nvSpPr>
+        <p:spPr>
+          <a:xfrm>
+            <a:off x="0" y="651752"/>
+            <a:ext cx="12192000" cy="736551"/>
+          </a:xfrm>
+          <a:prstGeom prst="rect">
+            <a:avLst/>
+          </a:prstGeom>
+          <a:solidFill>
+            <a:schemeClr val="tx1"/>
+          </a:solidFill>
+          <a:ln>
+            <a:noFill/>
+          </a:ln>
+        </p:spPr>
+        <p:style>
+          <a:lnRef idx="2">
+            <a:schemeClr val="accent1">
+              <a:shade val="50000"/>
+            </a:schemeClr>
+          </a:lnRef>
+          <a:fillRef idx="1">
+            <a:schemeClr val="accent1"/>
+          </a:fillRef>
+          <a:effectRef idx="0">
+            <a:schemeClr val="accent1"/>
+          </a:effectRef>
+          <a:fontRef idx="minor">
+            <a:schemeClr val="lt1"/>
+          </a:fontRef>
+        </p:style>
+        <p:txBody>
+          <a:bodyPr rtlCol="0" anchor="ctr"/>
+          <a:lstStyle/>
+          <a:p>
+            <a:pPr algn="ctr"/>
+            <a:endParaRPr lang="en-US"/>
+          </a:p>
+        </p:txBody>
+      </p:sp>
+      <p:sp>
+        <p:nvSpPr>
           <p:cNvPr id="2" name="Title 1">
             <a:extLst>
               <a:ext uri="{FF2B5EF4-FFF2-40B4-BE49-F238E27FC236}">
-                <a16:creationId xmlns:a16="http://schemas.microsoft.com/office/drawing/2014/main" id="{2AC010CD-848F-43B5-B7B4-243634AF739E}"/>
+                <a16:creationId xmlns:a16="http://schemas.microsoft.com/office/drawing/2014/main" id="{D8E7D33F-998C-402F-B7ED-67056E2E7F43}"/>
               </a:ext>
             </a:extLst>
           </p:cNvPr>
@@ -3356,51 +6942,72 @@
             <a:spLocks noGrp="1"/>
           </p:cNvSpPr>
           <p:nvPr>
-            <p:ph type="ctrTitle"/>
+            <p:ph type="title"/>
           </p:nvPr>
         </p:nvSpPr>
-        <p:spPr/>
+        <p:spPr>
+          <a:xfrm>
+            <a:off x="556532" y="643467"/>
+            <a:ext cx="11210925" cy="744836"/>
+          </a:xfrm>
+        </p:spPr>
         <p:txBody>
-          <a:bodyPr/>
+          <a:bodyPr vert="horz" lIns="91440" tIns="45720" rIns="91440" bIns="45720" rtlCol="0" anchor="ctr">
+            <a:normAutofit/>
+          </a:bodyPr>
           <a:lstStyle/>
           <a:p>
+            <a:pPr algn="ctr"/>
             <a:r>
-              <a:rPr lang="en-GB"/>
-              <a:t>Bright Sparks Documentation</a:t>
+              <a:rPr lang="en-US" sz="3200" kern="1200">
+                <a:solidFill>
+                  <a:schemeClr val="bg1"/>
+                </a:solidFill>
+                <a:latin typeface="+mj-lt"/>
+                <a:ea typeface="+mj-ea"/>
+                <a:cs typeface="+mj-cs"/>
+              </a:rPr>
+              <a:t>Brief</a:t>
             </a:r>
-            <a:endParaRPr lang="en-GB" dirty="0"/>
           </a:p>
         </p:txBody>
       </p:sp>
-      <p:sp>
-        <p:nvSpPr>
-          <p:cNvPr id="3" name="Subtitle 2">
+      <p:pic>
+        <p:nvPicPr>
+          <p:cNvPr id="5" name="Content Placeholder 4" descr="Text&#10;&#10;Description automatically generated">
             <a:extLst>
               <a:ext uri="{FF2B5EF4-FFF2-40B4-BE49-F238E27FC236}">
-                <a16:creationId xmlns:a16="http://schemas.microsoft.com/office/drawing/2014/main" id="{84269247-4509-4147-B2E0-D983D4733807}"/>
+                <a16:creationId xmlns:a16="http://schemas.microsoft.com/office/drawing/2014/main" id="{02BC5F8E-E37A-43D9-BB66-BC7A7C45BEA8}"/>
               </a:ext>
             </a:extLst>
           </p:cNvPr>
-          <p:cNvSpPr>
-            <a:spLocks noGrp="1"/>
-          </p:cNvSpPr>
+          <p:cNvPicPr>
+            <a:picLocks noGrp="1" noChangeAspect="1"/>
+          </p:cNvPicPr>
           <p:nvPr>
-            <p:ph type="subTitle" idx="1"/>
+            <p:ph idx="1"/>
           </p:nvPr>
-        </p:nvSpPr>
-        <p:spPr/>
-        <p:txBody>
-          <a:bodyPr/>
-          <a:lstStyle/>
-          <a:p>
-            <a:endParaRPr lang="en-GB"/>
-          </a:p>
-        </p:txBody>
-      </p:sp>
+        </p:nvPicPr>
+        <p:blipFill>
+          <a:blip r:embed="rId2"/>
+          <a:stretch>
+            <a:fillRect/>
+          </a:stretch>
+        </p:blipFill>
+        <p:spPr>
+          <a:xfrm>
+            <a:off x="2324156" y="1675227"/>
+            <a:ext cx="7543688" cy="4394199"/>
+          </a:xfrm>
+          <a:prstGeom prst="rect">
+            <a:avLst/>
+          </a:prstGeom>
+        </p:spPr>
+      </p:pic>
     </p:spTree>
     <p:extLst>
       <p:ext uri="{BB962C8B-B14F-4D97-AF65-F5344CB8AC3E}">
-        <p14:creationId xmlns:p14="http://schemas.microsoft.com/office/powerpoint/2010/main" val="2486022024"/>
+        <p14:creationId xmlns:p14="http://schemas.microsoft.com/office/powerpoint/2010/main" val="576328572"/>
       </p:ext>
     </p:extLst>
   </p:cSld>
@@ -3410,9 +7017,675 @@
 </p:sld>
 </file>
 
-<file path=ppt/slides/slide2.xml><?xml version="1.0" encoding="utf-8"?>
+<file path=ppt/slides/slide3.xml><?xml version="1.0" encoding="utf-8"?>
 <p:sld xmlns:a="http://schemas.openxmlformats.org/drawingml/2006/main" xmlns:r="http://schemas.openxmlformats.org/officeDocument/2006/relationships" xmlns:p="http://schemas.openxmlformats.org/presentationml/2006/main">
   <p:cSld>
+    <p:bg>
+      <p:bgPr>
+        <a:solidFill>
+          <a:schemeClr val="bg1"/>
+        </a:solidFill>
+        <a:effectLst/>
+      </p:bgPr>
+    </p:bg>
+    <p:spTree>
+      <p:nvGrpSpPr>
+        <p:cNvPr id="1" name=""/>
+        <p:cNvGrpSpPr/>
+        <p:nvPr/>
+      </p:nvGrpSpPr>
+      <p:grpSpPr>
+        <a:xfrm>
+          <a:off x="0" y="0"/>
+          <a:ext cx="0" cy="0"/>
+          <a:chOff x="0" y="0"/>
+          <a:chExt cx="0" cy="0"/>
+        </a:xfrm>
+      </p:grpSpPr>
+      <p:sp useBgFill="1">
+        <p:nvSpPr>
+          <p:cNvPr id="9" name="Rectangle 8">
+            <a:extLst>
+              <a:ext uri="{FF2B5EF4-FFF2-40B4-BE49-F238E27FC236}">
+                <a16:creationId xmlns:a16="http://schemas.microsoft.com/office/drawing/2014/main" id="{BACC6370-2D7E-4714-9D71-7542949D7D5D}"/>
+              </a:ext>
+              <a:ext uri="{C183D7F6-B498-43B3-948B-1728B52AA6E4}">
+                <adec:decorative xmlns:adec="http://schemas.microsoft.com/office/drawing/2017/decorative" val="1"/>
+              </a:ext>
+            </a:extLst>
+          </p:cNvPr>
+          <p:cNvSpPr>
+            <a:spLocks noGrp="1" noRot="1" noChangeAspect="1" noMove="1" noResize="1" noEditPoints="1" noAdjustHandles="1" noChangeArrowheads="1" noChangeShapeType="1" noTextEdit="1"/>
+          </p:cNvSpPr>
+          <p:nvPr>
+            <p:extLst>
+              <p:ext uri="{386F3935-93C4-4BCD-93E2-E3B085C9AB24}">
+                <p16:designElem xmlns:p16="http://schemas.microsoft.com/office/powerpoint/2015/main" val="1"/>
+              </p:ext>
+            </p:extLst>
+          </p:nvPr>
+        </p:nvSpPr>
+        <p:spPr>
+          <a:xfrm>
+            <a:off x="0" y="0"/>
+            <a:ext cx="12192000" cy="6858000"/>
+          </a:xfrm>
+          <a:prstGeom prst="rect">
+            <a:avLst/>
+          </a:prstGeom>
+          <a:ln w="12700" cap="flat" cmpd="sng" algn="ctr">
+            <a:noFill/>
+            <a:prstDash val="solid"/>
+            <a:miter lim="800000"/>
+          </a:ln>
+          <a:effectLst/>
+          <a:extLst>
+            <a:ext uri="{91240B29-F687-4F45-9708-019B960494DF}">
+              <a14:hiddenLine xmlns:a14="http://schemas.microsoft.com/office/drawing/2010/main" w="12700" cap="flat" cmpd="sng" algn="ctr">
+                <a:solidFill>
+                  <a:schemeClr val="accent1">
+                    <a:shade val="50000"/>
+                  </a:schemeClr>
+                </a:solidFill>
+                <a:prstDash val="solid"/>
+                <a:miter lim="800000"/>
+              </a14:hiddenLine>
+            </a:ext>
+          </a:extLst>
+        </p:spPr>
+        <p:style>
+          <a:lnRef idx="2">
+            <a:schemeClr val="accent1">
+              <a:shade val="50000"/>
+            </a:schemeClr>
+          </a:lnRef>
+          <a:fillRef idx="1">
+            <a:schemeClr val="accent1"/>
+          </a:fillRef>
+          <a:effectRef idx="0">
+            <a:schemeClr val="accent1"/>
+          </a:effectRef>
+          <a:fontRef idx="minor">
+            <a:schemeClr val="lt1"/>
+          </a:fontRef>
+        </p:style>
+        <p:txBody>
+          <a:bodyPr rtlCol="0" anchor="ctr"/>
+          <a:lstStyle/>
+          <a:p>
+            <a:pPr algn="ctr"/>
+            <a:endParaRPr lang="en-US"/>
+          </a:p>
+        </p:txBody>
+      </p:sp>
+      <p:sp>
+        <p:nvSpPr>
+          <p:cNvPr id="11" name="Rectangle 10">
+            <a:extLst>
+              <a:ext uri="{FF2B5EF4-FFF2-40B4-BE49-F238E27FC236}">
+                <a16:creationId xmlns:a16="http://schemas.microsoft.com/office/drawing/2014/main" id="{256B2C21-A230-48C0-8DF1-C46611373C44}"/>
+              </a:ext>
+              <a:ext uri="{C183D7F6-B498-43B3-948B-1728B52AA6E4}">
+                <adec:decorative xmlns:adec="http://schemas.microsoft.com/office/drawing/2017/decorative" val="1"/>
+              </a:ext>
+            </a:extLst>
+          </p:cNvPr>
+          <p:cNvSpPr>
+            <a:spLocks noGrp="1" noRot="1" noChangeAspect="1" noMove="1" noResize="1" noEditPoints="1" noAdjustHandles="1" noChangeArrowheads="1" noChangeShapeType="1" noTextEdit="1"/>
+          </p:cNvSpPr>
+          <p:nvPr>
+            <p:extLst>
+              <p:ext uri="{386F3935-93C4-4BCD-93E2-E3B085C9AB24}">
+                <p16:designElem xmlns:p16="http://schemas.microsoft.com/office/powerpoint/2015/main" val="1"/>
+              </p:ext>
+            </p:extLst>
+          </p:nvPr>
+        </p:nvSpPr>
+        <p:spPr>
+          <a:xfrm rot="5400000" flipH="1">
+            <a:off x="-1410084" y="1410082"/>
+            <a:ext cx="6858000" cy="4037836"/>
+          </a:xfrm>
+          <a:prstGeom prst="rect">
+            <a:avLst/>
+          </a:prstGeom>
+          <a:gradFill>
+            <a:gsLst>
+              <a:gs pos="8000">
+                <a:srgbClr val="000000"/>
+              </a:gs>
+              <a:gs pos="100000">
+                <a:schemeClr val="accent1">
+                  <a:lumMod val="75000"/>
+                </a:schemeClr>
+              </a:gs>
+            </a:gsLst>
+            <a:lin ang="3000000" scaled="0"/>
+          </a:gradFill>
+          <a:ln>
+            <a:noFill/>
+          </a:ln>
+        </p:spPr>
+        <p:style>
+          <a:lnRef idx="2">
+            <a:schemeClr val="accent1">
+              <a:shade val="50000"/>
+            </a:schemeClr>
+          </a:lnRef>
+          <a:fillRef idx="1">
+            <a:schemeClr val="accent1"/>
+          </a:fillRef>
+          <a:effectRef idx="0">
+            <a:schemeClr val="accent1"/>
+          </a:effectRef>
+          <a:fontRef idx="minor">
+            <a:schemeClr val="lt1"/>
+          </a:fontRef>
+        </p:style>
+        <p:txBody>
+          <a:bodyPr rtlCol="0" anchor="ctr"/>
+          <a:lstStyle/>
+          <a:p>
+            <a:pPr algn="ctr"/>
+            <a:endParaRPr lang="en-US"/>
+          </a:p>
+        </p:txBody>
+      </p:sp>
+      <p:sp>
+        <p:nvSpPr>
+          <p:cNvPr id="13" name="Rectangle 12">
+            <a:extLst>
+              <a:ext uri="{FF2B5EF4-FFF2-40B4-BE49-F238E27FC236}">
+                <a16:creationId xmlns:a16="http://schemas.microsoft.com/office/drawing/2014/main" id="{3847E18C-932D-4C95-AABA-FEC7C9499AD7}"/>
+              </a:ext>
+              <a:ext uri="{C183D7F6-B498-43B3-948B-1728B52AA6E4}">
+                <adec:decorative xmlns:adec="http://schemas.microsoft.com/office/drawing/2017/decorative" val="1"/>
+              </a:ext>
+            </a:extLst>
+          </p:cNvPr>
+          <p:cNvSpPr>
+            <a:spLocks noGrp="1" noRot="1" noChangeAspect="1" noMove="1" noResize="1" noEditPoints="1" noAdjustHandles="1" noChangeArrowheads="1" noChangeShapeType="1" noTextEdit="1"/>
+          </p:cNvSpPr>
+          <p:nvPr>
+            <p:extLst>
+              <p:ext uri="{386F3935-93C4-4BCD-93E2-E3B085C9AB24}">
+                <p16:designElem xmlns:p16="http://schemas.microsoft.com/office/powerpoint/2015/main" val="1"/>
+              </p:ext>
+            </p:extLst>
+          </p:nvPr>
+        </p:nvSpPr>
+        <p:spPr>
+          <a:xfrm rot="5400000" flipH="1">
+            <a:off x="-1410085" y="1420219"/>
+            <a:ext cx="6857999" cy="4037839"/>
+          </a:xfrm>
+          <a:prstGeom prst="rect">
+            <a:avLst/>
+          </a:prstGeom>
+          <a:gradFill>
+            <a:gsLst>
+              <a:gs pos="0">
+                <a:srgbClr val="000000">
+                  <a:alpha val="0"/>
+                </a:srgbClr>
+              </a:gs>
+              <a:gs pos="99000">
+                <a:schemeClr val="accent1">
+                  <a:alpha val="46000"/>
+                </a:schemeClr>
+              </a:gs>
+            </a:gsLst>
+            <a:lin ang="1800000" scaled="0"/>
+          </a:gradFill>
+          <a:ln>
+            <a:noFill/>
+          </a:ln>
+        </p:spPr>
+        <p:style>
+          <a:lnRef idx="2">
+            <a:schemeClr val="accent1">
+              <a:shade val="50000"/>
+            </a:schemeClr>
+          </a:lnRef>
+          <a:fillRef idx="1">
+            <a:schemeClr val="accent1"/>
+          </a:fillRef>
+          <a:effectRef idx="0">
+            <a:schemeClr val="accent1"/>
+          </a:effectRef>
+          <a:fontRef idx="minor">
+            <a:schemeClr val="lt1"/>
+          </a:fontRef>
+        </p:style>
+        <p:txBody>
+          <a:bodyPr rtlCol="0" anchor="ctr"/>
+          <a:lstStyle/>
+          <a:p>
+            <a:pPr algn="ctr"/>
+            <a:endParaRPr lang="en-US"/>
+          </a:p>
+        </p:txBody>
+      </p:sp>
+      <p:sp>
+        <p:nvSpPr>
+          <p:cNvPr id="15" name="Rectangle 14">
+            <a:extLst>
+              <a:ext uri="{FF2B5EF4-FFF2-40B4-BE49-F238E27FC236}">
+                <a16:creationId xmlns:a16="http://schemas.microsoft.com/office/drawing/2014/main" id="{3150CB11-0C61-439E-910F-5787759E72A0}"/>
+              </a:ext>
+              <a:ext uri="{C183D7F6-B498-43B3-948B-1728B52AA6E4}">
+                <adec:decorative xmlns:adec="http://schemas.microsoft.com/office/drawing/2017/decorative" val="1"/>
+              </a:ext>
+            </a:extLst>
+          </p:cNvPr>
+          <p:cNvSpPr>
+            <a:spLocks noGrp="1" noRot="1" noChangeAspect="1" noMove="1" noResize="1" noEditPoints="1" noAdjustHandles="1" noChangeArrowheads="1" noChangeShapeType="1" noTextEdit="1"/>
+          </p:cNvSpPr>
+          <p:nvPr>
+            <p:extLst>
+              <p:ext uri="{386F3935-93C4-4BCD-93E2-E3B085C9AB24}">
+                <p16:designElem xmlns:p16="http://schemas.microsoft.com/office/powerpoint/2015/main" val="1"/>
+              </p:ext>
+            </p:extLst>
+          </p:nvPr>
+        </p:nvSpPr>
+        <p:spPr>
+          <a:xfrm rot="5400000" flipH="1">
+            <a:off x="767923" y="3588085"/>
+            <a:ext cx="2501979" cy="4037841"/>
+          </a:xfrm>
+          <a:prstGeom prst="rect">
+            <a:avLst/>
+          </a:prstGeom>
+          <a:gradFill>
+            <a:gsLst>
+              <a:gs pos="2000">
+                <a:schemeClr val="accent1">
+                  <a:alpha val="29000"/>
+                </a:schemeClr>
+              </a:gs>
+              <a:gs pos="100000">
+                <a:srgbClr val="000000">
+                  <a:alpha val="30000"/>
+                </a:srgbClr>
+              </a:gs>
+            </a:gsLst>
+            <a:lin ang="7800000" scaled="0"/>
+          </a:gradFill>
+          <a:ln>
+            <a:noFill/>
+          </a:ln>
+        </p:spPr>
+        <p:style>
+          <a:lnRef idx="2">
+            <a:schemeClr val="accent1">
+              <a:shade val="50000"/>
+            </a:schemeClr>
+          </a:lnRef>
+          <a:fillRef idx="1">
+            <a:schemeClr val="accent1"/>
+          </a:fillRef>
+          <a:effectRef idx="0">
+            <a:schemeClr val="accent1"/>
+          </a:effectRef>
+          <a:fontRef idx="minor">
+            <a:schemeClr val="lt1"/>
+          </a:fontRef>
+        </p:style>
+        <p:txBody>
+          <a:bodyPr rtlCol="0" anchor="ctr"/>
+          <a:lstStyle/>
+          <a:p>
+            <a:pPr algn="ctr"/>
+            <a:endParaRPr lang="en-US" dirty="0"/>
+          </a:p>
+        </p:txBody>
+      </p:sp>
+      <p:sp>
+        <p:nvSpPr>
+          <p:cNvPr id="17" name="Freeform: Shape 16">
+            <a:extLst>
+              <a:ext uri="{FF2B5EF4-FFF2-40B4-BE49-F238E27FC236}">
+                <a16:creationId xmlns:a16="http://schemas.microsoft.com/office/drawing/2014/main" id="{43F8A58B-5155-44CE-A5FF-7647B47D0A7A}"/>
+              </a:ext>
+              <a:ext uri="{C183D7F6-B498-43B3-948B-1728B52AA6E4}">
+                <adec:decorative xmlns:adec="http://schemas.microsoft.com/office/drawing/2017/decorative" val="1"/>
+              </a:ext>
+            </a:extLst>
+          </p:cNvPr>
+          <p:cNvSpPr>
+            <a:spLocks noGrp="1" noRot="1" noChangeAspect="1" noMove="1" noResize="1" noEditPoints="1" noAdjustHandles="1" noChangeArrowheads="1" noChangeShapeType="1" noTextEdit="1"/>
+          </p:cNvSpPr>
+          <p:nvPr>
+            <p:extLst>
+              <p:ext uri="{386F3935-93C4-4BCD-93E2-E3B085C9AB24}">
+                <p16:designElem xmlns:p16="http://schemas.microsoft.com/office/powerpoint/2015/main" val="1"/>
+              </p:ext>
+            </p:extLst>
+          </p:nvPr>
+        </p:nvSpPr>
+        <p:spPr>
+          <a:xfrm rot="20635413">
+            <a:off x="-501737" y="969718"/>
+            <a:ext cx="3900357" cy="4178958"/>
+          </a:xfrm>
+          <a:custGeom>
+            <a:avLst/>
+            <a:gdLst>
+              <a:gd name="connsiteX0" fmla="*/ 2432225 w 3900357"/>
+              <a:gd name="connsiteY0" fmla="*/ 93939 h 4178958"/>
+              <a:gd name="connsiteX1" fmla="*/ 3900357 w 3900357"/>
+              <a:gd name="connsiteY1" fmla="*/ 2089479 h 4178958"/>
+              <a:gd name="connsiteX2" fmla="*/ 1810878 w 3900357"/>
+              <a:gd name="connsiteY2" fmla="*/ 4178958 h 4178958"/>
+              <a:gd name="connsiteX3" fmla="*/ 78249 w 3900357"/>
+              <a:gd name="connsiteY3" fmla="*/ 3257727 h 4178958"/>
+              <a:gd name="connsiteX4" fmla="*/ 0 w 3900357"/>
+              <a:gd name="connsiteY4" fmla="*/ 3128923 h 4178958"/>
+              <a:gd name="connsiteX5" fmla="*/ 831324 w 3900357"/>
+              <a:gd name="connsiteY5" fmla="*/ 244281 h 4178958"/>
+              <a:gd name="connsiteX6" fmla="*/ 997559 w 3900357"/>
+              <a:gd name="connsiteY6" fmla="*/ 164202 h 4178958"/>
+              <a:gd name="connsiteX7" fmla="*/ 1810878 w 3900357"/>
+              <a:gd name="connsiteY7" fmla="*/ 0 h 4178958"/>
+              <a:gd name="connsiteX8" fmla="*/ 2432225 w 3900357"/>
+              <a:gd name="connsiteY8" fmla="*/ 93939 h 4178958"/>
+            </a:gdLst>
+            <a:ahLst/>
+            <a:cxnLst>
+              <a:cxn ang="0">
+                <a:pos x="connsiteX0" y="connsiteY0"/>
+              </a:cxn>
+              <a:cxn ang="0">
+                <a:pos x="connsiteX1" y="connsiteY1"/>
+              </a:cxn>
+              <a:cxn ang="0">
+                <a:pos x="connsiteX2" y="connsiteY2"/>
+              </a:cxn>
+              <a:cxn ang="0">
+                <a:pos x="connsiteX3" y="connsiteY3"/>
+              </a:cxn>
+              <a:cxn ang="0">
+                <a:pos x="connsiteX4" y="connsiteY4"/>
+              </a:cxn>
+              <a:cxn ang="0">
+                <a:pos x="connsiteX5" y="connsiteY5"/>
+              </a:cxn>
+              <a:cxn ang="0">
+                <a:pos x="connsiteX6" y="connsiteY6"/>
+              </a:cxn>
+              <a:cxn ang="0">
+                <a:pos x="connsiteX7" y="connsiteY7"/>
+              </a:cxn>
+              <a:cxn ang="0">
+                <a:pos x="connsiteX8" y="connsiteY8"/>
+              </a:cxn>
+            </a:cxnLst>
+            <a:rect l="l" t="t" r="r" b="b"/>
+            <a:pathLst>
+              <a:path w="3900357" h="4178958">
+                <a:moveTo>
+                  <a:pt x="2432225" y="93939"/>
+                </a:moveTo>
+                <a:cubicBezTo>
+                  <a:pt x="3282786" y="358491"/>
+                  <a:pt x="3900357" y="1151865"/>
+                  <a:pt x="3900357" y="2089479"/>
+                </a:cubicBezTo>
+                <a:cubicBezTo>
+                  <a:pt x="3900357" y="3243466"/>
+                  <a:pt x="2964865" y="4178958"/>
+                  <a:pt x="1810878" y="4178958"/>
+                </a:cubicBezTo>
+                <a:cubicBezTo>
+                  <a:pt x="1089636" y="4178958"/>
+                  <a:pt x="453744" y="3813531"/>
+                  <a:pt x="78249" y="3257727"/>
+                </a:cubicBezTo>
+                <a:lnTo>
+                  <a:pt x="0" y="3128923"/>
+                </a:lnTo>
+                <a:lnTo>
+                  <a:pt x="831324" y="244281"/>
+                </a:lnTo>
+                <a:lnTo>
+                  <a:pt x="997559" y="164202"/>
+                </a:lnTo>
+                <a:cubicBezTo>
+                  <a:pt x="1247540" y="58468"/>
+                  <a:pt x="1522381" y="0"/>
+                  <a:pt x="1810878" y="0"/>
+                </a:cubicBezTo>
+                <a:cubicBezTo>
+                  <a:pt x="2027251" y="0"/>
+                  <a:pt x="2235942" y="32888"/>
+                  <a:pt x="2432225" y="93939"/>
+                </a:cubicBezTo>
+                <a:close/>
+              </a:path>
+            </a:pathLst>
+          </a:custGeom>
+          <a:gradFill>
+            <a:gsLst>
+              <a:gs pos="29000">
+                <a:srgbClr val="000000">
+                  <a:alpha val="0"/>
+                </a:srgbClr>
+              </a:gs>
+              <a:gs pos="100000">
+                <a:schemeClr val="accent1">
+                  <a:alpha val="43000"/>
+                </a:schemeClr>
+              </a:gs>
+            </a:gsLst>
+            <a:lin ang="1800000" scaled="0"/>
+          </a:gradFill>
+          <a:ln>
+            <a:noFill/>
+          </a:ln>
+        </p:spPr>
+        <p:style>
+          <a:lnRef idx="2">
+            <a:schemeClr val="accent1">
+              <a:shade val="50000"/>
+            </a:schemeClr>
+          </a:lnRef>
+          <a:fillRef idx="1">
+            <a:schemeClr val="accent1"/>
+          </a:fillRef>
+          <a:effectRef idx="0">
+            <a:schemeClr val="accent1"/>
+          </a:effectRef>
+          <a:fontRef idx="minor">
+            <a:schemeClr val="lt1"/>
+          </a:fontRef>
+        </p:style>
+        <p:txBody>
+          <a:bodyPr wrap="square" rtlCol="0" anchor="ctr">
+            <a:noAutofit/>
+          </a:bodyPr>
+          <a:lstStyle/>
+          <a:p>
+            <a:pPr algn="ctr"/>
+            <a:endParaRPr lang="en-US" dirty="0"/>
+          </a:p>
+        </p:txBody>
+      </p:sp>
+      <p:sp>
+        <p:nvSpPr>
+          <p:cNvPr id="19" name="Rectangle 18">
+            <a:extLst>
+              <a:ext uri="{FF2B5EF4-FFF2-40B4-BE49-F238E27FC236}">
+                <a16:creationId xmlns:a16="http://schemas.microsoft.com/office/drawing/2014/main" id="{443F2ACA-E6D6-4028-82DD-F03C262D5DE6}"/>
+              </a:ext>
+              <a:ext uri="{C183D7F6-B498-43B3-948B-1728B52AA6E4}">
+                <adec:decorative xmlns:adec="http://schemas.microsoft.com/office/drawing/2017/decorative" val="1"/>
+              </a:ext>
+            </a:extLst>
+          </p:cNvPr>
+          <p:cNvSpPr>
+            <a:spLocks noGrp="1" noRot="1" noChangeAspect="1" noMove="1" noResize="1" noEditPoints="1" noAdjustHandles="1" noChangeArrowheads="1" noChangeShapeType="1" noTextEdit="1"/>
+          </p:cNvSpPr>
+          <p:nvPr>
+            <p:extLst>
+              <p:ext uri="{386F3935-93C4-4BCD-93E2-E3B085C9AB24}">
+                <p16:designElem xmlns:p16="http://schemas.microsoft.com/office/powerpoint/2015/main" val="1"/>
+              </p:ext>
+            </p:extLst>
+          </p:nvPr>
+        </p:nvSpPr>
+        <p:spPr>
+          <a:xfrm rot="5400000" flipH="1">
+            <a:off x="-1410095" y="1410079"/>
+            <a:ext cx="6858003" cy="4037835"/>
+          </a:xfrm>
+          <a:prstGeom prst="rect">
+            <a:avLst/>
+          </a:prstGeom>
+          <a:gradFill>
+            <a:gsLst>
+              <a:gs pos="0">
+                <a:srgbClr val="000000">
+                  <a:alpha val="0"/>
+                </a:srgbClr>
+              </a:gs>
+              <a:gs pos="99000">
+                <a:schemeClr val="accent1">
+                  <a:lumMod val="60000"/>
+                  <a:lumOff val="40000"/>
+                  <a:alpha val="11000"/>
+                </a:schemeClr>
+              </a:gs>
+            </a:gsLst>
+            <a:lin ang="7200000" scaled="0"/>
+          </a:gradFill>
+          <a:ln>
+            <a:noFill/>
+          </a:ln>
+        </p:spPr>
+        <p:style>
+          <a:lnRef idx="2">
+            <a:schemeClr val="accent1">
+              <a:shade val="50000"/>
+            </a:schemeClr>
+          </a:lnRef>
+          <a:fillRef idx="1">
+            <a:schemeClr val="accent1"/>
+          </a:fillRef>
+          <a:effectRef idx="0">
+            <a:schemeClr val="accent1"/>
+          </a:effectRef>
+          <a:fontRef idx="minor">
+            <a:schemeClr val="lt1"/>
+          </a:fontRef>
+        </p:style>
+        <p:txBody>
+          <a:bodyPr rtlCol="0" anchor="ctr"/>
+          <a:lstStyle/>
+          <a:p>
+            <a:pPr algn="ctr"/>
+            <a:endParaRPr lang="en-US"/>
+          </a:p>
+        </p:txBody>
+      </p:sp>
+      <p:sp>
+        <p:nvSpPr>
+          <p:cNvPr id="2" name="Title 1">
+            <a:extLst>
+              <a:ext uri="{FF2B5EF4-FFF2-40B4-BE49-F238E27FC236}">
+                <a16:creationId xmlns:a16="http://schemas.microsoft.com/office/drawing/2014/main" id="{5A2400F8-CAC0-44FF-8068-E022285142A6}"/>
+              </a:ext>
+            </a:extLst>
+          </p:cNvPr>
+          <p:cNvSpPr>
+            <a:spLocks noGrp="1"/>
+          </p:cNvSpPr>
+          <p:nvPr>
+            <p:ph type="title"/>
+          </p:nvPr>
+        </p:nvSpPr>
+        <p:spPr>
+          <a:xfrm>
+            <a:off x="586478" y="1683756"/>
+            <a:ext cx="3115265" cy="2396359"/>
+          </a:xfrm>
+        </p:spPr>
+        <p:txBody>
+          <a:bodyPr anchor="b">
+            <a:normAutofit/>
+          </a:bodyPr>
+          <a:lstStyle/>
+          <a:p>
+            <a:pPr algn="r"/>
+            <a:r>
+              <a:rPr lang="en-GB" sz="4000">
+                <a:solidFill>
+                  <a:srgbClr val="FFFFFF"/>
+                </a:solidFill>
+              </a:rPr>
+              <a:t>Criteria</a:t>
+            </a:r>
+          </a:p>
+        </p:txBody>
+      </p:sp>
+      <p:graphicFrame>
+        <p:nvGraphicFramePr>
+          <p:cNvPr id="5" name="Content Placeholder 2">
+            <a:extLst>
+              <a:ext uri="{FF2B5EF4-FFF2-40B4-BE49-F238E27FC236}">
+                <a16:creationId xmlns:a16="http://schemas.microsoft.com/office/drawing/2014/main" id="{AF7D67A9-6985-41BC-8B80-504853EE7C66}"/>
+              </a:ext>
+            </a:extLst>
+          </p:cNvPr>
+          <p:cNvGraphicFramePr>
+            <a:graphicFrameLocks noGrp="1"/>
+          </p:cNvGraphicFramePr>
+          <p:nvPr>
+            <p:ph idx="1"/>
+            <p:extLst>
+              <p:ext uri="{D42A27DB-BD31-4B8C-83A1-F6EECF244321}">
+                <p14:modId xmlns:p14="http://schemas.microsoft.com/office/powerpoint/2010/main" val="45521073"/>
+              </p:ext>
+            </p:extLst>
+          </p:nvPr>
+        </p:nvGraphicFramePr>
+        <p:xfrm>
+          <a:off x="4905052" y="750440"/>
+          <a:ext cx="6666833" cy="5453920"/>
+        </p:xfrm>
+        <a:graphic>
+          <a:graphicData uri="http://schemas.openxmlformats.org/drawingml/2006/diagram">
+            <dgm:relIds xmlns:dgm="http://schemas.openxmlformats.org/drawingml/2006/diagram" xmlns:r="http://schemas.openxmlformats.org/officeDocument/2006/relationships" r:dm="rId2" r:lo="rId3" r:qs="rId4" r:cs="rId5"/>
+          </a:graphicData>
+        </a:graphic>
+      </p:graphicFrame>
+    </p:spTree>
+    <p:extLst>
+      <p:ext uri="{BB962C8B-B14F-4D97-AF65-F5344CB8AC3E}">
+        <p14:creationId xmlns:p14="http://schemas.microsoft.com/office/powerpoint/2010/main" val="750876042"/>
+      </p:ext>
+    </p:extLst>
+  </p:cSld>
+  <p:clrMapOvr>
+    <a:masterClrMapping/>
+  </p:clrMapOvr>
+</p:sld>
+</file>
+
+<file path=ppt/slides/slide4.xml><?xml version="1.0" encoding="utf-8"?>
+<p:sld xmlns:a="http://schemas.openxmlformats.org/drawingml/2006/main" xmlns:r="http://schemas.openxmlformats.org/officeDocument/2006/relationships" xmlns:p="http://schemas.openxmlformats.org/presentationml/2006/main">
+  <p:cSld>
+    <p:bg>
+      <p:bgPr>
+        <a:solidFill>
+          <a:schemeClr val="bg1">
+            <a:tint val="95000"/>
+            <a:satMod val="170000"/>
+          </a:schemeClr>
+        </a:solidFill>
+        <a:effectLst/>
+      </p:bgPr>
+    </p:bg>
     <p:spTree>
       <p:nvGrpSpPr>
         <p:cNvPr id="1" name=""/>
@@ -3429,10 +7702,706 @@
       </p:grpSpPr>
       <p:sp>
         <p:nvSpPr>
+          <p:cNvPr id="23" name="Freeform: Shape 22">
+            <a:extLst>
+              <a:ext uri="{FF2B5EF4-FFF2-40B4-BE49-F238E27FC236}">
+                <a16:creationId xmlns:a16="http://schemas.microsoft.com/office/drawing/2014/main" id="{66B332A4-D438-4773-A77F-5ED49A448D9D}"/>
+              </a:ext>
+              <a:ext uri="{C183D7F6-B498-43B3-948B-1728B52AA6E4}">
+                <adec:decorative xmlns:adec="http://schemas.microsoft.com/office/drawing/2017/decorative" val="1"/>
+              </a:ext>
+            </a:extLst>
+          </p:cNvPr>
+          <p:cNvSpPr>
+            <a:spLocks noGrp="1" noRot="1" noChangeAspect="1" noMove="1" noResize="1" noEditPoints="1" noAdjustHandles="1" noChangeArrowheads="1" noChangeShapeType="1" noTextEdit="1"/>
+          </p:cNvSpPr>
+          <p:nvPr>
+            <p:extLst>
+              <p:ext uri="{386F3935-93C4-4BCD-93E2-E3B085C9AB24}">
+                <p16:designElem xmlns:p16="http://schemas.microsoft.com/office/powerpoint/2015/main" val="1"/>
+              </p:ext>
+            </p:extLst>
+          </p:nvPr>
+        </p:nvSpPr>
+        <p:spPr>
+          <a:xfrm>
+            <a:off x="1953768" y="0"/>
+            <a:ext cx="8284464" cy="6858000"/>
+          </a:xfrm>
+          <a:custGeom>
+            <a:avLst/>
+            <a:gdLst>
+              <a:gd name="connsiteX0" fmla="*/ 1818109 w 8284464"/>
+              <a:gd name="connsiteY0" fmla="*/ 0 h 6858000"/>
+              <a:gd name="connsiteX1" fmla="*/ 6466355 w 8284464"/>
+              <a:gd name="connsiteY1" fmla="*/ 0 h 6858000"/>
+              <a:gd name="connsiteX2" fmla="*/ 6620596 w 8284464"/>
+              <a:gd name="connsiteY2" fmla="*/ 109683 h 6858000"/>
+              <a:gd name="connsiteX3" fmla="*/ 8284464 w 8284464"/>
+              <a:gd name="connsiteY3" fmla="*/ 3429000 h 6858000"/>
+              <a:gd name="connsiteX4" fmla="*/ 6620596 w 8284464"/>
+              <a:gd name="connsiteY4" fmla="*/ 6748318 h 6858000"/>
+              <a:gd name="connsiteX5" fmla="*/ 6466355 w 8284464"/>
+              <a:gd name="connsiteY5" fmla="*/ 6858000 h 6858000"/>
+              <a:gd name="connsiteX6" fmla="*/ 1818109 w 8284464"/>
+              <a:gd name="connsiteY6" fmla="*/ 6858000 h 6858000"/>
+              <a:gd name="connsiteX7" fmla="*/ 1663869 w 8284464"/>
+              <a:gd name="connsiteY7" fmla="*/ 6748318 h 6858000"/>
+              <a:gd name="connsiteX8" fmla="*/ 0 w 8284464"/>
+              <a:gd name="connsiteY8" fmla="*/ 3429000 h 6858000"/>
+              <a:gd name="connsiteX9" fmla="*/ 1663869 w 8284464"/>
+              <a:gd name="connsiteY9" fmla="*/ 109683 h 6858000"/>
+            </a:gdLst>
+            <a:ahLst/>
+            <a:cxnLst>
+              <a:cxn ang="0">
+                <a:pos x="connsiteX0" y="connsiteY0"/>
+              </a:cxn>
+              <a:cxn ang="0">
+                <a:pos x="connsiteX1" y="connsiteY1"/>
+              </a:cxn>
+              <a:cxn ang="0">
+                <a:pos x="connsiteX2" y="connsiteY2"/>
+              </a:cxn>
+              <a:cxn ang="0">
+                <a:pos x="connsiteX3" y="connsiteY3"/>
+              </a:cxn>
+              <a:cxn ang="0">
+                <a:pos x="connsiteX4" y="connsiteY4"/>
+              </a:cxn>
+              <a:cxn ang="0">
+                <a:pos x="connsiteX5" y="connsiteY5"/>
+              </a:cxn>
+              <a:cxn ang="0">
+                <a:pos x="connsiteX6" y="connsiteY6"/>
+              </a:cxn>
+              <a:cxn ang="0">
+                <a:pos x="connsiteX7" y="connsiteY7"/>
+              </a:cxn>
+              <a:cxn ang="0">
+                <a:pos x="connsiteX8" y="connsiteY8"/>
+              </a:cxn>
+              <a:cxn ang="0">
+                <a:pos x="connsiteX9" y="connsiteY9"/>
+              </a:cxn>
+            </a:cxnLst>
+            <a:rect l="l" t="t" r="r" b="b"/>
+            <a:pathLst>
+              <a:path w="8284464" h="6858000">
+                <a:moveTo>
+                  <a:pt x="1818109" y="0"/>
+                </a:moveTo>
+                <a:lnTo>
+                  <a:pt x="6466355" y="0"/>
+                </a:lnTo>
+                <a:lnTo>
+                  <a:pt x="6620596" y="109683"/>
+                </a:lnTo>
+                <a:cubicBezTo>
+                  <a:pt x="7630666" y="865069"/>
+                  <a:pt x="8284464" y="2070683"/>
+                  <a:pt x="8284464" y="3429000"/>
+                </a:cubicBezTo>
+                <a:cubicBezTo>
+                  <a:pt x="8284464" y="4787317"/>
+                  <a:pt x="7630666" y="5992931"/>
+                  <a:pt x="6620596" y="6748318"/>
+                </a:cubicBezTo>
+                <a:lnTo>
+                  <a:pt x="6466355" y="6858000"/>
+                </a:lnTo>
+                <a:lnTo>
+                  <a:pt x="1818109" y="6858000"/>
+                </a:lnTo>
+                <a:lnTo>
+                  <a:pt x="1663869" y="6748318"/>
+                </a:lnTo>
+                <a:cubicBezTo>
+                  <a:pt x="653798" y="5992931"/>
+                  <a:pt x="0" y="4787317"/>
+                  <a:pt x="0" y="3429000"/>
+                </a:cubicBezTo>
+                <a:cubicBezTo>
+                  <a:pt x="0" y="2070683"/>
+                  <a:pt x="653798" y="865069"/>
+                  <a:pt x="1663869" y="109683"/>
+                </a:cubicBezTo>
+                <a:close/>
+              </a:path>
+            </a:pathLst>
+          </a:custGeom>
+          <a:solidFill>
+            <a:srgbClr val="FFFFFF">
+              <a:alpha val="80000"/>
+            </a:srgbClr>
+          </a:solidFill>
+          <a:ln>
+            <a:noFill/>
+          </a:ln>
+        </p:spPr>
+        <p:style>
+          <a:lnRef idx="2">
+            <a:schemeClr val="accent1">
+              <a:shade val="50000"/>
+            </a:schemeClr>
+          </a:lnRef>
+          <a:fillRef idx="1">
+            <a:schemeClr val="accent1"/>
+          </a:fillRef>
+          <a:effectRef idx="0">
+            <a:schemeClr val="accent1"/>
+          </a:effectRef>
+          <a:fontRef idx="minor">
+            <a:schemeClr val="lt1"/>
+          </a:fontRef>
+        </p:style>
+        <p:txBody>
+          <a:bodyPr wrap="square" rtlCol="0" anchor="ctr">
+            <a:noAutofit/>
+          </a:bodyPr>
+          <a:lstStyle/>
+          <a:p>
+            <a:pPr algn="ctr"/>
+            <a:endParaRPr lang="en-US"/>
+          </a:p>
+        </p:txBody>
+      </p:sp>
+      <p:sp>
+        <p:nvSpPr>
+          <p:cNvPr id="25" name="Freeform: Shape 24">
+            <a:extLst>
+              <a:ext uri="{FF2B5EF4-FFF2-40B4-BE49-F238E27FC236}">
+                <a16:creationId xmlns:a16="http://schemas.microsoft.com/office/drawing/2014/main" id="{DF9AD32D-FF05-44F4-BD4D-9CEE89B71EB9}"/>
+              </a:ext>
+              <a:ext uri="{C183D7F6-B498-43B3-948B-1728B52AA6E4}">
+                <adec:decorative xmlns:adec="http://schemas.microsoft.com/office/drawing/2017/decorative" val="1"/>
+              </a:ext>
+            </a:extLst>
+          </p:cNvPr>
+          <p:cNvSpPr>
+            <a:spLocks noGrp="1" noRot="1" noChangeAspect="1" noMove="1" noResize="1" noEditPoints="1" noAdjustHandles="1" noChangeArrowheads="1" noChangeShapeType="1" noTextEdit="1"/>
+          </p:cNvSpPr>
+          <p:nvPr>
+            <p:extLst>
+              <p:ext uri="{386F3935-93C4-4BCD-93E2-E3B085C9AB24}">
+                <p16:designElem xmlns:p16="http://schemas.microsoft.com/office/powerpoint/2015/main" val="1"/>
+              </p:ext>
+            </p:extLst>
+          </p:nvPr>
+        </p:nvSpPr>
+        <p:spPr>
+          <a:xfrm>
+            <a:off x="2118360" y="0"/>
+            <a:ext cx="7955280" cy="6858000"/>
+          </a:xfrm>
+          <a:custGeom>
+            <a:avLst/>
+            <a:gdLst>
+              <a:gd name="connsiteX0" fmla="*/ 1962423 w 7955280"/>
+              <a:gd name="connsiteY0" fmla="*/ 0 h 6858000"/>
+              <a:gd name="connsiteX1" fmla="*/ 5992858 w 7955280"/>
+              <a:gd name="connsiteY1" fmla="*/ 0 h 6858000"/>
+              <a:gd name="connsiteX2" fmla="*/ 6040191 w 7955280"/>
+              <a:gd name="connsiteY2" fmla="*/ 27216 h 6858000"/>
+              <a:gd name="connsiteX3" fmla="*/ 7955280 w 7955280"/>
+              <a:gd name="connsiteY3" fmla="*/ 3429000 h 6858000"/>
+              <a:gd name="connsiteX4" fmla="*/ 6040191 w 7955280"/>
+              <a:gd name="connsiteY4" fmla="*/ 6830784 h 6858000"/>
+              <a:gd name="connsiteX5" fmla="*/ 5992858 w 7955280"/>
+              <a:gd name="connsiteY5" fmla="*/ 6858000 h 6858000"/>
+              <a:gd name="connsiteX6" fmla="*/ 1962423 w 7955280"/>
+              <a:gd name="connsiteY6" fmla="*/ 6858000 h 6858000"/>
+              <a:gd name="connsiteX7" fmla="*/ 1915089 w 7955280"/>
+              <a:gd name="connsiteY7" fmla="*/ 6830784 h 6858000"/>
+              <a:gd name="connsiteX8" fmla="*/ 0 w 7955280"/>
+              <a:gd name="connsiteY8" fmla="*/ 3429000 h 6858000"/>
+              <a:gd name="connsiteX9" fmla="*/ 1915089 w 7955280"/>
+              <a:gd name="connsiteY9" fmla="*/ 27216 h 6858000"/>
+            </a:gdLst>
+            <a:ahLst/>
+            <a:cxnLst>
+              <a:cxn ang="0">
+                <a:pos x="connsiteX0" y="connsiteY0"/>
+              </a:cxn>
+              <a:cxn ang="0">
+                <a:pos x="connsiteX1" y="connsiteY1"/>
+              </a:cxn>
+              <a:cxn ang="0">
+                <a:pos x="connsiteX2" y="connsiteY2"/>
+              </a:cxn>
+              <a:cxn ang="0">
+                <a:pos x="connsiteX3" y="connsiteY3"/>
+              </a:cxn>
+              <a:cxn ang="0">
+                <a:pos x="connsiteX4" y="connsiteY4"/>
+              </a:cxn>
+              <a:cxn ang="0">
+                <a:pos x="connsiteX5" y="connsiteY5"/>
+              </a:cxn>
+              <a:cxn ang="0">
+                <a:pos x="connsiteX6" y="connsiteY6"/>
+              </a:cxn>
+              <a:cxn ang="0">
+                <a:pos x="connsiteX7" y="connsiteY7"/>
+              </a:cxn>
+              <a:cxn ang="0">
+                <a:pos x="connsiteX8" y="connsiteY8"/>
+              </a:cxn>
+              <a:cxn ang="0">
+                <a:pos x="connsiteX9" y="connsiteY9"/>
+              </a:cxn>
+            </a:cxnLst>
+            <a:rect l="l" t="t" r="r" b="b"/>
+            <a:pathLst>
+              <a:path w="7955280" h="6858000">
+                <a:moveTo>
+                  <a:pt x="1962423" y="0"/>
+                </a:moveTo>
+                <a:lnTo>
+                  <a:pt x="5992858" y="0"/>
+                </a:lnTo>
+                <a:lnTo>
+                  <a:pt x="6040191" y="27216"/>
+                </a:lnTo>
+                <a:cubicBezTo>
+                  <a:pt x="7188332" y="724844"/>
+                  <a:pt x="7955280" y="1987357"/>
+                  <a:pt x="7955280" y="3429000"/>
+                </a:cubicBezTo>
+                <a:cubicBezTo>
+                  <a:pt x="7955280" y="4870644"/>
+                  <a:pt x="7188332" y="6133157"/>
+                  <a:pt x="6040191" y="6830784"/>
+                </a:cubicBezTo>
+                <a:lnTo>
+                  <a:pt x="5992858" y="6858000"/>
+                </a:lnTo>
+                <a:lnTo>
+                  <a:pt x="1962423" y="6858000"/>
+                </a:lnTo>
+                <a:lnTo>
+                  <a:pt x="1915089" y="6830784"/>
+                </a:lnTo>
+                <a:cubicBezTo>
+                  <a:pt x="766948" y="6133157"/>
+                  <a:pt x="0" y="4870644"/>
+                  <a:pt x="0" y="3429000"/>
+                </a:cubicBezTo>
+                <a:cubicBezTo>
+                  <a:pt x="0" y="1987357"/>
+                  <a:pt x="766948" y="724844"/>
+                  <a:pt x="1915089" y="27216"/>
+                </a:cubicBezTo>
+                <a:close/>
+              </a:path>
+            </a:pathLst>
+          </a:custGeom>
+          <a:solidFill>
+            <a:schemeClr val="tx1"/>
+          </a:solidFill>
+          <a:ln>
+            <a:noFill/>
+          </a:ln>
+        </p:spPr>
+        <p:style>
+          <a:lnRef idx="2">
+            <a:schemeClr val="accent1">
+              <a:shade val="50000"/>
+            </a:schemeClr>
+          </a:lnRef>
+          <a:fillRef idx="1">
+            <a:schemeClr val="accent1"/>
+          </a:fillRef>
+          <a:effectRef idx="0">
+            <a:schemeClr val="accent1"/>
+          </a:effectRef>
+          <a:fontRef idx="minor">
+            <a:schemeClr val="lt1"/>
+          </a:fontRef>
+        </p:style>
+        <p:txBody>
+          <a:bodyPr wrap="square" rtlCol="0" anchor="ctr">
+            <a:noAutofit/>
+          </a:bodyPr>
+          <a:lstStyle/>
+          <a:p>
+            <a:pPr algn="ctr"/>
+            <a:endParaRPr lang="en-US"/>
+          </a:p>
+        </p:txBody>
+      </p:sp>
+      <p:sp>
+        <p:nvSpPr>
           <p:cNvPr id="2" name="Title 1">
             <a:extLst>
               <a:ext uri="{FF2B5EF4-FFF2-40B4-BE49-F238E27FC236}">
-                <a16:creationId xmlns:a16="http://schemas.microsoft.com/office/drawing/2014/main" id="{D8E7D33F-998C-402F-B7ED-67056E2E7F43}"/>
+                <a16:creationId xmlns:a16="http://schemas.microsoft.com/office/drawing/2014/main" id="{65DF508C-E6B6-4DB8-BB4C-71A268F0D0FB}"/>
+              </a:ext>
+            </a:extLst>
+          </p:cNvPr>
+          <p:cNvSpPr>
+            <a:spLocks noGrp="1"/>
+          </p:cNvSpPr>
+          <p:nvPr>
+            <p:ph type="ctrTitle"/>
+          </p:nvPr>
+        </p:nvSpPr>
+        <p:spPr>
+          <a:xfrm>
+            <a:off x="2555631" y="1441938"/>
+            <a:ext cx="7080738" cy="3974124"/>
+          </a:xfrm>
+        </p:spPr>
+        <p:txBody>
+          <a:bodyPr vert="horz" lIns="91440" tIns="45720" rIns="91440" bIns="45720" rtlCol="0" anchor="ctr">
+            <a:normAutofit/>
+          </a:bodyPr>
+          <a:lstStyle/>
+          <a:p>
+            <a:r>
+              <a:rPr lang="en-US" sz="5400" dirty="0">
+                <a:solidFill>
+                  <a:schemeClr val="bg1">
+                    <a:lumMod val="95000"/>
+                    <a:lumOff val="5000"/>
+                  </a:schemeClr>
+                </a:solidFill>
+              </a:rPr>
+              <a:t>ITERATION 1</a:t>
+            </a:r>
+          </a:p>
+        </p:txBody>
+      </p:sp>
+    </p:spTree>
+    <p:extLst>
+      <p:ext uri="{BB962C8B-B14F-4D97-AF65-F5344CB8AC3E}">
+        <p14:creationId xmlns:p14="http://schemas.microsoft.com/office/powerpoint/2010/main" val="2858454062"/>
+      </p:ext>
+    </p:extLst>
+  </p:cSld>
+  <p:clrMapOvr>
+    <a:overrideClrMapping bg1="dk1" tx1="lt1" bg2="dk2" tx2="lt2" accent1="accent1" accent2="accent2" accent3="accent3" accent4="accent4" accent5="accent5" accent6="accent6" hlink="hlink" folHlink="folHlink"/>
+  </p:clrMapOvr>
+  <p:timing>
+    <p:tnLst>
+      <p:par>
+        <p:cTn id="1" dur="indefinite" restart="never" nodeType="tmRoot">
+          <p:childTnLst>
+            <p:seq concurrent="1" nextAc="seek">
+              <p:cTn id="2" dur="indefinite" nodeType="mainSeq">
+                <p:childTnLst>
+                  <p:par>
+                    <p:cTn id="3" fill="hold">
+                      <p:stCondLst>
+                        <p:cond delay="indefinite"/>
+                        <p:cond evt="onBegin" delay="0">
+                          <p:tn val="2"/>
+                        </p:cond>
+                      </p:stCondLst>
+                      <p:childTnLst>
+                        <p:par>
+                          <p:cTn id="4" fill="hold">
+                            <p:stCondLst>
+                              <p:cond delay="0"/>
+                            </p:stCondLst>
+                            <p:childTnLst>
+                              <p:par>
+                                <p:cTn id="5" presetID="10" presetClass="entr" presetSubtype="0" fill="hold" grpId="0" nodeType="withEffect">
+                                  <p:stCondLst>
+                                    <p:cond delay="500"/>
+                                  </p:stCondLst>
+                                  <p:iterate>
+                                    <p:tmPct val="10000"/>
+                                  </p:iterate>
+                                  <p:childTnLst>
+                                    <p:set>
+                                      <p:cBhvr>
+                                        <p:cTn id="6" dur="1" fill="hold">
+                                          <p:stCondLst>
+                                            <p:cond delay="0"/>
+                                          </p:stCondLst>
+                                        </p:cTn>
+                                        <p:tgtEl>
+                                          <p:spTgt spid="2"/>
+                                        </p:tgtEl>
+                                        <p:attrNameLst>
+                                          <p:attrName>style.visibility</p:attrName>
+                                        </p:attrNameLst>
+                                      </p:cBhvr>
+                                      <p:to>
+                                        <p:strVal val="visible"/>
+                                      </p:to>
+                                    </p:set>
+                                    <p:animEffect transition="in" filter="fade">
+                                      <p:cBhvr>
+                                        <p:cTn id="7" dur="700"/>
+                                        <p:tgtEl>
+                                          <p:spTgt spid="2"/>
+                                        </p:tgtEl>
+                                      </p:cBhvr>
+                                    </p:animEffect>
+                                  </p:childTnLst>
+                                </p:cTn>
+                              </p:par>
+                            </p:childTnLst>
+                          </p:cTn>
+                        </p:par>
+                      </p:childTnLst>
+                    </p:cTn>
+                  </p:par>
+                </p:childTnLst>
+              </p:cTn>
+              <p:prevCondLst>
+                <p:cond evt="onPrev" delay="0">
+                  <p:tgtEl>
+                    <p:sldTgt/>
+                  </p:tgtEl>
+                </p:cond>
+              </p:prevCondLst>
+              <p:nextCondLst>
+                <p:cond evt="onNext" delay="0">
+                  <p:tgtEl>
+                    <p:sldTgt/>
+                  </p:tgtEl>
+                </p:cond>
+              </p:nextCondLst>
+            </p:seq>
+          </p:childTnLst>
+        </p:cTn>
+      </p:par>
+    </p:tnLst>
+    <p:bldLst>
+      <p:bldP spid="2" grpId="0"/>
+    </p:bldLst>
+  </p:timing>
+</p:sld>
+</file>
+
+<file path=ppt/slides/slide5.xml><?xml version="1.0" encoding="utf-8"?>
+<p:sld xmlns:a="http://schemas.openxmlformats.org/drawingml/2006/main" xmlns:r="http://schemas.openxmlformats.org/officeDocument/2006/relationships" xmlns:p="http://schemas.openxmlformats.org/presentationml/2006/main">
+  <p:cSld>
+    <p:bg>
+      <p:bgPr>
+        <a:solidFill>
+          <a:schemeClr val="bg1"/>
+        </a:solidFill>
+        <a:effectLst/>
+      </p:bgPr>
+    </p:bg>
+    <p:spTree>
+      <p:nvGrpSpPr>
+        <p:cNvPr id="1" name=""/>
+        <p:cNvGrpSpPr/>
+        <p:nvPr/>
+      </p:nvGrpSpPr>
+      <p:grpSpPr>
+        <a:xfrm>
+          <a:off x="0" y="0"/>
+          <a:ext cx="0" cy="0"/>
+          <a:chOff x="0" y="0"/>
+          <a:chExt cx="0" cy="0"/>
+        </a:xfrm>
+      </p:grpSpPr>
+      <p:sp useBgFill="1">
+        <p:nvSpPr>
+          <p:cNvPr id="8" name="Rectangle 7">
+            <a:extLst>
+              <a:ext uri="{FF2B5EF4-FFF2-40B4-BE49-F238E27FC236}">
+                <a16:creationId xmlns:a16="http://schemas.microsoft.com/office/drawing/2014/main" id="{907EF6B7-1338-4443-8C46-6A318D952DFD}"/>
+              </a:ext>
+              <a:ext uri="{C183D7F6-B498-43B3-948B-1728B52AA6E4}">
+                <adec:decorative xmlns:adec="http://schemas.microsoft.com/office/drawing/2017/decorative" val="1"/>
+              </a:ext>
+            </a:extLst>
+          </p:cNvPr>
+          <p:cNvSpPr>
+            <a:spLocks noGrp="1" noRot="1" noChangeAspect="1" noMove="1" noResize="1" noEditPoints="1" noAdjustHandles="1" noChangeArrowheads="1" noChangeShapeType="1" noTextEdit="1"/>
+          </p:cNvSpPr>
+          <p:nvPr>
+            <p:extLst>
+              <p:ext uri="{386F3935-93C4-4BCD-93E2-E3B085C9AB24}">
+                <p16:designElem xmlns:p16="http://schemas.microsoft.com/office/powerpoint/2015/main" val="1"/>
+              </p:ext>
+            </p:extLst>
+          </p:nvPr>
+        </p:nvSpPr>
+        <p:spPr>
+          <a:xfrm>
+            <a:off x="3048" y="0"/>
+            <a:ext cx="12188952" cy="6858000"/>
+          </a:xfrm>
+          <a:prstGeom prst="rect">
+            <a:avLst/>
+          </a:prstGeom>
+          <a:ln>
+            <a:noFill/>
+          </a:ln>
+        </p:spPr>
+        <p:style>
+          <a:lnRef idx="2">
+            <a:schemeClr val="accent1">
+              <a:shade val="50000"/>
+            </a:schemeClr>
+          </a:lnRef>
+          <a:fillRef idx="1">
+            <a:schemeClr val="accent1"/>
+          </a:fillRef>
+          <a:effectRef idx="0">
+            <a:schemeClr val="accent1"/>
+          </a:effectRef>
+          <a:fontRef idx="minor">
+            <a:schemeClr val="lt1"/>
+          </a:fontRef>
+        </p:style>
+        <p:txBody>
+          <a:bodyPr rtlCol="0" anchor="ctr"/>
+          <a:lstStyle/>
+          <a:p>
+            <a:pPr algn="ctr"/>
+            <a:endParaRPr lang="en-US"/>
+          </a:p>
+        </p:txBody>
+      </p:sp>
+      <p:sp>
+        <p:nvSpPr>
+          <p:cNvPr id="10" name="Freeform: Shape 9">
+            <a:extLst>
+              <a:ext uri="{FF2B5EF4-FFF2-40B4-BE49-F238E27FC236}">
+                <a16:creationId xmlns:a16="http://schemas.microsoft.com/office/drawing/2014/main" id="{DAAE4CDD-124C-4DCF-9584-B6033B545DD5}"/>
+              </a:ext>
+              <a:ext uri="{C183D7F6-B498-43B3-948B-1728B52AA6E4}">
+                <adec:decorative xmlns:adec="http://schemas.microsoft.com/office/drawing/2017/decorative" val="1"/>
+              </a:ext>
+            </a:extLst>
+          </p:cNvPr>
+          <p:cNvSpPr>
+            <a:spLocks noGrp="1" noRot="1" noChangeAspect="1" noMove="1" noResize="1" noEditPoints="1" noAdjustHandles="1" noChangeArrowheads="1" noChangeShapeType="1" noTextEdit="1"/>
+          </p:cNvSpPr>
+          <p:nvPr>
+            <p:extLst>
+              <p:ext uri="{386F3935-93C4-4BCD-93E2-E3B085C9AB24}">
+                <p16:designElem xmlns:p16="http://schemas.microsoft.com/office/powerpoint/2015/main" val="1"/>
+              </p:ext>
+            </p:extLst>
+          </p:nvPr>
+        </p:nvSpPr>
+        <p:spPr>
+          <a:xfrm>
+            <a:off x="1" y="0"/>
+            <a:ext cx="4167271" cy="6858000"/>
+          </a:xfrm>
+          <a:custGeom>
+            <a:avLst/>
+            <a:gdLst>
+              <a:gd name="connsiteX0" fmla="*/ 0 w 4167271"/>
+              <a:gd name="connsiteY0" fmla="*/ 0 h 6858000"/>
+              <a:gd name="connsiteX1" fmla="*/ 2259550 w 4167271"/>
+              <a:gd name="connsiteY1" fmla="*/ 0 h 6858000"/>
+              <a:gd name="connsiteX2" fmla="*/ 2387803 w 4167271"/>
+              <a:gd name="connsiteY2" fmla="*/ 82222 h 6858000"/>
+              <a:gd name="connsiteX3" fmla="*/ 4167271 w 4167271"/>
+              <a:gd name="connsiteY3" fmla="*/ 3429000 h 6858000"/>
+              <a:gd name="connsiteX4" fmla="*/ 2387803 w 4167271"/>
+              <a:gd name="connsiteY4" fmla="*/ 6775779 h 6858000"/>
+              <a:gd name="connsiteX5" fmla="*/ 2259550 w 4167271"/>
+              <a:gd name="connsiteY5" fmla="*/ 6858000 h 6858000"/>
+              <a:gd name="connsiteX6" fmla="*/ 0 w 4167271"/>
+              <a:gd name="connsiteY6" fmla="*/ 6858000 h 6858000"/>
+            </a:gdLst>
+            <a:ahLst/>
+            <a:cxnLst>
+              <a:cxn ang="0">
+                <a:pos x="connsiteX0" y="connsiteY0"/>
+              </a:cxn>
+              <a:cxn ang="0">
+                <a:pos x="connsiteX1" y="connsiteY1"/>
+              </a:cxn>
+              <a:cxn ang="0">
+                <a:pos x="connsiteX2" y="connsiteY2"/>
+              </a:cxn>
+              <a:cxn ang="0">
+                <a:pos x="connsiteX3" y="connsiteY3"/>
+              </a:cxn>
+              <a:cxn ang="0">
+                <a:pos x="connsiteX4" y="connsiteY4"/>
+              </a:cxn>
+              <a:cxn ang="0">
+                <a:pos x="connsiteX5" y="connsiteY5"/>
+              </a:cxn>
+              <a:cxn ang="0">
+                <a:pos x="connsiteX6" y="connsiteY6"/>
+              </a:cxn>
+            </a:cxnLst>
+            <a:rect l="l" t="t" r="r" b="b"/>
+            <a:pathLst>
+              <a:path w="4167271" h="6858000">
+                <a:moveTo>
+                  <a:pt x="0" y="0"/>
+                </a:moveTo>
+                <a:lnTo>
+                  <a:pt x="2259550" y="0"/>
+                </a:lnTo>
+                <a:lnTo>
+                  <a:pt x="2387803" y="82222"/>
+                </a:lnTo>
+                <a:cubicBezTo>
+                  <a:pt x="3461407" y="807534"/>
+                  <a:pt x="4167271" y="2035835"/>
+                  <a:pt x="4167271" y="3429000"/>
+                </a:cubicBezTo>
+                <a:cubicBezTo>
+                  <a:pt x="4167271" y="4822165"/>
+                  <a:pt x="3461407" y="6050467"/>
+                  <a:pt x="2387803" y="6775779"/>
+                </a:cubicBezTo>
+                <a:lnTo>
+                  <a:pt x="2259550" y="6858000"/>
+                </a:lnTo>
+                <a:lnTo>
+                  <a:pt x="0" y="6858000"/>
+                </a:lnTo>
+                <a:close/>
+              </a:path>
+            </a:pathLst>
+          </a:custGeom>
+          <a:solidFill>
+            <a:schemeClr val="accent2"/>
+          </a:solidFill>
+          <a:ln>
+            <a:noFill/>
+          </a:ln>
+        </p:spPr>
+        <p:style>
+          <a:lnRef idx="2">
+            <a:schemeClr val="accent1">
+              <a:shade val="50000"/>
+            </a:schemeClr>
+          </a:lnRef>
+          <a:fillRef idx="1">
+            <a:schemeClr val="accent1"/>
+          </a:fillRef>
+          <a:effectRef idx="0">
+            <a:schemeClr val="accent1"/>
+          </a:effectRef>
+          <a:fontRef idx="minor">
+            <a:schemeClr val="lt1"/>
+          </a:fontRef>
+        </p:style>
+        <p:txBody>
+          <a:bodyPr rtlCol="0" anchor="ctr"/>
+          <a:lstStyle/>
+          <a:p>
+            <a:pPr algn="ctr"/>
+            <a:endParaRPr lang="en-US"/>
+          </a:p>
+        </p:txBody>
+      </p:sp>
+      <p:sp>
+        <p:nvSpPr>
+          <p:cNvPr id="2" name="Title 1">
+            <a:extLst>
+              <a:ext uri="{FF2B5EF4-FFF2-40B4-BE49-F238E27FC236}">
+                <a16:creationId xmlns:a16="http://schemas.microsoft.com/office/drawing/2014/main" id="{0F3203EA-FB53-41D1-AB6D-45E924817C7C}"/>
               </a:ext>
             </a:extLst>
           </p:cNvPr>
@@ -3443,12 +8412,87 @@
             <p:ph type="title"/>
           </p:nvPr>
         </p:nvSpPr>
-        <p:spPr/>
+        <p:spPr>
+          <a:xfrm>
+            <a:off x="686834" y="1153572"/>
+            <a:ext cx="3200400" cy="4461163"/>
+          </a:xfrm>
+        </p:spPr>
         <p:txBody>
-          <a:bodyPr/>
+          <a:bodyPr>
+            <a:normAutofit/>
+          </a:bodyPr>
           <a:lstStyle/>
           <a:p>
-            <a:endParaRPr lang="en-GB"/>
+            <a:r>
+              <a:rPr lang="en-GB">
+                <a:solidFill>
+                  <a:srgbClr val="FFFFFF"/>
+                </a:solidFill>
+              </a:rPr>
+              <a:t>Flowchart</a:t>
+            </a:r>
+          </a:p>
+        </p:txBody>
+      </p:sp>
+      <p:sp>
+        <p:nvSpPr>
+          <p:cNvPr id="12" name="Arc 11">
+            <a:extLst>
+              <a:ext uri="{FF2B5EF4-FFF2-40B4-BE49-F238E27FC236}">
+                <a16:creationId xmlns:a16="http://schemas.microsoft.com/office/drawing/2014/main" id="{081E4A58-353D-44AE-B2FC-2A74E2E400F7}"/>
+              </a:ext>
+              <a:ext uri="{C183D7F6-B498-43B3-948B-1728B52AA6E4}">
+                <adec:decorative xmlns:adec="http://schemas.microsoft.com/office/drawing/2017/decorative" val="1"/>
+              </a:ext>
+            </a:extLst>
+          </p:cNvPr>
+          <p:cNvSpPr>
+            <a:spLocks noGrp="1" noRot="1" noChangeAspect="1" noMove="1" noResize="1" noEditPoints="1" noAdjustHandles="1" noChangeArrowheads="1" noChangeShapeType="1" noTextEdit="1"/>
+          </p:cNvSpPr>
+          <p:nvPr>
+            <p:extLst>
+              <p:ext uri="{386F3935-93C4-4BCD-93E2-E3B085C9AB24}">
+                <p16:designElem xmlns:p16="http://schemas.microsoft.com/office/powerpoint/2015/main" val="1"/>
+              </p:ext>
+            </p:extLst>
+          </p:nvPr>
+        </p:nvSpPr>
+        <p:spPr>
+          <a:xfrm flipV="1">
+            <a:off x="7550402" y="2455479"/>
+            <a:ext cx="4083433" cy="4083433"/>
+          </a:xfrm>
+          <a:prstGeom prst="arc">
+            <a:avLst/>
+          </a:prstGeom>
+          <a:ln w="127000" cap="rnd">
+            <a:solidFill>
+              <a:schemeClr val="accent4"/>
+            </a:solidFill>
+            <a:prstDash val="dash"/>
+          </a:ln>
+        </p:spPr>
+        <p:style>
+          <a:lnRef idx="1">
+            <a:schemeClr val="accent1"/>
+          </a:lnRef>
+          <a:fillRef idx="0">
+            <a:schemeClr val="accent1"/>
+          </a:fillRef>
+          <a:effectRef idx="0">
+            <a:schemeClr val="accent1"/>
+          </a:effectRef>
+          <a:fontRef idx="minor">
+            <a:schemeClr val="tx1"/>
+          </a:fontRef>
+        </p:style>
+        <p:txBody>
+          <a:bodyPr rtlCol="0" anchor="ctr"/>
+          <a:lstStyle/>
+          <a:p>
+            <a:pPr algn="ctr"/>
+            <a:endParaRPr lang="en-US" dirty="0"/>
           </a:p>
         </p:txBody>
       </p:sp>
@@ -3457,7 +8501,7 @@
           <p:cNvPr id="3" name="Content Placeholder 2">
             <a:extLst>
               <a:ext uri="{FF2B5EF4-FFF2-40B4-BE49-F238E27FC236}">
-                <a16:creationId xmlns:a16="http://schemas.microsoft.com/office/drawing/2014/main" id="{2BD8ED63-F05D-4929-B81F-3F095A7A7A42}"/>
+                <a16:creationId xmlns:a16="http://schemas.microsoft.com/office/drawing/2014/main" id="{3F51BD2F-986A-4163-BF63-64B3E33C1CB5}"/>
               </a:ext>
             </a:extLst>
           </p:cNvPr>
@@ -3468,25 +8512,2377 @@
             <p:ph idx="1"/>
           </p:nvPr>
         </p:nvSpPr>
-        <p:spPr/>
+        <p:spPr>
+          <a:xfrm>
+            <a:off x="4447308" y="591344"/>
+            <a:ext cx="6906491" cy="5585619"/>
+          </a:xfrm>
+        </p:spPr>
         <p:txBody>
-          <a:bodyPr/>
+          <a:bodyPr anchor="ctr">
+            <a:normAutofit/>
+          </a:bodyPr>
           <a:lstStyle/>
           <a:p>
-            <a:endParaRPr lang="en-GB"/>
+            <a:pPr marL="0" indent="0">
+              <a:buNone/>
+            </a:pPr>
+            <a:r>
+              <a:rPr lang="en-GB" dirty="0">
+                <a:hlinkClick r:id="rId2"/>
+              </a:rPr>
+              <a:t>https://lucid.app/lucidchart/6beb45ad-fdd0-43af-9f80-ba7eadaf52ad/edit?viewport_loc=-1617%2C-390%2C5450%2C2650%2C0_0&amp;invitationId=inv_78aae857-7fc6-4087-9cc4-70406c981c6e</a:t>
+            </a:r>
+            <a:endParaRPr lang="en-GB" dirty="0"/>
           </a:p>
         </p:txBody>
       </p:sp>
     </p:spTree>
     <p:extLst>
       <p:ext uri="{BB962C8B-B14F-4D97-AF65-F5344CB8AC3E}">
-        <p14:creationId xmlns:p14="http://schemas.microsoft.com/office/powerpoint/2010/main" val="576328572"/>
+        <p14:creationId xmlns:p14="http://schemas.microsoft.com/office/powerpoint/2010/main" val="843395545"/>
       </p:ext>
     </p:extLst>
   </p:cSld>
   <p:clrMapOvr>
     <a:masterClrMapping/>
   </p:clrMapOvr>
+</p:sld>
+</file>
+
+<file path=ppt/slides/slide6.xml><?xml version="1.0" encoding="utf-8"?>
+<p:sld xmlns:a="http://schemas.openxmlformats.org/drawingml/2006/main" xmlns:r="http://schemas.openxmlformats.org/officeDocument/2006/relationships" xmlns:p="http://schemas.openxmlformats.org/presentationml/2006/main">
+  <p:cSld>
+    <p:bg>
+      <p:bgPr>
+        <a:solidFill>
+          <a:schemeClr val="bg1"/>
+        </a:solidFill>
+        <a:effectLst/>
+      </p:bgPr>
+    </p:bg>
+    <p:spTree>
+      <p:nvGrpSpPr>
+        <p:cNvPr id="1" name=""/>
+        <p:cNvGrpSpPr/>
+        <p:nvPr/>
+      </p:nvGrpSpPr>
+      <p:grpSpPr>
+        <a:xfrm>
+          <a:off x="0" y="0"/>
+          <a:ext cx="0" cy="0"/>
+          <a:chOff x="0" y="0"/>
+          <a:chExt cx="0" cy="0"/>
+        </a:xfrm>
+      </p:grpSpPr>
+      <p:sp useBgFill="1">
+        <p:nvSpPr>
+          <p:cNvPr id="33" name="Rectangle 7">
+            <a:extLst>
+              <a:ext uri="{FF2B5EF4-FFF2-40B4-BE49-F238E27FC236}">
+                <a16:creationId xmlns:a16="http://schemas.microsoft.com/office/drawing/2014/main" id="{907EF6B7-1338-4443-8C46-6A318D952DFD}"/>
+              </a:ext>
+              <a:ext uri="{C183D7F6-B498-43B3-948B-1728B52AA6E4}">
+                <adec:decorative xmlns:adec="http://schemas.microsoft.com/office/drawing/2017/decorative" val="1"/>
+              </a:ext>
+            </a:extLst>
+          </p:cNvPr>
+          <p:cNvSpPr>
+            <a:spLocks noGrp="1" noRot="1" noChangeAspect="1" noMove="1" noResize="1" noEditPoints="1" noAdjustHandles="1" noChangeArrowheads="1" noChangeShapeType="1" noTextEdit="1"/>
+          </p:cNvSpPr>
+          <p:nvPr>
+            <p:extLst>
+              <p:ext uri="{386F3935-93C4-4BCD-93E2-E3B085C9AB24}">
+                <p16:designElem xmlns:p16="http://schemas.microsoft.com/office/powerpoint/2015/main" val="1"/>
+              </p:ext>
+            </p:extLst>
+          </p:nvPr>
+        </p:nvSpPr>
+        <p:spPr>
+          <a:xfrm>
+            <a:off x="3048" y="0"/>
+            <a:ext cx="12188952" cy="6858000"/>
+          </a:xfrm>
+          <a:prstGeom prst="rect">
+            <a:avLst/>
+          </a:prstGeom>
+          <a:ln>
+            <a:noFill/>
+          </a:ln>
+        </p:spPr>
+        <p:style>
+          <a:lnRef idx="2">
+            <a:schemeClr val="accent1">
+              <a:shade val="50000"/>
+            </a:schemeClr>
+          </a:lnRef>
+          <a:fillRef idx="1">
+            <a:schemeClr val="accent1"/>
+          </a:fillRef>
+          <a:effectRef idx="0">
+            <a:schemeClr val="accent1"/>
+          </a:effectRef>
+          <a:fontRef idx="minor">
+            <a:schemeClr val="lt1"/>
+          </a:fontRef>
+        </p:style>
+        <p:txBody>
+          <a:bodyPr rtlCol="0" anchor="ctr"/>
+          <a:lstStyle/>
+          <a:p>
+            <a:pPr algn="ctr"/>
+            <a:endParaRPr lang="en-US"/>
+          </a:p>
+        </p:txBody>
+      </p:sp>
+      <p:sp>
+        <p:nvSpPr>
+          <p:cNvPr id="10" name="Freeform: Shape 9">
+            <a:extLst>
+              <a:ext uri="{FF2B5EF4-FFF2-40B4-BE49-F238E27FC236}">
+                <a16:creationId xmlns:a16="http://schemas.microsoft.com/office/drawing/2014/main" id="{DAAE4CDD-124C-4DCF-9584-B6033B545DD5}"/>
+              </a:ext>
+              <a:ext uri="{C183D7F6-B498-43B3-948B-1728B52AA6E4}">
+                <adec:decorative xmlns:adec="http://schemas.microsoft.com/office/drawing/2017/decorative" val="1"/>
+              </a:ext>
+            </a:extLst>
+          </p:cNvPr>
+          <p:cNvSpPr>
+            <a:spLocks noGrp="1" noRot="1" noChangeAspect="1" noMove="1" noResize="1" noEditPoints="1" noAdjustHandles="1" noChangeArrowheads="1" noChangeShapeType="1" noTextEdit="1"/>
+          </p:cNvSpPr>
+          <p:nvPr>
+            <p:extLst>
+              <p:ext uri="{386F3935-93C4-4BCD-93E2-E3B085C9AB24}">
+                <p16:designElem xmlns:p16="http://schemas.microsoft.com/office/powerpoint/2015/main" val="1"/>
+              </p:ext>
+            </p:extLst>
+          </p:nvPr>
+        </p:nvSpPr>
+        <p:spPr>
+          <a:xfrm>
+            <a:off x="1" y="0"/>
+            <a:ext cx="4167271" cy="6858000"/>
+          </a:xfrm>
+          <a:custGeom>
+            <a:avLst/>
+            <a:gdLst>
+              <a:gd name="connsiteX0" fmla="*/ 0 w 4167271"/>
+              <a:gd name="connsiteY0" fmla="*/ 0 h 6858000"/>
+              <a:gd name="connsiteX1" fmla="*/ 2259550 w 4167271"/>
+              <a:gd name="connsiteY1" fmla="*/ 0 h 6858000"/>
+              <a:gd name="connsiteX2" fmla="*/ 2387803 w 4167271"/>
+              <a:gd name="connsiteY2" fmla="*/ 82222 h 6858000"/>
+              <a:gd name="connsiteX3" fmla="*/ 4167271 w 4167271"/>
+              <a:gd name="connsiteY3" fmla="*/ 3429000 h 6858000"/>
+              <a:gd name="connsiteX4" fmla="*/ 2387803 w 4167271"/>
+              <a:gd name="connsiteY4" fmla="*/ 6775779 h 6858000"/>
+              <a:gd name="connsiteX5" fmla="*/ 2259550 w 4167271"/>
+              <a:gd name="connsiteY5" fmla="*/ 6858000 h 6858000"/>
+              <a:gd name="connsiteX6" fmla="*/ 0 w 4167271"/>
+              <a:gd name="connsiteY6" fmla="*/ 6858000 h 6858000"/>
+            </a:gdLst>
+            <a:ahLst/>
+            <a:cxnLst>
+              <a:cxn ang="0">
+                <a:pos x="connsiteX0" y="connsiteY0"/>
+              </a:cxn>
+              <a:cxn ang="0">
+                <a:pos x="connsiteX1" y="connsiteY1"/>
+              </a:cxn>
+              <a:cxn ang="0">
+                <a:pos x="connsiteX2" y="connsiteY2"/>
+              </a:cxn>
+              <a:cxn ang="0">
+                <a:pos x="connsiteX3" y="connsiteY3"/>
+              </a:cxn>
+              <a:cxn ang="0">
+                <a:pos x="connsiteX4" y="connsiteY4"/>
+              </a:cxn>
+              <a:cxn ang="0">
+                <a:pos x="connsiteX5" y="connsiteY5"/>
+              </a:cxn>
+              <a:cxn ang="0">
+                <a:pos x="connsiteX6" y="connsiteY6"/>
+              </a:cxn>
+            </a:cxnLst>
+            <a:rect l="l" t="t" r="r" b="b"/>
+            <a:pathLst>
+              <a:path w="4167271" h="6858000">
+                <a:moveTo>
+                  <a:pt x="0" y="0"/>
+                </a:moveTo>
+                <a:lnTo>
+                  <a:pt x="2259550" y="0"/>
+                </a:lnTo>
+                <a:lnTo>
+                  <a:pt x="2387803" y="82222"/>
+                </a:lnTo>
+                <a:cubicBezTo>
+                  <a:pt x="3461407" y="807534"/>
+                  <a:pt x="4167271" y="2035835"/>
+                  <a:pt x="4167271" y="3429000"/>
+                </a:cubicBezTo>
+                <a:cubicBezTo>
+                  <a:pt x="4167271" y="4822165"/>
+                  <a:pt x="3461407" y="6050467"/>
+                  <a:pt x="2387803" y="6775779"/>
+                </a:cubicBezTo>
+                <a:lnTo>
+                  <a:pt x="2259550" y="6858000"/>
+                </a:lnTo>
+                <a:lnTo>
+                  <a:pt x="0" y="6858000"/>
+                </a:lnTo>
+                <a:close/>
+              </a:path>
+            </a:pathLst>
+          </a:custGeom>
+          <a:solidFill>
+            <a:schemeClr val="accent2"/>
+          </a:solidFill>
+          <a:ln>
+            <a:noFill/>
+          </a:ln>
+        </p:spPr>
+        <p:style>
+          <a:lnRef idx="2">
+            <a:schemeClr val="accent1">
+              <a:shade val="50000"/>
+            </a:schemeClr>
+          </a:lnRef>
+          <a:fillRef idx="1">
+            <a:schemeClr val="accent1"/>
+          </a:fillRef>
+          <a:effectRef idx="0">
+            <a:schemeClr val="accent1"/>
+          </a:effectRef>
+          <a:fontRef idx="minor">
+            <a:schemeClr val="lt1"/>
+          </a:fontRef>
+        </p:style>
+        <p:txBody>
+          <a:bodyPr rtlCol="0" anchor="ctr"/>
+          <a:lstStyle/>
+          <a:p>
+            <a:pPr algn="ctr"/>
+            <a:endParaRPr lang="en-US"/>
+          </a:p>
+        </p:txBody>
+      </p:sp>
+      <p:sp>
+        <p:nvSpPr>
+          <p:cNvPr id="2" name="Title 1">
+            <a:extLst>
+              <a:ext uri="{FF2B5EF4-FFF2-40B4-BE49-F238E27FC236}">
+                <a16:creationId xmlns:a16="http://schemas.microsoft.com/office/drawing/2014/main" id="{19E102C2-2EA6-427F-9AD1-4A9A721C2FD6}"/>
+              </a:ext>
+            </a:extLst>
+          </p:cNvPr>
+          <p:cNvSpPr>
+            <a:spLocks noGrp="1"/>
+          </p:cNvSpPr>
+          <p:nvPr>
+            <p:ph type="title"/>
+          </p:nvPr>
+        </p:nvSpPr>
+        <p:spPr>
+          <a:xfrm>
+            <a:off x="686834" y="1153572"/>
+            <a:ext cx="3200400" cy="4461163"/>
+          </a:xfrm>
+        </p:spPr>
+        <p:txBody>
+          <a:bodyPr>
+            <a:normAutofit/>
+          </a:bodyPr>
+          <a:lstStyle/>
+          <a:p>
+            <a:r>
+              <a:rPr lang="en-GB">
+                <a:solidFill>
+                  <a:srgbClr val="FFFFFF"/>
+                </a:solidFill>
+              </a:rPr>
+              <a:t>Commented code</a:t>
+            </a:r>
+          </a:p>
+        </p:txBody>
+      </p:sp>
+      <p:sp>
+        <p:nvSpPr>
+          <p:cNvPr id="12" name="Arc 11">
+            <a:extLst>
+              <a:ext uri="{FF2B5EF4-FFF2-40B4-BE49-F238E27FC236}">
+                <a16:creationId xmlns:a16="http://schemas.microsoft.com/office/drawing/2014/main" id="{081E4A58-353D-44AE-B2FC-2A74E2E400F7}"/>
+              </a:ext>
+              <a:ext uri="{C183D7F6-B498-43B3-948B-1728B52AA6E4}">
+                <adec:decorative xmlns:adec="http://schemas.microsoft.com/office/drawing/2017/decorative" val="1"/>
+              </a:ext>
+            </a:extLst>
+          </p:cNvPr>
+          <p:cNvSpPr>
+            <a:spLocks noGrp="1" noRot="1" noChangeAspect="1" noMove="1" noResize="1" noEditPoints="1" noAdjustHandles="1" noChangeArrowheads="1" noChangeShapeType="1" noTextEdit="1"/>
+          </p:cNvSpPr>
+          <p:nvPr>
+            <p:extLst>
+              <p:ext uri="{386F3935-93C4-4BCD-93E2-E3B085C9AB24}">
+                <p16:designElem xmlns:p16="http://schemas.microsoft.com/office/powerpoint/2015/main" val="1"/>
+              </p:ext>
+            </p:extLst>
+          </p:nvPr>
+        </p:nvSpPr>
+        <p:spPr>
+          <a:xfrm flipV="1">
+            <a:off x="7550402" y="2455479"/>
+            <a:ext cx="4083433" cy="4083433"/>
+          </a:xfrm>
+          <a:prstGeom prst="arc">
+            <a:avLst/>
+          </a:prstGeom>
+          <a:ln w="127000" cap="rnd">
+            <a:solidFill>
+              <a:schemeClr val="accent4"/>
+            </a:solidFill>
+            <a:prstDash val="dash"/>
+          </a:ln>
+        </p:spPr>
+        <p:style>
+          <a:lnRef idx="1">
+            <a:schemeClr val="accent1"/>
+          </a:lnRef>
+          <a:fillRef idx="0">
+            <a:schemeClr val="accent1"/>
+          </a:fillRef>
+          <a:effectRef idx="0">
+            <a:schemeClr val="accent1"/>
+          </a:effectRef>
+          <a:fontRef idx="minor">
+            <a:schemeClr val="tx1"/>
+          </a:fontRef>
+        </p:style>
+        <p:txBody>
+          <a:bodyPr rtlCol="0" anchor="ctr"/>
+          <a:lstStyle/>
+          <a:p>
+            <a:pPr algn="ctr"/>
+            <a:endParaRPr lang="en-US" dirty="0"/>
+          </a:p>
+        </p:txBody>
+      </p:sp>
+      <p:sp>
+        <p:nvSpPr>
+          <p:cNvPr id="3" name="Content Placeholder 2">
+            <a:extLst>
+              <a:ext uri="{FF2B5EF4-FFF2-40B4-BE49-F238E27FC236}">
+                <a16:creationId xmlns:a16="http://schemas.microsoft.com/office/drawing/2014/main" id="{168495D5-2E86-43A1-AECD-B33D05DA603B}"/>
+              </a:ext>
+            </a:extLst>
+          </p:cNvPr>
+          <p:cNvSpPr>
+            <a:spLocks noGrp="1"/>
+          </p:cNvSpPr>
+          <p:nvPr>
+            <p:ph idx="1"/>
+          </p:nvPr>
+        </p:nvSpPr>
+        <p:spPr>
+          <a:xfrm>
+            <a:off x="4447308" y="591344"/>
+            <a:ext cx="6906491" cy="5585619"/>
+          </a:xfrm>
+        </p:spPr>
+        <p:txBody>
+          <a:bodyPr anchor="ctr">
+            <a:normAutofit/>
+          </a:bodyPr>
+          <a:lstStyle/>
+          <a:p>
+            <a:r>
+              <a:rPr lang="en-GB">
+                <a:hlinkClick r:id="rId2"/>
+              </a:rPr>
+              <a:t>https://github.com/Max-Hitchings/Bright-Sparks-School-System/blob/main/py_itterations/iteration1.py</a:t>
+            </a:r>
+            <a:endParaRPr lang="en-GB" dirty="0"/>
+          </a:p>
+        </p:txBody>
+      </p:sp>
+    </p:spTree>
+    <p:extLst>
+      <p:ext uri="{BB962C8B-B14F-4D97-AF65-F5344CB8AC3E}">
+        <p14:creationId xmlns:p14="http://schemas.microsoft.com/office/powerpoint/2010/main" val="1977364278"/>
+      </p:ext>
+    </p:extLst>
+  </p:cSld>
+  <p:clrMapOvr>
+    <a:masterClrMapping/>
+  </p:clrMapOvr>
+</p:sld>
+</file>
+
+<file path=ppt/slides/slide7.xml><?xml version="1.0" encoding="utf-8"?>
+<p:sld xmlns:a="http://schemas.openxmlformats.org/drawingml/2006/main" xmlns:r="http://schemas.openxmlformats.org/officeDocument/2006/relationships" xmlns:p="http://schemas.openxmlformats.org/presentationml/2006/main">
+  <p:cSld>
+    <p:bg>
+      <p:bgPr>
+        <a:solidFill>
+          <a:schemeClr val="bg1"/>
+        </a:solidFill>
+        <a:effectLst/>
+      </p:bgPr>
+    </p:bg>
+    <p:spTree>
+      <p:nvGrpSpPr>
+        <p:cNvPr id="1" name=""/>
+        <p:cNvGrpSpPr/>
+        <p:nvPr/>
+      </p:nvGrpSpPr>
+      <p:grpSpPr>
+        <a:xfrm>
+          <a:off x="0" y="0"/>
+          <a:ext cx="0" cy="0"/>
+          <a:chOff x="0" y="0"/>
+          <a:chExt cx="0" cy="0"/>
+        </a:xfrm>
+      </p:grpSpPr>
+      <p:sp>
+        <p:nvSpPr>
+          <p:cNvPr id="18" name="Rectangle 17">
+            <a:extLst>
+              <a:ext uri="{FF2B5EF4-FFF2-40B4-BE49-F238E27FC236}">
+                <a16:creationId xmlns:a16="http://schemas.microsoft.com/office/drawing/2014/main" id="{AE2B703B-46F9-481A-A605-82E2A828C4FA}"/>
+              </a:ext>
+              <a:ext uri="{C183D7F6-B498-43B3-948B-1728B52AA6E4}">
+                <adec:decorative xmlns:adec="http://schemas.microsoft.com/office/drawing/2017/decorative" val="1"/>
+              </a:ext>
+            </a:extLst>
+          </p:cNvPr>
+          <p:cNvSpPr>
+            <a:spLocks noGrp="1" noRot="1" noChangeAspect="1" noMove="1" noResize="1" noEditPoints="1" noAdjustHandles="1" noChangeArrowheads="1" noChangeShapeType="1" noTextEdit="1"/>
+          </p:cNvSpPr>
+          <p:nvPr>
+            <p:extLst>
+              <p:ext uri="{386F3935-93C4-4BCD-93E2-E3B085C9AB24}">
+                <p16:designElem xmlns:p16="http://schemas.microsoft.com/office/powerpoint/2015/main" val="1"/>
+              </p:ext>
+            </p:extLst>
+          </p:nvPr>
+        </p:nvSpPr>
+        <p:spPr>
+          <a:xfrm>
+            <a:off x="0" y="0"/>
+            <a:ext cx="12192000" cy="6858000"/>
+          </a:xfrm>
+          <a:prstGeom prst="rect">
+            <a:avLst/>
+          </a:prstGeom>
+          <a:solidFill>
+            <a:schemeClr val="accent2"/>
+          </a:solidFill>
+          <a:ln>
+            <a:noFill/>
+          </a:ln>
+        </p:spPr>
+        <p:style>
+          <a:lnRef idx="2">
+            <a:schemeClr val="accent1">
+              <a:shade val="50000"/>
+            </a:schemeClr>
+          </a:lnRef>
+          <a:fillRef idx="1">
+            <a:schemeClr val="accent1"/>
+          </a:fillRef>
+          <a:effectRef idx="0">
+            <a:schemeClr val="accent1"/>
+          </a:effectRef>
+          <a:fontRef idx="minor">
+            <a:schemeClr val="lt1"/>
+          </a:fontRef>
+        </p:style>
+        <p:txBody>
+          <a:bodyPr rtlCol="0" anchor="ctr"/>
+          <a:lstStyle/>
+          <a:p>
+            <a:pPr algn="ctr"/>
+            <a:endParaRPr lang="en-US"/>
+          </a:p>
+        </p:txBody>
+      </p:sp>
+      <p:sp>
+        <p:nvSpPr>
+          <p:cNvPr id="2" name="Title 1">
+            <a:extLst>
+              <a:ext uri="{FF2B5EF4-FFF2-40B4-BE49-F238E27FC236}">
+                <a16:creationId xmlns:a16="http://schemas.microsoft.com/office/drawing/2014/main" id="{345B2832-E771-443B-B1B8-2523E4501E5C}"/>
+              </a:ext>
+            </a:extLst>
+          </p:cNvPr>
+          <p:cNvSpPr>
+            <a:spLocks noGrp="1"/>
+          </p:cNvSpPr>
+          <p:nvPr>
+            <p:ph type="title"/>
+          </p:nvPr>
+        </p:nvSpPr>
+        <p:spPr>
+          <a:xfrm>
+            <a:off x="838200" y="459863"/>
+            <a:ext cx="10515600" cy="1004594"/>
+          </a:xfrm>
+        </p:spPr>
+        <p:txBody>
+          <a:bodyPr>
+            <a:normAutofit/>
+          </a:bodyPr>
+          <a:lstStyle/>
+          <a:p>
+            <a:pPr algn="ctr"/>
+            <a:r>
+              <a:rPr lang="en-GB">
+                <a:solidFill>
+                  <a:srgbClr val="FFFFFF"/>
+                </a:solidFill>
+              </a:rPr>
+              <a:t>Test plan</a:t>
+            </a:r>
+          </a:p>
+        </p:txBody>
+      </p:sp>
+      <p:sp>
+        <p:nvSpPr>
+          <p:cNvPr id="20" name="Rectangle: Rounded Corners 19">
+            <a:extLst>
+              <a:ext uri="{FF2B5EF4-FFF2-40B4-BE49-F238E27FC236}">
+                <a16:creationId xmlns:a16="http://schemas.microsoft.com/office/drawing/2014/main" id="{F13BE4D7-0C3D-4906-B230-A1C5B4665CCF}"/>
+              </a:ext>
+              <a:ext uri="{C183D7F6-B498-43B3-948B-1728B52AA6E4}">
+                <adec:decorative xmlns:adec="http://schemas.microsoft.com/office/drawing/2017/decorative" val="1"/>
+              </a:ext>
+            </a:extLst>
+          </p:cNvPr>
+          <p:cNvSpPr>
+            <a:spLocks noGrp="1" noRot="1" noChangeAspect="1" noMove="1" noResize="1" noEditPoints="1" noAdjustHandles="1" noChangeArrowheads="1" noChangeShapeType="1" noTextEdit="1"/>
+          </p:cNvSpPr>
+          <p:nvPr>
+            <p:extLst>
+              <p:ext uri="{386F3935-93C4-4BCD-93E2-E3B085C9AB24}">
+                <p16:designElem xmlns:p16="http://schemas.microsoft.com/office/powerpoint/2015/main" val="1"/>
+              </p:ext>
+            </p:extLst>
+          </p:nvPr>
+        </p:nvSpPr>
+        <p:spPr>
+          <a:xfrm>
+            <a:off x="579496" y="1587970"/>
+            <a:ext cx="11033008" cy="4768380"/>
+          </a:xfrm>
+          <a:prstGeom prst="roundRect">
+            <a:avLst>
+              <a:gd name="adj" fmla="val 3174"/>
+            </a:avLst>
+          </a:prstGeom>
+          <a:solidFill>
+            <a:schemeClr val="bg1">
+              <a:alpha val="95000"/>
+            </a:schemeClr>
+          </a:solidFill>
+          <a:ln>
+            <a:noFill/>
+          </a:ln>
+        </p:spPr>
+        <p:style>
+          <a:lnRef idx="2">
+            <a:schemeClr val="accent1">
+              <a:shade val="50000"/>
+            </a:schemeClr>
+          </a:lnRef>
+          <a:fillRef idx="1">
+            <a:schemeClr val="accent1"/>
+          </a:fillRef>
+          <a:effectRef idx="0">
+            <a:schemeClr val="accent1"/>
+          </a:effectRef>
+          <a:fontRef idx="minor">
+            <a:schemeClr val="lt1"/>
+          </a:fontRef>
+        </p:style>
+        <p:txBody>
+          <a:bodyPr rtlCol="0" anchor="ctr"/>
+          <a:lstStyle/>
+          <a:p>
+            <a:pPr algn="ctr"/>
+            <a:endParaRPr lang="en-US"/>
+          </a:p>
+        </p:txBody>
+      </p:sp>
+      <p:graphicFrame>
+        <p:nvGraphicFramePr>
+          <p:cNvPr id="4" name="Table 4">
+            <a:extLst>
+              <a:ext uri="{FF2B5EF4-FFF2-40B4-BE49-F238E27FC236}">
+                <a16:creationId xmlns:a16="http://schemas.microsoft.com/office/drawing/2014/main" id="{F822C5F0-C226-4EB9-8DC9-6650C21CD76C}"/>
+              </a:ext>
+            </a:extLst>
+          </p:cNvPr>
+          <p:cNvGraphicFramePr>
+            <a:graphicFrameLocks noGrp="1"/>
+          </p:cNvGraphicFramePr>
+          <p:nvPr>
+            <p:ph idx="1"/>
+            <p:extLst>
+              <p:ext uri="{D42A27DB-BD31-4B8C-83A1-F6EECF244321}">
+                <p14:modId xmlns:p14="http://schemas.microsoft.com/office/powerpoint/2010/main" val="1034434379"/>
+              </p:ext>
+            </p:extLst>
+          </p:nvPr>
+        </p:nvGraphicFramePr>
+        <p:xfrm>
+          <a:off x="838200" y="2307838"/>
+          <a:ext cx="10515604" cy="3337484"/>
+        </p:xfrm>
+        <a:graphic>
+          <a:graphicData uri="http://schemas.openxmlformats.org/drawingml/2006/table">
+            <a:tbl>
+              <a:tblPr firstRow="1" bandRow="1">
+                <a:tableStyleId>{5C22544A-7EE6-4342-B048-85BDC9FD1C3A}</a:tableStyleId>
+              </a:tblPr>
+              <a:tblGrid>
+                <a:gridCol w="794546">
+                  <a:extLst>
+                    <a:ext uri="{9D8B030D-6E8A-4147-A177-3AD203B41FA5}">
+                      <a16:colId xmlns:a16="http://schemas.microsoft.com/office/drawing/2014/main" val="3130221010"/>
+                    </a:ext>
+                  </a:extLst>
+                </a:gridCol>
+                <a:gridCol w="1415619">
+                  <a:extLst>
+                    <a:ext uri="{9D8B030D-6E8A-4147-A177-3AD203B41FA5}">
+                      <a16:colId xmlns:a16="http://schemas.microsoft.com/office/drawing/2014/main" val="1820547767"/>
+                    </a:ext>
+                  </a:extLst>
+                </a:gridCol>
+                <a:gridCol w="1096955">
+                  <a:extLst>
+                    <a:ext uri="{9D8B030D-6E8A-4147-A177-3AD203B41FA5}">
+                      <a16:colId xmlns:a16="http://schemas.microsoft.com/office/drawing/2014/main" val="2006923075"/>
+                    </a:ext>
+                  </a:extLst>
+                </a:gridCol>
+                <a:gridCol w="1104138">
+                  <a:extLst>
+                    <a:ext uri="{9D8B030D-6E8A-4147-A177-3AD203B41FA5}">
+                      <a16:colId xmlns:a16="http://schemas.microsoft.com/office/drawing/2014/main" val="2598249986"/>
+                    </a:ext>
+                  </a:extLst>
+                </a:gridCol>
+                <a:gridCol w="1777375">
+                  <a:extLst>
+                    <a:ext uri="{9D8B030D-6E8A-4147-A177-3AD203B41FA5}">
+                      <a16:colId xmlns:a16="http://schemas.microsoft.com/office/drawing/2014/main" val="2814163100"/>
+                    </a:ext>
+                  </a:extLst>
+                </a:gridCol>
+                <a:gridCol w="1550568">
+                  <a:extLst>
+                    <a:ext uri="{9D8B030D-6E8A-4147-A177-3AD203B41FA5}">
+                      <a16:colId xmlns:a16="http://schemas.microsoft.com/office/drawing/2014/main" val="541959587"/>
+                    </a:ext>
+                  </a:extLst>
+                </a:gridCol>
+                <a:gridCol w="2776403">
+                  <a:extLst>
+                    <a:ext uri="{9D8B030D-6E8A-4147-A177-3AD203B41FA5}">
+                      <a16:colId xmlns:a16="http://schemas.microsoft.com/office/drawing/2014/main" val="2057573504"/>
+                    </a:ext>
+                  </a:extLst>
+                </a:gridCol>
+              </a:tblGrid>
+              <a:tr h="807469">
+                <a:tc>
+                  <a:txBody>
+                    <a:bodyPr/>
+                    <a:lstStyle/>
+                    <a:p>
+                      <a:r>
+                        <a:rPr lang="en-GB" sz="1500"/>
+                        <a:t>Menu option</a:t>
+                      </a:r>
+                    </a:p>
+                  </a:txBody>
+                  <a:tcPr marL="76504" marR="76504" marT="38252" marB="38252"/>
+                </a:tc>
+                <a:tc>
+                  <a:txBody>
+                    <a:bodyPr/>
+                    <a:lstStyle/>
+                    <a:p>
+                      <a:r>
+                        <a:rPr lang="en-US" sz="1500" b="1" i="0" kern="1200">
+                          <a:solidFill>
+                            <a:schemeClr val="lt1"/>
+                          </a:solidFill>
+                          <a:effectLst/>
+                          <a:latin typeface="+mn-lt"/>
+                          <a:ea typeface="+mn-ea"/>
+                          <a:cs typeface="+mn-cs"/>
+                        </a:rPr>
+                        <a:t>Variable name​</a:t>
+                      </a:r>
+                      <a:endParaRPr lang="en-GB" sz="1500"/>
+                    </a:p>
+                  </a:txBody>
+                  <a:tcPr marL="76504" marR="76504" marT="38252" marB="38252"/>
+                </a:tc>
+                <a:tc>
+                  <a:txBody>
+                    <a:bodyPr/>
+                    <a:lstStyle/>
+                    <a:p>
+                      <a:r>
+                        <a:rPr lang="en-US" sz="1500" b="1" i="0" kern="1200">
+                          <a:solidFill>
+                            <a:schemeClr val="lt1"/>
+                          </a:solidFill>
+                          <a:effectLst/>
+                          <a:latin typeface="+mn-lt"/>
+                          <a:ea typeface="+mn-ea"/>
+                          <a:cs typeface="+mn-cs"/>
+                        </a:rPr>
+                        <a:t>Test case​</a:t>
+                      </a:r>
+                      <a:endParaRPr lang="en-GB" sz="1500"/>
+                    </a:p>
+                  </a:txBody>
+                  <a:tcPr marL="76504" marR="76504" marT="38252" marB="38252"/>
+                </a:tc>
+                <a:tc>
+                  <a:txBody>
+                    <a:bodyPr/>
+                    <a:lstStyle/>
+                    <a:p>
+                      <a:r>
+                        <a:rPr lang="en-US" sz="1500" b="1" i="0" kern="1200">
+                          <a:solidFill>
+                            <a:schemeClr val="lt1"/>
+                          </a:solidFill>
+                          <a:effectLst/>
+                          <a:latin typeface="+mn-lt"/>
+                          <a:ea typeface="+mn-ea"/>
+                          <a:cs typeface="+mn-cs"/>
+                        </a:rPr>
+                        <a:t>Test data​</a:t>
+                      </a:r>
+                      <a:endParaRPr lang="en-GB" sz="1500"/>
+                    </a:p>
+                  </a:txBody>
+                  <a:tcPr marL="76504" marR="76504" marT="38252" marB="38252"/>
+                </a:tc>
+                <a:tc>
+                  <a:txBody>
+                    <a:bodyPr/>
+                    <a:lstStyle/>
+                    <a:p>
+                      <a:pPr rtl="0" fontAlgn="base"/>
+                      <a:r>
+                        <a:rPr lang="en-US" sz="1500" b="1" i="0" kern="1200">
+                          <a:solidFill>
+                            <a:schemeClr val="lt1"/>
+                          </a:solidFill>
+                          <a:effectLst/>
+                          <a:latin typeface="+mn-lt"/>
+                          <a:ea typeface="+mn-ea"/>
+                          <a:cs typeface="+mn-cs"/>
+                        </a:rPr>
+                        <a:t>Expected ​</a:t>
+                      </a:r>
+                    </a:p>
+                    <a:p>
+                      <a:pPr rtl="0" fontAlgn="base"/>
+                      <a:r>
+                        <a:rPr lang="en-US" sz="1500" b="1" i="0" kern="1200">
+                          <a:solidFill>
+                            <a:schemeClr val="lt1"/>
+                          </a:solidFill>
+                          <a:effectLst/>
+                          <a:latin typeface="+mn-lt"/>
+                          <a:ea typeface="+mn-ea"/>
+                          <a:cs typeface="+mn-cs"/>
+                        </a:rPr>
+                        <a:t>output</a:t>
+                      </a:r>
+                    </a:p>
+                    <a:p>
+                      <a:endParaRPr lang="en-GB" sz="1500"/>
+                    </a:p>
+                  </a:txBody>
+                  <a:tcPr marL="76504" marR="76504" marT="38252" marB="38252"/>
+                </a:tc>
+                <a:tc>
+                  <a:txBody>
+                    <a:bodyPr/>
+                    <a:lstStyle/>
+                    <a:p>
+                      <a:r>
+                        <a:rPr lang="en-US" sz="1500" b="1" i="0" kern="1200">
+                          <a:solidFill>
+                            <a:schemeClr val="lt1"/>
+                          </a:solidFill>
+                          <a:effectLst/>
+                          <a:latin typeface="+mn-lt"/>
+                          <a:ea typeface="+mn-ea"/>
+                          <a:cs typeface="+mn-cs"/>
+                        </a:rPr>
+                        <a:t>Actual Output​</a:t>
+                      </a:r>
+                      <a:endParaRPr lang="en-GB" sz="1500"/>
+                    </a:p>
+                  </a:txBody>
+                  <a:tcPr marL="76504" marR="76504" marT="38252" marB="38252"/>
+                </a:tc>
+                <a:tc>
+                  <a:txBody>
+                    <a:bodyPr/>
+                    <a:lstStyle/>
+                    <a:p>
+                      <a:r>
+                        <a:rPr lang="en-US" sz="1500" b="1" i="0" kern="1200">
+                          <a:solidFill>
+                            <a:schemeClr val="lt1"/>
+                          </a:solidFill>
+                          <a:effectLst/>
+                          <a:latin typeface="+mn-lt"/>
+                          <a:ea typeface="+mn-ea"/>
+                          <a:cs typeface="+mn-cs"/>
+                        </a:rPr>
+                        <a:t>Action needed​</a:t>
+                      </a:r>
+                      <a:endParaRPr lang="en-GB" sz="1500"/>
+                    </a:p>
+                  </a:txBody>
+                  <a:tcPr marL="76504" marR="76504" marT="38252" marB="38252"/>
+                </a:tc>
+                <a:extLst>
+                  <a:ext uri="{0D108BD9-81ED-4DB2-BD59-A6C34878D82A}">
+                    <a16:rowId xmlns:a16="http://schemas.microsoft.com/office/drawing/2014/main" val="3543276203"/>
+                  </a:ext>
+                </a:extLst>
+              </a:tr>
+              <a:tr h="574182">
+                <a:tc>
+                  <a:txBody>
+                    <a:bodyPr/>
+                    <a:lstStyle/>
+                    <a:p>
+                      <a:r>
+                        <a:rPr lang="en-GB" sz="1500"/>
+                        <a:t>1, 2</a:t>
+                      </a:r>
+                    </a:p>
+                  </a:txBody>
+                  <a:tcPr marL="76504" marR="76504" marT="38252" marB="38252"/>
+                </a:tc>
+                <a:tc>
+                  <a:txBody>
+                    <a:bodyPr/>
+                    <a:lstStyle/>
+                    <a:p>
+                      <a:pPr marL="0" marR="0" lvl="0" indent="0" algn="l" defTabSz="914400" rtl="0" eaLnBrk="1" fontAlgn="auto" latinLnBrk="0" hangingPunct="1">
+                        <a:lnSpc>
+                          <a:spcPct val="100000"/>
+                        </a:lnSpc>
+                        <a:spcBef>
+                          <a:spcPts val="0"/>
+                        </a:spcBef>
+                        <a:spcAft>
+                          <a:spcPts val="0"/>
+                        </a:spcAft>
+                        <a:buClrTx/>
+                        <a:buSzTx/>
+                        <a:buFontTx/>
+                        <a:buNone/>
+                        <a:tabLst/>
+                        <a:defRPr/>
+                      </a:pPr>
+                      <a:r>
+                        <a:rPr lang="en-GB" sz="1500" b="0" kern="1200">
+                          <a:solidFill>
+                            <a:schemeClr val="dk1"/>
+                          </a:solidFill>
+                          <a:effectLst/>
+                          <a:latin typeface="+mn-lt"/>
+                          <a:ea typeface="+mn-ea"/>
+                          <a:cs typeface="+mn-cs"/>
+                        </a:rPr>
+                        <a:t>student_id</a:t>
+                      </a:r>
+                    </a:p>
+                  </a:txBody>
+                  <a:tcPr marL="76504" marR="76504" marT="38252" marB="38252"/>
+                </a:tc>
+                <a:tc>
+                  <a:txBody>
+                    <a:bodyPr/>
+                    <a:lstStyle/>
+                    <a:p>
+                      <a:r>
+                        <a:rPr lang="en-US" sz="1500" b="0" i="0" kern="1200">
+                          <a:solidFill>
+                            <a:schemeClr val="dk1"/>
+                          </a:solidFill>
+                          <a:effectLst/>
+                          <a:latin typeface="+mn-lt"/>
+                          <a:ea typeface="+mn-ea"/>
+                          <a:cs typeface="+mn-cs"/>
+                        </a:rPr>
+                        <a:t>invalid</a:t>
+                      </a:r>
+                      <a:endParaRPr lang="en-GB" sz="1500"/>
+                    </a:p>
+                  </a:txBody>
+                  <a:tcPr marL="76504" marR="76504" marT="38252" marB="38252"/>
+                </a:tc>
+                <a:tc>
+                  <a:txBody>
+                    <a:bodyPr/>
+                    <a:lstStyle/>
+                    <a:p>
+                      <a:r>
+                        <a:rPr lang="en-GB" sz="1500"/>
+                        <a:t>“S4”</a:t>
+                      </a:r>
+                    </a:p>
+                  </a:txBody>
+                  <a:tcPr marL="76504" marR="76504" marT="38252" marB="38252"/>
+                </a:tc>
+                <a:tc>
+                  <a:txBody>
+                    <a:bodyPr/>
+                    <a:lstStyle/>
+                    <a:p>
+                      <a:r>
+                        <a:rPr lang="en-GB" sz="1500"/>
+                        <a:t>Sorry this student doesn’t exist</a:t>
+                      </a:r>
+                    </a:p>
+                  </a:txBody>
+                  <a:tcPr marL="76504" marR="76504" marT="38252" marB="38252"/>
+                </a:tc>
+                <a:tc>
+                  <a:txBody>
+                    <a:bodyPr/>
+                    <a:lstStyle/>
+                    <a:p>
+                      <a:r>
+                        <a:rPr lang="en-GB" sz="1500"/>
+                        <a:t>N/A</a:t>
+                      </a:r>
+                    </a:p>
+                  </a:txBody>
+                  <a:tcPr marL="76504" marR="76504" marT="38252" marB="38252"/>
+                </a:tc>
+                <a:tc>
+                  <a:txBody>
+                    <a:bodyPr/>
+                    <a:lstStyle/>
+                    <a:p>
+                      <a:r>
+                        <a:rPr lang="en-GB" sz="1500"/>
+                        <a:t>Add error messages + retries</a:t>
+                      </a:r>
+                    </a:p>
+                  </a:txBody>
+                  <a:tcPr marL="76504" marR="76504" marT="38252" marB="38252"/>
+                </a:tc>
+                <a:extLst>
+                  <a:ext uri="{0D108BD9-81ED-4DB2-BD59-A6C34878D82A}">
+                    <a16:rowId xmlns:a16="http://schemas.microsoft.com/office/drawing/2014/main" val="2553689190"/>
+                  </a:ext>
+                </a:extLst>
+              </a:tr>
+              <a:tr h="574182">
+                <a:tc>
+                  <a:txBody>
+                    <a:bodyPr/>
+                    <a:lstStyle/>
+                    <a:p>
+                      <a:r>
+                        <a:rPr lang="en-GB" sz="1500"/>
+                        <a:t>2</a:t>
+                      </a:r>
+                    </a:p>
+                  </a:txBody>
+                  <a:tcPr marL="76504" marR="76504" marT="38252" marB="38252"/>
+                </a:tc>
+                <a:tc>
+                  <a:txBody>
+                    <a:bodyPr/>
+                    <a:lstStyle/>
+                    <a:p>
+                      <a:pPr marL="0" marR="0" lvl="0" indent="0" algn="l" defTabSz="914400" rtl="0" eaLnBrk="1" fontAlgn="auto" latinLnBrk="0" hangingPunct="1">
+                        <a:lnSpc>
+                          <a:spcPct val="100000"/>
+                        </a:lnSpc>
+                        <a:spcBef>
+                          <a:spcPts val="0"/>
+                        </a:spcBef>
+                        <a:spcAft>
+                          <a:spcPts val="0"/>
+                        </a:spcAft>
+                        <a:buClrTx/>
+                        <a:buSzTx/>
+                        <a:buFontTx/>
+                        <a:buNone/>
+                        <a:tabLst/>
+                        <a:defRPr/>
+                      </a:pPr>
+                      <a:r>
+                        <a:rPr lang="en-GB" sz="1500" b="0" kern="1200">
+                          <a:solidFill>
+                            <a:schemeClr val="dk1"/>
+                          </a:solidFill>
+                          <a:effectLst/>
+                          <a:latin typeface="+mn-lt"/>
+                          <a:ea typeface="+mn-ea"/>
+                          <a:cs typeface="+mn-cs"/>
+                        </a:rPr>
+                        <a:t>subject</a:t>
+                      </a:r>
+                    </a:p>
+                    <a:p>
+                      <a:endParaRPr lang="en-GB" sz="1500"/>
+                    </a:p>
+                  </a:txBody>
+                  <a:tcPr marL="76504" marR="76504" marT="38252" marB="38252"/>
+                </a:tc>
+                <a:tc>
+                  <a:txBody>
+                    <a:bodyPr/>
+                    <a:lstStyle/>
+                    <a:p>
+                      <a:r>
+                        <a:rPr lang="en-GB" sz="1500"/>
+                        <a:t>Boundary</a:t>
+                      </a:r>
+                    </a:p>
+                  </a:txBody>
+                  <a:tcPr marL="76504" marR="76504" marT="38252" marB="38252"/>
+                </a:tc>
+                <a:tc>
+                  <a:txBody>
+                    <a:bodyPr/>
+                    <a:lstStyle/>
+                    <a:p>
+                      <a:r>
+                        <a:rPr lang="en-GB" sz="1500"/>
+                        <a:t>“maths”</a:t>
+                      </a:r>
+                    </a:p>
+                  </a:txBody>
+                  <a:tcPr marL="76504" marR="76504" marT="38252" marB="38252"/>
+                </a:tc>
+                <a:tc>
+                  <a:txBody>
+                    <a:bodyPr/>
+                    <a:lstStyle/>
+                    <a:p>
+                      <a:pPr marL="0" marR="0" lvl="0" indent="0" algn="l" defTabSz="914400" rtl="0" eaLnBrk="1" fontAlgn="auto" latinLnBrk="0" hangingPunct="1">
+                        <a:lnSpc>
+                          <a:spcPct val="100000"/>
+                        </a:lnSpc>
+                        <a:spcBef>
+                          <a:spcPts val="0"/>
+                        </a:spcBef>
+                        <a:spcAft>
+                          <a:spcPts val="0"/>
+                        </a:spcAft>
+                        <a:buClrTx/>
+                        <a:buSzTx/>
+                        <a:buFontTx/>
+                        <a:buNone/>
+                        <a:tabLst/>
+                        <a:defRPr/>
+                      </a:pPr>
+                      <a:r>
+                        <a:rPr lang="en-GB" sz="1500" b="0" kern="1200">
+                          <a:solidFill>
+                            <a:schemeClr val="dk1"/>
+                          </a:solidFill>
+                          <a:effectLst/>
+                          <a:latin typeface="+mn-lt"/>
+                          <a:ea typeface="+mn-ea"/>
+                          <a:cs typeface="+mn-cs"/>
+                        </a:rPr>
+                        <a:t>"What is the new mark?”</a:t>
+                      </a:r>
+                    </a:p>
+                  </a:txBody>
+                  <a:tcPr marL="76504" marR="76504" marT="38252" marB="38252"/>
+                </a:tc>
+                <a:tc>
+                  <a:txBody>
+                    <a:bodyPr/>
+                    <a:lstStyle/>
+                    <a:p>
+                      <a:pPr marL="0" marR="0" lvl="0" indent="0" algn="l" defTabSz="914400" rtl="0" eaLnBrk="1" fontAlgn="auto" latinLnBrk="0" hangingPunct="1">
+                        <a:lnSpc>
+                          <a:spcPct val="100000"/>
+                        </a:lnSpc>
+                        <a:spcBef>
+                          <a:spcPts val="0"/>
+                        </a:spcBef>
+                        <a:spcAft>
+                          <a:spcPts val="0"/>
+                        </a:spcAft>
+                        <a:buClrTx/>
+                        <a:buSzTx/>
+                        <a:buFontTx/>
+                        <a:buNone/>
+                        <a:tabLst/>
+                        <a:defRPr/>
+                      </a:pPr>
+                      <a:r>
+                        <a:rPr lang="en-GB" sz="1500" b="0" kern="1200">
+                          <a:solidFill>
+                            <a:schemeClr val="dk1"/>
+                          </a:solidFill>
+                          <a:effectLst/>
+                          <a:latin typeface="+mn-lt"/>
+                          <a:ea typeface="+mn-ea"/>
+                          <a:cs typeface="+mn-cs"/>
+                        </a:rPr>
+                        <a:t>"Operation successful :)”</a:t>
+                      </a:r>
+                    </a:p>
+                  </a:txBody>
+                  <a:tcPr marL="76504" marR="76504" marT="38252" marB="38252"/>
+                </a:tc>
+                <a:tc>
+                  <a:txBody>
+                    <a:bodyPr/>
+                    <a:lstStyle/>
+                    <a:p>
+                      <a:r>
+                        <a:rPr lang="en-GB" sz="1500"/>
+                        <a:t>Remove case sensitivity</a:t>
+                      </a:r>
+                    </a:p>
+                  </a:txBody>
+                  <a:tcPr marL="76504" marR="76504" marT="38252" marB="38252"/>
+                </a:tc>
+                <a:extLst>
+                  <a:ext uri="{0D108BD9-81ED-4DB2-BD59-A6C34878D82A}">
+                    <a16:rowId xmlns:a16="http://schemas.microsoft.com/office/drawing/2014/main" val="1833056172"/>
+                  </a:ext>
+                </a:extLst>
+              </a:tr>
+              <a:tr h="574182">
+                <a:tc>
+                  <a:txBody>
+                    <a:bodyPr/>
+                    <a:lstStyle/>
+                    <a:p>
+                      <a:r>
+                        <a:rPr lang="en-GB" sz="1500"/>
+                        <a:t>2</a:t>
+                      </a:r>
+                    </a:p>
+                  </a:txBody>
+                  <a:tcPr marL="76504" marR="76504" marT="38252" marB="38252"/>
+                </a:tc>
+                <a:tc>
+                  <a:txBody>
+                    <a:bodyPr/>
+                    <a:lstStyle/>
+                    <a:p>
+                      <a:r>
+                        <a:rPr lang="en-GB" sz="1500" b="0" kern="1200">
+                          <a:solidFill>
+                            <a:schemeClr val="dk1"/>
+                          </a:solidFill>
+                          <a:effectLst/>
+                          <a:latin typeface="+mn-lt"/>
+                          <a:ea typeface="+mn-ea"/>
+                          <a:cs typeface="+mn-cs"/>
+                        </a:rPr>
+                        <a:t>student[i+1]</a:t>
+                      </a:r>
+                    </a:p>
+                  </a:txBody>
+                  <a:tcPr marL="76504" marR="76504" marT="38252" marB="38252"/>
+                </a:tc>
+                <a:tc>
+                  <a:txBody>
+                    <a:bodyPr/>
+                    <a:lstStyle/>
+                    <a:p>
+                      <a:r>
+                        <a:rPr lang="en-GB" sz="1500"/>
+                        <a:t>invalid</a:t>
+                      </a:r>
+                    </a:p>
+                  </a:txBody>
+                  <a:tcPr marL="76504" marR="76504" marT="38252" marB="38252"/>
+                </a:tc>
+                <a:tc>
+                  <a:txBody>
+                    <a:bodyPr/>
+                    <a:lstStyle/>
+                    <a:p>
+                      <a:r>
+                        <a:rPr lang="en-GB" sz="1500"/>
+                        <a:t>“Hello”</a:t>
+                      </a:r>
+                    </a:p>
+                  </a:txBody>
+                  <a:tcPr marL="76504" marR="76504" marT="38252" marB="38252"/>
+                </a:tc>
+                <a:tc>
+                  <a:txBody>
+                    <a:bodyPr/>
+                    <a:lstStyle/>
+                    <a:p>
+                      <a:pPr marL="0" marR="0" lvl="0" indent="0" algn="l" defTabSz="914400" rtl="0" eaLnBrk="1" fontAlgn="auto" latinLnBrk="0" hangingPunct="1">
+                        <a:lnSpc>
+                          <a:spcPct val="100000"/>
+                        </a:lnSpc>
+                        <a:spcBef>
+                          <a:spcPts val="0"/>
+                        </a:spcBef>
+                        <a:spcAft>
+                          <a:spcPts val="0"/>
+                        </a:spcAft>
+                        <a:buClrTx/>
+                        <a:buSzTx/>
+                        <a:buFontTx/>
+                        <a:buNone/>
+                        <a:tabLst/>
+                        <a:defRPr/>
+                      </a:pPr>
+                      <a:r>
+                        <a:rPr lang="en-GB" sz="1500"/>
+                        <a:t>“</a:t>
+                      </a:r>
+                      <a:r>
+                        <a:rPr lang="en-GB" sz="1500" b="0" kern="1200">
+                          <a:solidFill>
+                            <a:schemeClr val="dk1"/>
+                          </a:solidFill>
+                          <a:effectLst/>
+                          <a:latin typeface="+mn-lt"/>
+                          <a:ea typeface="+mn-ea"/>
+                          <a:cs typeface="+mn-cs"/>
+                        </a:rPr>
+                        <a:t>Please enter a number”</a:t>
+                      </a:r>
+                    </a:p>
+                  </a:txBody>
+                  <a:tcPr marL="76504" marR="76504" marT="38252" marB="38252"/>
+                </a:tc>
+                <a:tc>
+                  <a:txBody>
+                    <a:bodyPr/>
+                    <a:lstStyle/>
+                    <a:p>
+                      <a:pPr marL="0" marR="0" lvl="0" indent="0" algn="l" defTabSz="914400" rtl="0" eaLnBrk="1" fontAlgn="auto" latinLnBrk="0" hangingPunct="1">
+                        <a:lnSpc>
+                          <a:spcPct val="100000"/>
+                        </a:lnSpc>
+                        <a:spcBef>
+                          <a:spcPts val="0"/>
+                        </a:spcBef>
+                        <a:spcAft>
+                          <a:spcPts val="0"/>
+                        </a:spcAft>
+                        <a:buClrTx/>
+                        <a:buSzTx/>
+                        <a:buFontTx/>
+                        <a:buNone/>
+                        <a:tabLst/>
+                        <a:defRPr/>
+                      </a:pPr>
+                      <a:r>
+                        <a:rPr lang="en-GB" sz="1500" b="0" kern="1200">
+                          <a:solidFill>
+                            <a:schemeClr val="dk1"/>
+                          </a:solidFill>
+                          <a:effectLst/>
+                          <a:latin typeface="+mn-lt"/>
+                          <a:ea typeface="+mn-ea"/>
+                          <a:cs typeface="+mn-cs"/>
+                        </a:rPr>
+                        <a:t>"Operation successful :)”</a:t>
+                      </a:r>
+                    </a:p>
+                  </a:txBody>
+                  <a:tcPr marL="76504" marR="76504" marT="38252" marB="38252"/>
+                </a:tc>
+                <a:tc>
+                  <a:txBody>
+                    <a:bodyPr/>
+                    <a:lstStyle/>
+                    <a:p>
+                      <a:pPr marL="0" marR="0" lvl="0" indent="0" algn="l" defTabSz="914400" rtl="0" eaLnBrk="1" fontAlgn="auto" latinLnBrk="0" hangingPunct="1">
+                        <a:lnSpc>
+                          <a:spcPct val="100000"/>
+                        </a:lnSpc>
+                        <a:spcBef>
+                          <a:spcPts val="0"/>
+                        </a:spcBef>
+                        <a:spcAft>
+                          <a:spcPts val="0"/>
+                        </a:spcAft>
+                        <a:buClrTx/>
+                        <a:buSzTx/>
+                        <a:buFontTx/>
+                        <a:buNone/>
+                        <a:tabLst/>
+                        <a:defRPr/>
+                      </a:pPr>
+                      <a:r>
+                        <a:rPr lang="en-GB" sz="1500"/>
+                        <a:t>Add error messages + retries</a:t>
+                      </a:r>
+                    </a:p>
+                    <a:p>
+                      <a:endParaRPr lang="en-GB" sz="1500"/>
+                    </a:p>
+                  </a:txBody>
+                  <a:tcPr marL="76504" marR="76504" marT="38252" marB="38252"/>
+                </a:tc>
+                <a:extLst>
+                  <a:ext uri="{0D108BD9-81ED-4DB2-BD59-A6C34878D82A}">
+                    <a16:rowId xmlns:a16="http://schemas.microsoft.com/office/drawing/2014/main" val="1777630936"/>
+                  </a:ext>
+                </a:extLst>
+              </a:tr>
+              <a:tr h="807469">
+                <a:tc>
+                  <a:txBody>
+                    <a:bodyPr/>
+                    <a:lstStyle/>
+                    <a:p>
+                      <a:r>
+                        <a:rPr lang="en-GB" sz="1500"/>
+                        <a:t>2</a:t>
+                      </a:r>
+                    </a:p>
+                  </a:txBody>
+                  <a:tcPr marL="76504" marR="76504" marT="38252" marB="38252"/>
+                </a:tc>
+                <a:tc>
+                  <a:txBody>
+                    <a:bodyPr/>
+                    <a:lstStyle/>
+                    <a:p>
+                      <a:pPr marL="0" marR="0" lvl="0" indent="0" algn="l" defTabSz="914400" rtl="0" eaLnBrk="1" fontAlgn="auto" latinLnBrk="0" hangingPunct="1">
+                        <a:lnSpc>
+                          <a:spcPct val="100000"/>
+                        </a:lnSpc>
+                        <a:spcBef>
+                          <a:spcPts val="0"/>
+                        </a:spcBef>
+                        <a:spcAft>
+                          <a:spcPts val="0"/>
+                        </a:spcAft>
+                        <a:buClrTx/>
+                        <a:buSzTx/>
+                        <a:buFontTx/>
+                        <a:buNone/>
+                        <a:tabLst/>
+                        <a:defRPr/>
+                      </a:pPr>
+                      <a:r>
+                        <a:rPr lang="en-GB" sz="1500" b="0" kern="1200">
+                          <a:solidFill>
+                            <a:schemeClr val="dk1"/>
+                          </a:solidFill>
+                          <a:effectLst/>
+                          <a:latin typeface="+mn-lt"/>
+                          <a:ea typeface="+mn-ea"/>
+                          <a:cs typeface="+mn-cs"/>
+                        </a:rPr>
+                        <a:t>student[i+1]</a:t>
+                      </a:r>
+                    </a:p>
+                    <a:p>
+                      <a:endParaRPr lang="en-GB" sz="1500" b="0" kern="1200">
+                        <a:solidFill>
+                          <a:schemeClr val="dk1"/>
+                        </a:solidFill>
+                        <a:effectLst/>
+                        <a:latin typeface="+mn-lt"/>
+                        <a:ea typeface="+mn-ea"/>
+                        <a:cs typeface="+mn-cs"/>
+                      </a:endParaRPr>
+                    </a:p>
+                  </a:txBody>
+                  <a:tcPr marL="76504" marR="76504" marT="38252" marB="38252"/>
+                </a:tc>
+                <a:tc>
+                  <a:txBody>
+                    <a:bodyPr/>
+                    <a:lstStyle/>
+                    <a:p>
+                      <a:r>
+                        <a:rPr lang="en-GB" sz="1500"/>
+                        <a:t>invalid</a:t>
+                      </a:r>
+                    </a:p>
+                  </a:txBody>
+                  <a:tcPr marL="76504" marR="76504" marT="38252" marB="38252"/>
+                </a:tc>
+                <a:tc>
+                  <a:txBody>
+                    <a:bodyPr/>
+                    <a:lstStyle/>
+                    <a:p>
+                      <a:r>
+                        <a:rPr lang="en-GB" sz="1500"/>
+                        <a:t>“S1”</a:t>
+                      </a:r>
+                    </a:p>
+                  </a:txBody>
+                  <a:tcPr marL="76504" marR="76504" marT="38252" marB="38252"/>
+                </a:tc>
+                <a:tc>
+                  <a:txBody>
+                    <a:bodyPr/>
+                    <a:lstStyle/>
+                    <a:p>
+                      <a:pPr marL="0" marR="0" lvl="0" indent="0" algn="l" defTabSz="914400" rtl="0" eaLnBrk="1" fontAlgn="auto" latinLnBrk="0" hangingPunct="1">
+                        <a:lnSpc>
+                          <a:spcPct val="100000"/>
+                        </a:lnSpc>
+                        <a:spcBef>
+                          <a:spcPts val="0"/>
+                        </a:spcBef>
+                        <a:spcAft>
+                          <a:spcPts val="0"/>
+                        </a:spcAft>
+                        <a:buClrTx/>
+                        <a:buSzTx/>
+                        <a:buFontTx/>
+                        <a:buNone/>
+                        <a:tabLst/>
+                        <a:defRPr/>
+                      </a:pPr>
+                      <a:endParaRPr lang="en-GB" sz="1500" b="0" kern="1200">
+                        <a:solidFill>
+                          <a:schemeClr val="dk1"/>
+                        </a:solidFill>
+                        <a:effectLst/>
+                        <a:latin typeface="+mn-lt"/>
+                        <a:ea typeface="+mn-ea"/>
+                        <a:cs typeface="+mn-cs"/>
+                      </a:endParaRPr>
+                    </a:p>
+                  </a:txBody>
+                  <a:tcPr marL="76504" marR="76504" marT="38252" marB="38252"/>
+                </a:tc>
+                <a:tc>
+                  <a:txBody>
+                    <a:bodyPr/>
+                    <a:lstStyle/>
+                    <a:p>
+                      <a:pPr marL="0" marR="0" lvl="0" indent="0" algn="l" defTabSz="914400" rtl="0" eaLnBrk="1" fontAlgn="auto" latinLnBrk="0" hangingPunct="1">
+                        <a:lnSpc>
+                          <a:spcPct val="100000"/>
+                        </a:lnSpc>
+                        <a:spcBef>
+                          <a:spcPts val="0"/>
+                        </a:spcBef>
+                        <a:spcAft>
+                          <a:spcPts val="0"/>
+                        </a:spcAft>
+                        <a:buClrTx/>
+                        <a:buSzTx/>
+                        <a:buFontTx/>
+                        <a:buNone/>
+                        <a:tabLst/>
+                        <a:defRPr/>
+                      </a:pPr>
+                      <a:r>
+                        <a:rPr lang="en-GB" sz="1500" b="0" kern="1200">
+                          <a:solidFill>
+                            <a:schemeClr val="dk1"/>
+                          </a:solidFill>
+                          <a:effectLst/>
+                          <a:latin typeface="+mn-lt"/>
+                          <a:ea typeface="+mn-ea"/>
+                          <a:cs typeface="+mn-cs"/>
+                        </a:rPr>
+                        <a:t>"Operation successful :)”</a:t>
+                      </a:r>
+                    </a:p>
+                    <a:p>
+                      <a:pPr marL="0" marR="0" lvl="0" indent="0" algn="l" defTabSz="914400" rtl="0" eaLnBrk="1" fontAlgn="auto" latinLnBrk="0" hangingPunct="1">
+                        <a:lnSpc>
+                          <a:spcPct val="100000"/>
+                        </a:lnSpc>
+                        <a:spcBef>
+                          <a:spcPts val="0"/>
+                        </a:spcBef>
+                        <a:spcAft>
+                          <a:spcPts val="0"/>
+                        </a:spcAft>
+                        <a:buClrTx/>
+                        <a:buSzTx/>
+                        <a:buFontTx/>
+                        <a:buNone/>
+                        <a:tabLst/>
+                        <a:defRPr/>
+                      </a:pPr>
+                      <a:endParaRPr lang="en-GB" sz="1500" b="0" kern="1200">
+                        <a:solidFill>
+                          <a:schemeClr val="dk1"/>
+                        </a:solidFill>
+                        <a:effectLst/>
+                        <a:latin typeface="+mn-lt"/>
+                        <a:ea typeface="+mn-ea"/>
+                        <a:cs typeface="+mn-cs"/>
+                      </a:endParaRPr>
+                    </a:p>
+                  </a:txBody>
+                  <a:tcPr marL="76504" marR="76504" marT="38252" marB="38252"/>
+                </a:tc>
+                <a:tc>
+                  <a:txBody>
+                    <a:bodyPr/>
+                    <a:lstStyle/>
+                    <a:p>
+                      <a:r>
+                        <a:rPr lang="en-GB" sz="1500" dirty="0"/>
+                        <a:t>It need to skip the student ID and names in the search</a:t>
+                      </a:r>
+                    </a:p>
+                  </a:txBody>
+                  <a:tcPr marL="76504" marR="76504" marT="38252" marB="38252"/>
+                </a:tc>
+                <a:extLst>
+                  <a:ext uri="{0D108BD9-81ED-4DB2-BD59-A6C34878D82A}">
+                    <a16:rowId xmlns:a16="http://schemas.microsoft.com/office/drawing/2014/main" val="2667920187"/>
+                  </a:ext>
+                </a:extLst>
+              </a:tr>
+            </a:tbl>
+          </a:graphicData>
+        </a:graphic>
+      </p:graphicFrame>
+    </p:spTree>
+    <p:extLst>
+      <p:ext uri="{BB962C8B-B14F-4D97-AF65-F5344CB8AC3E}">
+        <p14:creationId xmlns:p14="http://schemas.microsoft.com/office/powerpoint/2010/main" val="281143992"/>
+      </p:ext>
+    </p:extLst>
+  </p:cSld>
+  <p:clrMapOvr>
+    <a:masterClrMapping/>
+  </p:clrMapOvr>
+</p:sld>
+</file>
+
+<file path=ppt/slides/slide8.xml><?xml version="1.0" encoding="utf-8"?>
+<p:sld xmlns:a="http://schemas.openxmlformats.org/drawingml/2006/main" xmlns:r="http://schemas.openxmlformats.org/officeDocument/2006/relationships" xmlns:p="http://schemas.openxmlformats.org/presentationml/2006/main">
+  <p:cSld>
+    <p:bg>
+      <p:bgPr>
+        <a:solidFill>
+          <a:schemeClr val="bg1"/>
+        </a:solidFill>
+        <a:effectLst/>
+      </p:bgPr>
+    </p:bg>
+    <p:spTree>
+      <p:nvGrpSpPr>
+        <p:cNvPr id="1" name=""/>
+        <p:cNvGrpSpPr/>
+        <p:nvPr/>
+      </p:nvGrpSpPr>
+      <p:grpSpPr>
+        <a:xfrm>
+          <a:off x="0" y="0"/>
+          <a:ext cx="0" cy="0"/>
+          <a:chOff x="0" y="0"/>
+          <a:chExt cx="0" cy="0"/>
+        </a:xfrm>
+      </p:grpSpPr>
+      <p:sp>
+        <p:nvSpPr>
+          <p:cNvPr id="8" name="Rectangle 7">
+            <a:extLst>
+              <a:ext uri="{FF2B5EF4-FFF2-40B4-BE49-F238E27FC236}">
+                <a16:creationId xmlns:a16="http://schemas.microsoft.com/office/drawing/2014/main" id="{E8A8EAB8-D2FF-444D-B34B-7D32F106AD0E}"/>
+              </a:ext>
+              <a:ext uri="{C183D7F6-B498-43B3-948B-1728B52AA6E4}">
+                <adec:decorative xmlns:adec="http://schemas.microsoft.com/office/drawing/2017/decorative" val="1"/>
+              </a:ext>
+            </a:extLst>
+          </p:cNvPr>
+          <p:cNvSpPr>
+            <a:spLocks noGrp="1" noRot="1" noChangeAspect="1" noMove="1" noResize="1" noEditPoints="1" noAdjustHandles="1" noChangeArrowheads="1" noChangeShapeType="1" noTextEdit="1"/>
+          </p:cNvSpPr>
+          <p:nvPr>
+            <p:extLst>
+              <p:ext uri="{386F3935-93C4-4BCD-93E2-E3B085C9AB24}">
+                <p16:designElem xmlns:p16="http://schemas.microsoft.com/office/powerpoint/2015/main" val="1"/>
+              </p:ext>
+            </p:extLst>
+          </p:nvPr>
+        </p:nvSpPr>
+        <p:spPr>
+          <a:xfrm>
+            <a:off x="0" y="0"/>
+            <a:ext cx="12192000" cy="6858000"/>
+          </a:xfrm>
+          <a:prstGeom prst="rect">
+            <a:avLst/>
+          </a:prstGeom>
+          <a:solidFill>
+            <a:schemeClr val="tx1">
+              <a:lumMod val="95000"/>
+              <a:lumOff val="5000"/>
+            </a:schemeClr>
+          </a:solidFill>
+          <a:ln>
+            <a:noFill/>
+          </a:ln>
+        </p:spPr>
+        <p:style>
+          <a:lnRef idx="2">
+            <a:schemeClr val="accent1">
+              <a:shade val="50000"/>
+            </a:schemeClr>
+          </a:lnRef>
+          <a:fillRef idx="1">
+            <a:schemeClr val="accent1"/>
+          </a:fillRef>
+          <a:effectRef idx="0">
+            <a:schemeClr val="accent1"/>
+          </a:effectRef>
+          <a:fontRef idx="minor">
+            <a:schemeClr val="lt1"/>
+          </a:fontRef>
+        </p:style>
+        <p:txBody>
+          <a:bodyPr rtlCol="0" anchor="ctr"/>
+          <a:lstStyle/>
+          <a:p>
+            <a:pPr algn="ctr"/>
+            <a:endParaRPr lang="en-US" dirty="0">
+              <a:solidFill>
+                <a:schemeClr val="bg1"/>
+              </a:solidFill>
+            </a:endParaRPr>
+          </a:p>
+        </p:txBody>
+      </p:sp>
+      <p:sp>
+        <p:nvSpPr>
+          <p:cNvPr id="2" name="Title 1">
+            <a:extLst>
+              <a:ext uri="{FF2B5EF4-FFF2-40B4-BE49-F238E27FC236}">
+                <a16:creationId xmlns:a16="http://schemas.microsoft.com/office/drawing/2014/main" id="{99270C06-E5EA-4C3C-B46E-ED7FC830A1DB}"/>
+              </a:ext>
+            </a:extLst>
+          </p:cNvPr>
+          <p:cNvSpPr>
+            <a:spLocks noGrp="1"/>
+          </p:cNvSpPr>
+          <p:nvPr>
+            <p:ph type="title"/>
+          </p:nvPr>
+        </p:nvSpPr>
+        <p:spPr>
+          <a:xfrm>
+            <a:off x="1014141" y="1450655"/>
+            <a:ext cx="3932030" cy="3956690"/>
+          </a:xfrm>
+        </p:spPr>
+        <p:txBody>
+          <a:bodyPr anchor="ctr">
+            <a:normAutofit/>
+          </a:bodyPr>
+          <a:lstStyle/>
+          <a:p>
+            <a:r>
+              <a:rPr lang="en-GB" sz="6800">
+                <a:solidFill>
+                  <a:schemeClr val="bg1"/>
+                </a:solidFill>
+              </a:rPr>
+              <a:t>Evaluation</a:t>
+            </a:r>
+          </a:p>
+        </p:txBody>
+      </p:sp>
+      <p:cxnSp>
+        <p:nvCxnSpPr>
+          <p:cNvPr id="10" name="Straight Connector 9">
+            <a:extLst>
+              <a:ext uri="{FF2B5EF4-FFF2-40B4-BE49-F238E27FC236}">
+                <a16:creationId xmlns:a16="http://schemas.microsoft.com/office/drawing/2014/main" id="{067633D1-6EE6-4118-B9F0-B363477BEE7A}"/>
+              </a:ext>
+              <a:ext uri="{C183D7F6-B498-43B3-948B-1728B52AA6E4}">
+                <adec:decorative xmlns:adec="http://schemas.microsoft.com/office/drawing/2017/decorative" val="1"/>
+              </a:ext>
+            </a:extLst>
+          </p:cNvPr>
+          <p:cNvCxnSpPr>
+            <a:cxnSpLocks noGrp="1" noRot="1" noChangeAspect="1" noMove="1" noResize="1" noEditPoints="1" noAdjustHandles="1" noChangeArrowheads="1" noChangeShapeType="1"/>
+          </p:cNvCxnSpPr>
+          <p:nvPr>
+            <p:extLst>
+              <p:ext uri="{386F3935-93C4-4BCD-93E2-E3B085C9AB24}">
+                <p16:designElem xmlns:p16="http://schemas.microsoft.com/office/powerpoint/2015/main" val="1"/>
+              </p:ext>
+            </p:extLst>
+          </p:nvPr>
+        </p:nvCxnSpPr>
+        <p:spPr>
+          <a:xfrm flipH="1">
+            <a:off x="1014141" y="1450655"/>
+            <a:ext cx="3932030" cy="0"/>
+          </a:xfrm>
+          <a:prstGeom prst="line">
+            <a:avLst/>
+          </a:prstGeom>
+          <a:ln w="12700">
+            <a:solidFill>
+              <a:schemeClr val="accent2"/>
+            </a:solidFill>
+          </a:ln>
+        </p:spPr>
+        <p:style>
+          <a:lnRef idx="1">
+            <a:schemeClr val="accent1"/>
+          </a:lnRef>
+          <a:fillRef idx="0">
+            <a:schemeClr val="accent1"/>
+          </a:fillRef>
+          <a:effectRef idx="0">
+            <a:schemeClr val="accent1"/>
+          </a:effectRef>
+          <a:fontRef idx="minor">
+            <a:schemeClr val="tx1"/>
+          </a:fontRef>
+        </p:style>
+      </p:cxnSp>
+      <p:cxnSp>
+        <p:nvCxnSpPr>
+          <p:cNvPr id="12" name="Straight Connector 11">
+            <a:extLst>
+              <a:ext uri="{FF2B5EF4-FFF2-40B4-BE49-F238E27FC236}">
+                <a16:creationId xmlns:a16="http://schemas.microsoft.com/office/drawing/2014/main" id="{4AD7FFC6-42A9-49CB-B5E9-B3F6B038331B}"/>
+              </a:ext>
+              <a:ext uri="{C183D7F6-B498-43B3-948B-1728B52AA6E4}">
+                <adec:decorative xmlns:adec="http://schemas.microsoft.com/office/drawing/2017/decorative" val="1"/>
+              </a:ext>
+            </a:extLst>
+          </p:cNvPr>
+          <p:cNvCxnSpPr>
+            <a:cxnSpLocks noGrp="1" noRot="1" noChangeAspect="1" noMove="1" noResize="1" noEditPoints="1" noAdjustHandles="1" noChangeArrowheads="1" noChangeShapeType="1"/>
+          </p:cNvCxnSpPr>
+          <p:nvPr>
+            <p:extLst>
+              <p:ext uri="{386F3935-93C4-4BCD-93E2-E3B085C9AB24}">
+                <p16:designElem xmlns:p16="http://schemas.microsoft.com/office/powerpoint/2015/main" val="1"/>
+              </p:ext>
+            </p:extLst>
+          </p:nvPr>
+        </p:nvCxnSpPr>
+        <p:spPr>
+          <a:xfrm flipH="1">
+            <a:off x="1014141" y="5408571"/>
+            <a:ext cx="3932030" cy="0"/>
+          </a:xfrm>
+          <a:prstGeom prst="line">
+            <a:avLst/>
+          </a:prstGeom>
+          <a:ln w="12700">
+            <a:solidFill>
+              <a:schemeClr val="accent2"/>
+            </a:solidFill>
+          </a:ln>
+        </p:spPr>
+        <p:style>
+          <a:lnRef idx="1">
+            <a:schemeClr val="accent1"/>
+          </a:lnRef>
+          <a:fillRef idx="0">
+            <a:schemeClr val="accent1"/>
+          </a:fillRef>
+          <a:effectRef idx="0">
+            <a:schemeClr val="accent1"/>
+          </a:effectRef>
+          <a:fontRef idx="minor">
+            <a:schemeClr val="tx1"/>
+          </a:fontRef>
+        </p:style>
+      </p:cxnSp>
+      <p:sp>
+        <p:nvSpPr>
+          <p:cNvPr id="3" name="Content Placeholder 2">
+            <a:extLst>
+              <a:ext uri="{FF2B5EF4-FFF2-40B4-BE49-F238E27FC236}">
+                <a16:creationId xmlns:a16="http://schemas.microsoft.com/office/drawing/2014/main" id="{2AFD3CEA-418C-4958-ABA9-D87DBD3FB5E0}"/>
+              </a:ext>
+            </a:extLst>
+          </p:cNvPr>
+          <p:cNvSpPr>
+            <a:spLocks noGrp="1"/>
+          </p:cNvSpPr>
+          <p:nvPr>
+            <p:ph idx="1"/>
+          </p:nvPr>
+        </p:nvSpPr>
+        <p:spPr>
+          <a:xfrm>
+            <a:off x="6096000" y="1108061"/>
+            <a:ext cx="5008901" cy="4571972"/>
+          </a:xfrm>
+        </p:spPr>
+        <p:txBody>
+          <a:bodyPr anchor="ctr">
+            <a:normAutofit/>
+          </a:bodyPr>
+          <a:lstStyle/>
+          <a:p>
+            <a:r>
+              <a:rPr lang="en-GB" sz="2000" dirty="0">
+                <a:solidFill>
+                  <a:schemeClr val="bg1"/>
+                </a:solidFill>
+              </a:rPr>
+              <a:t>This code is okay however it doesn’t handle invalid inputs very well by either spiting out an error message or just not saying anything</a:t>
+            </a:r>
+          </a:p>
+          <a:p>
+            <a:r>
+              <a:rPr lang="en-GB" sz="2000" dirty="0">
+                <a:solidFill>
+                  <a:schemeClr val="bg1"/>
+                </a:solidFill>
+              </a:rPr>
+              <a:t>This is what I will aim to improve in the next iteration</a:t>
+            </a:r>
+          </a:p>
+        </p:txBody>
+      </p:sp>
+    </p:spTree>
+    <p:extLst>
+      <p:ext uri="{BB962C8B-B14F-4D97-AF65-F5344CB8AC3E}">
+        <p14:creationId xmlns:p14="http://schemas.microsoft.com/office/powerpoint/2010/main" val="3224551376"/>
+      </p:ext>
+    </p:extLst>
+  </p:cSld>
+  <p:clrMapOvr>
+    <a:masterClrMapping/>
+  </p:clrMapOvr>
+</p:sld>
+</file>
+
+<file path=ppt/slides/slide9.xml><?xml version="1.0" encoding="utf-8"?>
+<p:sld xmlns:a="http://schemas.openxmlformats.org/drawingml/2006/main" xmlns:r="http://schemas.openxmlformats.org/officeDocument/2006/relationships" xmlns:p="http://schemas.openxmlformats.org/presentationml/2006/main">
+  <p:cSld>
+    <p:bg>
+      <p:bgPr>
+        <a:solidFill>
+          <a:schemeClr val="bg1">
+            <a:tint val="95000"/>
+            <a:satMod val="170000"/>
+          </a:schemeClr>
+        </a:solidFill>
+        <a:effectLst/>
+      </p:bgPr>
+    </p:bg>
+    <p:spTree>
+      <p:nvGrpSpPr>
+        <p:cNvPr id="1" name=""/>
+        <p:cNvGrpSpPr/>
+        <p:nvPr/>
+      </p:nvGrpSpPr>
+      <p:grpSpPr>
+        <a:xfrm>
+          <a:off x="0" y="0"/>
+          <a:ext cx="0" cy="0"/>
+          <a:chOff x="0" y="0"/>
+          <a:chExt cx="0" cy="0"/>
+        </a:xfrm>
+      </p:grpSpPr>
+      <p:sp>
+        <p:nvSpPr>
+          <p:cNvPr id="7" name="Freeform: Shape 6">
+            <a:extLst>
+              <a:ext uri="{FF2B5EF4-FFF2-40B4-BE49-F238E27FC236}">
+                <a16:creationId xmlns:a16="http://schemas.microsoft.com/office/drawing/2014/main" id="{66B332A4-D438-4773-A77F-5ED49A448D9D}"/>
+              </a:ext>
+              <a:ext uri="{C183D7F6-B498-43B3-948B-1728B52AA6E4}">
+                <adec:decorative xmlns:adec="http://schemas.microsoft.com/office/drawing/2017/decorative" val="1"/>
+              </a:ext>
+            </a:extLst>
+          </p:cNvPr>
+          <p:cNvSpPr>
+            <a:spLocks noGrp="1" noRot="1" noChangeAspect="1" noMove="1" noResize="1" noEditPoints="1" noAdjustHandles="1" noChangeArrowheads="1" noChangeShapeType="1" noTextEdit="1"/>
+          </p:cNvSpPr>
+          <p:nvPr>
+            <p:extLst>
+              <p:ext uri="{386F3935-93C4-4BCD-93E2-E3B085C9AB24}">
+                <p16:designElem xmlns:p16="http://schemas.microsoft.com/office/powerpoint/2015/main" val="1"/>
+              </p:ext>
+            </p:extLst>
+          </p:nvPr>
+        </p:nvSpPr>
+        <p:spPr>
+          <a:xfrm>
+            <a:off x="1953768" y="0"/>
+            <a:ext cx="8284464" cy="6858000"/>
+          </a:xfrm>
+          <a:custGeom>
+            <a:avLst/>
+            <a:gdLst>
+              <a:gd name="connsiteX0" fmla="*/ 1818109 w 8284464"/>
+              <a:gd name="connsiteY0" fmla="*/ 0 h 6858000"/>
+              <a:gd name="connsiteX1" fmla="*/ 6466355 w 8284464"/>
+              <a:gd name="connsiteY1" fmla="*/ 0 h 6858000"/>
+              <a:gd name="connsiteX2" fmla="*/ 6620596 w 8284464"/>
+              <a:gd name="connsiteY2" fmla="*/ 109683 h 6858000"/>
+              <a:gd name="connsiteX3" fmla="*/ 8284464 w 8284464"/>
+              <a:gd name="connsiteY3" fmla="*/ 3429000 h 6858000"/>
+              <a:gd name="connsiteX4" fmla="*/ 6620596 w 8284464"/>
+              <a:gd name="connsiteY4" fmla="*/ 6748318 h 6858000"/>
+              <a:gd name="connsiteX5" fmla="*/ 6466355 w 8284464"/>
+              <a:gd name="connsiteY5" fmla="*/ 6858000 h 6858000"/>
+              <a:gd name="connsiteX6" fmla="*/ 1818109 w 8284464"/>
+              <a:gd name="connsiteY6" fmla="*/ 6858000 h 6858000"/>
+              <a:gd name="connsiteX7" fmla="*/ 1663869 w 8284464"/>
+              <a:gd name="connsiteY7" fmla="*/ 6748318 h 6858000"/>
+              <a:gd name="connsiteX8" fmla="*/ 0 w 8284464"/>
+              <a:gd name="connsiteY8" fmla="*/ 3429000 h 6858000"/>
+              <a:gd name="connsiteX9" fmla="*/ 1663869 w 8284464"/>
+              <a:gd name="connsiteY9" fmla="*/ 109683 h 6858000"/>
+            </a:gdLst>
+            <a:ahLst/>
+            <a:cxnLst>
+              <a:cxn ang="0">
+                <a:pos x="connsiteX0" y="connsiteY0"/>
+              </a:cxn>
+              <a:cxn ang="0">
+                <a:pos x="connsiteX1" y="connsiteY1"/>
+              </a:cxn>
+              <a:cxn ang="0">
+                <a:pos x="connsiteX2" y="connsiteY2"/>
+              </a:cxn>
+              <a:cxn ang="0">
+                <a:pos x="connsiteX3" y="connsiteY3"/>
+              </a:cxn>
+              <a:cxn ang="0">
+                <a:pos x="connsiteX4" y="connsiteY4"/>
+              </a:cxn>
+              <a:cxn ang="0">
+                <a:pos x="connsiteX5" y="connsiteY5"/>
+              </a:cxn>
+              <a:cxn ang="0">
+                <a:pos x="connsiteX6" y="connsiteY6"/>
+              </a:cxn>
+              <a:cxn ang="0">
+                <a:pos x="connsiteX7" y="connsiteY7"/>
+              </a:cxn>
+              <a:cxn ang="0">
+                <a:pos x="connsiteX8" y="connsiteY8"/>
+              </a:cxn>
+              <a:cxn ang="0">
+                <a:pos x="connsiteX9" y="connsiteY9"/>
+              </a:cxn>
+            </a:cxnLst>
+            <a:rect l="l" t="t" r="r" b="b"/>
+            <a:pathLst>
+              <a:path w="8284464" h="6858000">
+                <a:moveTo>
+                  <a:pt x="1818109" y="0"/>
+                </a:moveTo>
+                <a:lnTo>
+                  <a:pt x="6466355" y="0"/>
+                </a:lnTo>
+                <a:lnTo>
+                  <a:pt x="6620596" y="109683"/>
+                </a:lnTo>
+                <a:cubicBezTo>
+                  <a:pt x="7630666" y="865069"/>
+                  <a:pt x="8284464" y="2070683"/>
+                  <a:pt x="8284464" y="3429000"/>
+                </a:cubicBezTo>
+                <a:cubicBezTo>
+                  <a:pt x="8284464" y="4787317"/>
+                  <a:pt x="7630666" y="5992931"/>
+                  <a:pt x="6620596" y="6748318"/>
+                </a:cubicBezTo>
+                <a:lnTo>
+                  <a:pt x="6466355" y="6858000"/>
+                </a:lnTo>
+                <a:lnTo>
+                  <a:pt x="1818109" y="6858000"/>
+                </a:lnTo>
+                <a:lnTo>
+                  <a:pt x="1663869" y="6748318"/>
+                </a:lnTo>
+                <a:cubicBezTo>
+                  <a:pt x="653798" y="5992931"/>
+                  <a:pt x="0" y="4787317"/>
+                  <a:pt x="0" y="3429000"/>
+                </a:cubicBezTo>
+                <a:cubicBezTo>
+                  <a:pt x="0" y="2070683"/>
+                  <a:pt x="653798" y="865069"/>
+                  <a:pt x="1663869" y="109683"/>
+                </a:cubicBezTo>
+                <a:close/>
+              </a:path>
+            </a:pathLst>
+          </a:custGeom>
+          <a:solidFill>
+            <a:srgbClr val="FFFFFF">
+              <a:alpha val="80000"/>
+            </a:srgbClr>
+          </a:solidFill>
+          <a:ln>
+            <a:noFill/>
+          </a:ln>
+        </p:spPr>
+        <p:style>
+          <a:lnRef idx="2">
+            <a:schemeClr val="accent1">
+              <a:shade val="50000"/>
+            </a:schemeClr>
+          </a:lnRef>
+          <a:fillRef idx="1">
+            <a:schemeClr val="accent1"/>
+          </a:fillRef>
+          <a:effectRef idx="0">
+            <a:schemeClr val="accent1"/>
+          </a:effectRef>
+          <a:fontRef idx="minor">
+            <a:schemeClr val="lt1"/>
+          </a:fontRef>
+        </p:style>
+        <p:txBody>
+          <a:bodyPr wrap="square" rtlCol="0" anchor="ctr">
+            <a:noAutofit/>
+          </a:bodyPr>
+          <a:lstStyle/>
+          <a:p>
+            <a:pPr algn="ctr"/>
+            <a:endParaRPr lang="en-US"/>
+          </a:p>
+        </p:txBody>
+      </p:sp>
+      <p:sp>
+        <p:nvSpPr>
+          <p:cNvPr id="9" name="Freeform: Shape 8">
+            <a:extLst>
+              <a:ext uri="{FF2B5EF4-FFF2-40B4-BE49-F238E27FC236}">
+                <a16:creationId xmlns:a16="http://schemas.microsoft.com/office/drawing/2014/main" id="{DF9AD32D-FF05-44F4-BD4D-9CEE89B71EB9}"/>
+              </a:ext>
+              <a:ext uri="{C183D7F6-B498-43B3-948B-1728B52AA6E4}">
+                <adec:decorative xmlns:adec="http://schemas.microsoft.com/office/drawing/2017/decorative" val="1"/>
+              </a:ext>
+            </a:extLst>
+          </p:cNvPr>
+          <p:cNvSpPr>
+            <a:spLocks noGrp="1" noRot="1" noChangeAspect="1" noMove="1" noResize="1" noEditPoints="1" noAdjustHandles="1" noChangeArrowheads="1" noChangeShapeType="1" noTextEdit="1"/>
+          </p:cNvSpPr>
+          <p:nvPr>
+            <p:extLst>
+              <p:ext uri="{386F3935-93C4-4BCD-93E2-E3B085C9AB24}">
+                <p16:designElem xmlns:p16="http://schemas.microsoft.com/office/powerpoint/2015/main" val="1"/>
+              </p:ext>
+            </p:extLst>
+          </p:nvPr>
+        </p:nvSpPr>
+        <p:spPr>
+          <a:xfrm>
+            <a:off x="2118360" y="0"/>
+            <a:ext cx="7955280" cy="6858000"/>
+          </a:xfrm>
+          <a:custGeom>
+            <a:avLst/>
+            <a:gdLst>
+              <a:gd name="connsiteX0" fmla="*/ 1962423 w 7955280"/>
+              <a:gd name="connsiteY0" fmla="*/ 0 h 6858000"/>
+              <a:gd name="connsiteX1" fmla="*/ 5992858 w 7955280"/>
+              <a:gd name="connsiteY1" fmla="*/ 0 h 6858000"/>
+              <a:gd name="connsiteX2" fmla="*/ 6040191 w 7955280"/>
+              <a:gd name="connsiteY2" fmla="*/ 27216 h 6858000"/>
+              <a:gd name="connsiteX3" fmla="*/ 7955280 w 7955280"/>
+              <a:gd name="connsiteY3" fmla="*/ 3429000 h 6858000"/>
+              <a:gd name="connsiteX4" fmla="*/ 6040191 w 7955280"/>
+              <a:gd name="connsiteY4" fmla="*/ 6830784 h 6858000"/>
+              <a:gd name="connsiteX5" fmla="*/ 5992858 w 7955280"/>
+              <a:gd name="connsiteY5" fmla="*/ 6858000 h 6858000"/>
+              <a:gd name="connsiteX6" fmla="*/ 1962423 w 7955280"/>
+              <a:gd name="connsiteY6" fmla="*/ 6858000 h 6858000"/>
+              <a:gd name="connsiteX7" fmla="*/ 1915089 w 7955280"/>
+              <a:gd name="connsiteY7" fmla="*/ 6830784 h 6858000"/>
+              <a:gd name="connsiteX8" fmla="*/ 0 w 7955280"/>
+              <a:gd name="connsiteY8" fmla="*/ 3429000 h 6858000"/>
+              <a:gd name="connsiteX9" fmla="*/ 1915089 w 7955280"/>
+              <a:gd name="connsiteY9" fmla="*/ 27216 h 6858000"/>
+            </a:gdLst>
+            <a:ahLst/>
+            <a:cxnLst>
+              <a:cxn ang="0">
+                <a:pos x="connsiteX0" y="connsiteY0"/>
+              </a:cxn>
+              <a:cxn ang="0">
+                <a:pos x="connsiteX1" y="connsiteY1"/>
+              </a:cxn>
+              <a:cxn ang="0">
+                <a:pos x="connsiteX2" y="connsiteY2"/>
+              </a:cxn>
+              <a:cxn ang="0">
+                <a:pos x="connsiteX3" y="connsiteY3"/>
+              </a:cxn>
+              <a:cxn ang="0">
+                <a:pos x="connsiteX4" y="connsiteY4"/>
+              </a:cxn>
+              <a:cxn ang="0">
+                <a:pos x="connsiteX5" y="connsiteY5"/>
+              </a:cxn>
+              <a:cxn ang="0">
+                <a:pos x="connsiteX6" y="connsiteY6"/>
+              </a:cxn>
+              <a:cxn ang="0">
+                <a:pos x="connsiteX7" y="connsiteY7"/>
+              </a:cxn>
+              <a:cxn ang="0">
+                <a:pos x="connsiteX8" y="connsiteY8"/>
+              </a:cxn>
+              <a:cxn ang="0">
+                <a:pos x="connsiteX9" y="connsiteY9"/>
+              </a:cxn>
+            </a:cxnLst>
+            <a:rect l="l" t="t" r="r" b="b"/>
+            <a:pathLst>
+              <a:path w="7955280" h="6858000">
+                <a:moveTo>
+                  <a:pt x="1962423" y="0"/>
+                </a:moveTo>
+                <a:lnTo>
+                  <a:pt x="5992858" y="0"/>
+                </a:lnTo>
+                <a:lnTo>
+                  <a:pt x="6040191" y="27216"/>
+                </a:lnTo>
+                <a:cubicBezTo>
+                  <a:pt x="7188332" y="724844"/>
+                  <a:pt x="7955280" y="1987357"/>
+                  <a:pt x="7955280" y="3429000"/>
+                </a:cubicBezTo>
+                <a:cubicBezTo>
+                  <a:pt x="7955280" y="4870644"/>
+                  <a:pt x="7188332" y="6133157"/>
+                  <a:pt x="6040191" y="6830784"/>
+                </a:cubicBezTo>
+                <a:lnTo>
+                  <a:pt x="5992858" y="6858000"/>
+                </a:lnTo>
+                <a:lnTo>
+                  <a:pt x="1962423" y="6858000"/>
+                </a:lnTo>
+                <a:lnTo>
+                  <a:pt x="1915089" y="6830784"/>
+                </a:lnTo>
+                <a:cubicBezTo>
+                  <a:pt x="766948" y="6133157"/>
+                  <a:pt x="0" y="4870644"/>
+                  <a:pt x="0" y="3429000"/>
+                </a:cubicBezTo>
+                <a:cubicBezTo>
+                  <a:pt x="0" y="1987357"/>
+                  <a:pt x="766948" y="724844"/>
+                  <a:pt x="1915089" y="27216"/>
+                </a:cubicBezTo>
+                <a:close/>
+              </a:path>
+            </a:pathLst>
+          </a:custGeom>
+          <a:solidFill>
+            <a:schemeClr val="tx1"/>
+          </a:solidFill>
+          <a:ln>
+            <a:noFill/>
+          </a:ln>
+        </p:spPr>
+        <p:style>
+          <a:lnRef idx="2">
+            <a:schemeClr val="accent1">
+              <a:shade val="50000"/>
+            </a:schemeClr>
+          </a:lnRef>
+          <a:fillRef idx="1">
+            <a:schemeClr val="accent1"/>
+          </a:fillRef>
+          <a:effectRef idx="0">
+            <a:schemeClr val="accent1"/>
+          </a:effectRef>
+          <a:fontRef idx="minor">
+            <a:schemeClr val="lt1"/>
+          </a:fontRef>
+        </p:style>
+        <p:txBody>
+          <a:bodyPr wrap="square" rtlCol="0" anchor="ctr">
+            <a:noAutofit/>
+          </a:bodyPr>
+          <a:lstStyle/>
+          <a:p>
+            <a:pPr algn="ctr"/>
+            <a:endParaRPr lang="en-US"/>
+          </a:p>
+        </p:txBody>
+      </p:sp>
+      <p:sp>
+        <p:nvSpPr>
+          <p:cNvPr id="2" name="Title 1">
+            <a:extLst>
+              <a:ext uri="{FF2B5EF4-FFF2-40B4-BE49-F238E27FC236}">
+                <a16:creationId xmlns:a16="http://schemas.microsoft.com/office/drawing/2014/main" id="{65DF508C-E6B6-4DB8-BB4C-71A268F0D0FB}"/>
+              </a:ext>
+            </a:extLst>
+          </p:cNvPr>
+          <p:cNvSpPr>
+            <a:spLocks noGrp="1"/>
+          </p:cNvSpPr>
+          <p:nvPr>
+            <p:ph type="ctrTitle"/>
+          </p:nvPr>
+        </p:nvSpPr>
+        <p:spPr>
+          <a:xfrm>
+            <a:off x="2555631" y="1441938"/>
+            <a:ext cx="7080738" cy="3974124"/>
+          </a:xfrm>
+        </p:spPr>
+        <p:txBody>
+          <a:bodyPr vert="horz" lIns="91440" tIns="45720" rIns="91440" bIns="45720" rtlCol="0" anchor="ctr">
+            <a:normAutofit/>
+          </a:bodyPr>
+          <a:lstStyle/>
+          <a:p>
+            <a:r>
+              <a:rPr lang="en-US" sz="5400" dirty="0">
+                <a:solidFill>
+                  <a:schemeClr val="bg1">
+                    <a:lumMod val="95000"/>
+                    <a:lumOff val="5000"/>
+                  </a:schemeClr>
+                </a:solidFill>
+              </a:rPr>
+              <a:t>ITERATION 2</a:t>
+            </a:r>
+          </a:p>
+        </p:txBody>
+      </p:sp>
+    </p:spTree>
+    <p:extLst>
+      <p:ext uri="{BB962C8B-B14F-4D97-AF65-F5344CB8AC3E}">
+        <p14:creationId xmlns:p14="http://schemas.microsoft.com/office/powerpoint/2010/main" val="4001682575"/>
+      </p:ext>
+    </p:extLst>
+  </p:cSld>
+  <p:clrMapOvr>
+    <a:overrideClrMapping bg1="dk1" tx1="lt1" bg2="dk2" tx2="lt2" accent1="accent1" accent2="accent2" accent3="accent3" accent4="accent4" accent5="accent5" accent6="accent6" hlink="hlink" folHlink="folHlink"/>
+  </p:clrMapOvr>
+  <p:timing>
+    <p:tnLst>
+      <p:par>
+        <p:cTn id="1" dur="indefinite" restart="never" nodeType="tmRoot">
+          <p:childTnLst>
+            <p:seq concurrent="1" nextAc="seek">
+              <p:cTn id="2" dur="indefinite" nodeType="mainSeq">
+                <p:childTnLst>
+                  <p:par>
+                    <p:cTn id="3" fill="hold">
+                      <p:stCondLst>
+                        <p:cond delay="indefinite"/>
+                        <p:cond evt="onBegin" delay="0">
+                          <p:tn val="2"/>
+                        </p:cond>
+                      </p:stCondLst>
+                      <p:childTnLst>
+                        <p:par>
+                          <p:cTn id="4" fill="hold">
+                            <p:stCondLst>
+                              <p:cond delay="0"/>
+                            </p:stCondLst>
+                            <p:childTnLst>
+                              <p:par>
+                                <p:cTn id="5" presetID="10" presetClass="entr" presetSubtype="0" fill="hold" grpId="0" nodeType="withEffect">
+                                  <p:stCondLst>
+                                    <p:cond delay="500"/>
+                                  </p:stCondLst>
+                                  <p:iterate>
+                                    <p:tmPct val="10000"/>
+                                  </p:iterate>
+                                  <p:childTnLst>
+                                    <p:set>
+                                      <p:cBhvr>
+                                        <p:cTn id="6" dur="1" fill="hold">
+                                          <p:stCondLst>
+                                            <p:cond delay="0"/>
+                                          </p:stCondLst>
+                                        </p:cTn>
+                                        <p:tgtEl>
+                                          <p:spTgt spid="2"/>
+                                        </p:tgtEl>
+                                        <p:attrNameLst>
+                                          <p:attrName>style.visibility</p:attrName>
+                                        </p:attrNameLst>
+                                      </p:cBhvr>
+                                      <p:to>
+                                        <p:strVal val="visible"/>
+                                      </p:to>
+                                    </p:set>
+                                    <p:animEffect transition="in" filter="fade">
+                                      <p:cBhvr>
+                                        <p:cTn id="7" dur="700"/>
+                                        <p:tgtEl>
+                                          <p:spTgt spid="2"/>
+                                        </p:tgtEl>
+                                      </p:cBhvr>
+                                    </p:animEffect>
+                                  </p:childTnLst>
+                                </p:cTn>
+                              </p:par>
+                            </p:childTnLst>
+                          </p:cTn>
+                        </p:par>
+                      </p:childTnLst>
+                    </p:cTn>
+                  </p:par>
+                </p:childTnLst>
+              </p:cTn>
+              <p:prevCondLst>
+                <p:cond evt="onPrev" delay="0">
+                  <p:tgtEl>
+                    <p:sldTgt/>
+                  </p:tgtEl>
+                </p:cond>
+              </p:prevCondLst>
+              <p:nextCondLst>
+                <p:cond evt="onNext" delay="0">
+                  <p:tgtEl>
+                    <p:sldTgt/>
+                  </p:tgtEl>
+                </p:cond>
+              </p:nextCondLst>
+            </p:seq>
+          </p:childTnLst>
+        </p:cTn>
+      </p:par>
+    </p:tnLst>
+    <p:bldLst>
+      <p:bldP spid="2" grpId="0"/>
+    </p:bldLst>
+  </p:timing>
 </p:sld>
 </file>
 

--- a/Bright Sparks Documentation.pptx
+++ b/Bright Sparks Documentation.pptx
@@ -15,6 +15,9 @@
     <p:sldId id="264" r:id="rId9"/>
     <p:sldId id="265" r:id="rId10"/>
     <p:sldId id="266" r:id="rId11"/>
+    <p:sldId id="267" r:id="rId12"/>
+    <p:sldId id="269" r:id="rId13"/>
+    <p:sldId id="270" r:id="rId14"/>
   </p:sldIdLst>
   <p:sldSz cx="12192000" cy="6858000"/>
   <p:notesSz cx="6858000" cy="9144000"/>
@@ -113,6 +116,11 @@
       </a:defRPr>
     </a:lvl9pPr>
   </p:defaultTextStyle>
+  <p:extLst>
+    <p:ext uri="{EFAFB233-063F-42B5-8137-9DF3F51BA10A}">
+      <p15:sldGuideLst xmlns:p15="http://schemas.microsoft.com/office/powerpoint/2012/main"/>
+    </p:ext>
+  </p:extLst>
 </p:presentation>
 </file>
 
@@ -6824,6 +6832,12 @@
             <a:pPr marL="0" indent="0">
               <a:buNone/>
             </a:pPr>
+            <a:r>
+              <a:rPr lang="en-GB" dirty="0">
+                <a:hlinkClick r:id="rId2"/>
+              </a:rPr>
+              <a:t>https://lucid.app/lucidchart/79aeca2c-18b4-458e-a617-ea32b3a1d8a3/edit?view_items=1tfoNpCx3MtO%2CzsfogpGSftnj%2C7rfo6~8fp9We%2C9sfoM6nFl45i%2Clsfo.plo2is7%2CWsfoc0i0_pVq%2CItfo7fip2cfZ%2C7tfoVlRChVd~%2C8sfoeTh61u4T%2Cksfo7F90BtFC%2CHtfoyY2_o2FV%2CZsfouiifFG9N&amp;invitationId=inv_59790375-3b23-46fd-a491-6a85b64600f2</a:t>
+            </a:r>
             <a:endParaRPr lang="en-GB" dirty="0"/>
           </a:p>
         </p:txBody>
@@ -6832,6 +6846,2160 @@
     <p:extLst>
       <p:ext uri="{BB962C8B-B14F-4D97-AF65-F5344CB8AC3E}">
         <p14:creationId xmlns:p14="http://schemas.microsoft.com/office/powerpoint/2010/main" val="1719059441"/>
+      </p:ext>
+    </p:extLst>
+  </p:cSld>
+  <p:clrMapOvr>
+    <a:masterClrMapping/>
+  </p:clrMapOvr>
+</p:sld>
+</file>
+
+<file path=ppt/slides/slide11.xml><?xml version="1.0" encoding="utf-8"?>
+<p:sld xmlns:a="http://schemas.openxmlformats.org/drawingml/2006/main" xmlns:r="http://schemas.openxmlformats.org/officeDocument/2006/relationships" xmlns:p="http://schemas.openxmlformats.org/presentationml/2006/main">
+  <p:cSld>
+    <p:bg>
+      <p:bgPr>
+        <a:solidFill>
+          <a:schemeClr val="bg1"/>
+        </a:solidFill>
+        <a:effectLst/>
+      </p:bgPr>
+    </p:bg>
+    <p:spTree>
+      <p:nvGrpSpPr>
+        <p:cNvPr id="1" name=""/>
+        <p:cNvGrpSpPr/>
+        <p:nvPr/>
+      </p:nvGrpSpPr>
+      <p:grpSpPr>
+        <a:xfrm>
+          <a:off x="0" y="0"/>
+          <a:ext cx="0" cy="0"/>
+          <a:chOff x="0" y="0"/>
+          <a:chExt cx="0" cy="0"/>
+        </a:xfrm>
+      </p:grpSpPr>
+      <p:sp useBgFill="1">
+        <p:nvSpPr>
+          <p:cNvPr id="13" name="Rectangle 7">
+            <a:extLst>
+              <a:ext uri="{FF2B5EF4-FFF2-40B4-BE49-F238E27FC236}">
+                <a16:creationId xmlns:a16="http://schemas.microsoft.com/office/drawing/2014/main" id="{907EF6B7-1338-4443-8C46-6A318D952DFD}"/>
+              </a:ext>
+              <a:ext uri="{C183D7F6-B498-43B3-948B-1728B52AA6E4}">
+                <adec:decorative xmlns:adec="http://schemas.microsoft.com/office/drawing/2017/decorative" val="1"/>
+              </a:ext>
+            </a:extLst>
+          </p:cNvPr>
+          <p:cNvSpPr>
+            <a:spLocks noGrp="1" noRot="1" noChangeAspect="1" noMove="1" noResize="1" noEditPoints="1" noAdjustHandles="1" noChangeArrowheads="1" noChangeShapeType="1" noTextEdit="1"/>
+          </p:cNvSpPr>
+          <p:nvPr>
+            <p:extLst>
+              <p:ext uri="{386F3935-93C4-4BCD-93E2-E3B085C9AB24}">
+                <p16:designElem xmlns:p16="http://schemas.microsoft.com/office/powerpoint/2015/main" val="1"/>
+              </p:ext>
+            </p:extLst>
+          </p:nvPr>
+        </p:nvSpPr>
+        <p:spPr>
+          <a:xfrm>
+            <a:off x="3048" y="0"/>
+            <a:ext cx="12188952" cy="6858000"/>
+          </a:xfrm>
+          <a:prstGeom prst="rect">
+            <a:avLst/>
+          </a:prstGeom>
+          <a:ln>
+            <a:noFill/>
+          </a:ln>
+        </p:spPr>
+        <p:style>
+          <a:lnRef idx="2">
+            <a:schemeClr val="accent1">
+              <a:shade val="50000"/>
+            </a:schemeClr>
+          </a:lnRef>
+          <a:fillRef idx="1">
+            <a:schemeClr val="accent1"/>
+          </a:fillRef>
+          <a:effectRef idx="0">
+            <a:schemeClr val="accent1"/>
+          </a:effectRef>
+          <a:fontRef idx="minor">
+            <a:schemeClr val="lt1"/>
+          </a:fontRef>
+        </p:style>
+        <p:txBody>
+          <a:bodyPr rtlCol="0" anchor="ctr"/>
+          <a:lstStyle/>
+          <a:p>
+            <a:pPr algn="ctr"/>
+            <a:endParaRPr lang="en-US"/>
+          </a:p>
+        </p:txBody>
+      </p:sp>
+      <p:sp>
+        <p:nvSpPr>
+          <p:cNvPr id="14" name="Freeform: Shape 9">
+            <a:extLst>
+              <a:ext uri="{FF2B5EF4-FFF2-40B4-BE49-F238E27FC236}">
+                <a16:creationId xmlns:a16="http://schemas.microsoft.com/office/drawing/2014/main" id="{DAAE4CDD-124C-4DCF-9584-B6033B545DD5}"/>
+              </a:ext>
+              <a:ext uri="{C183D7F6-B498-43B3-948B-1728B52AA6E4}">
+                <adec:decorative xmlns:adec="http://schemas.microsoft.com/office/drawing/2017/decorative" val="1"/>
+              </a:ext>
+            </a:extLst>
+          </p:cNvPr>
+          <p:cNvSpPr>
+            <a:spLocks noGrp="1" noRot="1" noChangeAspect="1" noMove="1" noResize="1" noEditPoints="1" noAdjustHandles="1" noChangeArrowheads="1" noChangeShapeType="1" noTextEdit="1"/>
+          </p:cNvSpPr>
+          <p:nvPr>
+            <p:extLst>
+              <p:ext uri="{386F3935-93C4-4BCD-93E2-E3B085C9AB24}">
+                <p16:designElem xmlns:p16="http://schemas.microsoft.com/office/powerpoint/2015/main" val="1"/>
+              </p:ext>
+            </p:extLst>
+          </p:nvPr>
+        </p:nvSpPr>
+        <p:spPr>
+          <a:xfrm>
+            <a:off x="1" y="0"/>
+            <a:ext cx="4167271" cy="6858000"/>
+          </a:xfrm>
+          <a:custGeom>
+            <a:avLst/>
+            <a:gdLst>
+              <a:gd name="connsiteX0" fmla="*/ 0 w 4167271"/>
+              <a:gd name="connsiteY0" fmla="*/ 0 h 6858000"/>
+              <a:gd name="connsiteX1" fmla="*/ 2259550 w 4167271"/>
+              <a:gd name="connsiteY1" fmla="*/ 0 h 6858000"/>
+              <a:gd name="connsiteX2" fmla="*/ 2387803 w 4167271"/>
+              <a:gd name="connsiteY2" fmla="*/ 82222 h 6858000"/>
+              <a:gd name="connsiteX3" fmla="*/ 4167271 w 4167271"/>
+              <a:gd name="connsiteY3" fmla="*/ 3429000 h 6858000"/>
+              <a:gd name="connsiteX4" fmla="*/ 2387803 w 4167271"/>
+              <a:gd name="connsiteY4" fmla="*/ 6775779 h 6858000"/>
+              <a:gd name="connsiteX5" fmla="*/ 2259550 w 4167271"/>
+              <a:gd name="connsiteY5" fmla="*/ 6858000 h 6858000"/>
+              <a:gd name="connsiteX6" fmla="*/ 0 w 4167271"/>
+              <a:gd name="connsiteY6" fmla="*/ 6858000 h 6858000"/>
+            </a:gdLst>
+            <a:ahLst/>
+            <a:cxnLst>
+              <a:cxn ang="0">
+                <a:pos x="connsiteX0" y="connsiteY0"/>
+              </a:cxn>
+              <a:cxn ang="0">
+                <a:pos x="connsiteX1" y="connsiteY1"/>
+              </a:cxn>
+              <a:cxn ang="0">
+                <a:pos x="connsiteX2" y="connsiteY2"/>
+              </a:cxn>
+              <a:cxn ang="0">
+                <a:pos x="connsiteX3" y="connsiteY3"/>
+              </a:cxn>
+              <a:cxn ang="0">
+                <a:pos x="connsiteX4" y="connsiteY4"/>
+              </a:cxn>
+              <a:cxn ang="0">
+                <a:pos x="connsiteX5" y="connsiteY5"/>
+              </a:cxn>
+              <a:cxn ang="0">
+                <a:pos x="connsiteX6" y="connsiteY6"/>
+              </a:cxn>
+            </a:cxnLst>
+            <a:rect l="l" t="t" r="r" b="b"/>
+            <a:pathLst>
+              <a:path w="4167271" h="6858000">
+                <a:moveTo>
+                  <a:pt x="0" y="0"/>
+                </a:moveTo>
+                <a:lnTo>
+                  <a:pt x="2259550" y="0"/>
+                </a:lnTo>
+                <a:lnTo>
+                  <a:pt x="2387803" y="82222"/>
+                </a:lnTo>
+                <a:cubicBezTo>
+                  <a:pt x="3461407" y="807534"/>
+                  <a:pt x="4167271" y="2035835"/>
+                  <a:pt x="4167271" y="3429000"/>
+                </a:cubicBezTo>
+                <a:cubicBezTo>
+                  <a:pt x="4167271" y="4822165"/>
+                  <a:pt x="3461407" y="6050467"/>
+                  <a:pt x="2387803" y="6775779"/>
+                </a:cubicBezTo>
+                <a:lnTo>
+                  <a:pt x="2259550" y="6858000"/>
+                </a:lnTo>
+                <a:lnTo>
+                  <a:pt x="0" y="6858000"/>
+                </a:lnTo>
+                <a:close/>
+              </a:path>
+            </a:pathLst>
+          </a:custGeom>
+          <a:solidFill>
+            <a:schemeClr val="accent2"/>
+          </a:solidFill>
+          <a:ln>
+            <a:noFill/>
+          </a:ln>
+        </p:spPr>
+        <p:style>
+          <a:lnRef idx="2">
+            <a:schemeClr val="accent1">
+              <a:shade val="50000"/>
+            </a:schemeClr>
+          </a:lnRef>
+          <a:fillRef idx="1">
+            <a:schemeClr val="accent1"/>
+          </a:fillRef>
+          <a:effectRef idx="0">
+            <a:schemeClr val="accent1"/>
+          </a:effectRef>
+          <a:fontRef idx="minor">
+            <a:schemeClr val="lt1"/>
+          </a:fontRef>
+        </p:style>
+        <p:txBody>
+          <a:bodyPr rtlCol="0" anchor="ctr"/>
+          <a:lstStyle/>
+          <a:p>
+            <a:pPr algn="ctr"/>
+            <a:endParaRPr lang="en-US"/>
+          </a:p>
+        </p:txBody>
+      </p:sp>
+      <p:sp>
+        <p:nvSpPr>
+          <p:cNvPr id="2" name="Title 1">
+            <a:extLst>
+              <a:ext uri="{FF2B5EF4-FFF2-40B4-BE49-F238E27FC236}">
+                <a16:creationId xmlns:a16="http://schemas.microsoft.com/office/drawing/2014/main" id="{19E102C2-2EA6-427F-9AD1-4A9A721C2FD6}"/>
+              </a:ext>
+            </a:extLst>
+          </p:cNvPr>
+          <p:cNvSpPr>
+            <a:spLocks noGrp="1"/>
+          </p:cNvSpPr>
+          <p:nvPr>
+            <p:ph type="title"/>
+          </p:nvPr>
+        </p:nvSpPr>
+        <p:spPr>
+          <a:xfrm>
+            <a:off x="686834" y="1153572"/>
+            <a:ext cx="3200400" cy="4461163"/>
+          </a:xfrm>
+        </p:spPr>
+        <p:txBody>
+          <a:bodyPr>
+            <a:normAutofit/>
+          </a:bodyPr>
+          <a:lstStyle/>
+          <a:p>
+            <a:r>
+              <a:rPr lang="en-GB" dirty="0">
+                <a:solidFill>
+                  <a:srgbClr val="FFFFFF"/>
+                </a:solidFill>
+              </a:rPr>
+              <a:t>Commented code</a:t>
+            </a:r>
+          </a:p>
+        </p:txBody>
+      </p:sp>
+      <p:sp>
+        <p:nvSpPr>
+          <p:cNvPr id="12" name="Arc 11">
+            <a:extLst>
+              <a:ext uri="{FF2B5EF4-FFF2-40B4-BE49-F238E27FC236}">
+                <a16:creationId xmlns:a16="http://schemas.microsoft.com/office/drawing/2014/main" id="{081E4A58-353D-44AE-B2FC-2A74E2E400F7}"/>
+              </a:ext>
+              <a:ext uri="{C183D7F6-B498-43B3-948B-1728B52AA6E4}">
+                <adec:decorative xmlns:adec="http://schemas.microsoft.com/office/drawing/2017/decorative" val="1"/>
+              </a:ext>
+            </a:extLst>
+          </p:cNvPr>
+          <p:cNvSpPr>
+            <a:spLocks noGrp="1" noRot="1" noChangeAspect="1" noMove="1" noResize="1" noEditPoints="1" noAdjustHandles="1" noChangeArrowheads="1" noChangeShapeType="1" noTextEdit="1"/>
+          </p:cNvSpPr>
+          <p:nvPr>
+            <p:extLst>
+              <p:ext uri="{386F3935-93C4-4BCD-93E2-E3B085C9AB24}">
+                <p16:designElem xmlns:p16="http://schemas.microsoft.com/office/powerpoint/2015/main" val="1"/>
+              </p:ext>
+            </p:extLst>
+          </p:nvPr>
+        </p:nvSpPr>
+        <p:spPr>
+          <a:xfrm flipV="1">
+            <a:off x="7550402" y="2455479"/>
+            <a:ext cx="4083433" cy="4083433"/>
+          </a:xfrm>
+          <a:prstGeom prst="arc">
+            <a:avLst/>
+          </a:prstGeom>
+          <a:ln w="127000" cap="rnd">
+            <a:solidFill>
+              <a:schemeClr val="accent4"/>
+            </a:solidFill>
+            <a:prstDash val="dash"/>
+          </a:ln>
+        </p:spPr>
+        <p:style>
+          <a:lnRef idx="1">
+            <a:schemeClr val="accent1"/>
+          </a:lnRef>
+          <a:fillRef idx="0">
+            <a:schemeClr val="accent1"/>
+          </a:fillRef>
+          <a:effectRef idx="0">
+            <a:schemeClr val="accent1"/>
+          </a:effectRef>
+          <a:fontRef idx="minor">
+            <a:schemeClr val="tx1"/>
+          </a:fontRef>
+        </p:style>
+        <p:txBody>
+          <a:bodyPr rtlCol="0" anchor="ctr"/>
+          <a:lstStyle/>
+          <a:p>
+            <a:pPr algn="ctr"/>
+            <a:endParaRPr lang="en-US" dirty="0"/>
+          </a:p>
+        </p:txBody>
+      </p:sp>
+      <p:sp>
+        <p:nvSpPr>
+          <p:cNvPr id="3" name="Content Placeholder 2">
+            <a:extLst>
+              <a:ext uri="{FF2B5EF4-FFF2-40B4-BE49-F238E27FC236}">
+                <a16:creationId xmlns:a16="http://schemas.microsoft.com/office/drawing/2014/main" id="{168495D5-2E86-43A1-AECD-B33D05DA603B}"/>
+              </a:ext>
+            </a:extLst>
+          </p:cNvPr>
+          <p:cNvSpPr>
+            <a:spLocks noGrp="1"/>
+          </p:cNvSpPr>
+          <p:nvPr>
+            <p:ph idx="1"/>
+          </p:nvPr>
+        </p:nvSpPr>
+        <p:spPr>
+          <a:xfrm>
+            <a:off x="4447308" y="591344"/>
+            <a:ext cx="6906491" cy="5585619"/>
+          </a:xfrm>
+        </p:spPr>
+        <p:txBody>
+          <a:bodyPr anchor="ctr">
+            <a:normAutofit/>
+          </a:bodyPr>
+          <a:lstStyle/>
+          <a:p>
+            <a:r>
+              <a:rPr lang="en-GB" dirty="0">
+                <a:hlinkClick r:id="rId2"/>
+              </a:rPr>
+              <a:t>https://github.com/Max-Hitchings/Bright-Sparks-School-System/blob/main/py_itterations/iteration2.py</a:t>
+            </a:r>
+            <a:endParaRPr lang="en-GB" dirty="0"/>
+          </a:p>
+        </p:txBody>
+      </p:sp>
+    </p:spTree>
+    <p:extLst>
+      <p:ext uri="{BB962C8B-B14F-4D97-AF65-F5344CB8AC3E}">
+        <p14:creationId xmlns:p14="http://schemas.microsoft.com/office/powerpoint/2010/main" val="2137531691"/>
+      </p:ext>
+    </p:extLst>
+  </p:cSld>
+  <p:clrMapOvr>
+    <a:masterClrMapping/>
+  </p:clrMapOvr>
+  <p:timing>
+    <p:tnLst>
+      <p:par>
+        <p:cTn id="1" dur="indefinite" restart="never" nodeType="tmRoot">
+          <p:childTnLst>
+            <p:seq concurrent="1" nextAc="seek">
+              <p:cTn id="2" dur="indefinite" nodeType="mainSeq">
+                <p:childTnLst>
+                  <p:par>
+                    <p:cTn id="3" fill="hold">
+                      <p:stCondLst>
+                        <p:cond delay="indefinite"/>
+                        <p:cond evt="onBegin" delay="0">
+                          <p:tn val="2"/>
+                        </p:cond>
+                      </p:stCondLst>
+                      <p:childTnLst>
+                        <p:par>
+                          <p:cTn id="4" fill="hold">
+                            <p:stCondLst>
+                              <p:cond delay="0"/>
+                            </p:stCondLst>
+                            <p:childTnLst>
+                              <p:par>
+                                <p:cTn id="5" presetID="10" presetClass="entr" presetSubtype="0" fill="hold" grpId="0" nodeType="withEffect">
+                                  <p:stCondLst>
+                                    <p:cond delay="500"/>
+                                  </p:stCondLst>
+                                  <p:iterate>
+                                    <p:tmPct val="10000"/>
+                                  </p:iterate>
+                                  <p:childTnLst>
+                                    <p:set>
+                                      <p:cBhvr>
+                                        <p:cTn id="6" dur="1" fill="hold">
+                                          <p:stCondLst>
+                                            <p:cond delay="0"/>
+                                          </p:stCondLst>
+                                        </p:cTn>
+                                        <p:tgtEl>
+                                          <p:spTgt spid="2"/>
+                                        </p:tgtEl>
+                                        <p:attrNameLst>
+                                          <p:attrName>style.visibility</p:attrName>
+                                        </p:attrNameLst>
+                                      </p:cBhvr>
+                                      <p:to>
+                                        <p:strVal val="visible"/>
+                                      </p:to>
+                                    </p:set>
+                                    <p:animEffect transition="in" filter="fade">
+                                      <p:cBhvr>
+                                        <p:cTn id="7" dur="700"/>
+                                        <p:tgtEl>
+                                          <p:spTgt spid="2"/>
+                                        </p:tgtEl>
+                                      </p:cBhvr>
+                                    </p:animEffect>
+                                  </p:childTnLst>
+                                </p:cTn>
+                              </p:par>
+                            </p:childTnLst>
+                          </p:cTn>
+                        </p:par>
+                      </p:childTnLst>
+                    </p:cTn>
+                  </p:par>
+                </p:childTnLst>
+              </p:cTn>
+              <p:prevCondLst>
+                <p:cond evt="onPrev" delay="0">
+                  <p:tgtEl>
+                    <p:sldTgt/>
+                  </p:tgtEl>
+                </p:cond>
+              </p:prevCondLst>
+              <p:nextCondLst>
+                <p:cond evt="onNext" delay="0">
+                  <p:tgtEl>
+                    <p:sldTgt/>
+                  </p:tgtEl>
+                </p:cond>
+              </p:nextCondLst>
+            </p:seq>
+          </p:childTnLst>
+        </p:cTn>
+      </p:par>
+    </p:tnLst>
+    <p:bldLst>
+      <p:bldP spid="2" grpId="0"/>
+    </p:bldLst>
+  </p:timing>
+</p:sld>
+</file>
+
+<file path=ppt/slides/slide12.xml><?xml version="1.0" encoding="utf-8"?>
+<p:sld xmlns:a="http://schemas.openxmlformats.org/drawingml/2006/main" xmlns:r="http://schemas.openxmlformats.org/officeDocument/2006/relationships" xmlns:p="http://schemas.openxmlformats.org/presentationml/2006/main">
+  <p:cSld>
+    <p:bg>
+      <p:bgPr>
+        <a:solidFill>
+          <a:schemeClr val="bg1"/>
+        </a:solidFill>
+        <a:effectLst/>
+      </p:bgPr>
+    </p:bg>
+    <p:spTree>
+      <p:nvGrpSpPr>
+        <p:cNvPr id="1" name=""/>
+        <p:cNvGrpSpPr/>
+        <p:nvPr/>
+      </p:nvGrpSpPr>
+      <p:grpSpPr>
+        <a:xfrm>
+          <a:off x="0" y="0"/>
+          <a:ext cx="0" cy="0"/>
+          <a:chOff x="0" y="0"/>
+          <a:chExt cx="0" cy="0"/>
+        </a:xfrm>
+      </p:grpSpPr>
+      <p:sp>
+        <p:nvSpPr>
+          <p:cNvPr id="18" name="Rectangle 17">
+            <a:extLst>
+              <a:ext uri="{FF2B5EF4-FFF2-40B4-BE49-F238E27FC236}">
+                <a16:creationId xmlns:a16="http://schemas.microsoft.com/office/drawing/2014/main" id="{AE2B703B-46F9-481A-A605-82E2A828C4FA}"/>
+              </a:ext>
+              <a:ext uri="{C183D7F6-B498-43B3-948B-1728B52AA6E4}">
+                <adec:decorative xmlns:adec="http://schemas.microsoft.com/office/drawing/2017/decorative" val="1"/>
+              </a:ext>
+            </a:extLst>
+          </p:cNvPr>
+          <p:cNvSpPr>
+            <a:spLocks noGrp="1" noRot="1" noChangeAspect="1" noMove="1" noResize="1" noEditPoints="1" noAdjustHandles="1" noChangeArrowheads="1" noChangeShapeType="1" noTextEdit="1"/>
+          </p:cNvSpPr>
+          <p:nvPr>
+            <p:extLst>
+              <p:ext uri="{386F3935-93C4-4BCD-93E2-E3B085C9AB24}">
+                <p16:designElem xmlns:p16="http://schemas.microsoft.com/office/powerpoint/2015/main" val="1"/>
+              </p:ext>
+            </p:extLst>
+          </p:nvPr>
+        </p:nvSpPr>
+        <p:spPr>
+          <a:xfrm>
+            <a:off x="0" y="0"/>
+            <a:ext cx="12192000" cy="6858000"/>
+          </a:xfrm>
+          <a:prstGeom prst="rect">
+            <a:avLst/>
+          </a:prstGeom>
+          <a:solidFill>
+            <a:schemeClr val="accent2"/>
+          </a:solidFill>
+          <a:ln>
+            <a:noFill/>
+          </a:ln>
+        </p:spPr>
+        <p:style>
+          <a:lnRef idx="2">
+            <a:schemeClr val="accent1">
+              <a:shade val="50000"/>
+            </a:schemeClr>
+          </a:lnRef>
+          <a:fillRef idx="1">
+            <a:schemeClr val="accent1"/>
+          </a:fillRef>
+          <a:effectRef idx="0">
+            <a:schemeClr val="accent1"/>
+          </a:effectRef>
+          <a:fontRef idx="minor">
+            <a:schemeClr val="lt1"/>
+          </a:fontRef>
+        </p:style>
+        <p:txBody>
+          <a:bodyPr rtlCol="0" anchor="ctr"/>
+          <a:lstStyle/>
+          <a:p>
+            <a:pPr algn="ctr"/>
+            <a:endParaRPr lang="en-US"/>
+          </a:p>
+        </p:txBody>
+      </p:sp>
+      <p:sp>
+        <p:nvSpPr>
+          <p:cNvPr id="2" name="Title 1">
+            <a:extLst>
+              <a:ext uri="{FF2B5EF4-FFF2-40B4-BE49-F238E27FC236}">
+                <a16:creationId xmlns:a16="http://schemas.microsoft.com/office/drawing/2014/main" id="{345B2832-E771-443B-B1B8-2523E4501E5C}"/>
+              </a:ext>
+            </a:extLst>
+          </p:cNvPr>
+          <p:cNvSpPr>
+            <a:spLocks noGrp="1"/>
+          </p:cNvSpPr>
+          <p:nvPr>
+            <p:ph type="title"/>
+          </p:nvPr>
+        </p:nvSpPr>
+        <p:spPr>
+          <a:xfrm>
+            <a:off x="838200" y="459863"/>
+            <a:ext cx="10515600" cy="1004594"/>
+          </a:xfrm>
+        </p:spPr>
+        <p:txBody>
+          <a:bodyPr>
+            <a:normAutofit/>
+          </a:bodyPr>
+          <a:lstStyle/>
+          <a:p>
+            <a:pPr algn="ctr"/>
+            <a:r>
+              <a:rPr lang="en-GB">
+                <a:solidFill>
+                  <a:srgbClr val="FFFFFF"/>
+                </a:solidFill>
+              </a:rPr>
+              <a:t>Test plan</a:t>
+            </a:r>
+          </a:p>
+        </p:txBody>
+      </p:sp>
+      <p:sp>
+        <p:nvSpPr>
+          <p:cNvPr id="20" name="Rectangle: Rounded Corners 19">
+            <a:extLst>
+              <a:ext uri="{FF2B5EF4-FFF2-40B4-BE49-F238E27FC236}">
+                <a16:creationId xmlns:a16="http://schemas.microsoft.com/office/drawing/2014/main" id="{F13BE4D7-0C3D-4906-B230-A1C5B4665CCF}"/>
+              </a:ext>
+              <a:ext uri="{C183D7F6-B498-43B3-948B-1728B52AA6E4}">
+                <adec:decorative xmlns:adec="http://schemas.microsoft.com/office/drawing/2017/decorative" val="1"/>
+              </a:ext>
+            </a:extLst>
+          </p:cNvPr>
+          <p:cNvSpPr>
+            <a:spLocks noGrp="1" noRot="1" noChangeAspect="1" noMove="1" noResize="1" noEditPoints="1" noAdjustHandles="1" noChangeArrowheads="1" noChangeShapeType="1" noTextEdit="1"/>
+          </p:cNvSpPr>
+          <p:nvPr>
+            <p:extLst>
+              <p:ext uri="{386F3935-93C4-4BCD-93E2-E3B085C9AB24}">
+                <p16:designElem xmlns:p16="http://schemas.microsoft.com/office/powerpoint/2015/main" val="1"/>
+              </p:ext>
+            </p:extLst>
+          </p:nvPr>
+        </p:nvSpPr>
+        <p:spPr>
+          <a:xfrm>
+            <a:off x="579496" y="1587970"/>
+            <a:ext cx="11033008" cy="4768380"/>
+          </a:xfrm>
+          <a:prstGeom prst="roundRect">
+            <a:avLst>
+              <a:gd name="adj" fmla="val 3174"/>
+            </a:avLst>
+          </a:prstGeom>
+          <a:solidFill>
+            <a:schemeClr val="bg1">
+              <a:alpha val="95000"/>
+            </a:schemeClr>
+          </a:solidFill>
+          <a:ln>
+            <a:noFill/>
+          </a:ln>
+        </p:spPr>
+        <p:style>
+          <a:lnRef idx="2">
+            <a:schemeClr val="accent1">
+              <a:shade val="50000"/>
+            </a:schemeClr>
+          </a:lnRef>
+          <a:fillRef idx="1">
+            <a:schemeClr val="accent1"/>
+          </a:fillRef>
+          <a:effectRef idx="0">
+            <a:schemeClr val="accent1"/>
+          </a:effectRef>
+          <a:fontRef idx="minor">
+            <a:schemeClr val="lt1"/>
+          </a:fontRef>
+        </p:style>
+        <p:txBody>
+          <a:bodyPr rtlCol="0" anchor="ctr"/>
+          <a:lstStyle/>
+          <a:p>
+            <a:pPr algn="ctr"/>
+            <a:endParaRPr lang="en-US"/>
+          </a:p>
+        </p:txBody>
+      </p:sp>
+      <p:graphicFrame>
+        <p:nvGraphicFramePr>
+          <p:cNvPr id="4" name="Table 4">
+            <a:extLst>
+              <a:ext uri="{FF2B5EF4-FFF2-40B4-BE49-F238E27FC236}">
+                <a16:creationId xmlns:a16="http://schemas.microsoft.com/office/drawing/2014/main" id="{F822C5F0-C226-4EB9-8DC9-6650C21CD76C}"/>
+              </a:ext>
+            </a:extLst>
+          </p:cNvPr>
+          <p:cNvGraphicFramePr>
+            <a:graphicFrameLocks noGrp="1"/>
+          </p:cNvGraphicFramePr>
+          <p:nvPr>
+            <p:ph idx="1"/>
+            <p:extLst>
+              <p:ext uri="{D42A27DB-BD31-4B8C-83A1-F6EECF244321}">
+                <p14:modId xmlns:p14="http://schemas.microsoft.com/office/powerpoint/2010/main" val="2823463759"/>
+              </p:ext>
+            </p:extLst>
+          </p:nvPr>
+        </p:nvGraphicFramePr>
+        <p:xfrm>
+          <a:off x="838200" y="1805622"/>
+          <a:ext cx="10515604" cy="4333075"/>
+        </p:xfrm>
+        <a:graphic>
+          <a:graphicData uri="http://schemas.openxmlformats.org/drawingml/2006/table">
+            <a:tbl>
+              <a:tblPr firstRow="1" bandRow="1">
+                <a:tableStyleId>{5C22544A-7EE6-4342-B048-85BDC9FD1C3A}</a:tableStyleId>
+              </a:tblPr>
+              <a:tblGrid>
+                <a:gridCol w="794546">
+                  <a:extLst>
+                    <a:ext uri="{9D8B030D-6E8A-4147-A177-3AD203B41FA5}">
+                      <a16:colId xmlns:a16="http://schemas.microsoft.com/office/drawing/2014/main" val="3130221010"/>
+                    </a:ext>
+                  </a:extLst>
+                </a:gridCol>
+                <a:gridCol w="1415619">
+                  <a:extLst>
+                    <a:ext uri="{9D8B030D-6E8A-4147-A177-3AD203B41FA5}">
+                      <a16:colId xmlns:a16="http://schemas.microsoft.com/office/drawing/2014/main" val="1820547767"/>
+                    </a:ext>
+                  </a:extLst>
+                </a:gridCol>
+                <a:gridCol w="1096955">
+                  <a:extLst>
+                    <a:ext uri="{9D8B030D-6E8A-4147-A177-3AD203B41FA5}">
+                      <a16:colId xmlns:a16="http://schemas.microsoft.com/office/drawing/2014/main" val="2006923075"/>
+                    </a:ext>
+                  </a:extLst>
+                </a:gridCol>
+                <a:gridCol w="1104138">
+                  <a:extLst>
+                    <a:ext uri="{9D8B030D-6E8A-4147-A177-3AD203B41FA5}">
+                      <a16:colId xmlns:a16="http://schemas.microsoft.com/office/drawing/2014/main" val="2598249986"/>
+                    </a:ext>
+                  </a:extLst>
+                </a:gridCol>
+                <a:gridCol w="1777375">
+                  <a:extLst>
+                    <a:ext uri="{9D8B030D-6E8A-4147-A177-3AD203B41FA5}">
+                      <a16:colId xmlns:a16="http://schemas.microsoft.com/office/drawing/2014/main" val="2814163100"/>
+                    </a:ext>
+                  </a:extLst>
+                </a:gridCol>
+                <a:gridCol w="1550568">
+                  <a:extLst>
+                    <a:ext uri="{9D8B030D-6E8A-4147-A177-3AD203B41FA5}">
+                      <a16:colId xmlns:a16="http://schemas.microsoft.com/office/drawing/2014/main" val="541959587"/>
+                    </a:ext>
+                  </a:extLst>
+                </a:gridCol>
+                <a:gridCol w="2776403">
+                  <a:extLst>
+                    <a:ext uri="{9D8B030D-6E8A-4147-A177-3AD203B41FA5}">
+                      <a16:colId xmlns:a16="http://schemas.microsoft.com/office/drawing/2014/main" val="2057573504"/>
+                    </a:ext>
+                  </a:extLst>
+                </a:gridCol>
+              </a:tblGrid>
+              <a:tr h="807469">
+                <a:tc>
+                  <a:txBody>
+                    <a:bodyPr/>
+                    <a:lstStyle/>
+                    <a:p>
+                      <a:r>
+                        <a:rPr lang="en-GB" sz="1500" dirty="0"/>
+                        <a:t>Menu option</a:t>
+                      </a:r>
+                    </a:p>
+                  </a:txBody>
+                  <a:tcPr marL="76504" marR="76504" marT="38252" marB="38252"/>
+                </a:tc>
+                <a:tc>
+                  <a:txBody>
+                    <a:bodyPr/>
+                    <a:lstStyle/>
+                    <a:p>
+                      <a:r>
+                        <a:rPr lang="en-US" sz="1500" b="1" i="0" kern="1200">
+                          <a:solidFill>
+                            <a:schemeClr val="lt1"/>
+                          </a:solidFill>
+                          <a:effectLst/>
+                          <a:latin typeface="+mn-lt"/>
+                          <a:ea typeface="+mn-ea"/>
+                          <a:cs typeface="+mn-cs"/>
+                        </a:rPr>
+                        <a:t>Variable name​</a:t>
+                      </a:r>
+                      <a:endParaRPr lang="en-GB" sz="1500"/>
+                    </a:p>
+                  </a:txBody>
+                  <a:tcPr marL="76504" marR="76504" marT="38252" marB="38252"/>
+                </a:tc>
+                <a:tc>
+                  <a:txBody>
+                    <a:bodyPr/>
+                    <a:lstStyle/>
+                    <a:p>
+                      <a:r>
+                        <a:rPr lang="en-US" sz="1500" b="1" i="0" kern="1200">
+                          <a:solidFill>
+                            <a:schemeClr val="lt1"/>
+                          </a:solidFill>
+                          <a:effectLst/>
+                          <a:latin typeface="+mn-lt"/>
+                          <a:ea typeface="+mn-ea"/>
+                          <a:cs typeface="+mn-cs"/>
+                        </a:rPr>
+                        <a:t>Test case​</a:t>
+                      </a:r>
+                      <a:endParaRPr lang="en-GB" sz="1500"/>
+                    </a:p>
+                  </a:txBody>
+                  <a:tcPr marL="76504" marR="76504" marT="38252" marB="38252"/>
+                </a:tc>
+                <a:tc>
+                  <a:txBody>
+                    <a:bodyPr/>
+                    <a:lstStyle/>
+                    <a:p>
+                      <a:r>
+                        <a:rPr lang="en-US" sz="1500" b="1" i="0" kern="1200">
+                          <a:solidFill>
+                            <a:schemeClr val="lt1"/>
+                          </a:solidFill>
+                          <a:effectLst/>
+                          <a:latin typeface="+mn-lt"/>
+                          <a:ea typeface="+mn-ea"/>
+                          <a:cs typeface="+mn-cs"/>
+                        </a:rPr>
+                        <a:t>Test data​</a:t>
+                      </a:r>
+                      <a:endParaRPr lang="en-GB" sz="1500"/>
+                    </a:p>
+                  </a:txBody>
+                  <a:tcPr marL="76504" marR="76504" marT="38252" marB="38252"/>
+                </a:tc>
+                <a:tc>
+                  <a:txBody>
+                    <a:bodyPr/>
+                    <a:lstStyle/>
+                    <a:p>
+                      <a:pPr rtl="0" fontAlgn="base"/>
+                      <a:r>
+                        <a:rPr lang="en-US" sz="1500" b="1" i="0" kern="1200">
+                          <a:solidFill>
+                            <a:schemeClr val="lt1"/>
+                          </a:solidFill>
+                          <a:effectLst/>
+                          <a:latin typeface="+mn-lt"/>
+                          <a:ea typeface="+mn-ea"/>
+                          <a:cs typeface="+mn-cs"/>
+                        </a:rPr>
+                        <a:t>Expected ​</a:t>
+                      </a:r>
+                    </a:p>
+                    <a:p>
+                      <a:pPr rtl="0" fontAlgn="base"/>
+                      <a:r>
+                        <a:rPr lang="en-US" sz="1500" b="1" i="0" kern="1200">
+                          <a:solidFill>
+                            <a:schemeClr val="lt1"/>
+                          </a:solidFill>
+                          <a:effectLst/>
+                          <a:latin typeface="+mn-lt"/>
+                          <a:ea typeface="+mn-ea"/>
+                          <a:cs typeface="+mn-cs"/>
+                        </a:rPr>
+                        <a:t>output</a:t>
+                      </a:r>
+                    </a:p>
+                    <a:p>
+                      <a:endParaRPr lang="en-GB" sz="1500"/>
+                    </a:p>
+                  </a:txBody>
+                  <a:tcPr marL="76504" marR="76504" marT="38252" marB="38252"/>
+                </a:tc>
+                <a:tc>
+                  <a:txBody>
+                    <a:bodyPr/>
+                    <a:lstStyle/>
+                    <a:p>
+                      <a:r>
+                        <a:rPr lang="en-US" sz="1500" b="1" i="0" kern="1200">
+                          <a:solidFill>
+                            <a:schemeClr val="lt1"/>
+                          </a:solidFill>
+                          <a:effectLst/>
+                          <a:latin typeface="+mn-lt"/>
+                          <a:ea typeface="+mn-ea"/>
+                          <a:cs typeface="+mn-cs"/>
+                        </a:rPr>
+                        <a:t>Actual Output​</a:t>
+                      </a:r>
+                      <a:endParaRPr lang="en-GB" sz="1500"/>
+                    </a:p>
+                  </a:txBody>
+                  <a:tcPr marL="76504" marR="76504" marT="38252" marB="38252"/>
+                </a:tc>
+                <a:tc>
+                  <a:txBody>
+                    <a:bodyPr/>
+                    <a:lstStyle/>
+                    <a:p>
+                      <a:r>
+                        <a:rPr lang="en-US" sz="1500" b="1" i="0" kern="1200" dirty="0">
+                          <a:solidFill>
+                            <a:schemeClr val="lt1"/>
+                          </a:solidFill>
+                          <a:effectLst/>
+                          <a:latin typeface="+mn-lt"/>
+                          <a:ea typeface="+mn-ea"/>
+                          <a:cs typeface="+mn-cs"/>
+                        </a:rPr>
+                        <a:t>Action needed​</a:t>
+                      </a:r>
+                      <a:endParaRPr lang="en-GB" sz="1500" dirty="0"/>
+                    </a:p>
+                  </a:txBody>
+                  <a:tcPr marL="76504" marR="76504" marT="38252" marB="38252"/>
+                </a:tc>
+                <a:extLst>
+                  <a:ext uri="{0D108BD9-81ED-4DB2-BD59-A6C34878D82A}">
+                    <a16:rowId xmlns:a16="http://schemas.microsoft.com/office/drawing/2014/main" val="3543276203"/>
+                  </a:ext>
+                </a:extLst>
+              </a:tr>
+              <a:tr h="574182">
+                <a:tc>
+                  <a:txBody>
+                    <a:bodyPr/>
+                    <a:lstStyle/>
+                    <a:p>
+                      <a:r>
+                        <a:rPr lang="en-GB" sz="1500" dirty="0"/>
+                        <a:t>1, 2</a:t>
+                      </a:r>
+                    </a:p>
+                  </a:txBody>
+                  <a:tcPr marL="76504" marR="76504" marT="38252" marB="38252"/>
+                </a:tc>
+                <a:tc>
+                  <a:txBody>
+                    <a:bodyPr/>
+                    <a:lstStyle/>
+                    <a:p>
+                      <a:pPr marL="0" marR="0" lvl="0" indent="0" algn="l" defTabSz="914400" rtl="0" eaLnBrk="1" fontAlgn="auto" latinLnBrk="0" hangingPunct="1">
+                        <a:lnSpc>
+                          <a:spcPct val="100000"/>
+                        </a:lnSpc>
+                        <a:spcBef>
+                          <a:spcPts val="0"/>
+                        </a:spcBef>
+                        <a:spcAft>
+                          <a:spcPts val="0"/>
+                        </a:spcAft>
+                        <a:buClrTx/>
+                        <a:buSzTx/>
+                        <a:buFontTx/>
+                        <a:buNone/>
+                        <a:tabLst/>
+                        <a:defRPr/>
+                      </a:pPr>
+                      <a:r>
+                        <a:rPr lang="en-GB" sz="1500" b="0" kern="1200" dirty="0" err="1">
+                          <a:solidFill>
+                            <a:schemeClr val="dk1"/>
+                          </a:solidFill>
+                          <a:effectLst/>
+                          <a:latin typeface="+mn-lt"/>
+                          <a:ea typeface="+mn-ea"/>
+                          <a:cs typeface="+mn-cs"/>
+                        </a:rPr>
+                        <a:t>student_id</a:t>
+                      </a:r>
+                      <a:endParaRPr lang="en-GB" sz="1500" b="0" kern="1200" dirty="0">
+                        <a:solidFill>
+                          <a:schemeClr val="dk1"/>
+                        </a:solidFill>
+                        <a:effectLst/>
+                        <a:latin typeface="+mn-lt"/>
+                        <a:ea typeface="+mn-ea"/>
+                        <a:cs typeface="+mn-cs"/>
+                      </a:endParaRPr>
+                    </a:p>
+                  </a:txBody>
+                  <a:tcPr marL="76504" marR="76504" marT="38252" marB="38252"/>
+                </a:tc>
+                <a:tc>
+                  <a:txBody>
+                    <a:bodyPr/>
+                    <a:lstStyle/>
+                    <a:p>
+                      <a:r>
+                        <a:rPr lang="en-US" sz="1500" b="0" i="0" kern="1200">
+                          <a:solidFill>
+                            <a:schemeClr val="dk1"/>
+                          </a:solidFill>
+                          <a:effectLst/>
+                          <a:latin typeface="+mn-lt"/>
+                          <a:ea typeface="+mn-ea"/>
+                          <a:cs typeface="+mn-cs"/>
+                        </a:rPr>
+                        <a:t>invalid</a:t>
+                      </a:r>
+                      <a:endParaRPr lang="en-GB" sz="1500"/>
+                    </a:p>
+                  </a:txBody>
+                  <a:tcPr marL="76504" marR="76504" marT="38252" marB="38252"/>
+                </a:tc>
+                <a:tc>
+                  <a:txBody>
+                    <a:bodyPr/>
+                    <a:lstStyle/>
+                    <a:p>
+                      <a:r>
+                        <a:rPr lang="en-GB" sz="1500"/>
+                        <a:t>“S4”</a:t>
+                      </a:r>
+                    </a:p>
+                  </a:txBody>
+                  <a:tcPr marL="76504" marR="76504" marT="38252" marB="38252"/>
+                </a:tc>
+                <a:tc>
+                  <a:txBody>
+                    <a:bodyPr/>
+                    <a:lstStyle/>
+                    <a:p>
+                      <a:r>
+                        <a:rPr lang="en-GB" sz="1500" dirty="0"/>
+                        <a:t>"That student ID was invalid\</a:t>
+                      </a:r>
+                      <a:r>
+                        <a:rPr lang="en-GB" sz="1500" dirty="0" err="1"/>
+                        <a:t>nTry</a:t>
+                      </a:r>
+                      <a:r>
+                        <a:rPr lang="en-GB" sz="1500" dirty="0"/>
+                        <a:t> another one "</a:t>
+                      </a:r>
+                    </a:p>
+                  </a:txBody>
+                  <a:tcPr marL="76504" marR="76504" marT="38252" marB="38252"/>
+                </a:tc>
+                <a:tc>
+                  <a:txBody>
+                    <a:bodyPr/>
+                    <a:lstStyle/>
+                    <a:p>
+                      <a:r>
+                        <a:rPr lang="en-GB" sz="1500" dirty="0"/>
+                        <a:t>"That student ID was invalid\</a:t>
+                      </a:r>
+                      <a:r>
+                        <a:rPr lang="en-GB" sz="1500" dirty="0" err="1"/>
+                        <a:t>nTry</a:t>
+                      </a:r>
+                      <a:r>
+                        <a:rPr lang="en-GB" sz="1500" dirty="0"/>
+                        <a:t> another one "</a:t>
+                      </a:r>
+                    </a:p>
+                  </a:txBody>
+                  <a:tcPr marL="76504" marR="76504" marT="38252" marB="38252"/>
+                </a:tc>
+                <a:tc>
+                  <a:txBody>
+                    <a:bodyPr/>
+                    <a:lstStyle/>
+                    <a:p>
+                      <a:r>
+                        <a:rPr lang="en-GB" sz="1500" dirty="0"/>
+                        <a:t>Complete</a:t>
+                      </a:r>
+                    </a:p>
+                  </a:txBody>
+                  <a:tcPr marL="76504" marR="76504" marT="38252" marB="38252"/>
+                </a:tc>
+                <a:extLst>
+                  <a:ext uri="{0D108BD9-81ED-4DB2-BD59-A6C34878D82A}">
+                    <a16:rowId xmlns:a16="http://schemas.microsoft.com/office/drawing/2014/main" val="2553689190"/>
+                  </a:ext>
+                </a:extLst>
+              </a:tr>
+              <a:tr h="574182">
+                <a:tc>
+                  <a:txBody>
+                    <a:bodyPr/>
+                    <a:lstStyle/>
+                    <a:p>
+                      <a:r>
+                        <a:rPr lang="en-GB" sz="1500" dirty="0"/>
+                        <a:t>2</a:t>
+                      </a:r>
+                    </a:p>
+                  </a:txBody>
+                  <a:tcPr marL="76504" marR="76504" marT="38252" marB="38252"/>
+                </a:tc>
+                <a:tc>
+                  <a:txBody>
+                    <a:bodyPr/>
+                    <a:lstStyle/>
+                    <a:p>
+                      <a:pPr marL="0" marR="0" lvl="0" indent="0" algn="l" defTabSz="914400" rtl="0" eaLnBrk="1" fontAlgn="auto" latinLnBrk="0" hangingPunct="1">
+                        <a:lnSpc>
+                          <a:spcPct val="100000"/>
+                        </a:lnSpc>
+                        <a:spcBef>
+                          <a:spcPts val="0"/>
+                        </a:spcBef>
+                        <a:spcAft>
+                          <a:spcPts val="0"/>
+                        </a:spcAft>
+                        <a:buClrTx/>
+                        <a:buSzTx/>
+                        <a:buFontTx/>
+                        <a:buNone/>
+                        <a:tabLst/>
+                        <a:defRPr/>
+                      </a:pPr>
+                      <a:r>
+                        <a:rPr lang="en-GB" sz="1500" b="0" kern="1200">
+                          <a:solidFill>
+                            <a:schemeClr val="dk1"/>
+                          </a:solidFill>
+                          <a:effectLst/>
+                          <a:latin typeface="+mn-lt"/>
+                          <a:ea typeface="+mn-ea"/>
+                          <a:cs typeface="+mn-cs"/>
+                        </a:rPr>
+                        <a:t>subject</a:t>
+                      </a:r>
+                    </a:p>
+                    <a:p>
+                      <a:endParaRPr lang="en-GB" sz="1500" dirty="0"/>
+                    </a:p>
+                  </a:txBody>
+                  <a:tcPr marL="76504" marR="76504" marT="38252" marB="38252"/>
+                </a:tc>
+                <a:tc>
+                  <a:txBody>
+                    <a:bodyPr/>
+                    <a:lstStyle/>
+                    <a:p>
+                      <a:r>
+                        <a:rPr lang="en-GB" sz="1500"/>
+                        <a:t>Boundary</a:t>
+                      </a:r>
+                      <a:endParaRPr lang="en-GB" sz="1500" dirty="0"/>
+                    </a:p>
+                  </a:txBody>
+                  <a:tcPr marL="76504" marR="76504" marT="38252" marB="38252"/>
+                </a:tc>
+                <a:tc>
+                  <a:txBody>
+                    <a:bodyPr/>
+                    <a:lstStyle/>
+                    <a:p>
+                      <a:r>
+                        <a:rPr lang="en-GB" sz="1500"/>
+                        <a:t>“maths”</a:t>
+                      </a:r>
+                      <a:endParaRPr lang="en-GB" sz="1500" dirty="0"/>
+                    </a:p>
+                  </a:txBody>
+                  <a:tcPr marL="76504" marR="76504" marT="38252" marB="38252"/>
+                </a:tc>
+                <a:tc>
+                  <a:txBody>
+                    <a:bodyPr/>
+                    <a:lstStyle/>
+                    <a:p>
+                      <a:pPr marL="0" marR="0" lvl="0" indent="0" algn="l" defTabSz="914400" rtl="0" eaLnBrk="1" fontAlgn="auto" latinLnBrk="0" hangingPunct="1">
+                        <a:lnSpc>
+                          <a:spcPct val="100000"/>
+                        </a:lnSpc>
+                        <a:spcBef>
+                          <a:spcPts val="0"/>
+                        </a:spcBef>
+                        <a:spcAft>
+                          <a:spcPts val="0"/>
+                        </a:spcAft>
+                        <a:buClrTx/>
+                        <a:buSzTx/>
+                        <a:buFontTx/>
+                        <a:buNone/>
+                        <a:tabLst/>
+                        <a:defRPr/>
+                      </a:pPr>
+                      <a:r>
+                        <a:rPr lang="en-GB" sz="1500" b="0" kern="1200" dirty="0">
+                          <a:solidFill>
+                            <a:schemeClr val="dk1"/>
+                          </a:solidFill>
+                          <a:effectLst/>
+                          <a:latin typeface="+mn-lt"/>
+                          <a:ea typeface="+mn-ea"/>
+                          <a:cs typeface="+mn-cs"/>
+                        </a:rPr>
+                        <a:t>"What is the new mark?”</a:t>
+                      </a:r>
+                    </a:p>
+                  </a:txBody>
+                  <a:tcPr marL="76504" marR="76504" marT="38252" marB="38252"/>
+                </a:tc>
+                <a:tc>
+                  <a:txBody>
+                    <a:bodyPr/>
+                    <a:lstStyle/>
+                    <a:p>
+                      <a:pPr marL="0" marR="0" lvl="0" indent="0" algn="l" defTabSz="914400" rtl="0" eaLnBrk="1" fontAlgn="auto" latinLnBrk="0" hangingPunct="1">
+                        <a:lnSpc>
+                          <a:spcPct val="100000"/>
+                        </a:lnSpc>
+                        <a:spcBef>
+                          <a:spcPts val="0"/>
+                        </a:spcBef>
+                        <a:spcAft>
+                          <a:spcPts val="0"/>
+                        </a:spcAft>
+                        <a:buClrTx/>
+                        <a:buSzTx/>
+                        <a:buFontTx/>
+                        <a:buNone/>
+                        <a:tabLst/>
+                        <a:defRPr/>
+                      </a:pPr>
+                      <a:r>
+                        <a:rPr lang="en-GB" sz="1500" b="0" kern="1200" dirty="0">
+                          <a:solidFill>
+                            <a:schemeClr val="dk1"/>
+                          </a:solidFill>
+                          <a:effectLst/>
+                          <a:latin typeface="+mn-lt"/>
+                          <a:ea typeface="+mn-ea"/>
+                          <a:cs typeface="+mn-cs"/>
+                        </a:rPr>
+                        <a:t>"What is the new mark?”</a:t>
+                      </a:r>
+                    </a:p>
+                  </a:txBody>
+                  <a:tcPr marL="76504" marR="76504" marT="38252" marB="38252"/>
+                </a:tc>
+                <a:tc>
+                  <a:txBody>
+                    <a:bodyPr/>
+                    <a:lstStyle/>
+                    <a:p>
+                      <a:r>
+                        <a:rPr lang="en-GB" sz="1500" dirty="0"/>
+                        <a:t>Complete</a:t>
+                      </a:r>
+                    </a:p>
+                  </a:txBody>
+                  <a:tcPr marL="76504" marR="76504" marT="38252" marB="38252"/>
+                </a:tc>
+                <a:extLst>
+                  <a:ext uri="{0D108BD9-81ED-4DB2-BD59-A6C34878D82A}">
+                    <a16:rowId xmlns:a16="http://schemas.microsoft.com/office/drawing/2014/main" val="1833056172"/>
+                  </a:ext>
+                </a:extLst>
+              </a:tr>
+              <a:tr h="574182">
+                <a:tc>
+                  <a:txBody>
+                    <a:bodyPr/>
+                    <a:lstStyle/>
+                    <a:p>
+                      <a:r>
+                        <a:rPr lang="en-GB" sz="1500" dirty="0"/>
+                        <a:t>2</a:t>
+                      </a:r>
+                    </a:p>
+                  </a:txBody>
+                  <a:tcPr marL="76504" marR="76504" marT="38252" marB="38252"/>
+                </a:tc>
+                <a:tc>
+                  <a:txBody>
+                    <a:bodyPr/>
+                    <a:lstStyle/>
+                    <a:p>
+                      <a:r>
+                        <a:rPr lang="en-GB" sz="1500" b="0" kern="1200">
+                          <a:solidFill>
+                            <a:schemeClr val="dk1"/>
+                          </a:solidFill>
+                          <a:effectLst/>
+                          <a:latin typeface="+mn-lt"/>
+                          <a:ea typeface="+mn-ea"/>
+                          <a:cs typeface="+mn-cs"/>
+                        </a:rPr>
+                        <a:t>student[i+1]</a:t>
+                      </a:r>
+                    </a:p>
+                  </a:txBody>
+                  <a:tcPr marL="76504" marR="76504" marT="38252" marB="38252"/>
+                </a:tc>
+                <a:tc>
+                  <a:txBody>
+                    <a:bodyPr/>
+                    <a:lstStyle/>
+                    <a:p>
+                      <a:r>
+                        <a:rPr lang="en-GB" sz="1500"/>
+                        <a:t>invalid</a:t>
+                      </a:r>
+                    </a:p>
+                  </a:txBody>
+                  <a:tcPr marL="76504" marR="76504" marT="38252" marB="38252"/>
+                </a:tc>
+                <a:tc>
+                  <a:txBody>
+                    <a:bodyPr/>
+                    <a:lstStyle/>
+                    <a:p>
+                      <a:r>
+                        <a:rPr lang="en-GB" sz="1500"/>
+                        <a:t>“Hello”</a:t>
+                      </a:r>
+                    </a:p>
+                  </a:txBody>
+                  <a:tcPr marL="76504" marR="76504" marT="38252" marB="38252"/>
+                </a:tc>
+                <a:tc>
+                  <a:txBody>
+                    <a:bodyPr/>
+                    <a:lstStyle/>
+                    <a:p>
+                      <a:pPr marL="0" marR="0" lvl="0" indent="0" algn="l" defTabSz="914400" rtl="0" eaLnBrk="1" fontAlgn="auto" latinLnBrk="0" hangingPunct="1">
+                        <a:lnSpc>
+                          <a:spcPct val="100000"/>
+                        </a:lnSpc>
+                        <a:spcBef>
+                          <a:spcPts val="0"/>
+                        </a:spcBef>
+                        <a:spcAft>
+                          <a:spcPts val="0"/>
+                        </a:spcAft>
+                        <a:buClrTx/>
+                        <a:buSzTx/>
+                        <a:buFontTx/>
+                        <a:buNone/>
+                        <a:tabLst/>
+                        <a:defRPr/>
+                      </a:pPr>
+                      <a:r>
+                        <a:rPr lang="en-GB" sz="1500" dirty="0"/>
+                        <a:t>"You must enter a number"</a:t>
+                      </a:r>
+                      <a:endParaRPr lang="en-GB" sz="1500" b="0" kern="1200" dirty="0">
+                        <a:solidFill>
+                          <a:schemeClr val="dk1"/>
+                        </a:solidFill>
+                        <a:effectLst/>
+                        <a:latin typeface="+mn-lt"/>
+                        <a:ea typeface="+mn-ea"/>
+                        <a:cs typeface="+mn-cs"/>
+                      </a:endParaRPr>
+                    </a:p>
+                  </a:txBody>
+                  <a:tcPr marL="76504" marR="76504" marT="38252" marB="38252"/>
+                </a:tc>
+                <a:tc>
+                  <a:txBody>
+                    <a:bodyPr/>
+                    <a:lstStyle/>
+                    <a:p>
+                      <a:pPr marL="0" marR="0" lvl="0" indent="0" algn="l" defTabSz="914400" rtl="0" eaLnBrk="1" fontAlgn="auto" latinLnBrk="0" hangingPunct="1">
+                        <a:lnSpc>
+                          <a:spcPct val="100000"/>
+                        </a:lnSpc>
+                        <a:spcBef>
+                          <a:spcPts val="0"/>
+                        </a:spcBef>
+                        <a:spcAft>
+                          <a:spcPts val="0"/>
+                        </a:spcAft>
+                        <a:buClrTx/>
+                        <a:buSzTx/>
+                        <a:buFontTx/>
+                        <a:buNone/>
+                        <a:tabLst/>
+                        <a:defRPr/>
+                      </a:pPr>
+                      <a:r>
+                        <a:rPr lang="en-GB" sz="1500" b="0" kern="1200" dirty="0">
+                          <a:solidFill>
+                            <a:schemeClr val="dk1"/>
+                          </a:solidFill>
+                          <a:effectLst/>
+                          <a:latin typeface="+mn-lt"/>
+                          <a:ea typeface="+mn-ea"/>
+                          <a:cs typeface="+mn-cs"/>
+                        </a:rPr>
+                        <a:t>"You must enter a number”</a:t>
+                      </a:r>
+                    </a:p>
+                  </a:txBody>
+                  <a:tcPr marL="76504" marR="76504" marT="38252" marB="38252"/>
+                </a:tc>
+                <a:tc>
+                  <a:txBody>
+                    <a:bodyPr/>
+                    <a:lstStyle/>
+                    <a:p>
+                      <a:pPr marL="0" marR="0" lvl="0" indent="0" algn="l" defTabSz="914400" rtl="0" eaLnBrk="1" fontAlgn="auto" latinLnBrk="0" hangingPunct="1">
+                        <a:lnSpc>
+                          <a:spcPct val="100000"/>
+                        </a:lnSpc>
+                        <a:spcBef>
+                          <a:spcPts val="0"/>
+                        </a:spcBef>
+                        <a:spcAft>
+                          <a:spcPts val="0"/>
+                        </a:spcAft>
+                        <a:buClrTx/>
+                        <a:buSzTx/>
+                        <a:buFontTx/>
+                        <a:buNone/>
+                        <a:tabLst/>
+                        <a:defRPr/>
+                      </a:pPr>
+                      <a:r>
+                        <a:rPr lang="en-GB" sz="1500" dirty="0"/>
+                        <a:t>Complete</a:t>
+                      </a:r>
+                    </a:p>
+                    <a:p>
+                      <a:endParaRPr lang="en-GB" sz="1500" dirty="0"/>
+                    </a:p>
+                  </a:txBody>
+                  <a:tcPr marL="76504" marR="76504" marT="38252" marB="38252"/>
+                </a:tc>
+                <a:extLst>
+                  <a:ext uri="{0D108BD9-81ED-4DB2-BD59-A6C34878D82A}">
+                    <a16:rowId xmlns:a16="http://schemas.microsoft.com/office/drawing/2014/main" val="1777630936"/>
+                  </a:ext>
+                </a:extLst>
+              </a:tr>
+              <a:tr h="807469">
+                <a:tc>
+                  <a:txBody>
+                    <a:bodyPr/>
+                    <a:lstStyle/>
+                    <a:p>
+                      <a:r>
+                        <a:rPr lang="en-GB" sz="1500" dirty="0"/>
+                        <a:t>2</a:t>
+                      </a:r>
+                    </a:p>
+                  </a:txBody>
+                  <a:tcPr marL="76504" marR="76504" marT="38252" marB="38252"/>
+                </a:tc>
+                <a:tc>
+                  <a:txBody>
+                    <a:bodyPr/>
+                    <a:lstStyle/>
+                    <a:p>
+                      <a:pPr marL="0" marR="0" lvl="0" indent="0" algn="l" defTabSz="914400" rtl="0" eaLnBrk="1" fontAlgn="auto" latinLnBrk="0" hangingPunct="1">
+                        <a:lnSpc>
+                          <a:spcPct val="100000"/>
+                        </a:lnSpc>
+                        <a:spcBef>
+                          <a:spcPts val="0"/>
+                        </a:spcBef>
+                        <a:spcAft>
+                          <a:spcPts val="0"/>
+                        </a:spcAft>
+                        <a:buClrTx/>
+                        <a:buSzTx/>
+                        <a:buFontTx/>
+                        <a:buNone/>
+                        <a:tabLst/>
+                        <a:defRPr/>
+                      </a:pPr>
+                      <a:r>
+                        <a:rPr lang="en-GB" sz="1500" b="0" kern="1200" dirty="0">
+                          <a:solidFill>
+                            <a:schemeClr val="dk1"/>
+                          </a:solidFill>
+                          <a:effectLst/>
+                          <a:latin typeface="+mn-lt"/>
+                          <a:ea typeface="+mn-ea"/>
+                          <a:cs typeface="+mn-cs"/>
+                        </a:rPr>
+                        <a:t>student[i+1]</a:t>
+                      </a:r>
+                    </a:p>
+                    <a:p>
+                      <a:endParaRPr lang="en-GB" sz="1500" b="0" kern="1200" dirty="0">
+                        <a:solidFill>
+                          <a:schemeClr val="dk1"/>
+                        </a:solidFill>
+                        <a:effectLst/>
+                        <a:latin typeface="+mn-lt"/>
+                        <a:ea typeface="+mn-ea"/>
+                        <a:cs typeface="+mn-cs"/>
+                      </a:endParaRPr>
+                    </a:p>
+                  </a:txBody>
+                  <a:tcPr marL="76504" marR="76504" marT="38252" marB="38252"/>
+                </a:tc>
+                <a:tc>
+                  <a:txBody>
+                    <a:bodyPr/>
+                    <a:lstStyle/>
+                    <a:p>
+                      <a:r>
+                        <a:rPr lang="en-GB" sz="1500"/>
+                        <a:t>invalid</a:t>
+                      </a:r>
+                    </a:p>
+                  </a:txBody>
+                  <a:tcPr marL="76504" marR="76504" marT="38252" marB="38252"/>
+                </a:tc>
+                <a:tc>
+                  <a:txBody>
+                    <a:bodyPr/>
+                    <a:lstStyle/>
+                    <a:p>
+                      <a:r>
+                        <a:rPr lang="en-GB" sz="1500" dirty="0"/>
+                        <a:t>“S1”</a:t>
+                      </a:r>
+                    </a:p>
+                  </a:txBody>
+                  <a:tcPr marL="76504" marR="76504" marT="38252" marB="38252"/>
+                </a:tc>
+                <a:tc>
+                  <a:txBody>
+                    <a:bodyPr/>
+                    <a:lstStyle/>
+                    <a:p>
+                      <a:pPr marL="0" marR="0" lvl="0" indent="0" algn="l" defTabSz="914400" rtl="0" eaLnBrk="1" fontAlgn="auto" latinLnBrk="0" hangingPunct="1">
+                        <a:lnSpc>
+                          <a:spcPct val="100000"/>
+                        </a:lnSpc>
+                        <a:spcBef>
+                          <a:spcPts val="0"/>
+                        </a:spcBef>
+                        <a:spcAft>
+                          <a:spcPts val="0"/>
+                        </a:spcAft>
+                        <a:buClrTx/>
+                        <a:buSzTx/>
+                        <a:buFontTx/>
+                        <a:buNone/>
+                        <a:tabLst/>
+                        <a:defRPr/>
+                      </a:pPr>
+                      <a:r>
+                        <a:rPr lang="en-GB" sz="1500" dirty="0"/>
+                        <a:t>"You must enter a number"</a:t>
+                      </a:r>
+                      <a:endParaRPr lang="en-GB" sz="1500" b="0" kern="1200" dirty="0">
+                        <a:solidFill>
+                          <a:schemeClr val="dk1"/>
+                        </a:solidFill>
+                        <a:effectLst/>
+                        <a:latin typeface="+mn-lt"/>
+                        <a:ea typeface="+mn-ea"/>
+                        <a:cs typeface="+mn-cs"/>
+                      </a:endParaRPr>
+                    </a:p>
+                    <a:p>
+                      <a:pPr marL="0" marR="0" lvl="0" indent="0" algn="l" defTabSz="914400" rtl="0" eaLnBrk="1" fontAlgn="auto" latinLnBrk="0" hangingPunct="1">
+                        <a:lnSpc>
+                          <a:spcPct val="100000"/>
+                        </a:lnSpc>
+                        <a:spcBef>
+                          <a:spcPts val="0"/>
+                        </a:spcBef>
+                        <a:spcAft>
+                          <a:spcPts val="0"/>
+                        </a:spcAft>
+                        <a:buClrTx/>
+                        <a:buSzTx/>
+                        <a:buFontTx/>
+                        <a:buNone/>
+                        <a:tabLst/>
+                        <a:defRPr/>
+                      </a:pPr>
+                      <a:endParaRPr lang="en-GB" sz="1500" b="0" kern="1200" dirty="0">
+                        <a:solidFill>
+                          <a:schemeClr val="dk1"/>
+                        </a:solidFill>
+                        <a:effectLst/>
+                        <a:latin typeface="+mn-lt"/>
+                        <a:ea typeface="+mn-ea"/>
+                        <a:cs typeface="+mn-cs"/>
+                      </a:endParaRPr>
+                    </a:p>
+                  </a:txBody>
+                  <a:tcPr marL="76504" marR="76504" marT="38252" marB="38252"/>
+                </a:tc>
+                <a:tc>
+                  <a:txBody>
+                    <a:bodyPr/>
+                    <a:lstStyle/>
+                    <a:p>
+                      <a:pPr marL="0" marR="0" lvl="0" indent="0" algn="l" defTabSz="914400" rtl="0" eaLnBrk="1" fontAlgn="auto" latinLnBrk="0" hangingPunct="1">
+                        <a:lnSpc>
+                          <a:spcPct val="100000"/>
+                        </a:lnSpc>
+                        <a:spcBef>
+                          <a:spcPts val="0"/>
+                        </a:spcBef>
+                        <a:spcAft>
+                          <a:spcPts val="0"/>
+                        </a:spcAft>
+                        <a:buClrTx/>
+                        <a:buSzTx/>
+                        <a:buFontTx/>
+                        <a:buNone/>
+                        <a:tabLst/>
+                        <a:defRPr/>
+                      </a:pPr>
+                      <a:r>
+                        <a:rPr lang="en-GB" sz="1500" dirty="0"/>
+                        <a:t>"You must enter a number"</a:t>
+                      </a:r>
+                      <a:endParaRPr lang="en-GB" sz="1500" b="0" kern="1200" dirty="0">
+                        <a:solidFill>
+                          <a:schemeClr val="dk1"/>
+                        </a:solidFill>
+                        <a:effectLst/>
+                        <a:latin typeface="+mn-lt"/>
+                        <a:ea typeface="+mn-ea"/>
+                        <a:cs typeface="+mn-cs"/>
+                      </a:endParaRPr>
+                    </a:p>
+                    <a:p>
+                      <a:pPr marL="0" marR="0" lvl="0" indent="0" algn="l" defTabSz="914400" rtl="0" eaLnBrk="1" fontAlgn="auto" latinLnBrk="0" hangingPunct="1">
+                        <a:lnSpc>
+                          <a:spcPct val="100000"/>
+                        </a:lnSpc>
+                        <a:spcBef>
+                          <a:spcPts val="0"/>
+                        </a:spcBef>
+                        <a:spcAft>
+                          <a:spcPts val="0"/>
+                        </a:spcAft>
+                        <a:buClrTx/>
+                        <a:buSzTx/>
+                        <a:buFontTx/>
+                        <a:buNone/>
+                        <a:tabLst/>
+                        <a:defRPr/>
+                      </a:pPr>
+                      <a:endParaRPr lang="en-GB" sz="1500" b="0" kern="1200" dirty="0">
+                        <a:solidFill>
+                          <a:schemeClr val="dk1"/>
+                        </a:solidFill>
+                        <a:effectLst/>
+                        <a:latin typeface="+mn-lt"/>
+                        <a:ea typeface="+mn-ea"/>
+                        <a:cs typeface="+mn-cs"/>
+                      </a:endParaRPr>
+                    </a:p>
+                  </a:txBody>
+                  <a:tcPr marL="76504" marR="76504" marT="38252" marB="38252"/>
+                </a:tc>
+                <a:tc>
+                  <a:txBody>
+                    <a:bodyPr/>
+                    <a:lstStyle/>
+                    <a:p>
+                      <a:r>
+                        <a:rPr lang="en-GB" sz="1500" dirty="0"/>
+                        <a:t>Complete</a:t>
+                      </a:r>
+                    </a:p>
+                  </a:txBody>
+                  <a:tcPr marL="76504" marR="76504" marT="38252" marB="38252"/>
+                </a:tc>
+                <a:extLst>
+                  <a:ext uri="{0D108BD9-81ED-4DB2-BD59-A6C34878D82A}">
+                    <a16:rowId xmlns:a16="http://schemas.microsoft.com/office/drawing/2014/main" val="2667920187"/>
+                  </a:ext>
+                </a:extLst>
+              </a:tr>
+              <a:tr h="807469">
+                <a:tc>
+                  <a:txBody>
+                    <a:bodyPr/>
+                    <a:lstStyle/>
+                    <a:p>
+                      <a:r>
+                        <a:rPr lang="en-GB" sz="1500" dirty="0"/>
+                        <a:t>5</a:t>
+                      </a:r>
+                    </a:p>
+                  </a:txBody>
+                  <a:tcPr marL="76504" marR="76504" marT="38252" marB="38252"/>
+                </a:tc>
+                <a:tc>
+                  <a:txBody>
+                    <a:bodyPr/>
+                    <a:lstStyle/>
+                    <a:p>
+                      <a:r>
+                        <a:rPr lang="en-GB" sz="1500" b="0" kern="1200" dirty="0">
+                          <a:solidFill>
+                            <a:schemeClr val="dk1"/>
+                          </a:solidFill>
+                          <a:effectLst/>
+                          <a:latin typeface="+mn-lt"/>
+                          <a:ea typeface="+mn-ea"/>
+                          <a:cs typeface="+mn-cs"/>
+                        </a:rPr>
+                        <a:t>N/A</a:t>
+                      </a:r>
+                    </a:p>
+                  </a:txBody>
+                  <a:tcPr marL="76504" marR="76504" marT="38252" marB="38252"/>
+                </a:tc>
+                <a:tc>
+                  <a:txBody>
+                    <a:bodyPr/>
+                    <a:lstStyle/>
+                    <a:p>
+                      <a:endParaRPr lang="en-GB" sz="1500"/>
+                    </a:p>
+                  </a:txBody>
+                  <a:tcPr marL="76504" marR="76504" marT="38252" marB="38252"/>
+                </a:tc>
+                <a:tc>
+                  <a:txBody>
+                    <a:bodyPr/>
+                    <a:lstStyle/>
+                    <a:p>
+                      <a:endParaRPr lang="en-GB" sz="1500" dirty="0"/>
+                    </a:p>
+                  </a:txBody>
+                  <a:tcPr marL="76504" marR="76504" marT="38252" marB="38252"/>
+                </a:tc>
+                <a:tc>
+                  <a:txBody>
+                    <a:bodyPr/>
+                    <a:lstStyle/>
+                    <a:p>
+                      <a:pPr marL="0" marR="0" lvl="0" indent="0" algn="l" defTabSz="914400" rtl="0" eaLnBrk="1" fontAlgn="auto" latinLnBrk="0" hangingPunct="1">
+                        <a:lnSpc>
+                          <a:spcPct val="100000"/>
+                        </a:lnSpc>
+                        <a:spcBef>
+                          <a:spcPts val="0"/>
+                        </a:spcBef>
+                        <a:spcAft>
+                          <a:spcPts val="0"/>
+                        </a:spcAft>
+                        <a:buClrTx/>
+                        <a:buSzTx/>
+                        <a:buFontTx/>
+                        <a:buNone/>
+                        <a:tabLst/>
+                        <a:defRPr/>
+                      </a:pPr>
+                      <a:r>
+                        <a:rPr lang="en-GB" sz="1500" b="0" kern="1200" dirty="0">
+                          <a:solidFill>
+                            <a:schemeClr val="dk1"/>
+                          </a:solidFill>
+                          <a:effectLst/>
+                          <a:latin typeface="+mn-lt"/>
+                          <a:ea typeface="+mn-ea"/>
+                          <a:cs typeface="+mn-cs"/>
+                        </a:rPr>
+                        <a:t>Student leader board</a:t>
+                      </a:r>
+                    </a:p>
+                  </a:txBody>
+                  <a:tcPr marL="76504" marR="76504" marT="38252" marB="38252"/>
+                </a:tc>
+                <a:tc>
+                  <a:txBody>
+                    <a:bodyPr/>
+                    <a:lstStyle/>
+                    <a:p>
+                      <a:pPr marL="0" marR="0" lvl="0" indent="0" algn="l" defTabSz="914400" rtl="0" eaLnBrk="1" fontAlgn="auto" latinLnBrk="0" hangingPunct="1">
+                        <a:lnSpc>
+                          <a:spcPct val="100000"/>
+                        </a:lnSpc>
+                        <a:spcBef>
+                          <a:spcPts val="0"/>
+                        </a:spcBef>
+                        <a:spcAft>
+                          <a:spcPts val="0"/>
+                        </a:spcAft>
+                        <a:buClrTx/>
+                        <a:buSzTx/>
+                        <a:buFontTx/>
+                        <a:buNone/>
+                        <a:tabLst/>
+                        <a:defRPr/>
+                      </a:pPr>
+                      <a:r>
+                        <a:rPr lang="en-GB" sz="1500" b="0" kern="1200" dirty="0">
+                          <a:solidFill>
+                            <a:schemeClr val="dk1"/>
+                          </a:solidFill>
+                          <a:effectLst/>
+                          <a:latin typeface="+mn-lt"/>
+                          <a:ea typeface="+mn-ea"/>
+                          <a:cs typeface="+mn-cs"/>
+                        </a:rPr>
+                        <a:t>N/A</a:t>
+                      </a:r>
+                    </a:p>
+                  </a:txBody>
+                  <a:tcPr marL="76504" marR="76504" marT="38252" marB="38252"/>
+                </a:tc>
+                <a:tc>
+                  <a:txBody>
+                    <a:bodyPr/>
+                    <a:lstStyle/>
+                    <a:p>
+                      <a:r>
+                        <a:rPr lang="en-GB" sz="1500" dirty="0"/>
+                        <a:t>Add the 5</a:t>
+                      </a:r>
+                      <a:r>
+                        <a:rPr lang="en-GB" sz="1500" baseline="30000" dirty="0"/>
+                        <a:t>th</a:t>
+                      </a:r>
+                      <a:r>
+                        <a:rPr lang="en-GB" sz="1500" dirty="0"/>
+                        <a:t> menu option</a:t>
+                      </a:r>
+                    </a:p>
+                  </a:txBody>
+                  <a:tcPr marL="76504" marR="76504" marT="38252" marB="38252"/>
+                </a:tc>
+                <a:extLst>
+                  <a:ext uri="{0D108BD9-81ED-4DB2-BD59-A6C34878D82A}">
+                    <a16:rowId xmlns:a16="http://schemas.microsoft.com/office/drawing/2014/main" val="2418829747"/>
+                  </a:ext>
+                </a:extLst>
+              </a:tr>
+            </a:tbl>
+          </a:graphicData>
+        </a:graphic>
+      </p:graphicFrame>
+    </p:spTree>
+    <p:extLst>
+      <p:ext uri="{BB962C8B-B14F-4D97-AF65-F5344CB8AC3E}">
+        <p14:creationId xmlns:p14="http://schemas.microsoft.com/office/powerpoint/2010/main" val="1612681794"/>
+      </p:ext>
+    </p:extLst>
+  </p:cSld>
+  <p:clrMapOvr>
+    <a:masterClrMapping/>
+  </p:clrMapOvr>
+</p:sld>
+</file>
+
+<file path=ppt/slides/slide13.xml><?xml version="1.0" encoding="utf-8"?>
+<p:sld xmlns:a="http://schemas.openxmlformats.org/drawingml/2006/main" xmlns:r="http://schemas.openxmlformats.org/officeDocument/2006/relationships" xmlns:p="http://schemas.openxmlformats.org/presentationml/2006/main">
+  <p:cSld>
+    <p:bg>
+      <p:bgPr>
+        <a:solidFill>
+          <a:schemeClr val="bg1"/>
+        </a:solidFill>
+        <a:effectLst/>
+      </p:bgPr>
+    </p:bg>
+    <p:spTree>
+      <p:nvGrpSpPr>
+        <p:cNvPr id="1" name=""/>
+        <p:cNvGrpSpPr/>
+        <p:nvPr/>
+      </p:nvGrpSpPr>
+      <p:grpSpPr>
+        <a:xfrm>
+          <a:off x="0" y="0"/>
+          <a:ext cx="0" cy="0"/>
+          <a:chOff x="0" y="0"/>
+          <a:chExt cx="0" cy="0"/>
+        </a:xfrm>
+      </p:grpSpPr>
+      <p:sp>
+        <p:nvSpPr>
+          <p:cNvPr id="8" name="Rectangle 7">
+            <a:extLst>
+              <a:ext uri="{FF2B5EF4-FFF2-40B4-BE49-F238E27FC236}">
+                <a16:creationId xmlns:a16="http://schemas.microsoft.com/office/drawing/2014/main" id="{E8A8EAB8-D2FF-444D-B34B-7D32F106AD0E}"/>
+              </a:ext>
+              <a:ext uri="{C183D7F6-B498-43B3-948B-1728B52AA6E4}">
+                <adec:decorative xmlns:adec="http://schemas.microsoft.com/office/drawing/2017/decorative" val="1"/>
+              </a:ext>
+            </a:extLst>
+          </p:cNvPr>
+          <p:cNvSpPr>
+            <a:spLocks noGrp="1" noRot="1" noChangeAspect="1" noMove="1" noResize="1" noEditPoints="1" noAdjustHandles="1" noChangeArrowheads="1" noChangeShapeType="1" noTextEdit="1"/>
+          </p:cNvSpPr>
+          <p:nvPr>
+            <p:extLst>
+              <p:ext uri="{386F3935-93C4-4BCD-93E2-E3B085C9AB24}">
+                <p16:designElem xmlns:p16="http://schemas.microsoft.com/office/powerpoint/2015/main" val="1"/>
+              </p:ext>
+            </p:extLst>
+          </p:nvPr>
+        </p:nvSpPr>
+        <p:spPr>
+          <a:xfrm>
+            <a:off x="0" y="0"/>
+            <a:ext cx="12192000" cy="6858000"/>
+          </a:xfrm>
+          <a:prstGeom prst="rect">
+            <a:avLst/>
+          </a:prstGeom>
+          <a:solidFill>
+            <a:schemeClr val="tx1">
+              <a:lumMod val="95000"/>
+              <a:lumOff val="5000"/>
+            </a:schemeClr>
+          </a:solidFill>
+          <a:ln>
+            <a:noFill/>
+          </a:ln>
+        </p:spPr>
+        <p:style>
+          <a:lnRef idx="2">
+            <a:schemeClr val="accent1">
+              <a:shade val="50000"/>
+            </a:schemeClr>
+          </a:lnRef>
+          <a:fillRef idx="1">
+            <a:schemeClr val="accent1"/>
+          </a:fillRef>
+          <a:effectRef idx="0">
+            <a:schemeClr val="accent1"/>
+          </a:effectRef>
+          <a:fontRef idx="minor">
+            <a:schemeClr val="lt1"/>
+          </a:fontRef>
+        </p:style>
+        <p:txBody>
+          <a:bodyPr rtlCol="0" anchor="ctr"/>
+          <a:lstStyle/>
+          <a:p>
+            <a:pPr algn="ctr"/>
+            <a:endParaRPr lang="en-US" dirty="0">
+              <a:solidFill>
+                <a:schemeClr val="bg1"/>
+              </a:solidFill>
+            </a:endParaRPr>
+          </a:p>
+        </p:txBody>
+      </p:sp>
+      <p:sp>
+        <p:nvSpPr>
+          <p:cNvPr id="2" name="Title 1">
+            <a:extLst>
+              <a:ext uri="{FF2B5EF4-FFF2-40B4-BE49-F238E27FC236}">
+                <a16:creationId xmlns:a16="http://schemas.microsoft.com/office/drawing/2014/main" id="{99270C06-E5EA-4C3C-B46E-ED7FC830A1DB}"/>
+              </a:ext>
+            </a:extLst>
+          </p:cNvPr>
+          <p:cNvSpPr>
+            <a:spLocks noGrp="1"/>
+          </p:cNvSpPr>
+          <p:nvPr>
+            <p:ph type="title"/>
+          </p:nvPr>
+        </p:nvSpPr>
+        <p:spPr>
+          <a:xfrm>
+            <a:off x="1014141" y="1450655"/>
+            <a:ext cx="3932030" cy="3956690"/>
+          </a:xfrm>
+        </p:spPr>
+        <p:txBody>
+          <a:bodyPr anchor="ctr">
+            <a:normAutofit/>
+          </a:bodyPr>
+          <a:lstStyle/>
+          <a:p>
+            <a:r>
+              <a:rPr lang="en-GB" sz="6800">
+                <a:solidFill>
+                  <a:schemeClr val="bg1"/>
+                </a:solidFill>
+              </a:rPr>
+              <a:t>Evaluation</a:t>
+            </a:r>
+          </a:p>
+        </p:txBody>
+      </p:sp>
+      <p:cxnSp>
+        <p:nvCxnSpPr>
+          <p:cNvPr id="10" name="Straight Connector 9">
+            <a:extLst>
+              <a:ext uri="{FF2B5EF4-FFF2-40B4-BE49-F238E27FC236}">
+                <a16:creationId xmlns:a16="http://schemas.microsoft.com/office/drawing/2014/main" id="{067633D1-6EE6-4118-B9F0-B363477BEE7A}"/>
+              </a:ext>
+              <a:ext uri="{C183D7F6-B498-43B3-948B-1728B52AA6E4}">
+                <adec:decorative xmlns:adec="http://schemas.microsoft.com/office/drawing/2017/decorative" val="1"/>
+              </a:ext>
+            </a:extLst>
+          </p:cNvPr>
+          <p:cNvCxnSpPr>
+            <a:cxnSpLocks noGrp="1" noRot="1" noChangeAspect="1" noMove="1" noResize="1" noEditPoints="1" noAdjustHandles="1" noChangeArrowheads="1" noChangeShapeType="1"/>
+          </p:cNvCxnSpPr>
+          <p:nvPr>
+            <p:extLst>
+              <p:ext uri="{386F3935-93C4-4BCD-93E2-E3B085C9AB24}">
+                <p16:designElem xmlns:p16="http://schemas.microsoft.com/office/powerpoint/2015/main" val="1"/>
+              </p:ext>
+            </p:extLst>
+          </p:nvPr>
+        </p:nvCxnSpPr>
+        <p:spPr>
+          <a:xfrm flipH="1">
+            <a:off x="1014141" y="1450655"/>
+            <a:ext cx="3932030" cy="0"/>
+          </a:xfrm>
+          <a:prstGeom prst="line">
+            <a:avLst/>
+          </a:prstGeom>
+          <a:ln w="12700">
+            <a:solidFill>
+              <a:schemeClr val="accent2"/>
+            </a:solidFill>
+          </a:ln>
+        </p:spPr>
+        <p:style>
+          <a:lnRef idx="1">
+            <a:schemeClr val="accent1"/>
+          </a:lnRef>
+          <a:fillRef idx="0">
+            <a:schemeClr val="accent1"/>
+          </a:fillRef>
+          <a:effectRef idx="0">
+            <a:schemeClr val="accent1"/>
+          </a:effectRef>
+          <a:fontRef idx="minor">
+            <a:schemeClr val="tx1"/>
+          </a:fontRef>
+        </p:style>
+      </p:cxnSp>
+      <p:cxnSp>
+        <p:nvCxnSpPr>
+          <p:cNvPr id="12" name="Straight Connector 11">
+            <a:extLst>
+              <a:ext uri="{FF2B5EF4-FFF2-40B4-BE49-F238E27FC236}">
+                <a16:creationId xmlns:a16="http://schemas.microsoft.com/office/drawing/2014/main" id="{4AD7FFC6-42A9-49CB-B5E9-B3F6B038331B}"/>
+              </a:ext>
+              <a:ext uri="{C183D7F6-B498-43B3-948B-1728B52AA6E4}">
+                <adec:decorative xmlns:adec="http://schemas.microsoft.com/office/drawing/2017/decorative" val="1"/>
+              </a:ext>
+            </a:extLst>
+          </p:cNvPr>
+          <p:cNvCxnSpPr>
+            <a:cxnSpLocks noGrp="1" noRot="1" noChangeAspect="1" noMove="1" noResize="1" noEditPoints="1" noAdjustHandles="1" noChangeArrowheads="1" noChangeShapeType="1"/>
+          </p:cNvCxnSpPr>
+          <p:nvPr>
+            <p:extLst>
+              <p:ext uri="{386F3935-93C4-4BCD-93E2-E3B085C9AB24}">
+                <p16:designElem xmlns:p16="http://schemas.microsoft.com/office/powerpoint/2015/main" val="1"/>
+              </p:ext>
+            </p:extLst>
+          </p:nvPr>
+        </p:nvCxnSpPr>
+        <p:spPr>
+          <a:xfrm flipH="1">
+            <a:off x="1014141" y="5408571"/>
+            <a:ext cx="3932030" cy="0"/>
+          </a:xfrm>
+          <a:prstGeom prst="line">
+            <a:avLst/>
+          </a:prstGeom>
+          <a:ln w="12700">
+            <a:solidFill>
+              <a:schemeClr val="accent2"/>
+            </a:solidFill>
+          </a:ln>
+        </p:spPr>
+        <p:style>
+          <a:lnRef idx="1">
+            <a:schemeClr val="accent1"/>
+          </a:lnRef>
+          <a:fillRef idx="0">
+            <a:schemeClr val="accent1"/>
+          </a:fillRef>
+          <a:effectRef idx="0">
+            <a:schemeClr val="accent1"/>
+          </a:effectRef>
+          <a:fontRef idx="minor">
+            <a:schemeClr val="tx1"/>
+          </a:fontRef>
+        </p:style>
+      </p:cxnSp>
+      <p:sp>
+        <p:nvSpPr>
+          <p:cNvPr id="3" name="Content Placeholder 2">
+            <a:extLst>
+              <a:ext uri="{FF2B5EF4-FFF2-40B4-BE49-F238E27FC236}">
+                <a16:creationId xmlns:a16="http://schemas.microsoft.com/office/drawing/2014/main" id="{2AFD3CEA-418C-4958-ABA9-D87DBD3FB5E0}"/>
+              </a:ext>
+            </a:extLst>
+          </p:cNvPr>
+          <p:cNvSpPr>
+            <a:spLocks noGrp="1"/>
+          </p:cNvSpPr>
+          <p:nvPr>
+            <p:ph idx="1"/>
+          </p:nvPr>
+        </p:nvSpPr>
+        <p:spPr>
+          <a:xfrm>
+            <a:off x="6096000" y="1108061"/>
+            <a:ext cx="5008901" cy="4571972"/>
+          </a:xfrm>
+        </p:spPr>
+        <p:txBody>
+          <a:bodyPr anchor="ctr">
+            <a:normAutofit/>
+          </a:bodyPr>
+          <a:lstStyle/>
+          <a:p>
+            <a:r>
+              <a:rPr lang="en-GB" sz="2000" dirty="0">
+                <a:solidFill>
+                  <a:schemeClr val="bg1"/>
+                </a:solidFill>
+              </a:rPr>
+              <a:t>I completed all my aims for this iteration by adding the necessary checks for inputs</a:t>
+            </a:r>
+          </a:p>
+          <a:p>
+            <a:r>
+              <a:rPr lang="en-GB" sz="2000" dirty="0">
+                <a:solidFill>
+                  <a:schemeClr val="bg1"/>
+                </a:solidFill>
+              </a:rPr>
+              <a:t>Aim now is to add the 5</a:t>
+            </a:r>
+            <a:r>
+              <a:rPr lang="en-GB" sz="2000" baseline="30000" dirty="0">
+                <a:solidFill>
+                  <a:schemeClr val="bg1"/>
+                </a:solidFill>
+              </a:rPr>
+              <a:t>th</a:t>
+            </a:r>
+            <a:r>
+              <a:rPr lang="en-GB" sz="2000" dirty="0">
+                <a:solidFill>
+                  <a:schemeClr val="bg1"/>
+                </a:solidFill>
+              </a:rPr>
+              <a:t> menu option</a:t>
+            </a:r>
+          </a:p>
+        </p:txBody>
+      </p:sp>
+    </p:spTree>
+    <p:extLst>
+      <p:ext uri="{BB962C8B-B14F-4D97-AF65-F5344CB8AC3E}">
+        <p14:creationId xmlns:p14="http://schemas.microsoft.com/office/powerpoint/2010/main" val="2623556008"/>
       </p:ext>
     </p:extLst>
   </p:cSld>
@@ -9131,14 +11299,14 @@
             <p:ph idx="1"/>
             <p:extLst>
               <p:ext uri="{D42A27DB-BD31-4B8C-83A1-F6EECF244321}">
-                <p14:modId xmlns:p14="http://schemas.microsoft.com/office/powerpoint/2010/main" val="1034434379"/>
+                <p14:modId xmlns:p14="http://schemas.microsoft.com/office/powerpoint/2010/main" val="531473430"/>
               </p:ext>
             </p:extLst>
           </p:nvPr>
         </p:nvGraphicFramePr>
         <p:xfrm>
           <a:off x="838200" y="2307838"/>
-          <a:ext cx="10515604" cy="3337484"/>
+          <a:ext cx="10515604" cy="3525606"/>
         </p:xfrm>
         <a:graphic>
           <a:graphicData uri="http://schemas.openxmlformats.org/drawingml/2006/table">
@@ -9460,8 +11628,16 @@
                     <a:lstStyle/>
                     <a:p>
                       <a:r>
-                        <a:rPr lang="en-GB" sz="1500"/>
-                        <a:t>Sorry this student doesn’t exist</a:t>
+                        <a:rPr lang="en-GB" sz="1500" dirty="0"/>
+                        <a:t>"That student ID was invalid\</a:t>
+                      </a:r>
+                      <a:r>
+                        <a:rPr lang="en-GB" sz="1500" dirty="0" err="1"/>
+                        <a:t>nTry</a:t>
+                      </a:r>
+                      <a:r>
+                        <a:rPr lang="en-GB" sz="1500" dirty="0"/>
+                        <a:t> another one "</a:t>
                       </a:r>
                     </a:p>
                   </a:txBody>
@@ -9473,8 +11649,16 @@
                     <a:lstStyle/>
                     <a:p>
                       <a:r>
-                        <a:rPr lang="en-GB" sz="1500"/>
-                        <a:t>N/A</a:t>
+                        <a:rPr lang="en-GB" sz="1500" dirty="0"/>
+                        <a:t>"That student ID was invalid\</a:t>
+                      </a:r>
+                      <a:r>
+                        <a:rPr lang="en-GB" sz="1500" dirty="0" err="1"/>
+                        <a:t>nTry</a:t>
+                      </a:r>
+                      <a:r>
+                        <a:rPr lang="en-GB" sz="1500" dirty="0"/>
+                        <a:t> another one "</a:t>
                       </a:r>
                     </a:p>
                   </a:txBody>
@@ -9759,21 +11943,18 @@
                         <a:defRPr/>
                       </a:pPr>
                       <a:r>
-                        <a:rPr lang="en-GB" sz="1500"/>
-                        <a:t>“</a:t>
+                        <a:rPr lang="en-GB" sz="1500" dirty="0"/>
+                        <a:t>"You must enter a number"</a:t>
                       </a:r>
-                      <a:r>
-                        <a:rPr lang="en-GB" sz="1500" b="0" kern="1200">
-                          <a:solidFill>
-                            <a:schemeClr val="dk1"/>
-                          </a:solidFill>
-                          <a:effectLst/>
-                          <a:latin typeface="+mn-lt"/>
-                          <a:ea typeface="+mn-ea"/>
-                          <a:cs typeface="+mn-cs"/>
-                        </a:rPr>
-                        <a:t>Please enter a number”</a:t>
-                      </a:r>
+                      <a:endParaRPr lang="en-GB" sz="1500" b="0" kern="1200" dirty="0">
+                        <a:solidFill>
+                          <a:schemeClr val="dk1"/>
+                        </a:solidFill>
+                        <a:effectLst/>
+                        <a:latin typeface="+mn-lt"/>
+                        <a:ea typeface="+mn-ea"/>
+                        <a:cs typeface="+mn-cs"/>
+                      </a:endParaRPr>
                     </a:p>
                   </a:txBody>
                   <a:tcPr marL="76504" marR="76504" marT="38252" marB="38252"/>

--- a/Bright Sparks Documentation.pptx
+++ b/Bright Sparks Documentation.pptx
@@ -18,6 +18,11 @@
     <p:sldId id="267" r:id="rId12"/>
     <p:sldId id="269" r:id="rId13"/>
     <p:sldId id="270" r:id="rId14"/>
+    <p:sldId id="271" r:id="rId15"/>
+    <p:sldId id="272" r:id="rId16"/>
+    <p:sldId id="273" r:id="rId17"/>
+    <p:sldId id="274" r:id="rId18"/>
+    <p:sldId id="275" r:id="rId19"/>
   </p:sldIdLst>
   <p:sldSz cx="12192000" cy="6858000"/>
   <p:notesSz cx="6858000" cy="9144000"/>
@@ -9009,6 +9014,2435 @@
 </p:sld>
 </file>
 
+<file path=ppt/slides/slide14.xml><?xml version="1.0" encoding="utf-8"?>
+<p:sld xmlns:a="http://schemas.openxmlformats.org/drawingml/2006/main" xmlns:r="http://schemas.openxmlformats.org/officeDocument/2006/relationships" xmlns:p="http://schemas.openxmlformats.org/presentationml/2006/main">
+  <p:cSld>
+    <p:bg>
+      <p:bgPr>
+        <a:solidFill>
+          <a:schemeClr val="bg1">
+            <a:tint val="95000"/>
+            <a:satMod val="170000"/>
+          </a:schemeClr>
+        </a:solidFill>
+        <a:effectLst/>
+      </p:bgPr>
+    </p:bg>
+    <p:spTree>
+      <p:nvGrpSpPr>
+        <p:cNvPr id="1" name=""/>
+        <p:cNvGrpSpPr/>
+        <p:nvPr/>
+      </p:nvGrpSpPr>
+      <p:grpSpPr>
+        <a:xfrm>
+          <a:off x="0" y="0"/>
+          <a:ext cx="0" cy="0"/>
+          <a:chOff x="0" y="0"/>
+          <a:chExt cx="0" cy="0"/>
+        </a:xfrm>
+      </p:grpSpPr>
+      <p:sp>
+        <p:nvSpPr>
+          <p:cNvPr id="7" name="Freeform: Shape 6">
+            <a:extLst>
+              <a:ext uri="{FF2B5EF4-FFF2-40B4-BE49-F238E27FC236}">
+                <a16:creationId xmlns:a16="http://schemas.microsoft.com/office/drawing/2014/main" id="{66B332A4-D438-4773-A77F-5ED49A448D9D}"/>
+              </a:ext>
+              <a:ext uri="{C183D7F6-B498-43B3-948B-1728B52AA6E4}">
+                <adec:decorative xmlns:adec="http://schemas.microsoft.com/office/drawing/2017/decorative" val="1"/>
+              </a:ext>
+            </a:extLst>
+          </p:cNvPr>
+          <p:cNvSpPr>
+            <a:spLocks noGrp="1" noRot="1" noChangeAspect="1" noMove="1" noResize="1" noEditPoints="1" noAdjustHandles="1" noChangeArrowheads="1" noChangeShapeType="1" noTextEdit="1"/>
+          </p:cNvSpPr>
+          <p:nvPr>
+            <p:extLst>
+              <p:ext uri="{386F3935-93C4-4BCD-93E2-E3B085C9AB24}">
+                <p16:designElem xmlns:p16="http://schemas.microsoft.com/office/powerpoint/2015/main" val="1"/>
+              </p:ext>
+            </p:extLst>
+          </p:nvPr>
+        </p:nvSpPr>
+        <p:spPr>
+          <a:xfrm>
+            <a:off x="1953768" y="0"/>
+            <a:ext cx="8284464" cy="6858000"/>
+          </a:xfrm>
+          <a:custGeom>
+            <a:avLst/>
+            <a:gdLst>
+              <a:gd name="connsiteX0" fmla="*/ 1818109 w 8284464"/>
+              <a:gd name="connsiteY0" fmla="*/ 0 h 6858000"/>
+              <a:gd name="connsiteX1" fmla="*/ 6466355 w 8284464"/>
+              <a:gd name="connsiteY1" fmla="*/ 0 h 6858000"/>
+              <a:gd name="connsiteX2" fmla="*/ 6620596 w 8284464"/>
+              <a:gd name="connsiteY2" fmla="*/ 109683 h 6858000"/>
+              <a:gd name="connsiteX3" fmla="*/ 8284464 w 8284464"/>
+              <a:gd name="connsiteY3" fmla="*/ 3429000 h 6858000"/>
+              <a:gd name="connsiteX4" fmla="*/ 6620596 w 8284464"/>
+              <a:gd name="connsiteY4" fmla="*/ 6748318 h 6858000"/>
+              <a:gd name="connsiteX5" fmla="*/ 6466355 w 8284464"/>
+              <a:gd name="connsiteY5" fmla="*/ 6858000 h 6858000"/>
+              <a:gd name="connsiteX6" fmla="*/ 1818109 w 8284464"/>
+              <a:gd name="connsiteY6" fmla="*/ 6858000 h 6858000"/>
+              <a:gd name="connsiteX7" fmla="*/ 1663869 w 8284464"/>
+              <a:gd name="connsiteY7" fmla="*/ 6748318 h 6858000"/>
+              <a:gd name="connsiteX8" fmla="*/ 0 w 8284464"/>
+              <a:gd name="connsiteY8" fmla="*/ 3429000 h 6858000"/>
+              <a:gd name="connsiteX9" fmla="*/ 1663869 w 8284464"/>
+              <a:gd name="connsiteY9" fmla="*/ 109683 h 6858000"/>
+            </a:gdLst>
+            <a:ahLst/>
+            <a:cxnLst>
+              <a:cxn ang="0">
+                <a:pos x="connsiteX0" y="connsiteY0"/>
+              </a:cxn>
+              <a:cxn ang="0">
+                <a:pos x="connsiteX1" y="connsiteY1"/>
+              </a:cxn>
+              <a:cxn ang="0">
+                <a:pos x="connsiteX2" y="connsiteY2"/>
+              </a:cxn>
+              <a:cxn ang="0">
+                <a:pos x="connsiteX3" y="connsiteY3"/>
+              </a:cxn>
+              <a:cxn ang="0">
+                <a:pos x="connsiteX4" y="connsiteY4"/>
+              </a:cxn>
+              <a:cxn ang="0">
+                <a:pos x="connsiteX5" y="connsiteY5"/>
+              </a:cxn>
+              <a:cxn ang="0">
+                <a:pos x="connsiteX6" y="connsiteY6"/>
+              </a:cxn>
+              <a:cxn ang="0">
+                <a:pos x="connsiteX7" y="connsiteY7"/>
+              </a:cxn>
+              <a:cxn ang="0">
+                <a:pos x="connsiteX8" y="connsiteY8"/>
+              </a:cxn>
+              <a:cxn ang="0">
+                <a:pos x="connsiteX9" y="connsiteY9"/>
+              </a:cxn>
+            </a:cxnLst>
+            <a:rect l="l" t="t" r="r" b="b"/>
+            <a:pathLst>
+              <a:path w="8284464" h="6858000">
+                <a:moveTo>
+                  <a:pt x="1818109" y="0"/>
+                </a:moveTo>
+                <a:lnTo>
+                  <a:pt x="6466355" y="0"/>
+                </a:lnTo>
+                <a:lnTo>
+                  <a:pt x="6620596" y="109683"/>
+                </a:lnTo>
+                <a:cubicBezTo>
+                  <a:pt x="7630666" y="865069"/>
+                  <a:pt x="8284464" y="2070683"/>
+                  <a:pt x="8284464" y="3429000"/>
+                </a:cubicBezTo>
+                <a:cubicBezTo>
+                  <a:pt x="8284464" y="4787317"/>
+                  <a:pt x="7630666" y="5992931"/>
+                  <a:pt x="6620596" y="6748318"/>
+                </a:cubicBezTo>
+                <a:lnTo>
+                  <a:pt x="6466355" y="6858000"/>
+                </a:lnTo>
+                <a:lnTo>
+                  <a:pt x="1818109" y="6858000"/>
+                </a:lnTo>
+                <a:lnTo>
+                  <a:pt x="1663869" y="6748318"/>
+                </a:lnTo>
+                <a:cubicBezTo>
+                  <a:pt x="653798" y="5992931"/>
+                  <a:pt x="0" y="4787317"/>
+                  <a:pt x="0" y="3429000"/>
+                </a:cubicBezTo>
+                <a:cubicBezTo>
+                  <a:pt x="0" y="2070683"/>
+                  <a:pt x="653798" y="865069"/>
+                  <a:pt x="1663869" y="109683"/>
+                </a:cubicBezTo>
+                <a:close/>
+              </a:path>
+            </a:pathLst>
+          </a:custGeom>
+          <a:solidFill>
+            <a:srgbClr val="FFFFFF">
+              <a:alpha val="80000"/>
+            </a:srgbClr>
+          </a:solidFill>
+          <a:ln>
+            <a:noFill/>
+          </a:ln>
+        </p:spPr>
+        <p:style>
+          <a:lnRef idx="2">
+            <a:schemeClr val="accent1">
+              <a:shade val="50000"/>
+            </a:schemeClr>
+          </a:lnRef>
+          <a:fillRef idx="1">
+            <a:schemeClr val="accent1"/>
+          </a:fillRef>
+          <a:effectRef idx="0">
+            <a:schemeClr val="accent1"/>
+          </a:effectRef>
+          <a:fontRef idx="minor">
+            <a:schemeClr val="lt1"/>
+          </a:fontRef>
+        </p:style>
+        <p:txBody>
+          <a:bodyPr wrap="square" rtlCol="0" anchor="ctr">
+            <a:noAutofit/>
+          </a:bodyPr>
+          <a:lstStyle/>
+          <a:p>
+            <a:pPr algn="ctr"/>
+            <a:endParaRPr lang="en-US"/>
+          </a:p>
+        </p:txBody>
+      </p:sp>
+      <p:sp>
+        <p:nvSpPr>
+          <p:cNvPr id="9" name="Freeform: Shape 8">
+            <a:extLst>
+              <a:ext uri="{FF2B5EF4-FFF2-40B4-BE49-F238E27FC236}">
+                <a16:creationId xmlns:a16="http://schemas.microsoft.com/office/drawing/2014/main" id="{DF9AD32D-FF05-44F4-BD4D-9CEE89B71EB9}"/>
+              </a:ext>
+              <a:ext uri="{C183D7F6-B498-43B3-948B-1728B52AA6E4}">
+                <adec:decorative xmlns:adec="http://schemas.microsoft.com/office/drawing/2017/decorative" val="1"/>
+              </a:ext>
+            </a:extLst>
+          </p:cNvPr>
+          <p:cNvSpPr>
+            <a:spLocks noGrp="1" noRot="1" noChangeAspect="1" noMove="1" noResize="1" noEditPoints="1" noAdjustHandles="1" noChangeArrowheads="1" noChangeShapeType="1" noTextEdit="1"/>
+          </p:cNvSpPr>
+          <p:nvPr>
+            <p:extLst>
+              <p:ext uri="{386F3935-93C4-4BCD-93E2-E3B085C9AB24}">
+                <p16:designElem xmlns:p16="http://schemas.microsoft.com/office/powerpoint/2015/main" val="1"/>
+              </p:ext>
+            </p:extLst>
+          </p:nvPr>
+        </p:nvSpPr>
+        <p:spPr>
+          <a:xfrm>
+            <a:off x="2118360" y="0"/>
+            <a:ext cx="7955280" cy="6858000"/>
+          </a:xfrm>
+          <a:custGeom>
+            <a:avLst/>
+            <a:gdLst>
+              <a:gd name="connsiteX0" fmla="*/ 1962423 w 7955280"/>
+              <a:gd name="connsiteY0" fmla="*/ 0 h 6858000"/>
+              <a:gd name="connsiteX1" fmla="*/ 5992858 w 7955280"/>
+              <a:gd name="connsiteY1" fmla="*/ 0 h 6858000"/>
+              <a:gd name="connsiteX2" fmla="*/ 6040191 w 7955280"/>
+              <a:gd name="connsiteY2" fmla="*/ 27216 h 6858000"/>
+              <a:gd name="connsiteX3" fmla="*/ 7955280 w 7955280"/>
+              <a:gd name="connsiteY3" fmla="*/ 3429000 h 6858000"/>
+              <a:gd name="connsiteX4" fmla="*/ 6040191 w 7955280"/>
+              <a:gd name="connsiteY4" fmla="*/ 6830784 h 6858000"/>
+              <a:gd name="connsiteX5" fmla="*/ 5992858 w 7955280"/>
+              <a:gd name="connsiteY5" fmla="*/ 6858000 h 6858000"/>
+              <a:gd name="connsiteX6" fmla="*/ 1962423 w 7955280"/>
+              <a:gd name="connsiteY6" fmla="*/ 6858000 h 6858000"/>
+              <a:gd name="connsiteX7" fmla="*/ 1915089 w 7955280"/>
+              <a:gd name="connsiteY7" fmla="*/ 6830784 h 6858000"/>
+              <a:gd name="connsiteX8" fmla="*/ 0 w 7955280"/>
+              <a:gd name="connsiteY8" fmla="*/ 3429000 h 6858000"/>
+              <a:gd name="connsiteX9" fmla="*/ 1915089 w 7955280"/>
+              <a:gd name="connsiteY9" fmla="*/ 27216 h 6858000"/>
+            </a:gdLst>
+            <a:ahLst/>
+            <a:cxnLst>
+              <a:cxn ang="0">
+                <a:pos x="connsiteX0" y="connsiteY0"/>
+              </a:cxn>
+              <a:cxn ang="0">
+                <a:pos x="connsiteX1" y="connsiteY1"/>
+              </a:cxn>
+              <a:cxn ang="0">
+                <a:pos x="connsiteX2" y="connsiteY2"/>
+              </a:cxn>
+              <a:cxn ang="0">
+                <a:pos x="connsiteX3" y="connsiteY3"/>
+              </a:cxn>
+              <a:cxn ang="0">
+                <a:pos x="connsiteX4" y="connsiteY4"/>
+              </a:cxn>
+              <a:cxn ang="0">
+                <a:pos x="connsiteX5" y="connsiteY5"/>
+              </a:cxn>
+              <a:cxn ang="0">
+                <a:pos x="connsiteX6" y="connsiteY6"/>
+              </a:cxn>
+              <a:cxn ang="0">
+                <a:pos x="connsiteX7" y="connsiteY7"/>
+              </a:cxn>
+              <a:cxn ang="0">
+                <a:pos x="connsiteX8" y="connsiteY8"/>
+              </a:cxn>
+              <a:cxn ang="0">
+                <a:pos x="connsiteX9" y="connsiteY9"/>
+              </a:cxn>
+            </a:cxnLst>
+            <a:rect l="l" t="t" r="r" b="b"/>
+            <a:pathLst>
+              <a:path w="7955280" h="6858000">
+                <a:moveTo>
+                  <a:pt x="1962423" y="0"/>
+                </a:moveTo>
+                <a:lnTo>
+                  <a:pt x="5992858" y="0"/>
+                </a:lnTo>
+                <a:lnTo>
+                  <a:pt x="6040191" y="27216"/>
+                </a:lnTo>
+                <a:cubicBezTo>
+                  <a:pt x="7188332" y="724844"/>
+                  <a:pt x="7955280" y="1987357"/>
+                  <a:pt x="7955280" y="3429000"/>
+                </a:cubicBezTo>
+                <a:cubicBezTo>
+                  <a:pt x="7955280" y="4870644"/>
+                  <a:pt x="7188332" y="6133157"/>
+                  <a:pt x="6040191" y="6830784"/>
+                </a:cubicBezTo>
+                <a:lnTo>
+                  <a:pt x="5992858" y="6858000"/>
+                </a:lnTo>
+                <a:lnTo>
+                  <a:pt x="1962423" y="6858000"/>
+                </a:lnTo>
+                <a:lnTo>
+                  <a:pt x="1915089" y="6830784"/>
+                </a:lnTo>
+                <a:cubicBezTo>
+                  <a:pt x="766948" y="6133157"/>
+                  <a:pt x="0" y="4870644"/>
+                  <a:pt x="0" y="3429000"/>
+                </a:cubicBezTo>
+                <a:cubicBezTo>
+                  <a:pt x="0" y="1987357"/>
+                  <a:pt x="766948" y="724844"/>
+                  <a:pt x="1915089" y="27216"/>
+                </a:cubicBezTo>
+                <a:close/>
+              </a:path>
+            </a:pathLst>
+          </a:custGeom>
+          <a:solidFill>
+            <a:schemeClr val="tx1"/>
+          </a:solidFill>
+          <a:ln>
+            <a:noFill/>
+          </a:ln>
+        </p:spPr>
+        <p:style>
+          <a:lnRef idx="2">
+            <a:schemeClr val="accent1">
+              <a:shade val="50000"/>
+            </a:schemeClr>
+          </a:lnRef>
+          <a:fillRef idx="1">
+            <a:schemeClr val="accent1"/>
+          </a:fillRef>
+          <a:effectRef idx="0">
+            <a:schemeClr val="accent1"/>
+          </a:effectRef>
+          <a:fontRef idx="minor">
+            <a:schemeClr val="lt1"/>
+          </a:fontRef>
+        </p:style>
+        <p:txBody>
+          <a:bodyPr wrap="square" rtlCol="0" anchor="ctr">
+            <a:noAutofit/>
+          </a:bodyPr>
+          <a:lstStyle/>
+          <a:p>
+            <a:pPr algn="ctr"/>
+            <a:endParaRPr lang="en-US"/>
+          </a:p>
+        </p:txBody>
+      </p:sp>
+      <p:sp>
+        <p:nvSpPr>
+          <p:cNvPr id="2" name="Title 1">
+            <a:extLst>
+              <a:ext uri="{FF2B5EF4-FFF2-40B4-BE49-F238E27FC236}">
+                <a16:creationId xmlns:a16="http://schemas.microsoft.com/office/drawing/2014/main" id="{65DF508C-E6B6-4DB8-BB4C-71A268F0D0FB}"/>
+              </a:ext>
+            </a:extLst>
+          </p:cNvPr>
+          <p:cNvSpPr>
+            <a:spLocks noGrp="1"/>
+          </p:cNvSpPr>
+          <p:nvPr>
+            <p:ph type="ctrTitle"/>
+          </p:nvPr>
+        </p:nvSpPr>
+        <p:spPr>
+          <a:xfrm>
+            <a:off x="2555631" y="1441938"/>
+            <a:ext cx="7080738" cy="3974124"/>
+          </a:xfrm>
+        </p:spPr>
+        <p:txBody>
+          <a:bodyPr vert="horz" lIns="91440" tIns="45720" rIns="91440" bIns="45720" rtlCol="0" anchor="ctr">
+            <a:normAutofit/>
+          </a:bodyPr>
+          <a:lstStyle/>
+          <a:p>
+            <a:r>
+              <a:rPr lang="en-US" sz="5400" dirty="0">
+                <a:solidFill>
+                  <a:schemeClr val="bg1">
+                    <a:lumMod val="95000"/>
+                    <a:lumOff val="5000"/>
+                  </a:schemeClr>
+                </a:solidFill>
+              </a:rPr>
+              <a:t>ITERATION 3</a:t>
+            </a:r>
+          </a:p>
+        </p:txBody>
+      </p:sp>
+    </p:spTree>
+    <p:extLst>
+      <p:ext uri="{BB962C8B-B14F-4D97-AF65-F5344CB8AC3E}">
+        <p14:creationId xmlns:p14="http://schemas.microsoft.com/office/powerpoint/2010/main" val="1287689024"/>
+      </p:ext>
+    </p:extLst>
+  </p:cSld>
+  <p:clrMapOvr>
+    <a:overrideClrMapping bg1="dk1" tx1="lt1" bg2="dk2" tx2="lt2" accent1="accent1" accent2="accent2" accent3="accent3" accent4="accent4" accent5="accent5" accent6="accent6" hlink="hlink" folHlink="folHlink"/>
+  </p:clrMapOvr>
+  <p:timing>
+    <p:tnLst>
+      <p:par>
+        <p:cTn id="1" dur="indefinite" restart="never" nodeType="tmRoot">
+          <p:childTnLst>
+            <p:seq concurrent="1" nextAc="seek">
+              <p:cTn id="2" dur="indefinite" nodeType="mainSeq">
+                <p:childTnLst>
+                  <p:par>
+                    <p:cTn id="3" fill="hold">
+                      <p:stCondLst>
+                        <p:cond delay="indefinite"/>
+                        <p:cond evt="onBegin" delay="0">
+                          <p:tn val="2"/>
+                        </p:cond>
+                      </p:stCondLst>
+                      <p:childTnLst>
+                        <p:par>
+                          <p:cTn id="4" fill="hold">
+                            <p:stCondLst>
+                              <p:cond delay="0"/>
+                            </p:stCondLst>
+                            <p:childTnLst>
+                              <p:par>
+                                <p:cTn id="5" presetID="10" presetClass="entr" presetSubtype="0" fill="hold" grpId="0" nodeType="withEffect">
+                                  <p:stCondLst>
+                                    <p:cond delay="500"/>
+                                  </p:stCondLst>
+                                  <p:iterate>
+                                    <p:tmPct val="10000"/>
+                                  </p:iterate>
+                                  <p:childTnLst>
+                                    <p:set>
+                                      <p:cBhvr>
+                                        <p:cTn id="6" dur="1" fill="hold">
+                                          <p:stCondLst>
+                                            <p:cond delay="0"/>
+                                          </p:stCondLst>
+                                        </p:cTn>
+                                        <p:tgtEl>
+                                          <p:spTgt spid="2"/>
+                                        </p:tgtEl>
+                                        <p:attrNameLst>
+                                          <p:attrName>style.visibility</p:attrName>
+                                        </p:attrNameLst>
+                                      </p:cBhvr>
+                                      <p:to>
+                                        <p:strVal val="visible"/>
+                                      </p:to>
+                                    </p:set>
+                                    <p:animEffect transition="in" filter="fade">
+                                      <p:cBhvr>
+                                        <p:cTn id="7" dur="700"/>
+                                        <p:tgtEl>
+                                          <p:spTgt spid="2"/>
+                                        </p:tgtEl>
+                                      </p:cBhvr>
+                                    </p:animEffect>
+                                  </p:childTnLst>
+                                </p:cTn>
+                              </p:par>
+                            </p:childTnLst>
+                          </p:cTn>
+                        </p:par>
+                      </p:childTnLst>
+                    </p:cTn>
+                  </p:par>
+                </p:childTnLst>
+              </p:cTn>
+              <p:prevCondLst>
+                <p:cond evt="onPrev" delay="0">
+                  <p:tgtEl>
+                    <p:sldTgt/>
+                  </p:tgtEl>
+                </p:cond>
+              </p:prevCondLst>
+              <p:nextCondLst>
+                <p:cond evt="onNext" delay="0">
+                  <p:tgtEl>
+                    <p:sldTgt/>
+                  </p:tgtEl>
+                </p:cond>
+              </p:nextCondLst>
+            </p:seq>
+          </p:childTnLst>
+        </p:cTn>
+      </p:par>
+    </p:tnLst>
+    <p:bldLst>
+      <p:bldP spid="2" grpId="0"/>
+    </p:bldLst>
+  </p:timing>
+</p:sld>
+</file>
+
+<file path=ppt/slides/slide15.xml><?xml version="1.0" encoding="utf-8"?>
+<p:sld xmlns:a="http://schemas.openxmlformats.org/drawingml/2006/main" xmlns:r="http://schemas.openxmlformats.org/officeDocument/2006/relationships" xmlns:p="http://schemas.openxmlformats.org/presentationml/2006/main">
+  <p:cSld>
+    <p:bg>
+      <p:bgPr>
+        <a:solidFill>
+          <a:schemeClr val="bg1"/>
+        </a:solidFill>
+        <a:effectLst/>
+      </p:bgPr>
+    </p:bg>
+    <p:spTree>
+      <p:nvGrpSpPr>
+        <p:cNvPr id="1" name=""/>
+        <p:cNvGrpSpPr/>
+        <p:nvPr/>
+      </p:nvGrpSpPr>
+      <p:grpSpPr>
+        <a:xfrm>
+          <a:off x="0" y="0"/>
+          <a:ext cx="0" cy="0"/>
+          <a:chOff x="0" y="0"/>
+          <a:chExt cx="0" cy="0"/>
+        </a:xfrm>
+      </p:grpSpPr>
+      <p:sp useBgFill="1">
+        <p:nvSpPr>
+          <p:cNvPr id="8" name="Rectangle 7">
+            <a:extLst>
+              <a:ext uri="{FF2B5EF4-FFF2-40B4-BE49-F238E27FC236}">
+                <a16:creationId xmlns:a16="http://schemas.microsoft.com/office/drawing/2014/main" id="{907EF6B7-1338-4443-8C46-6A318D952DFD}"/>
+              </a:ext>
+              <a:ext uri="{C183D7F6-B498-43B3-948B-1728B52AA6E4}">
+                <adec:decorative xmlns:adec="http://schemas.microsoft.com/office/drawing/2017/decorative" val="1"/>
+              </a:ext>
+            </a:extLst>
+          </p:cNvPr>
+          <p:cNvSpPr>
+            <a:spLocks noGrp="1" noRot="1" noChangeAspect="1" noMove="1" noResize="1" noEditPoints="1" noAdjustHandles="1" noChangeArrowheads="1" noChangeShapeType="1" noTextEdit="1"/>
+          </p:cNvSpPr>
+          <p:nvPr>
+            <p:extLst>
+              <p:ext uri="{386F3935-93C4-4BCD-93E2-E3B085C9AB24}">
+                <p16:designElem xmlns:p16="http://schemas.microsoft.com/office/powerpoint/2015/main" val="1"/>
+              </p:ext>
+            </p:extLst>
+          </p:nvPr>
+        </p:nvSpPr>
+        <p:spPr>
+          <a:xfrm>
+            <a:off x="3048" y="0"/>
+            <a:ext cx="12188952" cy="6858000"/>
+          </a:xfrm>
+          <a:prstGeom prst="rect">
+            <a:avLst/>
+          </a:prstGeom>
+          <a:ln>
+            <a:noFill/>
+          </a:ln>
+        </p:spPr>
+        <p:style>
+          <a:lnRef idx="2">
+            <a:schemeClr val="accent1">
+              <a:shade val="50000"/>
+            </a:schemeClr>
+          </a:lnRef>
+          <a:fillRef idx="1">
+            <a:schemeClr val="accent1"/>
+          </a:fillRef>
+          <a:effectRef idx="0">
+            <a:schemeClr val="accent1"/>
+          </a:effectRef>
+          <a:fontRef idx="minor">
+            <a:schemeClr val="lt1"/>
+          </a:fontRef>
+        </p:style>
+        <p:txBody>
+          <a:bodyPr rtlCol="0" anchor="ctr"/>
+          <a:lstStyle/>
+          <a:p>
+            <a:pPr algn="ctr"/>
+            <a:endParaRPr lang="en-US"/>
+          </a:p>
+        </p:txBody>
+      </p:sp>
+      <p:sp>
+        <p:nvSpPr>
+          <p:cNvPr id="10" name="Freeform: Shape 9">
+            <a:extLst>
+              <a:ext uri="{FF2B5EF4-FFF2-40B4-BE49-F238E27FC236}">
+                <a16:creationId xmlns:a16="http://schemas.microsoft.com/office/drawing/2014/main" id="{DAAE4CDD-124C-4DCF-9584-B6033B545DD5}"/>
+              </a:ext>
+              <a:ext uri="{C183D7F6-B498-43B3-948B-1728B52AA6E4}">
+                <adec:decorative xmlns:adec="http://schemas.microsoft.com/office/drawing/2017/decorative" val="1"/>
+              </a:ext>
+            </a:extLst>
+          </p:cNvPr>
+          <p:cNvSpPr>
+            <a:spLocks noGrp="1" noRot="1" noChangeAspect="1" noMove="1" noResize="1" noEditPoints="1" noAdjustHandles="1" noChangeArrowheads="1" noChangeShapeType="1" noTextEdit="1"/>
+          </p:cNvSpPr>
+          <p:nvPr>
+            <p:extLst>
+              <p:ext uri="{386F3935-93C4-4BCD-93E2-E3B085C9AB24}">
+                <p16:designElem xmlns:p16="http://schemas.microsoft.com/office/powerpoint/2015/main" val="1"/>
+              </p:ext>
+            </p:extLst>
+          </p:nvPr>
+        </p:nvSpPr>
+        <p:spPr>
+          <a:xfrm>
+            <a:off x="1" y="0"/>
+            <a:ext cx="4167271" cy="6858000"/>
+          </a:xfrm>
+          <a:custGeom>
+            <a:avLst/>
+            <a:gdLst>
+              <a:gd name="connsiteX0" fmla="*/ 0 w 4167271"/>
+              <a:gd name="connsiteY0" fmla="*/ 0 h 6858000"/>
+              <a:gd name="connsiteX1" fmla="*/ 2259550 w 4167271"/>
+              <a:gd name="connsiteY1" fmla="*/ 0 h 6858000"/>
+              <a:gd name="connsiteX2" fmla="*/ 2387803 w 4167271"/>
+              <a:gd name="connsiteY2" fmla="*/ 82222 h 6858000"/>
+              <a:gd name="connsiteX3" fmla="*/ 4167271 w 4167271"/>
+              <a:gd name="connsiteY3" fmla="*/ 3429000 h 6858000"/>
+              <a:gd name="connsiteX4" fmla="*/ 2387803 w 4167271"/>
+              <a:gd name="connsiteY4" fmla="*/ 6775779 h 6858000"/>
+              <a:gd name="connsiteX5" fmla="*/ 2259550 w 4167271"/>
+              <a:gd name="connsiteY5" fmla="*/ 6858000 h 6858000"/>
+              <a:gd name="connsiteX6" fmla="*/ 0 w 4167271"/>
+              <a:gd name="connsiteY6" fmla="*/ 6858000 h 6858000"/>
+            </a:gdLst>
+            <a:ahLst/>
+            <a:cxnLst>
+              <a:cxn ang="0">
+                <a:pos x="connsiteX0" y="connsiteY0"/>
+              </a:cxn>
+              <a:cxn ang="0">
+                <a:pos x="connsiteX1" y="connsiteY1"/>
+              </a:cxn>
+              <a:cxn ang="0">
+                <a:pos x="connsiteX2" y="connsiteY2"/>
+              </a:cxn>
+              <a:cxn ang="0">
+                <a:pos x="connsiteX3" y="connsiteY3"/>
+              </a:cxn>
+              <a:cxn ang="0">
+                <a:pos x="connsiteX4" y="connsiteY4"/>
+              </a:cxn>
+              <a:cxn ang="0">
+                <a:pos x="connsiteX5" y="connsiteY5"/>
+              </a:cxn>
+              <a:cxn ang="0">
+                <a:pos x="connsiteX6" y="connsiteY6"/>
+              </a:cxn>
+            </a:cxnLst>
+            <a:rect l="l" t="t" r="r" b="b"/>
+            <a:pathLst>
+              <a:path w="4167271" h="6858000">
+                <a:moveTo>
+                  <a:pt x="0" y="0"/>
+                </a:moveTo>
+                <a:lnTo>
+                  <a:pt x="2259550" y="0"/>
+                </a:lnTo>
+                <a:lnTo>
+                  <a:pt x="2387803" y="82222"/>
+                </a:lnTo>
+                <a:cubicBezTo>
+                  <a:pt x="3461407" y="807534"/>
+                  <a:pt x="4167271" y="2035835"/>
+                  <a:pt x="4167271" y="3429000"/>
+                </a:cubicBezTo>
+                <a:cubicBezTo>
+                  <a:pt x="4167271" y="4822165"/>
+                  <a:pt x="3461407" y="6050467"/>
+                  <a:pt x="2387803" y="6775779"/>
+                </a:cubicBezTo>
+                <a:lnTo>
+                  <a:pt x="2259550" y="6858000"/>
+                </a:lnTo>
+                <a:lnTo>
+                  <a:pt x="0" y="6858000"/>
+                </a:lnTo>
+                <a:close/>
+              </a:path>
+            </a:pathLst>
+          </a:custGeom>
+          <a:solidFill>
+            <a:schemeClr val="accent2"/>
+          </a:solidFill>
+          <a:ln>
+            <a:noFill/>
+          </a:ln>
+        </p:spPr>
+        <p:style>
+          <a:lnRef idx="2">
+            <a:schemeClr val="accent1">
+              <a:shade val="50000"/>
+            </a:schemeClr>
+          </a:lnRef>
+          <a:fillRef idx="1">
+            <a:schemeClr val="accent1"/>
+          </a:fillRef>
+          <a:effectRef idx="0">
+            <a:schemeClr val="accent1"/>
+          </a:effectRef>
+          <a:fontRef idx="minor">
+            <a:schemeClr val="lt1"/>
+          </a:fontRef>
+        </p:style>
+        <p:txBody>
+          <a:bodyPr rtlCol="0" anchor="ctr"/>
+          <a:lstStyle/>
+          <a:p>
+            <a:pPr algn="ctr"/>
+            <a:endParaRPr lang="en-US"/>
+          </a:p>
+        </p:txBody>
+      </p:sp>
+      <p:sp>
+        <p:nvSpPr>
+          <p:cNvPr id="2" name="Title 1">
+            <a:extLst>
+              <a:ext uri="{FF2B5EF4-FFF2-40B4-BE49-F238E27FC236}">
+                <a16:creationId xmlns:a16="http://schemas.microsoft.com/office/drawing/2014/main" id="{0F3203EA-FB53-41D1-AB6D-45E924817C7C}"/>
+              </a:ext>
+            </a:extLst>
+          </p:cNvPr>
+          <p:cNvSpPr>
+            <a:spLocks noGrp="1"/>
+          </p:cNvSpPr>
+          <p:nvPr>
+            <p:ph type="title"/>
+          </p:nvPr>
+        </p:nvSpPr>
+        <p:spPr>
+          <a:xfrm>
+            <a:off x="686834" y="1153572"/>
+            <a:ext cx="3200400" cy="4461163"/>
+          </a:xfrm>
+        </p:spPr>
+        <p:txBody>
+          <a:bodyPr>
+            <a:normAutofit/>
+          </a:bodyPr>
+          <a:lstStyle/>
+          <a:p>
+            <a:r>
+              <a:rPr lang="en-GB" dirty="0">
+                <a:solidFill>
+                  <a:srgbClr val="FFFFFF"/>
+                </a:solidFill>
+              </a:rPr>
+              <a:t>Flowchart</a:t>
+            </a:r>
+          </a:p>
+        </p:txBody>
+      </p:sp>
+      <p:sp>
+        <p:nvSpPr>
+          <p:cNvPr id="12" name="Arc 11">
+            <a:extLst>
+              <a:ext uri="{FF2B5EF4-FFF2-40B4-BE49-F238E27FC236}">
+                <a16:creationId xmlns:a16="http://schemas.microsoft.com/office/drawing/2014/main" id="{081E4A58-353D-44AE-B2FC-2A74E2E400F7}"/>
+              </a:ext>
+              <a:ext uri="{C183D7F6-B498-43B3-948B-1728B52AA6E4}">
+                <adec:decorative xmlns:adec="http://schemas.microsoft.com/office/drawing/2017/decorative" val="1"/>
+              </a:ext>
+            </a:extLst>
+          </p:cNvPr>
+          <p:cNvSpPr>
+            <a:spLocks noGrp="1" noRot="1" noChangeAspect="1" noMove="1" noResize="1" noEditPoints="1" noAdjustHandles="1" noChangeArrowheads="1" noChangeShapeType="1" noTextEdit="1"/>
+          </p:cNvSpPr>
+          <p:nvPr>
+            <p:extLst>
+              <p:ext uri="{386F3935-93C4-4BCD-93E2-E3B085C9AB24}">
+                <p16:designElem xmlns:p16="http://schemas.microsoft.com/office/powerpoint/2015/main" val="1"/>
+              </p:ext>
+            </p:extLst>
+          </p:nvPr>
+        </p:nvSpPr>
+        <p:spPr>
+          <a:xfrm flipV="1">
+            <a:off x="7550402" y="2455479"/>
+            <a:ext cx="4083433" cy="4083433"/>
+          </a:xfrm>
+          <a:prstGeom prst="arc">
+            <a:avLst/>
+          </a:prstGeom>
+          <a:ln w="127000" cap="rnd">
+            <a:solidFill>
+              <a:schemeClr val="accent4"/>
+            </a:solidFill>
+            <a:prstDash val="dash"/>
+          </a:ln>
+        </p:spPr>
+        <p:style>
+          <a:lnRef idx="1">
+            <a:schemeClr val="accent1"/>
+          </a:lnRef>
+          <a:fillRef idx="0">
+            <a:schemeClr val="accent1"/>
+          </a:fillRef>
+          <a:effectRef idx="0">
+            <a:schemeClr val="accent1"/>
+          </a:effectRef>
+          <a:fontRef idx="minor">
+            <a:schemeClr val="tx1"/>
+          </a:fontRef>
+        </p:style>
+        <p:txBody>
+          <a:bodyPr rtlCol="0" anchor="ctr"/>
+          <a:lstStyle/>
+          <a:p>
+            <a:pPr algn="ctr"/>
+            <a:endParaRPr lang="en-US" dirty="0"/>
+          </a:p>
+        </p:txBody>
+      </p:sp>
+      <p:sp>
+        <p:nvSpPr>
+          <p:cNvPr id="3" name="Content Placeholder 2">
+            <a:extLst>
+              <a:ext uri="{FF2B5EF4-FFF2-40B4-BE49-F238E27FC236}">
+                <a16:creationId xmlns:a16="http://schemas.microsoft.com/office/drawing/2014/main" id="{3F51BD2F-986A-4163-BF63-64B3E33C1CB5}"/>
+              </a:ext>
+            </a:extLst>
+          </p:cNvPr>
+          <p:cNvSpPr>
+            <a:spLocks noGrp="1"/>
+          </p:cNvSpPr>
+          <p:nvPr>
+            <p:ph idx="1"/>
+          </p:nvPr>
+        </p:nvSpPr>
+        <p:spPr>
+          <a:xfrm>
+            <a:off x="4447308" y="591344"/>
+            <a:ext cx="6906491" cy="5585619"/>
+          </a:xfrm>
+        </p:spPr>
+        <p:txBody>
+          <a:bodyPr anchor="ctr">
+            <a:normAutofit/>
+          </a:bodyPr>
+          <a:lstStyle/>
+          <a:p>
+            <a:pPr marL="0" indent="0">
+              <a:buNone/>
+            </a:pPr>
+            <a:r>
+              <a:rPr lang="en-GB" dirty="0">
+                <a:hlinkClick r:id="rId2"/>
+              </a:rPr>
+              <a:t>https://lucid.app/lucidchart/1ce7ca6a-0da2-42f6-bf68-3077a589e72a/edit?viewport_loc=1559%2C-309%2C3150%2C1532%2C0_0&amp;invitationId=inv_9d5901c0-1845-4d7a-9162-f642b4002751</a:t>
+            </a:r>
+            <a:endParaRPr lang="en-GB" dirty="0"/>
+          </a:p>
+        </p:txBody>
+      </p:sp>
+    </p:spTree>
+    <p:extLst>
+      <p:ext uri="{BB962C8B-B14F-4D97-AF65-F5344CB8AC3E}">
+        <p14:creationId xmlns:p14="http://schemas.microsoft.com/office/powerpoint/2010/main" val="403774873"/>
+      </p:ext>
+    </p:extLst>
+  </p:cSld>
+  <p:clrMapOvr>
+    <a:masterClrMapping/>
+  </p:clrMapOvr>
+</p:sld>
+</file>
+
+<file path=ppt/slides/slide16.xml><?xml version="1.0" encoding="utf-8"?>
+<p:sld xmlns:a="http://schemas.openxmlformats.org/drawingml/2006/main" xmlns:r="http://schemas.openxmlformats.org/officeDocument/2006/relationships" xmlns:p="http://schemas.openxmlformats.org/presentationml/2006/main">
+  <p:cSld>
+    <p:bg>
+      <p:bgPr>
+        <a:solidFill>
+          <a:schemeClr val="bg1"/>
+        </a:solidFill>
+        <a:effectLst/>
+      </p:bgPr>
+    </p:bg>
+    <p:spTree>
+      <p:nvGrpSpPr>
+        <p:cNvPr id="1" name=""/>
+        <p:cNvGrpSpPr/>
+        <p:nvPr/>
+      </p:nvGrpSpPr>
+      <p:grpSpPr>
+        <a:xfrm>
+          <a:off x="0" y="0"/>
+          <a:ext cx="0" cy="0"/>
+          <a:chOff x="0" y="0"/>
+          <a:chExt cx="0" cy="0"/>
+        </a:xfrm>
+      </p:grpSpPr>
+      <p:sp useBgFill="1">
+        <p:nvSpPr>
+          <p:cNvPr id="13" name="Rectangle 7">
+            <a:extLst>
+              <a:ext uri="{FF2B5EF4-FFF2-40B4-BE49-F238E27FC236}">
+                <a16:creationId xmlns:a16="http://schemas.microsoft.com/office/drawing/2014/main" id="{907EF6B7-1338-4443-8C46-6A318D952DFD}"/>
+              </a:ext>
+              <a:ext uri="{C183D7F6-B498-43B3-948B-1728B52AA6E4}">
+                <adec:decorative xmlns:adec="http://schemas.microsoft.com/office/drawing/2017/decorative" val="1"/>
+              </a:ext>
+            </a:extLst>
+          </p:cNvPr>
+          <p:cNvSpPr>
+            <a:spLocks noGrp="1" noRot="1" noChangeAspect="1" noMove="1" noResize="1" noEditPoints="1" noAdjustHandles="1" noChangeArrowheads="1" noChangeShapeType="1" noTextEdit="1"/>
+          </p:cNvSpPr>
+          <p:nvPr>
+            <p:extLst>
+              <p:ext uri="{386F3935-93C4-4BCD-93E2-E3B085C9AB24}">
+                <p16:designElem xmlns:p16="http://schemas.microsoft.com/office/powerpoint/2015/main" val="1"/>
+              </p:ext>
+            </p:extLst>
+          </p:nvPr>
+        </p:nvSpPr>
+        <p:spPr>
+          <a:xfrm>
+            <a:off x="3048" y="0"/>
+            <a:ext cx="12188952" cy="6858000"/>
+          </a:xfrm>
+          <a:prstGeom prst="rect">
+            <a:avLst/>
+          </a:prstGeom>
+          <a:ln>
+            <a:noFill/>
+          </a:ln>
+        </p:spPr>
+        <p:style>
+          <a:lnRef idx="2">
+            <a:schemeClr val="accent1">
+              <a:shade val="50000"/>
+            </a:schemeClr>
+          </a:lnRef>
+          <a:fillRef idx="1">
+            <a:schemeClr val="accent1"/>
+          </a:fillRef>
+          <a:effectRef idx="0">
+            <a:schemeClr val="accent1"/>
+          </a:effectRef>
+          <a:fontRef idx="minor">
+            <a:schemeClr val="lt1"/>
+          </a:fontRef>
+        </p:style>
+        <p:txBody>
+          <a:bodyPr rtlCol="0" anchor="ctr"/>
+          <a:lstStyle/>
+          <a:p>
+            <a:pPr algn="ctr"/>
+            <a:endParaRPr lang="en-US"/>
+          </a:p>
+        </p:txBody>
+      </p:sp>
+      <p:sp>
+        <p:nvSpPr>
+          <p:cNvPr id="14" name="Freeform: Shape 9">
+            <a:extLst>
+              <a:ext uri="{FF2B5EF4-FFF2-40B4-BE49-F238E27FC236}">
+                <a16:creationId xmlns:a16="http://schemas.microsoft.com/office/drawing/2014/main" id="{DAAE4CDD-124C-4DCF-9584-B6033B545DD5}"/>
+              </a:ext>
+              <a:ext uri="{C183D7F6-B498-43B3-948B-1728B52AA6E4}">
+                <adec:decorative xmlns:adec="http://schemas.microsoft.com/office/drawing/2017/decorative" val="1"/>
+              </a:ext>
+            </a:extLst>
+          </p:cNvPr>
+          <p:cNvSpPr>
+            <a:spLocks noGrp="1" noRot="1" noChangeAspect="1" noMove="1" noResize="1" noEditPoints="1" noAdjustHandles="1" noChangeArrowheads="1" noChangeShapeType="1" noTextEdit="1"/>
+          </p:cNvSpPr>
+          <p:nvPr>
+            <p:extLst>
+              <p:ext uri="{386F3935-93C4-4BCD-93E2-E3B085C9AB24}">
+                <p16:designElem xmlns:p16="http://schemas.microsoft.com/office/powerpoint/2015/main" val="1"/>
+              </p:ext>
+            </p:extLst>
+          </p:nvPr>
+        </p:nvSpPr>
+        <p:spPr>
+          <a:xfrm>
+            <a:off x="1" y="0"/>
+            <a:ext cx="4167271" cy="6858000"/>
+          </a:xfrm>
+          <a:custGeom>
+            <a:avLst/>
+            <a:gdLst>
+              <a:gd name="connsiteX0" fmla="*/ 0 w 4167271"/>
+              <a:gd name="connsiteY0" fmla="*/ 0 h 6858000"/>
+              <a:gd name="connsiteX1" fmla="*/ 2259550 w 4167271"/>
+              <a:gd name="connsiteY1" fmla="*/ 0 h 6858000"/>
+              <a:gd name="connsiteX2" fmla="*/ 2387803 w 4167271"/>
+              <a:gd name="connsiteY2" fmla="*/ 82222 h 6858000"/>
+              <a:gd name="connsiteX3" fmla="*/ 4167271 w 4167271"/>
+              <a:gd name="connsiteY3" fmla="*/ 3429000 h 6858000"/>
+              <a:gd name="connsiteX4" fmla="*/ 2387803 w 4167271"/>
+              <a:gd name="connsiteY4" fmla="*/ 6775779 h 6858000"/>
+              <a:gd name="connsiteX5" fmla="*/ 2259550 w 4167271"/>
+              <a:gd name="connsiteY5" fmla="*/ 6858000 h 6858000"/>
+              <a:gd name="connsiteX6" fmla="*/ 0 w 4167271"/>
+              <a:gd name="connsiteY6" fmla="*/ 6858000 h 6858000"/>
+            </a:gdLst>
+            <a:ahLst/>
+            <a:cxnLst>
+              <a:cxn ang="0">
+                <a:pos x="connsiteX0" y="connsiteY0"/>
+              </a:cxn>
+              <a:cxn ang="0">
+                <a:pos x="connsiteX1" y="connsiteY1"/>
+              </a:cxn>
+              <a:cxn ang="0">
+                <a:pos x="connsiteX2" y="connsiteY2"/>
+              </a:cxn>
+              <a:cxn ang="0">
+                <a:pos x="connsiteX3" y="connsiteY3"/>
+              </a:cxn>
+              <a:cxn ang="0">
+                <a:pos x="connsiteX4" y="connsiteY4"/>
+              </a:cxn>
+              <a:cxn ang="0">
+                <a:pos x="connsiteX5" y="connsiteY5"/>
+              </a:cxn>
+              <a:cxn ang="0">
+                <a:pos x="connsiteX6" y="connsiteY6"/>
+              </a:cxn>
+            </a:cxnLst>
+            <a:rect l="l" t="t" r="r" b="b"/>
+            <a:pathLst>
+              <a:path w="4167271" h="6858000">
+                <a:moveTo>
+                  <a:pt x="0" y="0"/>
+                </a:moveTo>
+                <a:lnTo>
+                  <a:pt x="2259550" y="0"/>
+                </a:lnTo>
+                <a:lnTo>
+                  <a:pt x="2387803" y="82222"/>
+                </a:lnTo>
+                <a:cubicBezTo>
+                  <a:pt x="3461407" y="807534"/>
+                  <a:pt x="4167271" y="2035835"/>
+                  <a:pt x="4167271" y="3429000"/>
+                </a:cubicBezTo>
+                <a:cubicBezTo>
+                  <a:pt x="4167271" y="4822165"/>
+                  <a:pt x="3461407" y="6050467"/>
+                  <a:pt x="2387803" y="6775779"/>
+                </a:cubicBezTo>
+                <a:lnTo>
+                  <a:pt x="2259550" y="6858000"/>
+                </a:lnTo>
+                <a:lnTo>
+                  <a:pt x="0" y="6858000"/>
+                </a:lnTo>
+                <a:close/>
+              </a:path>
+            </a:pathLst>
+          </a:custGeom>
+          <a:solidFill>
+            <a:schemeClr val="accent2"/>
+          </a:solidFill>
+          <a:ln>
+            <a:noFill/>
+          </a:ln>
+        </p:spPr>
+        <p:style>
+          <a:lnRef idx="2">
+            <a:schemeClr val="accent1">
+              <a:shade val="50000"/>
+            </a:schemeClr>
+          </a:lnRef>
+          <a:fillRef idx="1">
+            <a:schemeClr val="accent1"/>
+          </a:fillRef>
+          <a:effectRef idx="0">
+            <a:schemeClr val="accent1"/>
+          </a:effectRef>
+          <a:fontRef idx="minor">
+            <a:schemeClr val="lt1"/>
+          </a:fontRef>
+        </p:style>
+        <p:txBody>
+          <a:bodyPr rtlCol="0" anchor="ctr"/>
+          <a:lstStyle/>
+          <a:p>
+            <a:pPr algn="ctr"/>
+            <a:endParaRPr lang="en-US"/>
+          </a:p>
+        </p:txBody>
+      </p:sp>
+      <p:sp>
+        <p:nvSpPr>
+          <p:cNvPr id="2" name="Title 1">
+            <a:extLst>
+              <a:ext uri="{FF2B5EF4-FFF2-40B4-BE49-F238E27FC236}">
+                <a16:creationId xmlns:a16="http://schemas.microsoft.com/office/drawing/2014/main" id="{19E102C2-2EA6-427F-9AD1-4A9A721C2FD6}"/>
+              </a:ext>
+            </a:extLst>
+          </p:cNvPr>
+          <p:cNvSpPr>
+            <a:spLocks noGrp="1"/>
+          </p:cNvSpPr>
+          <p:nvPr>
+            <p:ph type="title"/>
+          </p:nvPr>
+        </p:nvSpPr>
+        <p:spPr>
+          <a:xfrm>
+            <a:off x="686834" y="1153572"/>
+            <a:ext cx="3200400" cy="4461163"/>
+          </a:xfrm>
+        </p:spPr>
+        <p:txBody>
+          <a:bodyPr>
+            <a:normAutofit/>
+          </a:bodyPr>
+          <a:lstStyle/>
+          <a:p>
+            <a:r>
+              <a:rPr lang="en-GB" dirty="0">
+                <a:solidFill>
+                  <a:srgbClr val="FFFFFF"/>
+                </a:solidFill>
+              </a:rPr>
+              <a:t>Commented code</a:t>
+            </a:r>
+          </a:p>
+        </p:txBody>
+      </p:sp>
+      <p:sp>
+        <p:nvSpPr>
+          <p:cNvPr id="12" name="Arc 11">
+            <a:extLst>
+              <a:ext uri="{FF2B5EF4-FFF2-40B4-BE49-F238E27FC236}">
+                <a16:creationId xmlns:a16="http://schemas.microsoft.com/office/drawing/2014/main" id="{081E4A58-353D-44AE-B2FC-2A74E2E400F7}"/>
+              </a:ext>
+              <a:ext uri="{C183D7F6-B498-43B3-948B-1728B52AA6E4}">
+                <adec:decorative xmlns:adec="http://schemas.microsoft.com/office/drawing/2017/decorative" val="1"/>
+              </a:ext>
+            </a:extLst>
+          </p:cNvPr>
+          <p:cNvSpPr>
+            <a:spLocks noGrp="1" noRot="1" noChangeAspect="1" noMove="1" noResize="1" noEditPoints="1" noAdjustHandles="1" noChangeArrowheads="1" noChangeShapeType="1" noTextEdit="1"/>
+          </p:cNvSpPr>
+          <p:nvPr>
+            <p:extLst>
+              <p:ext uri="{386F3935-93C4-4BCD-93E2-E3B085C9AB24}">
+                <p16:designElem xmlns:p16="http://schemas.microsoft.com/office/powerpoint/2015/main" val="1"/>
+              </p:ext>
+            </p:extLst>
+          </p:nvPr>
+        </p:nvSpPr>
+        <p:spPr>
+          <a:xfrm flipV="1">
+            <a:off x="7550402" y="2455479"/>
+            <a:ext cx="4083433" cy="4083433"/>
+          </a:xfrm>
+          <a:prstGeom prst="arc">
+            <a:avLst/>
+          </a:prstGeom>
+          <a:ln w="127000" cap="rnd">
+            <a:solidFill>
+              <a:schemeClr val="accent4"/>
+            </a:solidFill>
+            <a:prstDash val="dash"/>
+          </a:ln>
+        </p:spPr>
+        <p:style>
+          <a:lnRef idx="1">
+            <a:schemeClr val="accent1"/>
+          </a:lnRef>
+          <a:fillRef idx="0">
+            <a:schemeClr val="accent1"/>
+          </a:fillRef>
+          <a:effectRef idx="0">
+            <a:schemeClr val="accent1"/>
+          </a:effectRef>
+          <a:fontRef idx="minor">
+            <a:schemeClr val="tx1"/>
+          </a:fontRef>
+        </p:style>
+        <p:txBody>
+          <a:bodyPr rtlCol="0" anchor="ctr"/>
+          <a:lstStyle/>
+          <a:p>
+            <a:pPr algn="ctr"/>
+            <a:endParaRPr lang="en-US" dirty="0"/>
+          </a:p>
+        </p:txBody>
+      </p:sp>
+      <p:sp>
+        <p:nvSpPr>
+          <p:cNvPr id="3" name="Content Placeholder 2">
+            <a:extLst>
+              <a:ext uri="{FF2B5EF4-FFF2-40B4-BE49-F238E27FC236}">
+                <a16:creationId xmlns:a16="http://schemas.microsoft.com/office/drawing/2014/main" id="{168495D5-2E86-43A1-AECD-B33D05DA603B}"/>
+              </a:ext>
+            </a:extLst>
+          </p:cNvPr>
+          <p:cNvSpPr>
+            <a:spLocks noGrp="1"/>
+          </p:cNvSpPr>
+          <p:nvPr>
+            <p:ph idx="1"/>
+          </p:nvPr>
+        </p:nvSpPr>
+        <p:spPr>
+          <a:xfrm>
+            <a:off x="4447308" y="591344"/>
+            <a:ext cx="6906491" cy="5585619"/>
+          </a:xfrm>
+        </p:spPr>
+        <p:txBody>
+          <a:bodyPr anchor="ctr">
+            <a:normAutofit/>
+          </a:bodyPr>
+          <a:lstStyle/>
+          <a:p>
+            <a:r>
+              <a:rPr lang="en-GB" dirty="0">
+                <a:hlinkClick r:id="rId2"/>
+              </a:rPr>
+              <a:t>https://github.com/Max-Hitchings/Bright-Sparks-School-System/blob/main/py_itterations/iteration3.py</a:t>
+            </a:r>
+            <a:endParaRPr lang="en-GB" dirty="0"/>
+          </a:p>
+        </p:txBody>
+      </p:sp>
+    </p:spTree>
+    <p:extLst>
+      <p:ext uri="{BB962C8B-B14F-4D97-AF65-F5344CB8AC3E}">
+        <p14:creationId xmlns:p14="http://schemas.microsoft.com/office/powerpoint/2010/main" val="1740203558"/>
+      </p:ext>
+    </p:extLst>
+  </p:cSld>
+  <p:clrMapOvr>
+    <a:masterClrMapping/>
+  </p:clrMapOvr>
+  <p:timing>
+    <p:tnLst>
+      <p:par>
+        <p:cTn id="1" dur="indefinite" restart="never" nodeType="tmRoot">
+          <p:childTnLst>
+            <p:seq concurrent="1" nextAc="seek">
+              <p:cTn id="2" dur="indefinite" nodeType="mainSeq">
+                <p:childTnLst>
+                  <p:par>
+                    <p:cTn id="3" fill="hold">
+                      <p:stCondLst>
+                        <p:cond delay="indefinite"/>
+                        <p:cond evt="onBegin" delay="0">
+                          <p:tn val="2"/>
+                        </p:cond>
+                      </p:stCondLst>
+                      <p:childTnLst>
+                        <p:par>
+                          <p:cTn id="4" fill="hold">
+                            <p:stCondLst>
+                              <p:cond delay="0"/>
+                            </p:stCondLst>
+                            <p:childTnLst>
+                              <p:par>
+                                <p:cTn id="5" presetID="10" presetClass="entr" presetSubtype="0" fill="hold" grpId="0" nodeType="withEffect">
+                                  <p:stCondLst>
+                                    <p:cond delay="500"/>
+                                  </p:stCondLst>
+                                  <p:iterate>
+                                    <p:tmPct val="10000"/>
+                                  </p:iterate>
+                                  <p:childTnLst>
+                                    <p:set>
+                                      <p:cBhvr>
+                                        <p:cTn id="6" dur="1" fill="hold">
+                                          <p:stCondLst>
+                                            <p:cond delay="0"/>
+                                          </p:stCondLst>
+                                        </p:cTn>
+                                        <p:tgtEl>
+                                          <p:spTgt spid="2"/>
+                                        </p:tgtEl>
+                                        <p:attrNameLst>
+                                          <p:attrName>style.visibility</p:attrName>
+                                        </p:attrNameLst>
+                                      </p:cBhvr>
+                                      <p:to>
+                                        <p:strVal val="visible"/>
+                                      </p:to>
+                                    </p:set>
+                                    <p:animEffect transition="in" filter="fade">
+                                      <p:cBhvr>
+                                        <p:cTn id="7" dur="700"/>
+                                        <p:tgtEl>
+                                          <p:spTgt spid="2"/>
+                                        </p:tgtEl>
+                                      </p:cBhvr>
+                                    </p:animEffect>
+                                  </p:childTnLst>
+                                </p:cTn>
+                              </p:par>
+                            </p:childTnLst>
+                          </p:cTn>
+                        </p:par>
+                      </p:childTnLst>
+                    </p:cTn>
+                  </p:par>
+                </p:childTnLst>
+              </p:cTn>
+              <p:prevCondLst>
+                <p:cond evt="onPrev" delay="0">
+                  <p:tgtEl>
+                    <p:sldTgt/>
+                  </p:tgtEl>
+                </p:cond>
+              </p:prevCondLst>
+              <p:nextCondLst>
+                <p:cond evt="onNext" delay="0">
+                  <p:tgtEl>
+                    <p:sldTgt/>
+                  </p:tgtEl>
+                </p:cond>
+              </p:nextCondLst>
+            </p:seq>
+          </p:childTnLst>
+        </p:cTn>
+      </p:par>
+    </p:tnLst>
+    <p:bldLst>
+      <p:bldP spid="2" grpId="0"/>
+    </p:bldLst>
+  </p:timing>
+</p:sld>
+</file>
+
+<file path=ppt/slides/slide17.xml><?xml version="1.0" encoding="utf-8"?>
+<p:sld xmlns:a="http://schemas.openxmlformats.org/drawingml/2006/main" xmlns:r="http://schemas.openxmlformats.org/officeDocument/2006/relationships" xmlns:p="http://schemas.openxmlformats.org/presentationml/2006/main">
+  <p:cSld>
+    <p:bg>
+      <p:bgPr>
+        <a:solidFill>
+          <a:schemeClr val="bg1"/>
+        </a:solidFill>
+        <a:effectLst/>
+      </p:bgPr>
+    </p:bg>
+    <p:spTree>
+      <p:nvGrpSpPr>
+        <p:cNvPr id="1" name=""/>
+        <p:cNvGrpSpPr/>
+        <p:nvPr/>
+      </p:nvGrpSpPr>
+      <p:grpSpPr>
+        <a:xfrm>
+          <a:off x="0" y="0"/>
+          <a:ext cx="0" cy="0"/>
+          <a:chOff x="0" y="0"/>
+          <a:chExt cx="0" cy="0"/>
+        </a:xfrm>
+      </p:grpSpPr>
+      <p:sp>
+        <p:nvSpPr>
+          <p:cNvPr id="18" name="Rectangle 17">
+            <a:extLst>
+              <a:ext uri="{FF2B5EF4-FFF2-40B4-BE49-F238E27FC236}">
+                <a16:creationId xmlns:a16="http://schemas.microsoft.com/office/drawing/2014/main" id="{AE2B703B-46F9-481A-A605-82E2A828C4FA}"/>
+              </a:ext>
+              <a:ext uri="{C183D7F6-B498-43B3-948B-1728B52AA6E4}">
+                <adec:decorative xmlns:adec="http://schemas.microsoft.com/office/drawing/2017/decorative" val="1"/>
+              </a:ext>
+            </a:extLst>
+          </p:cNvPr>
+          <p:cNvSpPr>
+            <a:spLocks noGrp="1" noRot="1" noChangeAspect="1" noMove="1" noResize="1" noEditPoints="1" noAdjustHandles="1" noChangeArrowheads="1" noChangeShapeType="1" noTextEdit="1"/>
+          </p:cNvSpPr>
+          <p:nvPr>
+            <p:extLst>
+              <p:ext uri="{386F3935-93C4-4BCD-93E2-E3B085C9AB24}">
+                <p16:designElem xmlns:p16="http://schemas.microsoft.com/office/powerpoint/2015/main" val="1"/>
+              </p:ext>
+            </p:extLst>
+          </p:nvPr>
+        </p:nvSpPr>
+        <p:spPr>
+          <a:xfrm>
+            <a:off x="0" y="0"/>
+            <a:ext cx="12192000" cy="6858000"/>
+          </a:xfrm>
+          <a:prstGeom prst="rect">
+            <a:avLst/>
+          </a:prstGeom>
+          <a:solidFill>
+            <a:schemeClr val="accent2"/>
+          </a:solidFill>
+          <a:ln>
+            <a:noFill/>
+          </a:ln>
+        </p:spPr>
+        <p:style>
+          <a:lnRef idx="2">
+            <a:schemeClr val="accent1">
+              <a:shade val="50000"/>
+            </a:schemeClr>
+          </a:lnRef>
+          <a:fillRef idx="1">
+            <a:schemeClr val="accent1"/>
+          </a:fillRef>
+          <a:effectRef idx="0">
+            <a:schemeClr val="accent1"/>
+          </a:effectRef>
+          <a:fontRef idx="minor">
+            <a:schemeClr val="lt1"/>
+          </a:fontRef>
+        </p:style>
+        <p:txBody>
+          <a:bodyPr rtlCol="0" anchor="ctr"/>
+          <a:lstStyle/>
+          <a:p>
+            <a:pPr algn="ctr"/>
+            <a:endParaRPr lang="en-US"/>
+          </a:p>
+        </p:txBody>
+      </p:sp>
+      <p:sp>
+        <p:nvSpPr>
+          <p:cNvPr id="2" name="Title 1">
+            <a:extLst>
+              <a:ext uri="{FF2B5EF4-FFF2-40B4-BE49-F238E27FC236}">
+                <a16:creationId xmlns:a16="http://schemas.microsoft.com/office/drawing/2014/main" id="{345B2832-E771-443B-B1B8-2523E4501E5C}"/>
+              </a:ext>
+            </a:extLst>
+          </p:cNvPr>
+          <p:cNvSpPr>
+            <a:spLocks noGrp="1"/>
+          </p:cNvSpPr>
+          <p:nvPr>
+            <p:ph type="title"/>
+          </p:nvPr>
+        </p:nvSpPr>
+        <p:spPr>
+          <a:xfrm>
+            <a:off x="838200" y="459863"/>
+            <a:ext cx="10515600" cy="1004594"/>
+          </a:xfrm>
+        </p:spPr>
+        <p:txBody>
+          <a:bodyPr>
+            <a:normAutofit/>
+          </a:bodyPr>
+          <a:lstStyle/>
+          <a:p>
+            <a:pPr algn="ctr"/>
+            <a:r>
+              <a:rPr lang="en-GB">
+                <a:solidFill>
+                  <a:srgbClr val="FFFFFF"/>
+                </a:solidFill>
+              </a:rPr>
+              <a:t>Test plan</a:t>
+            </a:r>
+          </a:p>
+        </p:txBody>
+      </p:sp>
+      <p:sp>
+        <p:nvSpPr>
+          <p:cNvPr id="20" name="Rectangle: Rounded Corners 19">
+            <a:extLst>
+              <a:ext uri="{FF2B5EF4-FFF2-40B4-BE49-F238E27FC236}">
+                <a16:creationId xmlns:a16="http://schemas.microsoft.com/office/drawing/2014/main" id="{F13BE4D7-0C3D-4906-B230-A1C5B4665CCF}"/>
+              </a:ext>
+              <a:ext uri="{C183D7F6-B498-43B3-948B-1728B52AA6E4}">
+                <adec:decorative xmlns:adec="http://schemas.microsoft.com/office/drawing/2017/decorative" val="1"/>
+              </a:ext>
+            </a:extLst>
+          </p:cNvPr>
+          <p:cNvSpPr>
+            <a:spLocks noGrp="1" noRot="1" noChangeAspect="1" noMove="1" noResize="1" noEditPoints="1" noAdjustHandles="1" noChangeArrowheads="1" noChangeShapeType="1" noTextEdit="1"/>
+          </p:cNvSpPr>
+          <p:nvPr>
+            <p:extLst>
+              <p:ext uri="{386F3935-93C4-4BCD-93E2-E3B085C9AB24}">
+                <p16:designElem xmlns:p16="http://schemas.microsoft.com/office/powerpoint/2015/main" val="1"/>
+              </p:ext>
+            </p:extLst>
+          </p:nvPr>
+        </p:nvSpPr>
+        <p:spPr>
+          <a:xfrm>
+            <a:off x="579496" y="1587970"/>
+            <a:ext cx="11033008" cy="4768380"/>
+          </a:xfrm>
+          <a:prstGeom prst="roundRect">
+            <a:avLst>
+              <a:gd name="adj" fmla="val 3174"/>
+            </a:avLst>
+          </a:prstGeom>
+          <a:solidFill>
+            <a:schemeClr val="bg1">
+              <a:alpha val="95000"/>
+            </a:schemeClr>
+          </a:solidFill>
+          <a:ln>
+            <a:noFill/>
+          </a:ln>
+        </p:spPr>
+        <p:style>
+          <a:lnRef idx="2">
+            <a:schemeClr val="accent1">
+              <a:shade val="50000"/>
+            </a:schemeClr>
+          </a:lnRef>
+          <a:fillRef idx="1">
+            <a:schemeClr val="accent1"/>
+          </a:fillRef>
+          <a:effectRef idx="0">
+            <a:schemeClr val="accent1"/>
+          </a:effectRef>
+          <a:fontRef idx="minor">
+            <a:schemeClr val="lt1"/>
+          </a:fontRef>
+        </p:style>
+        <p:txBody>
+          <a:bodyPr rtlCol="0" anchor="ctr"/>
+          <a:lstStyle/>
+          <a:p>
+            <a:pPr algn="ctr"/>
+            <a:endParaRPr lang="en-US"/>
+          </a:p>
+        </p:txBody>
+      </p:sp>
+      <p:graphicFrame>
+        <p:nvGraphicFramePr>
+          <p:cNvPr id="4" name="Table 4">
+            <a:extLst>
+              <a:ext uri="{FF2B5EF4-FFF2-40B4-BE49-F238E27FC236}">
+                <a16:creationId xmlns:a16="http://schemas.microsoft.com/office/drawing/2014/main" id="{F822C5F0-C226-4EB9-8DC9-6650C21CD76C}"/>
+              </a:ext>
+            </a:extLst>
+          </p:cNvPr>
+          <p:cNvGraphicFramePr>
+            <a:graphicFrameLocks noGrp="1"/>
+          </p:cNvGraphicFramePr>
+          <p:nvPr>
+            <p:ph idx="1"/>
+            <p:extLst>
+              <p:ext uri="{D42A27DB-BD31-4B8C-83A1-F6EECF244321}">
+                <p14:modId xmlns:p14="http://schemas.microsoft.com/office/powerpoint/2010/main" val="2380970046"/>
+              </p:ext>
+            </p:extLst>
+          </p:nvPr>
+        </p:nvGraphicFramePr>
+        <p:xfrm>
+          <a:off x="838196" y="2124365"/>
+          <a:ext cx="10515612" cy="3365915"/>
+        </p:xfrm>
+        <a:graphic>
+          <a:graphicData uri="http://schemas.openxmlformats.org/drawingml/2006/table">
+            <a:tbl>
+              <a:tblPr firstRow="1" bandRow="1">
+                <a:tableStyleId>{5C22544A-7EE6-4342-B048-85BDC9FD1C3A}</a:tableStyleId>
+              </a:tblPr>
+              <a:tblGrid>
+                <a:gridCol w="794547">
+                  <a:extLst>
+                    <a:ext uri="{9D8B030D-6E8A-4147-A177-3AD203B41FA5}">
+                      <a16:colId xmlns:a16="http://schemas.microsoft.com/office/drawing/2014/main" val="3130221010"/>
+                    </a:ext>
+                  </a:extLst>
+                </a:gridCol>
+                <a:gridCol w="1415620">
+                  <a:extLst>
+                    <a:ext uri="{9D8B030D-6E8A-4147-A177-3AD203B41FA5}">
+                      <a16:colId xmlns:a16="http://schemas.microsoft.com/office/drawing/2014/main" val="1820547767"/>
+                    </a:ext>
+                  </a:extLst>
+                </a:gridCol>
+                <a:gridCol w="1096956">
+                  <a:extLst>
+                    <a:ext uri="{9D8B030D-6E8A-4147-A177-3AD203B41FA5}">
+                      <a16:colId xmlns:a16="http://schemas.microsoft.com/office/drawing/2014/main" val="2006923075"/>
+                    </a:ext>
+                  </a:extLst>
+                </a:gridCol>
+                <a:gridCol w="1104139">
+                  <a:extLst>
+                    <a:ext uri="{9D8B030D-6E8A-4147-A177-3AD203B41FA5}">
+                      <a16:colId xmlns:a16="http://schemas.microsoft.com/office/drawing/2014/main" val="2598249986"/>
+                    </a:ext>
+                  </a:extLst>
+                </a:gridCol>
+                <a:gridCol w="1777376">
+                  <a:extLst>
+                    <a:ext uri="{9D8B030D-6E8A-4147-A177-3AD203B41FA5}">
+                      <a16:colId xmlns:a16="http://schemas.microsoft.com/office/drawing/2014/main" val="2814163100"/>
+                    </a:ext>
+                  </a:extLst>
+                </a:gridCol>
+                <a:gridCol w="1550569">
+                  <a:extLst>
+                    <a:ext uri="{9D8B030D-6E8A-4147-A177-3AD203B41FA5}">
+                      <a16:colId xmlns:a16="http://schemas.microsoft.com/office/drawing/2014/main" val="541959587"/>
+                    </a:ext>
+                  </a:extLst>
+                </a:gridCol>
+                <a:gridCol w="2776405">
+                  <a:extLst>
+                    <a:ext uri="{9D8B030D-6E8A-4147-A177-3AD203B41FA5}">
+                      <a16:colId xmlns:a16="http://schemas.microsoft.com/office/drawing/2014/main" val="2057573504"/>
+                    </a:ext>
+                  </a:extLst>
+                </a:gridCol>
+              </a:tblGrid>
+              <a:tr h="1062180">
+                <a:tc>
+                  <a:txBody>
+                    <a:bodyPr/>
+                    <a:lstStyle/>
+                    <a:p>
+                      <a:r>
+                        <a:rPr lang="en-GB" sz="1500" dirty="0"/>
+                        <a:t>Menu option</a:t>
+                      </a:r>
+                    </a:p>
+                  </a:txBody>
+                  <a:tcPr marL="76504" marR="76504" marT="38252" marB="38252"/>
+                </a:tc>
+                <a:tc>
+                  <a:txBody>
+                    <a:bodyPr/>
+                    <a:lstStyle/>
+                    <a:p>
+                      <a:r>
+                        <a:rPr lang="en-US" sz="1500" b="1" i="0" kern="1200" dirty="0">
+                          <a:solidFill>
+                            <a:schemeClr val="lt1"/>
+                          </a:solidFill>
+                          <a:effectLst/>
+                          <a:latin typeface="+mn-lt"/>
+                          <a:ea typeface="+mn-ea"/>
+                          <a:cs typeface="+mn-cs"/>
+                        </a:rPr>
+                        <a:t>Variable name​</a:t>
+                      </a:r>
+                      <a:endParaRPr lang="en-GB" sz="1500" dirty="0"/>
+                    </a:p>
+                  </a:txBody>
+                  <a:tcPr marL="76504" marR="76504" marT="38252" marB="38252"/>
+                </a:tc>
+                <a:tc>
+                  <a:txBody>
+                    <a:bodyPr/>
+                    <a:lstStyle/>
+                    <a:p>
+                      <a:r>
+                        <a:rPr lang="en-US" sz="1500" b="1" i="0" kern="1200">
+                          <a:solidFill>
+                            <a:schemeClr val="lt1"/>
+                          </a:solidFill>
+                          <a:effectLst/>
+                          <a:latin typeface="+mn-lt"/>
+                          <a:ea typeface="+mn-ea"/>
+                          <a:cs typeface="+mn-cs"/>
+                        </a:rPr>
+                        <a:t>Test case​</a:t>
+                      </a:r>
+                      <a:endParaRPr lang="en-GB" sz="1500"/>
+                    </a:p>
+                  </a:txBody>
+                  <a:tcPr marL="76504" marR="76504" marT="38252" marB="38252"/>
+                </a:tc>
+                <a:tc>
+                  <a:txBody>
+                    <a:bodyPr/>
+                    <a:lstStyle/>
+                    <a:p>
+                      <a:r>
+                        <a:rPr lang="en-US" sz="1500" b="1" i="0" kern="1200">
+                          <a:solidFill>
+                            <a:schemeClr val="lt1"/>
+                          </a:solidFill>
+                          <a:effectLst/>
+                          <a:latin typeface="+mn-lt"/>
+                          <a:ea typeface="+mn-ea"/>
+                          <a:cs typeface="+mn-cs"/>
+                        </a:rPr>
+                        <a:t>Test data​</a:t>
+                      </a:r>
+                      <a:endParaRPr lang="en-GB" sz="1500"/>
+                    </a:p>
+                  </a:txBody>
+                  <a:tcPr marL="76504" marR="76504" marT="38252" marB="38252"/>
+                </a:tc>
+                <a:tc>
+                  <a:txBody>
+                    <a:bodyPr/>
+                    <a:lstStyle/>
+                    <a:p>
+                      <a:pPr rtl="0" fontAlgn="base"/>
+                      <a:r>
+                        <a:rPr lang="en-US" sz="1500" b="1" i="0" kern="1200">
+                          <a:solidFill>
+                            <a:schemeClr val="lt1"/>
+                          </a:solidFill>
+                          <a:effectLst/>
+                          <a:latin typeface="+mn-lt"/>
+                          <a:ea typeface="+mn-ea"/>
+                          <a:cs typeface="+mn-cs"/>
+                        </a:rPr>
+                        <a:t>Expected ​</a:t>
+                      </a:r>
+                    </a:p>
+                    <a:p>
+                      <a:pPr rtl="0" fontAlgn="base"/>
+                      <a:r>
+                        <a:rPr lang="en-US" sz="1500" b="1" i="0" kern="1200">
+                          <a:solidFill>
+                            <a:schemeClr val="lt1"/>
+                          </a:solidFill>
+                          <a:effectLst/>
+                          <a:latin typeface="+mn-lt"/>
+                          <a:ea typeface="+mn-ea"/>
+                          <a:cs typeface="+mn-cs"/>
+                        </a:rPr>
+                        <a:t>output</a:t>
+                      </a:r>
+                    </a:p>
+                    <a:p>
+                      <a:endParaRPr lang="en-GB" sz="1500"/>
+                    </a:p>
+                  </a:txBody>
+                  <a:tcPr marL="76504" marR="76504" marT="38252" marB="38252"/>
+                </a:tc>
+                <a:tc>
+                  <a:txBody>
+                    <a:bodyPr/>
+                    <a:lstStyle/>
+                    <a:p>
+                      <a:r>
+                        <a:rPr lang="en-US" sz="1500" b="1" i="0" kern="1200">
+                          <a:solidFill>
+                            <a:schemeClr val="lt1"/>
+                          </a:solidFill>
+                          <a:effectLst/>
+                          <a:latin typeface="+mn-lt"/>
+                          <a:ea typeface="+mn-ea"/>
+                          <a:cs typeface="+mn-cs"/>
+                        </a:rPr>
+                        <a:t>Actual Output​</a:t>
+                      </a:r>
+                      <a:endParaRPr lang="en-GB" sz="1500"/>
+                    </a:p>
+                  </a:txBody>
+                  <a:tcPr marL="76504" marR="76504" marT="38252" marB="38252"/>
+                </a:tc>
+                <a:tc>
+                  <a:txBody>
+                    <a:bodyPr/>
+                    <a:lstStyle/>
+                    <a:p>
+                      <a:r>
+                        <a:rPr lang="en-US" sz="1500" b="1" i="0" kern="1200" dirty="0">
+                          <a:solidFill>
+                            <a:schemeClr val="lt1"/>
+                          </a:solidFill>
+                          <a:effectLst/>
+                          <a:latin typeface="+mn-lt"/>
+                          <a:ea typeface="+mn-ea"/>
+                          <a:cs typeface="+mn-cs"/>
+                        </a:rPr>
+                        <a:t>Action needed​</a:t>
+                      </a:r>
+                      <a:endParaRPr lang="en-GB" sz="1500" dirty="0"/>
+                    </a:p>
+                  </a:txBody>
+                  <a:tcPr marL="76504" marR="76504" marT="38252" marB="38252"/>
+                </a:tc>
+                <a:extLst>
+                  <a:ext uri="{0D108BD9-81ED-4DB2-BD59-A6C34878D82A}">
+                    <a16:rowId xmlns:a16="http://schemas.microsoft.com/office/drawing/2014/main" val="3543276203"/>
+                  </a:ext>
+                </a:extLst>
+              </a:tr>
+              <a:tr h="989732">
+                <a:tc>
+                  <a:txBody>
+                    <a:bodyPr/>
+                    <a:lstStyle/>
+                    <a:p>
+                      <a:r>
+                        <a:rPr lang="en-GB" sz="1500" dirty="0"/>
+                        <a:t>5</a:t>
+                      </a:r>
+                    </a:p>
+                  </a:txBody>
+                  <a:tcPr marL="76504" marR="76504" marT="38252" marB="38252"/>
+                </a:tc>
+                <a:tc>
+                  <a:txBody>
+                    <a:bodyPr/>
+                    <a:lstStyle/>
+                    <a:p>
+                      <a:pPr marL="0" marR="0" lvl="0" indent="0" algn="l" defTabSz="914400" rtl="0" eaLnBrk="1" fontAlgn="auto" latinLnBrk="0" hangingPunct="1">
+                        <a:lnSpc>
+                          <a:spcPct val="100000"/>
+                        </a:lnSpc>
+                        <a:spcBef>
+                          <a:spcPts val="0"/>
+                        </a:spcBef>
+                        <a:spcAft>
+                          <a:spcPts val="0"/>
+                        </a:spcAft>
+                        <a:buClrTx/>
+                        <a:buSzTx/>
+                        <a:buFontTx/>
+                        <a:buNone/>
+                        <a:tabLst/>
+                        <a:defRPr/>
+                      </a:pPr>
+                      <a:r>
+                        <a:rPr lang="en-GB" sz="1500" b="0" kern="1200" dirty="0">
+                          <a:solidFill>
+                            <a:schemeClr val="dk1"/>
+                          </a:solidFill>
+                          <a:effectLst/>
+                          <a:latin typeface="+mn-lt"/>
+                          <a:ea typeface="+mn-ea"/>
+                          <a:cs typeface="+mn-cs"/>
+                        </a:rPr>
+                        <a:t>N/A</a:t>
+                      </a:r>
+                    </a:p>
+                  </a:txBody>
+                  <a:tcPr marL="76504" marR="76504" marT="38252" marB="38252"/>
+                </a:tc>
+                <a:tc>
+                  <a:txBody>
+                    <a:bodyPr/>
+                    <a:lstStyle/>
+                    <a:p>
+                      <a:r>
+                        <a:rPr lang="en-GB" sz="1500" dirty="0"/>
+                        <a:t>valid</a:t>
+                      </a:r>
+                    </a:p>
+                  </a:txBody>
+                  <a:tcPr marL="76504" marR="76504" marT="38252" marB="38252"/>
+                </a:tc>
+                <a:tc>
+                  <a:txBody>
+                    <a:bodyPr/>
+                    <a:lstStyle/>
+                    <a:p>
+                      <a:r>
+                        <a:rPr lang="en-GB" sz="1500" dirty="0"/>
+                        <a:t>totals.txt file exists</a:t>
+                      </a:r>
+                    </a:p>
+                  </a:txBody>
+                  <a:tcPr marL="76504" marR="76504" marT="38252" marB="38252"/>
+                </a:tc>
+                <a:tc>
+                  <a:txBody>
+                    <a:bodyPr/>
+                    <a:lstStyle/>
+                    <a:p>
+                      <a:r>
+                        <a:rPr lang="en-GB" sz="1500" dirty="0"/>
+                        <a:t>Sorted list</a:t>
+                      </a:r>
+                    </a:p>
+                  </a:txBody>
+                  <a:tcPr marL="76504" marR="76504" marT="38252" marB="38252"/>
+                </a:tc>
+                <a:tc>
+                  <a:txBody>
+                    <a:bodyPr/>
+                    <a:lstStyle/>
+                    <a:p>
+                      <a:pPr marL="0" marR="0" lvl="0" indent="0" algn="l" defTabSz="914400" rtl="0" eaLnBrk="1" fontAlgn="auto" latinLnBrk="0" hangingPunct="1">
+                        <a:lnSpc>
+                          <a:spcPct val="100000"/>
+                        </a:lnSpc>
+                        <a:spcBef>
+                          <a:spcPts val="0"/>
+                        </a:spcBef>
+                        <a:spcAft>
+                          <a:spcPts val="0"/>
+                        </a:spcAft>
+                        <a:buClrTx/>
+                        <a:buSzTx/>
+                        <a:buFontTx/>
+                        <a:buNone/>
+                        <a:tabLst/>
+                        <a:defRPr/>
+                      </a:pPr>
+                      <a:r>
+                        <a:rPr lang="en-GB" sz="1500" dirty="0"/>
+                        <a:t>Sorted list</a:t>
+                      </a:r>
+                    </a:p>
+                    <a:p>
+                      <a:endParaRPr lang="en-GB" sz="1500" dirty="0"/>
+                    </a:p>
+                  </a:txBody>
+                  <a:tcPr marL="76504" marR="76504" marT="38252" marB="38252"/>
+                </a:tc>
+                <a:tc>
+                  <a:txBody>
+                    <a:bodyPr/>
+                    <a:lstStyle/>
+                    <a:p>
+                      <a:r>
+                        <a:rPr lang="en-GB" sz="1500" dirty="0"/>
+                        <a:t>N/A</a:t>
+                      </a:r>
+                    </a:p>
+                  </a:txBody>
+                  <a:tcPr marL="76504" marR="76504" marT="38252" marB="38252"/>
+                </a:tc>
+                <a:extLst>
+                  <a:ext uri="{0D108BD9-81ED-4DB2-BD59-A6C34878D82A}">
+                    <a16:rowId xmlns:a16="http://schemas.microsoft.com/office/drawing/2014/main" val="2553689190"/>
+                  </a:ext>
+                </a:extLst>
+              </a:tr>
+              <a:tr h="1314003">
+                <a:tc>
+                  <a:txBody>
+                    <a:bodyPr/>
+                    <a:lstStyle/>
+                    <a:p>
+                      <a:r>
+                        <a:rPr lang="en-GB" sz="1500" dirty="0"/>
+                        <a:t>5</a:t>
+                      </a:r>
+                    </a:p>
+                  </a:txBody>
+                  <a:tcPr marL="76504" marR="76504" marT="38252" marB="38252"/>
+                </a:tc>
+                <a:tc>
+                  <a:txBody>
+                    <a:bodyPr/>
+                    <a:lstStyle/>
+                    <a:p>
+                      <a:pPr marL="0" marR="0" lvl="0" indent="0" algn="l" defTabSz="914400" rtl="0" eaLnBrk="1" fontAlgn="auto" latinLnBrk="0" hangingPunct="1">
+                        <a:lnSpc>
+                          <a:spcPct val="100000"/>
+                        </a:lnSpc>
+                        <a:spcBef>
+                          <a:spcPts val="0"/>
+                        </a:spcBef>
+                        <a:spcAft>
+                          <a:spcPts val="0"/>
+                        </a:spcAft>
+                        <a:buClrTx/>
+                        <a:buSzTx/>
+                        <a:buFontTx/>
+                        <a:buNone/>
+                        <a:tabLst/>
+                        <a:defRPr/>
+                      </a:pPr>
+                      <a:r>
+                        <a:rPr lang="en-GB" sz="1500" b="0" kern="1200" dirty="0">
+                          <a:solidFill>
+                            <a:schemeClr val="dk1"/>
+                          </a:solidFill>
+                          <a:effectLst/>
+                          <a:latin typeface="+mn-lt"/>
+                          <a:ea typeface="+mn-ea"/>
+                          <a:cs typeface="+mn-cs"/>
+                        </a:rPr>
+                        <a:t>N/A</a:t>
+                      </a:r>
+                    </a:p>
+                    <a:p>
+                      <a:endParaRPr lang="en-GB" sz="1500" dirty="0"/>
+                    </a:p>
+                  </a:txBody>
+                  <a:tcPr marL="76504" marR="76504" marT="38252" marB="38252"/>
+                </a:tc>
+                <a:tc>
+                  <a:txBody>
+                    <a:bodyPr/>
+                    <a:lstStyle/>
+                    <a:p>
+                      <a:r>
+                        <a:rPr lang="en-GB" sz="1500" dirty="0"/>
+                        <a:t>Invalid</a:t>
+                      </a:r>
+                    </a:p>
+                  </a:txBody>
+                  <a:tcPr marL="76504" marR="76504" marT="38252" marB="38252"/>
+                </a:tc>
+                <a:tc>
+                  <a:txBody>
+                    <a:bodyPr/>
+                    <a:lstStyle/>
+                    <a:p>
+                      <a:r>
+                        <a:rPr lang="en-GB" sz="1500" dirty="0"/>
+                        <a:t>totals.txt file doesn’t exist</a:t>
+                      </a:r>
+                    </a:p>
+                  </a:txBody>
+                  <a:tcPr marL="76504" marR="76504" marT="38252" marB="38252"/>
+                </a:tc>
+                <a:tc>
+                  <a:txBody>
+                    <a:bodyPr/>
+                    <a:lstStyle/>
+                    <a:p>
+                      <a:pPr marL="0" marR="0" lvl="0" indent="0" algn="l" defTabSz="914400" rtl="0" eaLnBrk="1" fontAlgn="auto" latinLnBrk="0" hangingPunct="1">
+                        <a:lnSpc>
+                          <a:spcPct val="100000"/>
+                        </a:lnSpc>
+                        <a:spcBef>
+                          <a:spcPts val="0"/>
+                        </a:spcBef>
+                        <a:spcAft>
+                          <a:spcPts val="0"/>
+                        </a:spcAft>
+                        <a:buClrTx/>
+                        <a:buSzTx/>
+                        <a:buFontTx/>
+                        <a:buNone/>
+                        <a:tabLst/>
+                        <a:defRPr/>
+                      </a:pPr>
+                      <a:r>
+                        <a:rPr lang="en-GB" sz="1500" b="0" kern="1200" dirty="0">
+                          <a:solidFill>
+                            <a:schemeClr val="dk1"/>
+                          </a:solidFill>
+                          <a:effectLst/>
+                          <a:latin typeface="+mn-lt"/>
+                          <a:ea typeface="+mn-ea"/>
+                          <a:cs typeface="+mn-cs"/>
+                        </a:rPr>
+                        <a:t>"please use option 4 before using this option"</a:t>
+                      </a:r>
+                    </a:p>
+                  </a:txBody>
+                  <a:tcPr marL="76504" marR="76504" marT="38252" marB="38252"/>
+                </a:tc>
+                <a:tc>
+                  <a:txBody>
+                    <a:bodyPr/>
+                    <a:lstStyle/>
+                    <a:p>
+                      <a:pPr marL="0" marR="0" lvl="0" indent="0" algn="l" defTabSz="914400" rtl="0" eaLnBrk="1" fontAlgn="auto" latinLnBrk="0" hangingPunct="1">
+                        <a:lnSpc>
+                          <a:spcPct val="100000"/>
+                        </a:lnSpc>
+                        <a:spcBef>
+                          <a:spcPts val="0"/>
+                        </a:spcBef>
+                        <a:spcAft>
+                          <a:spcPts val="0"/>
+                        </a:spcAft>
+                        <a:buClrTx/>
+                        <a:buSzTx/>
+                        <a:buFontTx/>
+                        <a:buNone/>
+                        <a:tabLst/>
+                        <a:defRPr/>
+                      </a:pPr>
+                      <a:r>
+                        <a:rPr lang="en-GB" sz="1500" b="0" kern="1200" dirty="0">
+                          <a:solidFill>
+                            <a:schemeClr val="dk1"/>
+                          </a:solidFill>
+                          <a:effectLst/>
+                          <a:latin typeface="+mn-lt"/>
+                          <a:ea typeface="+mn-ea"/>
+                          <a:cs typeface="+mn-cs"/>
+                        </a:rPr>
+                        <a:t>"please use option 4 before using this option"</a:t>
+                      </a:r>
+                    </a:p>
+                  </a:txBody>
+                  <a:tcPr marL="76504" marR="76504" marT="38252" marB="38252"/>
+                </a:tc>
+                <a:tc>
+                  <a:txBody>
+                    <a:bodyPr/>
+                    <a:lstStyle/>
+                    <a:p>
+                      <a:r>
+                        <a:rPr lang="en-GB" sz="1500" dirty="0"/>
+                        <a:t>N/A</a:t>
+                      </a:r>
+                    </a:p>
+                  </a:txBody>
+                  <a:tcPr marL="76504" marR="76504" marT="38252" marB="38252"/>
+                </a:tc>
+                <a:extLst>
+                  <a:ext uri="{0D108BD9-81ED-4DB2-BD59-A6C34878D82A}">
+                    <a16:rowId xmlns:a16="http://schemas.microsoft.com/office/drawing/2014/main" val="1833056172"/>
+                  </a:ext>
+                </a:extLst>
+              </a:tr>
+            </a:tbl>
+          </a:graphicData>
+        </a:graphic>
+      </p:graphicFrame>
+    </p:spTree>
+    <p:extLst>
+      <p:ext uri="{BB962C8B-B14F-4D97-AF65-F5344CB8AC3E}">
+        <p14:creationId xmlns:p14="http://schemas.microsoft.com/office/powerpoint/2010/main" val="305018496"/>
+      </p:ext>
+    </p:extLst>
+  </p:cSld>
+  <p:clrMapOvr>
+    <a:masterClrMapping/>
+  </p:clrMapOvr>
+</p:sld>
+</file>
+
+<file path=ppt/slides/slide18.xml><?xml version="1.0" encoding="utf-8"?>
+<p:sld xmlns:a="http://schemas.openxmlformats.org/drawingml/2006/main" xmlns:r="http://schemas.openxmlformats.org/officeDocument/2006/relationships" xmlns:p="http://schemas.openxmlformats.org/presentationml/2006/main">
+  <p:cSld>
+    <p:bg>
+      <p:bgPr>
+        <a:solidFill>
+          <a:schemeClr val="bg1"/>
+        </a:solidFill>
+        <a:effectLst/>
+      </p:bgPr>
+    </p:bg>
+    <p:spTree>
+      <p:nvGrpSpPr>
+        <p:cNvPr id="1" name=""/>
+        <p:cNvGrpSpPr/>
+        <p:nvPr/>
+      </p:nvGrpSpPr>
+      <p:grpSpPr>
+        <a:xfrm>
+          <a:off x="0" y="0"/>
+          <a:ext cx="0" cy="0"/>
+          <a:chOff x="0" y="0"/>
+          <a:chExt cx="0" cy="0"/>
+        </a:xfrm>
+      </p:grpSpPr>
+      <p:sp>
+        <p:nvSpPr>
+          <p:cNvPr id="8" name="Rectangle 7">
+            <a:extLst>
+              <a:ext uri="{FF2B5EF4-FFF2-40B4-BE49-F238E27FC236}">
+                <a16:creationId xmlns:a16="http://schemas.microsoft.com/office/drawing/2014/main" id="{E8A8EAB8-D2FF-444D-B34B-7D32F106AD0E}"/>
+              </a:ext>
+              <a:ext uri="{C183D7F6-B498-43B3-948B-1728B52AA6E4}">
+                <adec:decorative xmlns:adec="http://schemas.microsoft.com/office/drawing/2017/decorative" val="1"/>
+              </a:ext>
+            </a:extLst>
+          </p:cNvPr>
+          <p:cNvSpPr>
+            <a:spLocks noGrp="1" noRot="1" noChangeAspect="1" noMove="1" noResize="1" noEditPoints="1" noAdjustHandles="1" noChangeArrowheads="1" noChangeShapeType="1" noTextEdit="1"/>
+          </p:cNvSpPr>
+          <p:nvPr>
+            <p:extLst>
+              <p:ext uri="{386F3935-93C4-4BCD-93E2-E3B085C9AB24}">
+                <p16:designElem xmlns:p16="http://schemas.microsoft.com/office/powerpoint/2015/main" val="1"/>
+              </p:ext>
+            </p:extLst>
+          </p:nvPr>
+        </p:nvSpPr>
+        <p:spPr>
+          <a:xfrm>
+            <a:off x="0" y="0"/>
+            <a:ext cx="12192000" cy="6858000"/>
+          </a:xfrm>
+          <a:prstGeom prst="rect">
+            <a:avLst/>
+          </a:prstGeom>
+          <a:solidFill>
+            <a:schemeClr val="tx1">
+              <a:lumMod val="95000"/>
+              <a:lumOff val="5000"/>
+            </a:schemeClr>
+          </a:solidFill>
+          <a:ln>
+            <a:noFill/>
+          </a:ln>
+        </p:spPr>
+        <p:style>
+          <a:lnRef idx="2">
+            <a:schemeClr val="accent1">
+              <a:shade val="50000"/>
+            </a:schemeClr>
+          </a:lnRef>
+          <a:fillRef idx="1">
+            <a:schemeClr val="accent1"/>
+          </a:fillRef>
+          <a:effectRef idx="0">
+            <a:schemeClr val="accent1"/>
+          </a:effectRef>
+          <a:fontRef idx="minor">
+            <a:schemeClr val="lt1"/>
+          </a:fontRef>
+        </p:style>
+        <p:txBody>
+          <a:bodyPr rtlCol="0" anchor="ctr"/>
+          <a:lstStyle/>
+          <a:p>
+            <a:pPr algn="ctr"/>
+            <a:endParaRPr lang="en-US" dirty="0">
+              <a:solidFill>
+                <a:schemeClr val="bg1"/>
+              </a:solidFill>
+            </a:endParaRPr>
+          </a:p>
+        </p:txBody>
+      </p:sp>
+      <p:sp>
+        <p:nvSpPr>
+          <p:cNvPr id="2" name="Title 1">
+            <a:extLst>
+              <a:ext uri="{FF2B5EF4-FFF2-40B4-BE49-F238E27FC236}">
+                <a16:creationId xmlns:a16="http://schemas.microsoft.com/office/drawing/2014/main" id="{99270C06-E5EA-4C3C-B46E-ED7FC830A1DB}"/>
+              </a:ext>
+            </a:extLst>
+          </p:cNvPr>
+          <p:cNvSpPr>
+            <a:spLocks noGrp="1"/>
+          </p:cNvSpPr>
+          <p:nvPr>
+            <p:ph type="title"/>
+          </p:nvPr>
+        </p:nvSpPr>
+        <p:spPr>
+          <a:xfrm>
+            <a:off x="1014141" y="1450655"/>
+            <a:ext cx="3932030" cy="3956690"/>
+          </a:xfrm>
+        </p:spPr>
+        <p:txBody>
+          <a:bodyPr anchor="ctr">
+            <a:normAutofit/>
+          </a:bodyPr>
+          <a:lstStyle/>
+          <a:p>
+            <a:r>
+              <a:rPr lang="en-GB" sz="6800">
+                <a:solidFill>
+                  <a:schemeClr val="bg1"/>
+                </a:solidFill>
+              </a:rPr>
+              <a:t>Evaluation</a:t>
+            </a:r>
+          </a:p>
+        </p:txBody>
+      </p:sp>
+      <p:cxnSp>
+        <p:nvCxnSpPr>
+          <p:cNvPr id="10" name="Straight Connector 9">
+            <a:extLst>
+              <a:ext uri="{FF2B5EF4-FFF2-40B4-BE49-F238E27FC236}">
+                <a16:creationId xmlns:a16="http://schemas.microsoft.com/office/drawing/2014/main" id="{067633D1-6EE6-4118-B9F0-B363477BEE7A}"/>
+              </a:ext>
+              <a:ext uri="{C183D7F6-B498-43B3-948B-1728B52AA6E4}">
+                <adec:decorative xmlns:adec="http://schemas.microsoft.com/office/drawing/2017/decorative" val="1"/>
+              </a:ext>
+            </a:extLst>
+          </p:cNvPr>
+          <p:cNvCxnSpPr>
+            <a:cxnSpLocks noGrp="1" noRot="1" noChangeAspect="1" noMove="1" noResize="1" noEditPoints="1" noAdjustHandles="1" noChangeArrowheads="1" noChangeShapeType="1"/>
+          </p:cNvCxnSpPr>
+          <p:nvPr>
+            <p:extLst>
+              <p:ext uri="{386F3935-93C4-4BCD-93E2-E3B085C9AB24}">
+                <p16:designElem xmlns:p16="http://schemas.microsoft.com/office/powerpoint/2015/main" val="1"/>
+              </p:ext>
+            </p:extLst>
+          </p:nvPr>
+        </p:nvCxnSpPr>
+        <p:spPr>
+          <a:xfrm flipH="1">
+            <a:off x="1014141" y="1450655"/>
+            <a:ext cx="3932030" cy="0"/>
+          </a:xfrm>
+          <a:prstGeom prst="line">
+            <a:avLst/>
+          </a:prstGeom>
+          <a:ln w="12700">
+            <a:solidFill>
+              <a:schemeClr val="accent2"/>
+            </a:solidFill>
+          </a:ln>
+        </p:spPr>
+        <p:style>
+          <a:lnRef idx="1">
+            <a:schemeClr val="accent1"/>
+          </a:lnRef>
+          <a:fillRef idx="0">
+            <a:schemeClr val="accent1"/>
+          </a:fillRef>
+          <a:effectRef idx="0">
+            <a:schemeClr val="accent1"/>
+          </a:effectRef>
+          <a:fontRef idx="minor">
+            <a:schemeClr val="tx1"/>
+          </a:fontRef>
+        </p:style>
+      </p:cxnSp>
+      <p:cxnSp>
+        <p:nvCxnSpPr>
+          <p:cNvPr id="12" name="Straight Connector 11">
+            <a:extLst>
+              <a:ext uri="{FF2B5EF4-FFF2-40B4-BE49-F238E27FC236}">
+                <a16:creationId xmlns:a16="http://schemas.microsoft.com/office/drawing/2014/main" id="{4AD7FFC6-42A9-49CB-B5E9-B3F6B038331B}"/>
+              </a:ext>
+              <a:ext uri="{C183D7F6-B498-43B3-948B-1728B52AA6E4}">
+                <adec:decorative xmlns:adec="http://schemas.microsoft.com/office/drawing/2017/decorative" val="1"/>
+              </a:ext>
+            </a:extLst>
+          </p:cNvPr>
+          <p:cNvCxnSpPr>
+            <a:cxnSpLocks noGrp="1" noRot="1" noChangeAspect="1" noMove="1" noResize="1" noEditPoints="1" noAdjustHandles="1" noChangeArrowheads="1" noChangeShapeType="1"/>
+          </p:cNvCxnSpPr>
+          <p:nvPr>
+            <p:extLst>
+              <p:ext uri="{386F3935-93C4-4BCD-93E2-E3B085C9AB24}">
+                <p16:designElem xmlns:p16="http://schemas.microsoft.com/office/powerpoint/2015/main" val="1"/>
+              </p:ext>
+            </p:extLst>
+          </p:nvPr>
+        </p:nvCxnSpPr>
+        <p:spPr>
+          <a:xfrm flipH="1">
+            <a:off x="1014141" y="5408571"/>
+            <a:ext cx="3932030" cy="0"/>
+          </a:xfrm>
+          <a:prstGeom prst="line">
+            <a:avLst/>
+          </a:prstGeom>
+          <a:ln w="12700">
+            <a:solidFill>
+              <a:schemeClr val="accent2"/>
+            </a:solidFill>
+          </a:ln>
+        </p:spPr>
+        <p:style>
+          <a:lnRef idx="1">
+            <a:schemeClr val="accent1"/>
+          </a:lnRef>
+          <a:fillRef idx="0">
+            <a:schemeClr val="accent1"/>
+          </a:fillRef>
+          <a:effectRef idx="0">
+            <a:schemeClr val="accent1"/>
+          </a:effectRef>
+          <a:fontRef idx="minor">
+            <a:schemeClr val="tx1"/>
+          </a:fontRef>
+        </p:style>
+      </p:cxnSp>
+      <p:sp>
+        <p:nvSpPr>
+          <p:cNvPr id="3" name="Content Placeholder 2">
+            <a:extLst>
+              <a:ext uri="{FF2B5EF4-FFF2-40B4-BE49-F238E27FC236}">
+                <a16:creationId xmlns:a16="http://schemas.microsoft.com/office/drawing/2014/main" id="{2AFD3CEA-418C-4958-ABA9-D87DBD3FB5E0}"/>
+              </a:ext>
+            </a:extLst>
+          </p:cNvPr>
+          <p:cNvSpPr>
+            <a:spLocks noGrp="1"/>
+          </p:cNvSpPr>
+          <p:nvPr>
+            <p:ph idx="1"/>
+          </p:nvPr>
+        </p:nvSpPr>
+        <p:spPr>
+          <a:xfrm>
+            <a:off x="6096000" y="1108061"/>
+            <a:ext cx="5008901" cy="4571972"/>
+          </a:xfrm>
+        </p:spPr>
+        <p:txBody>
+          <a:bodyPr anchor="ctr">
+            <a:normAutofit/>
+          </a:bodyPr>
+          <a:lstStyle/>
+          <a:p>
+            <a:r>
+              <a:rPr lang="en-GB" sz="2000" dirty="0">
+                <a:solidFill>
+                  <a:schemeClr val="bg1"/>
+                </a:solidFill>
+              </a:rPr>
+              <a:t>I completed all my aims for this iteration by adding the 5</a:t>
+            </a:r>
+            <a:r>
+              <a:rPr lang="en-GB" sz="2000" baseline="30000" dirty="0">
+                <a:solidFill>
+                  <a:schemeClr val="bg1"/>
+                </a:solidFill>
+              </a:rPr>
+              <a:t>th</a:t>
+            </a:r>
+            <a:r>
+              <a:rPr lang="en-GB" sz="2000" dirty="0">
+                <a:solidFill>
+                  <a:schemeClr val="bg1"/>
+                </a:solidFill>
+              </a:rPr>
+              <a:t> menu option so It went quite well</a:t>
+            </a:r>
+          </a:p>
+        </p:txBody>
+      </p:sp>
+    </p:spTree>
+    <p:extLst>
+      <p:ext uri="{BB962C8B-B14F-4D97-AF65-F5344CB8AC3E}">
+        <p14:creationId xmlns:p14="http://schemas.microsoft.com/office/powerpoint/2010/main" val="2180029746"/>
+      </p:ext>
+    </p:extLst>
+  </p:cSld>
+  <p:clrMapOvr>
+    <a:masterClrMapping/>
+  </p:clrMapOvr>
+</p:sld>
+</file>
+
 <file path=ppt/slides/slide2.xml><?xml version="1.0" encoding="utf-8"?>
 <p:sld xmlns:a="http://schemas.openxmlformats.org/drawingml/2006/main" xmlns:r="http://schemas.openxmlformats.org/officeDocument/2006/relationships" xmlns:p="http://schemas.openxmlformats.org/presentationml/2006/main">
   <p:cSld>
